--- a/presentations/04_Security.pptx
+++ b/presentations/04_Security.pptx
@@ -5,69 +5,72 @@
     <p:sldMasterId id="2147483648" r:id="rId1"/>
   </p:sldMasterIdLst>
   <p:notesMasterIdLst>
-    <p:notesMasterId r:id="rId62"/>
+    <p:notesMasterId r:id="rId65"/>
   </p:notesMasterIdLst>
   <p:sldIdLst>
     <p:sldId id="257" r:id="rId2"/>
     <p:sldId id="261" r:id="rId3"/>
     <p:sldId id="271" r:id="rId4"/>
     <p:sldId id="262" r:id="rId5"/>
-    <p:sldId id="309" r:id="rId6"/>
-    <p:sldId id="263" r:id="rId7"/>
-    <p:sldId id="264" r:id="rId8"/>
-    <p:sldId id="265" r:id="rId9"/>
-    <p:sldId id="266" r:id="rId10"/>
-    <p:sldId id="290" r:id="rId11"/>
-    <p:sldId id="268" r:id="rId12"/>
-    <p:sldId id="289" r:id="rId13"/>
-    <p:sldId id="269" r:id="rId14"/>
-    <p:sldId id="270" r:id="rId15"/>
-    <p:sldId id="267" r:id="rId16"/>
-    <p:sldId id="272" r:id="rId17"/>
-    <p:sldId id="273" r:id="rId18"/>
-    <p:sldId id="274" r:id="rId19"/>
-    <p:sldId id="275" r:id="rId20"/>
-    <p:sldId id="276" r:id="rId21"/>
-    <p:sldId id="277" r:id="rId22"/>
-    <p:sldId id="312" r:id="rId23"/>
-    <p:sldId id="279" r:id="rId24"/>
-    <p:sldId id="311" r:id="rId25"/>
-    <p:sldId id="280" r:id="rId26"/>
-    <p:sldId id="283" r:id="rId27"/>
-    <p:sldId id="284" r:id="rId28"/>
-    <p:sldId id="286" r:id="rId29"/>
-    <p:sldId id="287" r:id="rId30"/>
-    <p:sldId id="278" r:id="rId31"/>
-    <p:sldId id="308" r:id="rId32"/>
-    <p:sldId id="288" r:id="rId33"/>
-    <p:sldId id="285" r:id="rId34"/>
-    <p:sldId id="291" r:id="rId35"/>
-    <p:sldId id="292" r:id="rId36"/>
-    <p:sldId id="295" r:id="rId37"/>
-    <p:sldId id="321" r:id="rId38"/>
-    <p:sldId id="305" r:id="rId39"/>
-    <p:sldId id="322" r:id="rId40"/>
-    <p:sldId id="316" r:id="rId41"/>
-    <p:sldId id="320" r:id="rId42"/>
-    <p:sldId id="317" r:id="rId43"/>
-    <p:sldId id="319" r:id="rId44"/>
-    <p:sldId id="318" r:id="rId45"/>
-    <p:sldId id="323" r:id="rId46"/>
-    <p:sldId id="324" r:id="rId47"/>
-    <p:sldId id="314" r:id="rId48"/>
-    <p:sldId id="294" r:id="rId49"/>
-    <p:sldId id="296" r:id="rId50"/>
-    <p:sldId id="297" r:id="rId51"/>
-    <p:sldId id="298" r:id="rId52"/>
-    <p:sldId id="300" r:id="rId53"/>
-    <p:sldId id="299" r:id="rId54"/>
-    <p:sldId id="301" r:id="rId55"/>
-    <p:sldId id="302" r:id="rId56"/>
-    <p:sldId id="303" r:id="rId57"/>
-    <p:sldId id="304" r:id="rId58"/>
-    <p:sldId id="306" r:id="rId59"/>
-    <p:sldId id="307" r:id="rId60"/>
-    <p:sldId id="310" r:id="rId61"/>
+    <p:sldId id="272" r:id="rId6"/>
+    <p:sldId id="273" r:id="rId7"/>
+    <p:sldId id="274" r:id="rId8"/>
+    <p:sldId id="275" r:id="rId9"/>
+    <p:sldId id="325" r:id="rId10"/>
+    <p:sldId id="276" r:id="rId11"/>
+    <p:sldId id="277" r:id="rId12"/>
+    <p:sldId id="312" r:id="rId13"/>
+    <p:sldId id="309" r:id="rId14"/>
+    <p:sldId id="263" r:id="rId15"/>
+    <p:sldId id="264" r:id="rId16"/>
+    <p:sldId id="265" r:id="rId17"/>
+    <p:sldId id="266" r:id="rId18"/>
+    <p:sldId id="290" r:id="rId19"/>
+    <p:sldId id="268" r:id="rId20"/>
+    <p:sldId id="289" r:id="rId21"/>
+    <p:sldId id="269" r:id="rId22"/>
+    <p:sldId id="270" r:id="rId23"/>
+    <p:sldId id="267" r:id="rId24"/>
+    <p:sldId id="279" r:id="rId25"/>
+    <p:sldId id="311" r:id="rId26"/>
+    <p:sldId id="280" r:id="rId27"/>
+    <p:sldId id="283" r:id="rId28"/>
+    <p:sldId id="284" r:id="rId29"/>
+    <p:sldId id="327" r:id="rId30"/>
+    <p:sldId id="326" r:id="rId31"/>
+    <p:sldId id="287" r:id="rId32"/>
+    <p:sldId id="278" r:id="rId33"/>
+    <p:sldId id="308" r:id="rId34"/>
+    <p:sldId id="288" r:id="rId35"/>
+    <p:sldId id="285" r:id="rId36"/>
+    <p:sldId id="291" r:id="rId37"/>
+    <p:sldId id="292" r:id="rId38"/>
+    <p:sldId id="295" r:id="rId39"/>
+    <p:sldId id="321" r:id="rId40"/>
+    <p:sldId id="305" r:id="rId41"/>
+    <p:sldId id="322" r:id="rId42"/>
+    <p:sldId id="316" r:id="rId43"/>
+    <p:sldId id="320" r:id="rId44"/>
+    <p:sldId id="317" r:id="rId45"/>
+    <p:sldId id="319" r:id="rId46"/>
+    <p:sldId id="318" r:id="rId47"/>
+    <p:sldId id="323" r:id="rId48"/>
+    <p:sldId id="324" r:id="rId49"/>
+    <p:sldId id="314" r:id="rId50"/>
+    <p:sldId id="294" r:id="rId51"/>
+    <p:sldId id="296" r:id="rId52"/>
+    <p:sldId id="297" r:id="rId53"/>
+    <p:sldId id="298" r:id="rId54"/>
+    <p:sldId id="300" r:id="rId55"/>
+    <p:sldId id="299" r:id="rId56"/>
+    <p:sldId id="328" r:id="rId57"/>
+    <p:sldId id="301" r:id="rId58"/>
+    <p:sldId id="302" r:id="rId59"/>
+    <p:sldId id="303" r:id="rId60"/>
+    <p:sldId id="304" r:id="rId61"/>
+    <p:sldId id="306" r:id="rId62"/>
+    <p:sldId id="307" r:id="rId63"/>
+    <p:sldId id="310" r:id="rId64"/>
   </p:sldIdLst>
   <p:sldSz cx="12192000" cy="6858000"/>
   <p:notesSz cx="6858000" cy="9144000"/>
@@ -264,7 +267,7 @@
           <a:p>
             <a:fld id="{5B3CF26E-0687-4C54-85B5-9144DF51ABD2}" type="datetimeFigureOut">
               <a:rPr lang="en-US" smtClean="0"/>
-              <a:t>16-Jul-21</a:t>
+              <a:t>09-Feb-22</a:t>
             </a:fld>
             <a:endParaRPr lang="en-US"/>
           </a:p>
@@ -577,6 +580,12 @@
           <a:p>
             <a:endParaRPr lang="en-US" dirty="0"/>
           </a:p>
+          <a:p>
+            <a:r>
+              <a:rPr lang="en-US" dirty="0"/>
+              <a:t>There is even negotiation companies to get discounts</a:t>
+            </a:r>
+          </a:p>
         </p:txBody>
       </p:sp>
       <p:sp>
@@ -594,18 +603,78 @@
           <a:bodyPr/>
           <a:lstStyle/>
           <a:p>
+            <a:pPr marL="0" marR="0" lvl="0" indent="0" algn="r" defTabSz="914400" rtl="0" eaLnBrk="1" fontAlgn="auto" latinLnBrk="0" hangingPunct="1">
+              <a:lnSpc>
+                <a:spcPct val="100000"/>
+              </a:lnSpc>
+              <a:spcBef>
+                <a:spcPts val="0"/>
+              </a:spcBef>
+              <a:spcAft>
+                <a:spcPts val="0"/>
+              </a:spcAft>
+              <a:buClrTx/>
+              <a:buSzTx/>
+              <a:buFontTx/>
+              <a:buNone/>
+              <a:tabLst/>
+              <a:defRPr/>
+            </a:pPr>
             <a:fld id="{4CD97DBD-10D3-4C26-BC19-FB3B3CF19432}" type="slidenum">
-              <a:rPr lang="en-US" smtClean="0"/>
-              <a:t>10</a:t>
+              <a:rPr kumimoji="0" lang="en-US" sz="1200" b="0" i="0" u="none" strike="noStrike" kern="1200" cap="none" spc="0" normalizeH="0" baseline="0" noProof="0" smtClean="0">
+                <a:ln>
+                  <a:noFill/>
+                </a:ln>
+                <a:solidFill>
+                  <a:prstClr val="black"/>
+                </a:solidFill>
+                <a:effectLst/>
+                <a:uLnTx/>
+                <a:uFillTx/>
+                <a:latin typeface="Calibri" panose="020F0502020204030204"/>
+                <a:ea typeface="+mn-ea"/>
+                <a:cs typeface="+mn-cs"/>
+              </a:rPr>
+              <a:pPr marL="0" marR="0" lvl="0" indent="0" algn="r" defTabSz="914400" rtl="0" eaLnBrk="1" fontAlgn="auto" latinLnBrk="0" hangingPunct="1">
+                <a:lnSpc>
+                  <a:spcPct val="100000"/>
+                </a:lnSpc>
+                <a:spcBef>
+                  <a:spcPts val="0"/>
+                </a:spcBef>
+                <a:spcAft>
+                  <a:spcPts val="0"/>
+                </a:spcAft>
+                <a:buClrTx/>
+                <a:buSzTx/>
+                <a:buFontTx/>
+                <a:buNone/>
+                <a:tabLst/>
+                <a:defRPr/>
+              </a:pPr>
+              <a:t>5</a:t>
             </a:fld>
-            <a:endParaRPr lang="en-US"/>
+            <a:endParaRPr kumimoji="0" lang="en-US" sz="1200" b="0" i="0" u="none" strike="noStrike" kern="1200" cap="none" spc="0" normalizeH="0" baseline="0" noProof="0">
+              <a:ln>
+                <a:noFill/>
+              </a:ln>
+              <a:solidFill>
+                <a:prstClr val="black"/>
+              </a:solidFill>
+              <a:effectLst/>
+              <a:uLnTx/>
+              <a:uFillTx/>
+              <a:latin typeface="Calibri" panose="020F0502020204030204"/>
+              <a:ea typeface="+mn-ea"/>
+              <a:cs typeface="+mn-cs"/>
+            </a:endParaRPr>
           </a:p>
         </p:txBody>
       </p:sp>
     </p:spTree>
     <p:extLst>
       <p:ext uri="{BB962C8B-B14F-4D97-AF65-F5344CB8AC3E}">
-        <p14:creationId xmlns:p14="http://schemas.microsoft.com/office/powerpoint/2010/main" val="3387184200"/>
+        <p14:creationId xmlns:p14="http://schemas.microsoft.com/office/powerpoint/2010/main" val="1036840200"/>
       </p:ext>
     </p:extLst>
   </p:cSld>
@@ -659,27 +728,10 @@
           <a:bodyPr/>
           <a:lstStyle/>
           <a:p>
-            <a:pPr marL="0" marR="0" lvl="0" indent="0" algn="l" defTabSz="914400" rtl="0" eaLnBrk="1" fontAlgn="auto" latinLnBrk="0" hangingPunct="1">
-              <a:lnSpc>
-                <a:spcPct val="100000"/>
-              </a:lnSpc>
-              <a:spcBef>
-                <a:spcPts val="0"/>
-              </a:spcBef>
-              <a:spcAft>
-                <a:spcPts val="0"/>
-              </a:spcAft>
-              <a:buClrTx/>
-              <a:buSzTx/>
-              <a:buFontTx/>
-              <a:buNone/>
-              <a:tabLst/>
-              <a:defRPr/>
-            </a:pPr>
-            <a:endParaRPr lang="en-US" sz="1800" dirty="0">
-              <a:effectLst/>
-              <a:latin typeface="Calibri" panose="020F0502020204030204" pitchFamily="34" charset="0"/>
-            </a:endParaRPr>
+            <a:r>
+              <a:rPr lang="en-US" dirty="0"/>
+              <a:t>Azure AD, AWS AIM, RBAC</a:t>
+            </a:r>
           </a:p>
         </p:txBody>
       </p:sp>
@@ -700,7 +752,7 @@
           <a:p>
             <a:fld id="{4CD97DBD-10D3-4C26-BC19-FB3B3CF19432}" type="slidenum">
               <a:rPr lang="en-US" smtClean="0"/>
-              <a:t>22</a:t>
+              <a:t>20</a:t>
             </a:fld>
             <a:endParaRPr lang="en-US"/>
           </a:p>
@@ -709,7 +761,7 @@
     </p:spTree>
     <p:extLst>
       <p:ext uri="{BB962C8B-B14F-4D97-AF65-F5344CB8AC3E}">
-        <p14:creationId xmlns:p14="http://schemas.microsoft.com/office/powerpoint/2010/main" val="4287443660"/>
+        <p14:creationId xmlns:p14="http://schemas.microsoft.com/office/powerpoint/2010/main" val="2269381163"/>
       </p:ext>
     </p:extLst>
   </p:cSld>
@@ -763,52 +815,21 @@
           <a:bodyPr/>
           <a:lstStyle/>
           <a:p>
-            <a:pPr marL="171450" indent="-171450">
-              <a:buFontTx/>
-              <a:buChar char="-"/>
+            <a:pPr marL="0" indent="0">
+              <a:buNone/>
             </a:pPr>
             <a:r>
               <a:rPr lang="en-US" dirty="0"/>
-              <a:t>Encrypt data in database/storage</a:t>
-            </a:r>
-          </a:p>
-          <a:p>
-            <a:pPr marL="171450" indent="-171450">
-              <a:buFontTx/>
-              <a:buChar char="-"/>
+              <a:t>Know in which domain you are, and which standard applies to it (mostly about data)</a:t>
+            </a:r>
+          </a:p>
+          <a:p>
+            <a:pPr marL="0" indent="0">
+              <a:buNone/>
             </a:pPr>
-            <a:r>
-              <a:rPr lang="en-US" dirty="0"/>
-              <a:t>Add (s) to your protocol: HTTPs, </a:t>
-            </a:r>
-            <a:r>
-              <a:rPr lang="en-US" dirty="0" err="1"/>
-              <a:t>sFTP</a:t>
-            </a:r>
-            <a:r>
-              <a:rPr lang="en-US" dirty="0"/>
-              <a:t>, …</a:t>
-            </a:r>
-          </a:p>
-          <a:p>
-            <a:pPr marL="171450" indent="-171450">
-              <a:buFontTx/>
-              <a:buChar char="-"/>
-            </a:pPr>
-            <a:r>
-              <a:rPr lang="en-US" dirty="0"/>
-              <a:t>Strict firewall rules, OS hardening</a:t>
-            </a:r>
-          </a:p>
-          <a:p>
-            <a:pPr marL="171450" indent="-171450">
-              <a:buFontTx/>
-              <a:buChar char="-"/>
-            </a:pPr>
-            <a:r>
-              <a:rPr lang="en-US"/>
-              <a:t>Least-privilege identity</a:t>
-            </a:r>
+            <a:endParaRPr lang="en-US" dirty="0"/>
+          </a:p>
+          <a:p>
             <a:endParaRPr lang="en-US" dirty="0"/>
           </a:p>
         </p:txBody>
@@ -839,7 +860,7 @@
     </p:spTree>
     <p:extLst>
       <p:ext uri="{BB962C8B-B14F-4D97-AF65-F5344CB8AC3E}">
-        <p14:creationId xmlns:p14="http://schemas.microsoft.com/office/powerpoint/2010/main" val="4036759516"/>
+        <p14:creationId xmlns:p14="http://schemas.microsoft.com/office/powerpoint/2010/main" val="3284217341"/>
       </p:ext>
     </p:extLst>
   </p:cSld>
@@ -897,6 +918,48 @@
               <a:buFontTx/>
               <a:buChar char="-"/>
             </a:pPr>
+            <a:r>
+              <a:rPr lang="en-US" dirty="0"/>
+              <a:t>Encrypt data in database/storage</a:t>
+            </a:r>
+          </a:p>
+          <a:p>
+            <a:pPr marL="171450" indent="-171450">
+              <a:buFontTx/>
+              <a:buChar char="-"/>
+            </a:pPr>
+            <a:r>
+              <a:rPr lang="en-US" dirty="0"/>
+              <a:t>Add (s) to your protocol: HTTPs, </a:t>
+            </a:r>
+            <a:r>
+              <a:rPr lang="en-US" dirty="0" err="1"/>
+              <a:t>sFTP</a:t>
+            </a:r>
+            <a:r>
+              <a:rPr lang="en-US" dirty="0"/>
+              <a:t>, …</a:t>
+            </a:r>
+          </a:p>
+          <a:p>
+            <a:pPr marL="171450" indent="-171450">
+              <a:buFontTx/>
+              <a:buChar char="-"/>
+            </a:pPr>
+            <a:r>
+              <a:rPr lang="en-US" dirty="0"/>
+              <a:t>Strict firewall rules, OS hardening</a:t>
+            </a:r>
+          </a:p>
+          <a:p>
+            <a:pPr marL="171450" indent="-171450">
+              <a:buFontTx/>
+              <a:buChar char="-"/>
+            </a:pPr>
+            <a:r>
+              <a:rPr lang="en-US"/>
+              <a:t>Least-privilege identity</a:t>
+            </a:r>
             <a:endParaRPr lang="en-US" dirty="0"/>
           </a:p>
         </p:txBody>
@@ -927,7 +990,7 @@
     </p:spTree>
     <p:extLst>
       <p:ext uri="{BB962C8B-B14F-4D97-AF65-F5344CB8AC3E}">
-        <p14:creationId xmlns:p14="http://schemas.microsoft.com/office/powerpoint/2010/main" val="3598909346"/>
+        <p14:creationId xmlns:p14="http://schemas.microsoft.com/office/powerpoint/2010/main" val="4036759516"/>
       </p:ext>
     </p:extLst>
   </p:cSld>
@@ -981,57 +1044,11 @@
           <a:bodyPr/>
           <a:lstStyle/>
           <a:p>
-            <a:pPr marL="171450" marR="0" lvl="0" indent="-171450" algn="l" defTabSz="914400" rtl="0" eaLnBrk="1" fontAlgn="auto" latinLnBrk="0" hangingPunct="1">
-              <a:lnSpc>
-                <a:spcPct val="100000"/>
-              </a:lnSpc>
-              <a:spcBef>
-                <a:spcPts val="0"/>
-              </a:spcBef>
-              <a:spcAft>
-                <a:spcPts val="0"/>
-              </a:spcAft>
-              <a:buClrTx/>
-              <a:buSzTx/>
-              <a:buFontTx/>
-              <a:buChar char="-"/>
-              <a:tabLst/>
-              <a:defRPr/>
-            </a:pPr>
-            <a:r>
-              <a:rPr lang="en-US" dirty="0"/>
-              <a:t>Encrypt data before sending it over the wire</a:t>
-            </a:r>
-          </a:p>
-          <a:p>
             <a:pPr marL="171450" indent="-171450">
               <a:buFontTx/>
               <a:buChar char="-"/>
             </a:pPr>
-            <a:r>
-              <a:rPr lang="en-US" dirty="0"/>
-              <a:t>Gather logs from all your resources and store them at least a few weeks</a:t>
-            </a:r>
-          </a:p>
-          <a:p>
-            <a:pPr marL="171450" indent="-171450">
-              <a:buFontTx/>
-              <a:buChar char="-"/>
-            </a:pPr>
-            <a:r>
-              <a:rPr lang="en-US" dirty="0"/>
-              <a:t>Expose metrics, watch them, alert</a:t>
-            </a:r>
-          </a:p>
-          <a:p>
-            <a:pPr marL="171450" indent="-171450">
-              <a:buFontTx/>
-              <a:buChar char="-"/>
-            </a:pPr>
-            <a:r>
-              <a:rPr lang="en-US" dirty="0"/>
-              <a:t>Patch your dependencies, use explicit (ideally immutable) versions, sign artifacts and verify your supply chain</a:t>
-            </a:r>
+            <a:endParaRPr lang="en-US" dirty="0"/>
           </a:p>
         </p:txBody>
       </p:sp>
@@ -1061,7 +1078,7 @@
     </p:spTree>
     <p:extLst>
       <p:ext uri="{BB962C8B-B14F-4D97-AF65-F5344CB8AC3E}">
-        <p14:creationId xmlns:p14="http://schemas.microsoft.com/office/powerpoint/2010/main" val="1566427163"/>
+        <p14:creationId xmlns:p14="http://schemas.microsoft.com/office/powerpoint/2010/main" val="3598909346"/>
       </p:ext>
     </p:extLst>
   </p:cSld>
@@ -1115,6 +1132,70 @@
           <a:bodyPr/>
           <a:lstStyle/>
           <a:p>
+            <a:pPr marL="171450" indent="-171450">
+              <a:lnSpc>
+                <a:spcPct val="100000"/>
+              </a:lnSpc>
+              <a:spcBef>
+                <a:spcPts val="0"/>
+              </a:spcBef>
+              <a:buFont typeface="Arial" panose="020B0604020202020204" pitchFamily="34" charset="0"/>
+              <a:buChar char="•"/>
+              <a:defRPr/>
+            </a:pPr>
+            <a:r>
+              <a:rPr lang="en-US" dirty="0"/>
+              <a:t>Encrypt data before sending it over the wire</a:t>
+            </a:r>
+          </a:p>
+          <a:p>
+            <a:pPr marL="171450" indent="-171450">
+              <a:buFont typeface="Arial" panose="020B0604020202020204" pitchFamily="34" charset="0"/>
+              <a:buChar char="•"/>
+            </a:pPr>
+            <a:r>
+              <a:rPr lang="en-US" dirty="0"/>
+              <a:t>Gather logs from all your resources and store them at least a few weeks</a:t>
+            </a:r>
+          </a:p>
+          <a:p>
+            <a:pPr marL="171450" indent="-171450">
+              <a:buFont typeface="Arial" panose="020B0604020202020204" pitchFamily="34" charset="0"/>
+              <a:buChar char="•"/>
+            </a:pPr>
+            <a:r>
+              <a:rPr lang="en-US" dirty="0"/>
+              <a:t>Expose metrics, watch them, alert</a:t>
+            </a:r>
+          </a:p>
+          <a:p>
+            <a:pPr marL="171450" indent="-171450">
+              <a:buFont typeface="Arial" panose="020B0604020202020204" pitchFamily="34" charset="0"/>
+              <a:buChar char="•"/>
+            </a:pPr>
+            <a:r>
+              <a:rPr lang="en-US" dirty="0"/>
+              <a:t>Patch your dependencies, use explicit (ideally immutable) versions, sign artifacts and verify your supply chain</a:t>
+            </a:r>
+          </a:p>
+          <a:p>
+            <a:pPr marL="171450" marR="0" lvl="0" indent="-171450" algn="l" defTabSz="914400" rtl="0" eaLnBrk="1" fontAlgn="auto" latinLnBrk="0" hangingPunct="1">
+              <a:lnSpc>
+                <a:spcPct val="100000"/>
+              </a:lnSpc>
+              <a:spcBef>
+                <a:spcPts val="0"/>
+              </a:spcBef>
+              <a:spcAft>
+                <a:spcPts val="0"/>
+              </a:spcAft>
+              <a:buClrTx/>
+              <a:buSzTx/>
+              <a:buFontTx/>
+              <a:buChar char="-"/>
+              <a:tabLst/>
+              <a:defRPr/>
+            </a:pPr>
             <a:endParaRPr lang="en-US" dirty="0"/>
           </a:p>
         </p:txBody>
@@ -1145,7 +1226,7 @@
     </p:spTree>
     <p:extLst>
       <p:ext uri="{BB962C8B-B14F-4D97-AF65-F5344CB8AC3E}">
-        <p14:creationId xmlns:p14="http://schemas.microsoft.com/office/powerpoint/2010/main" val="636620486"/>
+        <p14:creationId xmlns:p14="http://schemas.microsoft.com/office/powerpoint/2010/main" val="1566427163"/>
       </p:ext>
     </p:extLst>
   </p:cSld>
@@ -1199,54 +1280,7 @@
           <a:bodyPr/>
           <a:lstStyle/>
           <a:p>
-            <a:pPr marL="171450" indent="-171450">
-              <a:buFontTx/>
-              <a:buChar char="-"/>
-            </a:pPr>
-            <a:r>
-              <a:rPr lang="en-US" dirty="0"/>
-              <a:t>Human and machine identities should be allowed only a minimal needed set of permissions</a:t>
-            </a:r>
-          </a:p>
-          <a:p>
-            <a:pPr marL="171450" indent="-171450">
-              <a:buFontTx/>
-              <a:buChar char="-"/>
-            </a:pPr>
-            <a:r>
-              <a:rPr lang="en-US" dirty="0"/>
-              <a:t>Enforce strong passwords and multiple factors auth</a:t>
-            </a:r>
-          </a:p>
-          <a:p>
-            <a:pPr marL="171450" indent="-171450">
-              <a:buFontTx/>
-              <a:buChar char="-"/>
-            </a:pPr>
-            <a:r>
-              <a:rPr lang="en-US" dirty="0"/>
-              <a:t>Rotate secrets frequently and set expiration dates</a:t>
-            </a:r>
-          </a:p>
-          <a:p>
-            <a:pPr marL="171450" indent="-171450">
-              <a:buFontTx/>
-              <a:buChar char="-"/>
-            </a:pPr>
-            <a:r>
-              <a:rPr lang="en-US" dirty="0"/>
-              <a:t>Codify your system policies and enforce resources to follow them</a:t>
-            </a:r>
-          </a:p>
-          <a:p>
-            <a:pPr marL="171450" indent="-171450">
-              <a:buFontTx/>
-              <a:buChar char="-"/>
-            </a:pPr>
-            <a:r>
-              <a:rPr lang="en-US" dirty="0"/>
-              <a:t>Log who does what and when</a:t>
-            </a:r>
+            <a:endParaRPr lang="en-US" dirty="0"/>
           </a:p>
         </p:txBody>
       </p:sp>
@@ -1276,7 +1310,7 @@
     </p:spTree>
     <p:extLst>
       <p:ext uri="{BB962C8B-B14F-4D97-AF65-F5344CB8AC3E}">
-        <p14:creationId xmlns:p14="http://schemas.microsoft.com/office/powerpoint/2010/main" val="287926470"/>
+        <p14:creationId xmlns:p14="http://schemas.microsoft.com/office/powerpoint/2010/main" val="636620486"/>
       </p:ext>
     </p:extLst>
   </p:cSld>
@@ -1330,57 +1364,54 @@
           <a:bodyPr/>
           <a:lstStyle/>
           <a:p>
-            <a:pPr marL="0" marR="0" lvl="0" indent="0" algn="l" defTabSz="914400" rtl="0" eaLnBrk="1" fontAlgn="auto" latinLnBrk="0" hangingPunct="1">
-              <a:lnSpc>
-                <a:spcPct val="100000"/>
-              </a:lnSpc>
-              <a:spcBef>
-                <a:spcPts val="0"/>
-              </a:spcBef>
-              <a:spcAft>
-                <a:spcPts val="0"/>
-              </a:spcAft>
-              <a:buClrTx/>
-              <a:buSzTx/>
+            <a:pPr marL="171450" indent="-171450">
               <a:buFontTx/>
-              <a:buNone/>
-              <a:tabLst/>
-              <a:defRPr/>
+              <a:buChar char="-"/>
             </a:pPr>
             <a:r>
-              <a:rPr lang="en-US" sz="1200" dirty="0">
-                <a:effectLst/>
-                <a:latin typeface="Calibri" panose="020F0502020204030204" pitchFamily="34" charset="0"/>
-              </a:rPr>
-              <a:t>Demo:</a:t>
-            </a:r>
-          </a:p>
-          <a:p>
-            <a:pPr marL="0" marR="0" lvl="0" indent="0" algn="l" defTabSz="914400" rtl="0" eaLnBrk="1" fontAlgn="auto" latinLnBrk="0" hangingPunct="1">
-              <a:lnSpc>
-                <a:spcPct val="100000"/>
-              </a:lnSpc>
-              <a:spcBef>
-                <a:spcPts val="0"/>
-              </a:spcBef>
-              <a:spcAft>
-                <a:spcPts val="0"/>
-              </a:spcAft>
-              <a:buClrTx/>
-              <a:buSzTx/>
+              <a:rPr lang="en-US" dirty="0"/>
+              <a:t>Human and machine identities should be allowed only a minimal needed set of permissions</a:t>
+            </a:r>
+          </a:p>
+          <a:p>
+            <a:pPr marL="171450" indent="-171450">
               <a:buFontTx/>
-              <a:buNone/>
-              <a:tabLst/>
-              <a:defRPr/>
+              <a:buChar char="-"/>
             </a:pPr>
             <a:r>
-              <a:rPr lang="en-US" sz="1200" dirty="0">
-                <a:effectLst/>
-                <a:latin typeface="Calibri" panose="020F0502020204030204" pitchFamily="34" charset="0"/>
-              </a:rPr>
-              <a:t>- Show certificate trusted by public authority</a:t>
-            </a:r>
-            <a:endParaRPr lang="en-US" dirty="0"/>
+              <a:rPr lang="en-US" dirty="0"/>
+              <a:t>Enforce strong passwords and multiple factors auth</a:t>
+            </a:r>
+          </a:p>
+          <a:p>
+            <a:pPr marL="171450" indent="-171450">
+              <a:buFontTx/>
+              <a:buChar char="-"/>
+            </a:pPr>
+            <a:r>
+              <a:rPr lang="en-US" dirty="0"/>
+              <a:t>Rotate (machine) secrets frequently and set expiration dates</a:t>
+            </a:r>
+          </a:p>
+          <a:p>
+            <a:pPr marL="171450" indent="-171450">
+              <a:buFontTx/>
+              <a:buChar char="-"/>
+            </a:pPr>
+            <a:r>
+              <a:rPr lang="en-US" dirty="0"/>
+              <a:t>Codify your system policies and enforce resources to follow them</a:t>
+            </a:r>
+          </a:p>
+          <a:p>
+            <a:pPr marL="171450" indent="-171450">
+              <a:buFontTx/>
+              <a:buChar char="-"/>
+            </a:pPr>
+            <a:r>
+              <a:rPr lang="en-US" dirty="0"/>
+              <a:t>Log who does what and when</a:t>
+            </a:r>
           </a:p>
         </p:txBody>
       </p:sp>
@@ -1410,7 +1441,7 @@
     </p:spTree>
     <p:extLst>
       <p:ext uri="{BB962C8B-B14F-4D97-AF65-F5344CB8AC3E}">
-        <p14:creationId xmlns:p14="http://schemas.microsoft.com/office/powerpoint/2010/main" val="383710034"/>
+        <p14:creationId xmlns:p14="http://schemas.microsoft.com/office/powerpoint/2010/main" val="287926470"/>
       </p:ext>
     </p:extLst>
   </p:cSld>
@@ -1464,30 +1495,11 @@
           <a:bodyPr/>
           <a:lstStyle/>
           <a:p>
-            <a:r>
-              <a:rPr lang="en-US" dirty="0"/>
-              <a:t>Demo:</a:t>
-            </a:r>
-          </a:p>
-          <a:p>
             <a:pPr marL="171450" indent="-171450">
               <a:buFontTx/>
               <a:buChar char="-"/>
             </a:pPr>
-            <a:r>
-              <a:rPr lang="en-US" dirty="0"/>
-              <a:t>Storage account key vs SAS-token</a:t>
-            </a:r>
-          </a:p>
-          <a:p>
-            <a:pPr marL="171450" indent="-171450">
-              <a:buFontTx/>
-              <a:buChar char="-"/>
-            </a:pPr>
-            <a:r>
-              <a:rPr lang="en-US" dirty="0"/>
-              <a:t>Azure Key Vault</a:t>
-            </a:r>
+            <a:endParaRPr lang="en-US" dirty="0"/>
           </a:p>
         </p:txBody>
       </p:sp>
@@ -1517,7 +1529,7 @@
     </p:spTree>
     <p:extLst>
       <p:ext uri="{BB962C8B-B14F-4D97-AF65-F5344CB8AC3E}">
-        <p14:creationId xmlns:p14="http://schemas.microsoft.com/office/powerpoint/2010/main" val="1163553347"/>
+        <p14:creationId xmlns:p14="http://schemas.microsoft.com/office/powerpoint/2010/main" val="1907328340"/>
       </p:ext>
     </p:extLst>
   </p:cSld>
@@ -1571,41 +1583,56 @@
           <a:bodyPr/>
           <a:lstStyle/>
           <a:p>
-            <a:r>
-              <a:rPr lang="en-US" dirty="0"/>
-              <a:t>Demo:</a:t>
-            </a:r>
-          </a:p>
-          <a:p>
-            <a:pPr marL="171450" indent="-171450">
-              <a:buFontTx/>
-              <a:buChar char="-"/>
-            </a:pPr>
-            <a:r>
-              <a:rPr lang="en-US" dirty="0"/>
-              <a:t>Scan with </a:t>
-            </a:r>
-            <a:r>
-              <a:rPr lang="en-US" dirty="0" err="1"/>
-              <a:t>trivy</a:t>
-            </a:r>
-            <a:endParaRPr lang="en-US" dirty="0"/>
-          </a:p>
-          <a:p>
-            <a:pPr marL="171450" indent="-171450">
-              <a:buFontTx/>
-              <a:buChar char="-"/>
-            </a:pPr>
-            <a:r>
-              <a:rPr lang="en-US" dirty="0"/>
-              <a:t>Build container, use it by sha</a:t>
-            </a:r>
-          </a:p>
-          <a:p>
-            <a:pPr marL="0" indent="0">
+            <a:pPr marL="0" marR="0" lvl="0" indent="0" algn="l" defTabSz="914400" rtl="0" eaLnBrk="1" fontAlgn="auto" latinLnBrk="0" hangingPunct="1">
+              <a:lnSpc>
+                <a:spcPct val="100000"/>
+              </a:lnSpc>
+              <a:spcBef>
+                <a:spcPts val="0"/>
+              </a:spcBef>
+              <a:spcAft>
+                <a:spcPts val="0"/>
+              </a:spcAft>
+              <a:buClrTx/>
+              <a:buSzTx/>
               <a:buFontTx/>
               <a:buNone/>
+              <a:tabLst/>
+              <a:defRPr/>
             </a:pPr>
+            <a:r>
+              <a:rPr lang="en-US" sz="1200" dirty="0">
+                <a:effectLst/>
+                <a:latin typeface="Calibri" panose="020F0502020204030204" pitchFamily="34" charset="0"/>
+              </a:rPr>
+              <a:t>Demo:</a:t>
+            </a:r>
+          </a:p>
+          <a:p>
+            <a:pPr marL="0" marR="0" lvl="0" indent="0" algn="l" defTabSz="914400" rtl="0" eaLnBrk="1" fontAlgn="auto" latinLnBrk="0" hangingPunct="1">
+              <a:lnSpc>
+                <a:spcPct val="100000"/>
+              </a:lnSpc>
+              <a:spcBef>
+                <a:spcPts val="0"/>
+              </a:spcBef>
+              <a:spcAft>
+                <a:spcPts val="0"/>
+              </a:spcAft>
+              <a:buClrTx/>
+              <a:buSzTx/>
+              <a:buFontTx/>
+              <a:buNone/>
+              <a:tabLst/>
+              <a:defRPr/>
+            </a:pPr>
+            <a:r>
+              <a:rPr lang="en-US" sz="1200" dirty="0">
+                <a:effectLst/>
+                <a:latin typeface="Calibri" panose="020F0502020204030204" pitchFamily="34" charset="0"/>
+              </a:rPr>
+              <a:t>- Show certificate trusted by public authority</a:t>
+            </a:r>
             <a:endParaRPr lang="en-US" dirty="0"/>
           </a:p>
         </p:txBody>
@@ -1636,7 +1663,7 @@
     </p:spTree>
     <p:extLst>
       <p:ext uri="{BB962C8B-B14F-4D97-AF65-F5344CB8AC3E}">
-        <p14:creationId xmlns:p14="http://schemas.microsoft.com/office/powerpoint/2010/main" val="1097268000"/>
+        <p14:creationId xmlns:p14="http://schemas.microsoft.com/office/powerpoint/2010/main" val="3907970731"/>
       </p:ext>
     </p:extLst>
   </p:cSld>
@@ -1690,7 +1717,30 @@
           <a:bodyPr/>
           <a:lstStyle/>
           <a:p>
-            <a:endParaRPr lang="en-US" dirty="0"/>
+            <a:r>
+              <a:rPr lang="en-US" dirty="0"/>
+              <a:t>Demo:</a:t>
+            </a:r>
+          </a:p>
+          <a:p>
+            <a:pPr marL="171450" indent="-171450">
+              <a:buFontTx/>
+              <a:buChar char="-"/>
+            </a:pPr>
+            <a:r>
+              <a:rPr lang="en-US" dirty="0"/>
+              <a:t>Storage account key vs SAS-token</a:t>
+            </a:r>
+          </a:p>
+          <a:p>
+            <a:pPr marL="171450" indent="-171450">
+              <a:buFontTx/>
+              <a:buChar char="-"/>
+            </a:pPr>
+            <a:r>
+              <a:rPr lang="en-US" dirty="0"/>
+              <a:t>Azure Key Vault</a:t>
+            </a:r>
           </a:p>
         </p:txBody>
       </p:sp>
@@ -1720,7 +1770,7 @@
     </p:spTree>
     <p:extLst>
       <p:ext uri="{BB962C8B-B14F-4D97-AF65-F5344CB8AC3E}">
-        <p14:creationId xmlns:p14="http://schemas.microsoft.com/office/powerpoint/2010/main" val="4234078690"/>
+        <p14:creationId xmlns:p14="http://schemas.microsoft.com/office/powerpoint/2010/main" val="1163553347"/>
       </p:ext>
     </p:extLst>
   </p:cSld>
@@ -1774,59 +1824,97 @@
           <a:bodyPr/>
           <a:lstStyle/>
           <a:p>
-            <a:r>
-              <a:rPr lang="en-US" dirty="0"/>
-              <a:t>Firewall, security-groups, DDoS protection, JIT-VM/</a:t>
-            </a:r>
-            <a:r>
-              <a:rPr lang="en-US" dirty="0" err="1"/>
-              <a:t>Jumphost</a:t>
-            </a:r>
-            <a:r>
-              <a:rPr lang="en-US" dirty="0"/>
-              <a:t>/Bastion-host/</a:t>
-            </a:r>
-            <a:r>
-              <a:rPr lang="en-US" b="0" i="0" dirty="0">
+            <a:endParaRPr lang="en-US" dirty="0"/>
+          </a:p>
+        </p:txBody>
+      </p:sp>
+      <p:sp>
+        <p:nvSpPr>
+          <p:cNvPr id="4" name="Slide Number Placeholder 3"/>
+          <p:cNvSpPr>
+            <a:spLocks noGrp="1"/>
+          </p:cNvSpPr>
+          <p:nvPr>
+            <p:ph type="sldNum" sz="quarter" idx="5"/>
+          </p:nvPr>
+        </p:nvSpPr>
+        <p:spPr/>
+        <p:txBody>
+          <a:bodyPr/>
+          <a:lstStyle/>
+          <a:p>
+            <a:pPr marL="0" marR="0" lvl="0" indent="0" algn="r" defTabSz="914400" rtl="0" eaLnBrk="1" fontAlgn="auto" latinLnBrk="0" hangingPunct="1">
+              <a:lnSpc>
+                <a:spcPct val="100000"/>
+              </a:lnSpc>
+              <a:spcBef>
+                <a:spcPts val="0"/>
+              </a:spcBef>
+              <a:spcAft>
+                <a:spcPts val="0"/>
+              </a:spcAft>
+              <a:buClrTx/>
+              <a:buSzTx/>
+              <a:buFontTx/>
+              <a:buNone/>
+              <a:tabLst/>
+              <a:defRPr/>
+            </a:pPr>
+            <a:fld id="{4CD97DBD-10D3-4C26-BC19-FB3B3CF19432}" type="slidenum">
+              <a:rPr kumimoji="0" lang="en-US" sz="1200" b="0" i="0" u="none" strike="noStrike" kern="1200" cap="none" spc="0" normalizeH="0" baseline="0" noProof="0" smtClean="0">
+                <a:ln>
+                  <a:noFill/>
+                </a:ln>
                 <a:solidFill>
-                  <a:srgbClr val="202124"/>
+                  <a:prstClr val="black"/>
                 </a:solidFill>
                 <a:effectLst/>
-                <a:latin typeface="Google Sans"/>
+                <a:uLnTx/>
+                <a:uFillTx/>
+                <a:latin typeface="Calibri" panose="020F0502020204030204"/>
+                <a:ea typeface="+mn-ea"/>
+                <a:cs typeface="+mn-cs"/>
               </a:rPr>
-              <a:t>Shielded-VMs</a:t>
-            </a:r>
-            <a:endParaRPr lang="en-US" dirty="0"/>
-          </a:p>
-        </p:txBody>
-      </p:sp>
-      <p:sp>
-        <p:nvSpPr>
-          <p:cNvPr id="4" name="Slide Number Placeholder 3"/>
-          <p:cNvSpPr>
-            <a:spLocks noGrp="1"/>
-          </p:cNvSpPr>
-          <p:nvPr>
-            <p:ph type="sldNum" sz="quarter" idx="5"/>
-          </p:nvPr>
-        </p:nvSpPr>
-        <p:spPr/>
-        <p:txBody>
-          <a:bodyPr/>
-          <a:lstStyle/>
-          <a:p>
-            <a:fld id="{4CD97DBD-10D3-4C26-BC19-FB3B3CF19432}" type="slidenum">
-              <a:rPr lang="en-US" smtClean="0"/>
-              <a:t>11</a:t>
+              <a:pPr marL="0" marR="0" lvl="0" indent="0" algn="r" defTabSz="914400" rtl="0" eaLnBrk="1" fontAlgn="auto" latinLnBrk="0" hangingPunct="1">
+                <a:lnSpc>
+                  <a:spcPct val="100000"/>
+                </a:lnSpc>
+                <a:spcBef>
+                  <a:spcPts val="0"/>
+                </a:spcBef>
+                <a:spcAft>
+                  <a:spcPts val="0"/>
+                </a:spcAft>
+                <a:buClrTx/>
+                <a:buSzTx/>
+                <a:buFontTx/>
+                <a:buNone/>
+                <a:tabLst/>
+                <a:defRPr/>
+              </a:pPr>
+              <a:t>6</a:t>
             </a:fld>
-            <a:endParaRPr lang="en-US"/>
+            <a:endParaRPr kumimoji="0" lang="en-US" sz="1200" b="0" i="0" u="none" strike="noStrike" kern="1200" cap="none" spc="0" normalizeH="0" baseline="0" noProof="0">
+              <a:ln>
+                <a:noFill/>
+              </a:ln>
+              <a:solidFill>
+                <a:prstClr val="black"/>
+              </a:solidFill>
+              <a:effectLst/>
+              <a:uLnTx/>
+              <a:uFillTx/>
+              <a:latin typeface="Calibri" panose="020F0502020204030204"/>
+              <a:ea typeface="+mn-ea"/>
+              <a:cs typeface="+mn-cs"/>
+            </a:endParaRPr>
           </a:p>
         </p:txBody>
       </p:sp>
     </p:spTree>
     <p:extLst>
       <p:ext uri="{BB962C8B-B14F-4D97-AF65-F5344CB8AC3E}">
-        <p14:creationId xmlns:p14="http://schemas.microsoft.com/office/powerpoint/2010/main" val="2511389333"/>
+        <p14:creationId xmlns:p14="http://schemas.microsoft.com/office/powerpoint/2010/main" val="2697050632"/>
       </p:ext>
     </p:extLst>
   </p:cSld>
@@ -1880,6 +1968,41 @@
           <a:bodyPr/>
           <a:lstStyle/>
           <a:p>
+            <a:r>
+              <a:rPr lang="en-US" dirty="0"/>
+              <a:t>Demo:</a:t>
+            </a:r>
+          </a:p>
+          <a:p>
+            <a:pPr marL="171450" indent="-171450">
+              <a:buFontTx/>
+              <a:buChar char="-"/>
+            </a:pPr>
+            <a:r>
+              <a:rPr lang="en-US" dirty="0"/>
+              <a:t>Scan with </a:t>
+            </a:r>
+            <a:r>
+              <a:rPr lang="en-US" dirty="0" err="1"/>
+              <a:t>trivy</a:t>
+            </a:r>
+            <a:endParaRPr lang="en-US" dirty="0"/>
+          </a:p>
+          <a:p>
+            <a:pPr marL="171450" indent="-171450">
+              <a:buFontTx/>
+              <a:buChar char="-"/>
+            </a:pPr>
+            <a:r>
+              <a:rPr lang="en-US" dirty="0"/>
+              <a:t>Build container, use it by sha</a:t>
+            </a:r>
+          </a:p>
+          <a:p>
+            <a:pPr marL="0" indent="0">
+              <a:buFontTx/>
+              <a:buNone/>
+            </a:pPr>
             <a:endParaRPr lang="en-US" dirty="0"/>
           </a:p>
         </p:txBody>
@@ -1910,7 +2033,7 @@
     </p:spTree>
     <p:extLst>
       <p:ext uri="{BB962C8B-B14F-4D97-AF65-F5344CB8AC3E}">
-        <p14:creationId xmlns:p14="http://schemas.microsoft.com/office/powerpoint/2010/main" val="2964135232"/>
+        <p14:creationId xmlns:p14="http://schemas.microsoft.com/office/powerpoint/2010/main" val="1097268000"/>
       </p:ext>
     </p:extLst>
   </p:cSld>
@@ -1994,7 +2117,7 @@
     </p:spTree>
     <p:extLst>
       <p:ext uri="{BB962C8B-B14F-4D97-AF65-F5344CB8AC3E}">
-        <p14:creationId xmlns:p14="http://schemas.microsoft.com/office/powerpoint/2010/main" val="3513947789"/>
+        <p14:creationId xmlns:p14="http://schemas.microsoft.com/office/powerpoint/2010/main" val="4234078690"/>
       </p:ext>
     </p:extLst>
   </p:cSld>
@@ -2069,7 +2192,7 @@
           <a:p>
             <a:fld id="{4CD97DBD-10D3-4C26-BC19-FB3B3CF19432}" type="slidenum">
               <a:rPr lang="en-US" smtClean="0"/>
-              <a:t>35</a:t>
+              <a:t>34</a:t>
             </a:fld>
             <a:endParaRPr lang="en-US"/>
           </a:p>
@@ -2078,7 +2201,7 @@
     </p:spTree>
     <p:extLst>
       <p:ext uri="{BB962C8B-B14F-4D97-AF65-F5344CB8AC3E}">
-        <p14:creationId xmlns:p14="http://schemas.microsoft.com/office/powerpoint/2010/main" val="2119491456"/>
+        <p14:creationId xmlns:p14="http://schemas.microsoft.com/office/powerpoint/2010/main" val="2964135232"/>
       </p:ext>
     </p:extLst>
   </p:cSld>
@@ -2153,7 +2276,7 @@
           <a:p>
             <a:fld id="{4CD97DBD-10D3-4C26-BC19-FB3B3CF19432}" type="slidenum">
               <a:rPr lang="en-US" smtClean="0"/>
-              <a:t>36</a:t>
+              <a:t>35</a:t>
             </a:fld>
             <a:endParaRPr lang="en-US"/>
           </a:p>
@@ -2162,7 +2285,7 @@
     </p:spTree>
     <p:extLst>
       <p:ext uri="{BB962C8B-B14F-4D97-AF65-F5344CB8AC3E}">
-        <p14:creationId xmlns:p14="http://schemas.microsoft.com/office/powerpoint/2010/main" val="3521562080"/>
+        <p14:creationId xmlns:p14="http://schemas.microsoft.com/office/powerpoint/2010/main" val="3513947789"/>
       </p:ext>
     </p:extLst>
   </p:cSld>
@@ -2246,7 +2369,7 @@
     </p:spTree>
     <p:extLst>
       <p:ext uri="{BB962C8B-B14F-4D97-AF65-F5344CB8AC3E}">
-        <p14:creationId xmlns:p14="http://schemas.microsoft.com/office/powerpoint/2010/main" val="270619202"/>
+        <p14:creationId xmlns:p14="http://schemas.microsoft.com/office/powerpoint/2010/main" val="2119491456"/>
       </p:ext>
     </p:extLst>
   </p:cSld>
@@ -2330,7 +2453,7 @@
     </p:spTree>
     <p:extLst>
       <p:ext uri="{BB962C8B-B14F-4D97-AF65-F5344CB8AC3E}">
-        <p14:creationId xmlns:p14="http://schemas.microsoft.com/office/powerpoint/2010/main" val="1897586919"/>
+        <p14:creationId xmlns:p14="http://schemas.microsoft.com/office/powerpoint/2010/main" val="3521562080"/>
       </p:ext>
     </p:extLst>
   </p:cSld>
@@ -2414,7 +2537,7 @@
     </p:spTree>
     <p:extLst>
       <p:ext uri="{BB962C8B-B14F-4D97-AF65-F5344CB8AC3E}">
-        <p14:creationId xmlns:p14="http://schemas.microsoft.com/office/powerpoint/2010/main" val="3330965265"/>
+        <p14:creationId xmlns:p14="http://schemas.microsoft.com/office/powerpoint/2010/main" val="270619202"/>
       </p:ext>
     </p:extLst>
   </p:cSld>
@@ -2498,7 +2621,7 @@
     </p:spTree>
     <p:extLst>
       <p:ext uri="{BB962C8B-B14F-4D97-AF65-F5344CB8AC3E}">
-        <p14:creationId xmlns:p14="http://schemas.microsoft.com/office/powerpoint/2010/main" val="2989099877"/>
+        <p14:creationId xmlns:p14="http://schemas.microsoft.com/office/powerpoint/2010/main" val="1897586919"/>
       </p:ext>
     </p:extLst>
   </p:cSld>
@@ -2582,7 +2705,7 @@
     </p:spTree>
     <p:extLst>
       <p:ext uri="{BB962C8B-B14F-4D97-AF65-F5344CB8AC3E}">
-        <p14:creationId xmlns:p14="http://schemas.microsoft.com/office/powerpoint/2010/main" val="4197604122"/>
+        <p14:creationId xmlns:p14="http://schemas.microsoft.com/office/powerpoint/2010/main" val="3330965265"/>
       </p:ext>
     </p:extLst>
   </p:cSld>
@@ -2666,7 +2789,7 @@
     </p:spTree>
     <p:extLst>
       <p:ext uri="{BB962C8B-B14F-4D97-AF65-F5344CB8AC3E}">
-        <p14:creationId xmlns:p14="http://schemas.microsoft.com/office/powerpoint/2010/main" val="674575110"/>
+        <p14:creationId xmlns:p14="http://schemas.microsoft.com/office/powerpoint/2010/main" val="2989099877"/>
       </p:ext>
     </p:extLst>
   </p:cSld>
@@ -2720,10 +2843,7 @@
           <a:bodyPr/>
           <a:lstStyle/>
           <a:p>
-            <a:r>
-              <a:rPr lang="en-US" dirty="0"/>
-              <a:t>Azure AD, AWS AIM, RBAC</a:t>
-            </a:r>
+            <a:endParaRPr lang="en-US" dirty="0"/>
           </a:p>
         </p:txBody>
       </p:sp>
@@ -2742,18 +2862,78 @@
           <a:bodyPr/>
           <a:lstStyle/>
           <a:p>
+            <a:pPr marL="0" marR="0" lvl="0" indent="0" algn="r" defTabSz="914400" rtl="0" eaLnBrk="1" fontAlgn="auto" latinLnBrk="0" hangingPunct="1">
+              <a:lnSpc>
+                <a:spcPct val="100000"/>
+              </a:lnSpc>
+              <a:spcBef>
+                <a:spcPts val="0"/>
+              </a:spcBef>
+              <a:spcAft>
+                <a:spcPts val="0"/>
+              </a:spcAft>
+              <a:buClrTx/>
+              <a:buSzTx/>
+              <a:buFontTx/>
+              <a:buNone/>
+              <a:tabLst/>
+              <a:defRPr/>
+            </a:pPr>
             <a:fld id="{4CD97DBD-10D3-4C26-BC19-FB3B3CF19432}" type="slidenum">
-              <a:rPr lang="en-US" smtClean="0"/>
-              <a:t>12</a:t>
+              <a:rPr kumimoji="0" lang="en-US" sz="1200" b="0" i="0" u="none" strike="noStrike" kern="1200" cap="none" spc="0" normalizeH="0" baseline="0" noProof="0" smtClean="0">
+                <a:ln>
+                  <a:noFill/>
+                </a:ln>
+                <a:solidFill>
+                  <a:prstClr val="black"/>
+                </a:solidFill>
+                <a:effectLst/>
+                <a:uLnTx/>
+                <a:uFillTx/>
+                <a:latin typeface="Calibri" panose="020F0502020204030204"/>
+                <a:ea typeface="+mn-ea"/>
+                <a:cs typeface="+mn-cs"/>
+              </a:rPr>
+              <a:pPr marL="0" marR="0" lvl="0" indent="0" algn="r" defTabSz="914400" rtl="0" eaLnBrk="1" fontAlgn="auto" latinLnBrk="0" hangingPunct="1">
+                <a:lnSpc>
+                  <a:spcPct val="100000"/>
+                </a:lnSpc>
+                <a:spcBef>
+                  <a:spcPts val="0"/>
+                </a:spcBef>
+                <a:spcAft>
+                  <a:spcPts val="0"/>
+                </a:spcAft>
+                <a:buClrTx/>
+                <a:buSzTx/>
+                <a:buFontTx/>
+                <a:buNone/>
+                <a:tabLst/>
+                <a:defRPr/>
+              </a:pPr>
+              <a:t>7</a:t>
             </a:fld>
-            <a:endParaRPr lang="en-US"/>
+            <a:endParaRPr kumimoji="0" lang="en-US" sz="1200" b="0" i="0" u="none" strike="noStrike" kern="1200" cap="none" spc="0" normalizeH="0" baseline="0" noProof="0">
+              <a:ln>
+                <a:noFill/>
+              </a:ln>
+              <a:solidFill>
+                <a:prstClr val="black"/>
+              </a:solidFill>
+              <a:effectLst/>
+              <a:uLnTx/>
+              <a:uFillTx/>
+              <a:latin typeface="Calibri" panose="020F0502020204030204"/>
+              <a:ea typeface="+mn-ea"/>
+              <a:cs typeface="+mn-cs"/>
+            </a:endParaRPr>
           </a:p>
         </p:txBody>
       </p:sp>
     </p:spTree>
     <p:extLst>
       <p:ext uri="{BB962C8B-B14F-4D97-AF65-F5344CB8AC3E}">
-        <p14:creationId xmlns:p14="http://schemas.microsoft.com/office/powerpoint/2010/main" val="2269381163"/>
+        <p14:creationId xmlns:p14="http://schemas.microsoft.com/office/powerpoint/2010/main" val="1805177627"/>
       </p:ext>
     </p:extLst>
   </p:cSld>
@@ -2837,7 +3017,7 @@
     </p:spTree>
     <p:extLst>
       <p:ext uri="{BB962C8B-B14F-4D97-AF65-F5344CB8AC3E}">
-        <p14:creationId xmlns:p14="http://schemas.microsoft.com/office/powerpoint/2010/main" val="3417975768"/>
+        <p14:creationId xmlns:p14="http://schemas.microsoft.com/office/powerpoint/2010/main" val="4197604122"/>
       </p:ext>
     </p:extLst>
   </p:cSld>
@@ -2921,7 +3101,7 @@
     </p:spTree>
     <p:extLst>
       <p:ext uri="{BB962C8B-B14F-4D97-AF65-F5344CB8AC3E}">
-        <p14:creationId xmlns:p14="http://schemas.microsoft.com/office/powerpoint/2010/main" val="231699227"/>
+        <p14:creationId xmlns:p14="http://schemas.microsoft.com/office/powerpoint/2010/main" val="674575110"/>
       </p:ext>
     </p:extLst>
   </p:cSld>
@@ -3005,7 +3185,7 @@
     </p:spTree>
     <p:extLst>
       <p:ext uri="{BB962C8B-B14F-4D97-AF65-F5344CB8AC3E}">
-        <p14:creationId xmlns:p14="http://schemas.microsoft.com/office/powerpoint/2010/main" val="333483114"/>
+        <p14:creationId xmlns:p14="http://schemas.microsoft.com/office/powerpoint/2010/main" val="3417975768"/>
       </p:ext>
     </p:extLst>
   </p:cSld>
@@ -3089,7 +3269,7 @@
     </p:spTree>
     <p:extLst>
       <p:ext uri="{BB962C8B-B14F-4D97-AF65-F5344CB8AC3E}">
-        <p14:creationId xmlns:p14="http://schemas.microsoft.com/office/powerpoint/2010/main" val="236537418"/>
+        <p14:creationId xmlns:p14="http://schemas.microsoft.com/office/powerpoint/2010/main" val="231699227"/>
       </p:ext>
     </p:extLst>
   </p:cSld>
@@ -3173,7 +3353,7 @@
     </p:spTree>
     <p:extLst>
       <p:ext uri="{BB962C8B-B14F-4D97-AF65-F5344CB8AC3E}">
-        <p14:creationId xmlns:p14="http://schemas.microsoft.com/office/powerpoint/2010/main" val="2183025364"/>
+        <p14:creationId xmlns:p14="http://schemas.microsoft.com/office/powerpoint/2010/main" val="333483114"/>
       </p:ext>
     </p:extLst>
   </p:cSld>
@@ -3257,7 +3437,7 @@
     </p:spTree>
     <p:extLst>
       <p:ext uri="{BB962C8B-B14F-4D97-AF65-F5344CB8AC3E}">
-        <p14:creationId xmlns:p14="http://schemas.microsoft.com/office/powerpoint/2010/main" val="3379131748"/>
+        <p14:creationId xmlns:p14="http://schemas.microsoft.com/office/powerpoint/2010/main" val="236537418"/>
       </p:ext>
     </p:extLst>
   </p:cSld>
@@ -3341,7 +3521,7 @@
     </p:spTree>
     <p:extLst>
       <p:ext uri="{BB962C8B-B14F-4D97-AF65-F5344CB8AC3E}">
-        <p14:creationId xmlns:p14="http://schemas.microsoft.com/office/powerpoint/2010/main" val="1541529435"/>
+        <p14:creationId xmlns:p14="http://schemas.microsoft.com/office/powerpoint/2010/main" val="2183025364"/>
       </p:ext>
     </p:extLst>
   </p:cSld>
@@ -3425,7 +3605,7 @@
     </p:spTree>
     <p:extLst>
       <p:ext uri="{BB962C8B-B14F-4D97-AF65-F5344CB8AC3E}">
-        <p14:creationId xmlns:p14="http://schemas.microsoft.com/office/powerpoint/2010/main" val="2012134742"/>
+        <p14:creationId xmlns:p14="http://schemas.microsoft.com/office/powerpoint/2010/main" val="3379131748"/>
       </p:ext>
     </p:extLst>
   </p:cSld>
@@ -3509,7 +3689,7 @@
     </p:spTree>
     <p:extLst>
       <p:ext uri="{BB962C8B-B14F-4D97-AF65-F5344CB8AC3E}">
-        <p14:creationId xmlns:p14="http://schemas.microsoft.com/office/powerpoint/2010/main" val="2543381281"/>
+        <p14:creationId xmlns:p14="http://schemas.microsoft.com/office/powerpoint/2010/main" val="1541529435"/>
       </p:ext>
     </p:extLst>
   </p:cSld>
@@ -3593,7 +3773,7 @@
     </p:spTree>
     <p:extLst>
       <p:ext uri="{BB962C8B-B14F-4D97-AF65-F5344CB8AC3E}">
-        <p14:creationId xmlns:p14="http://schemas.microsoft.com/office/powerpoint/2010/main" val="3919504541"/>
+        <p14:creationId xmlns:p14="http://schemas.microsoft.com/office/powerpoint/2010/main" val="2012134742"/>
       </p:ext>
     </p:extLst>
   </p:cSld>
@@ -3647,52 +3827,97 @@
           <a:bodyPr/>
           <a:lstStyle/>
           <a:p>
-            <a:pPr marL="0" indent="0">
+            <a:endParaRPr lang="en-US" dirty="0"/>
+          </a:p>
+        </p:txBody>
+      </p:sp>
+      <p:sp>
+        <p:nvSpPr>
+          <p:cNvPr id="4" name="Slide Number Placeholder 3"/>
+          <p:cNvSpPr>
+            <a:spLocks noGrp="1"/>
+          </p:cNvSpPr>
+          <p:nvPr>
+            <p:ph type="sldNum" sz="quarter" idx="5"/>
+          </p:nvPr>
+        </p:nvSpPr>
+        <p:spPr/>
+        <p:txBody>
+          <a:bodyPr/>
+          <a:lstStyle/>
+          <a:p>
+            <a:pPr marL="0" marR="0" lvl="0" indent="0" algn="r" defTabSz="914400" rtl="0" eaLnBrk="1" fontAlgn="auto" latinLnBrk="0" hangingPunct="1">
+              <a:lnSpc>
+                <a:spcPct val="100000"/>
+              </a:lnSpc>
+              <a:spcBef>
+                <a:spcPts val="0"/>
+              </a:spcBef>
+              <a:spcAft>
+                <a:spcPts val="0"/>
+              </a:spcAft>
+              <a:buClrTx/>
+              <a:buSzTx/>
+              <a:buFontTx/>
               <a:buNone/>
+              <a:tabLst/>
+              <a:defRPr/>
             </a:pPr>
-            <a:r>
-              <a:rPr lang="en-US" dirty="0"/>
-              <a:t>Know in which domain you are, and which standard applies to it (mostly about data)</a:t>
-            </a:r>
-          </a:p>
-          <a:p>
-            <a:pPr marL="0" indent="0">
-              <a:buNone/>
-            </a:pPr>
-            <a:endParaRPr lang="en-US" dirty="0"/>
-          </a:p>
-          <a:p>
-            <a:endParaRPr lang="en-US" dirty="0"/>
-          </a:p>
-        </p:txBody>
-      </p:sp>
-      <p:sp>
-        <p:nvSpPr>
-          <p:cNvPr id="4" name="Slide Number Placeholder 3"/>
-          <p:cNvSpPr>
-            <a:spLocks noGrp="1"/>
-          </p:cNvSpPr>
-          <p:nvPr>
-            <p:ph type="sldNum" sz="quarter" idx="5"/>
-          </p:nvPr>
-        </p:nvSpPr>
-        <p:spPr/>
-        <p:txBody>
-          <a:bodyPr/>
-          <a:lstStyle/>
-          <a:p>
             <a:fld id="{4CD97DBD-10D3-4C26-BC19-FB3B3CF19432}" type="slidenum">
-              <a:rPr lang="en-US" smtClean="0"/>
-              <a:t>15</a:t>
+              <a:rPr kumimoji="0" lang="en-US" sz="1200" b="0" i="0" u="none" strike="noStrike" kern="1200" cap="none" spc="0" normalizeH="0" baseline="0" noProof="0" smtClean="0">
+                <a:ln>
+                  <a:noFill/>
+                </a:ln>
+                <a:solidFill>
+                  <a:prstClr val="black"/>
+                </a:solidFill>
+                <a:effectLst/>
+                <a:uLnTx/>
+                <a:uFillTx/>
+                <a:latin typeface="Calibri" panose="020F0502020204030204"/>
+                <a:ea typeface="+mn-ea"/>
+                <a:cs typeface="+mn-cs"/>
+              </a:rPr>
+              <a:pPr marL="0" marR="0" lvl="0" indent="0" algn="r" defTabSz="914400" rtl="0" eaLnBrk="1" fontAlgn="auto" latinLnBrk="0" hangingPunct="1">
+                <a:lnSpc>
+                  <a:spcPct val="100000"/>
+                </a:lnSpc>
+                <a:spcBef>
+                  <a:spcPts val="0"/>
+                </a:spcBef>
+                <a:spcAft>
+                  <a:spcPts val="0"/>
+                </a:spcAft>
+                <a:buClrTx/>
+                <a:buSzTx/>
+                <a:buFontTx/>
+                <a:buNone/>
+                <a:tabLst/>
+                <a:defRPr/>
+              </a:pPr>
+              <a:t>8</a:t>
             </a:fld>
-            <a:endParaRPr lang="en-US"/>
+            <a:endParaRPr kumimoji="0" lang="en-US" sz="1200" b="0" i="0" u="none" strike="noStrike" kern="1200" cap="none" spc="0" normalizeH="0" baseline="0" noProof="0">
+              <a:ln>
+                <a:noFill/>
+              </a:ln>
+              <a:solidFill>
+                <a:prstClr val="black"/>
+              </a:solidFill>
+              <a:effectLst/>
+              <a:uLnTx/>
+              <a:uFillTx/>
+              <a:latin typeface="Calibri" panose="020F0502020204030204"/>
+              <a:ea typeface="+mn-ea"/>
+              <a:cs typeface="+mn-cs"/>
+            </a:endParaRPr>
           </a:p>
         </p:txBody>
       </p:sp>
     </p:spTree>
     <p:extLst>
       <p:ext uri="{BB962C8B-B14F-4D97-AF65-F5344CB8AC3E}">
-        <p14:creationId xmlns:p14="http://schemas.microsoft.com/office/powerpoint/2010/main" val="3284217341"/>
+        <p14:creationId xmlns:p14="http://schemas.microsoft.com/office/powerpoint/2010/main" val="2246505413"/>
       </p:ext>
     </p:extLst>
   </p:cSld>
@@ -3776,7 +4001,7 @@
     </p:spTree>
     <p:extLst>
       <p:ext uri="{BB962C8B-B14F-4D97-AF65-F5344CB8AC3E}">
-        <p14:creationId xmlns:p14="http://schemas.microsoft.com/office/powerpoint/2010/main" val="4110965509"/>
+        <p14:creationId xmlns:p14="http://schemas.microsoft.com/office/powerpoint/2010/main" val="2543381281"/>
       </p:ext>
     </p:extLst>
   </p:cSld>
@@ -3860,7 +4085,7 @@
     </p:spTree>
     <p:extLst>
       <p:ext uri="{BB962C8B-B14F-4D97-AF65-F5344CB8AC3E}">
-        <p14:creationId xmlns:p14="http://schemas.microsoft.com/office/powerpoint/2010/main" val="3025665009"/>
+        <p14:creationId xmlns:p14="http://schemas.microsoft.com/office/powerpoint/2010/main" val="3919504541"/>
       </p:ext>
     </p:extLst>
   </p:cSld>
@@ -3944,7 +4169,7 @@
     </p:spTree>
     <p:extLst>
       <p:ext uri="{BB962C8B-B14F-4D97-AF65-F5344CB8AC3E}">
-        <p14:creationId xmlns:p14="http://schemas.microsoft.com/office/powerpoint/2010/main" val="92700227"/>
+        <p14:creationId xmlns:p14="http://schemas.microsoft.com/office/powerpoint/2010/main" val="4110965509"/>
       </p:ext>
     </p:extLst>
   </p:cSld>
@@ -4028,7 +4253,7 @@
     </p:spTree>
     <p:extLst>
       <p:ext uri="{BB962C8B-B14F-4D97-AF65-F5344CB8AC3E}">
-        <p14:creationId xmlns:p14="http://schemas.microsoft.com/office/powerpoint/2010/main" val="912864036"/>
+        <p14:creationId xmlns:p14="http://schemas.microsoft.com/office/powerpoint/2010/main" val="3121645829"/>
       </p:ext>
     </p:extLst>
   </p:cSld>
@@ -4112,7 +4337,7 @@
     </p:spTree>
     <p:extLst>
       <p:ext uri="{BB962C8B-B14F-4D97-AF65-F5344CB8AC3E}">
-        <p14:creationId xmlns:p14="http://schemas.microsoft.com/office/powerpoint/2010/main" val="11239400"/>
+        <p14:creationId xmlns:p14="http://schemas.microsoft.com/office/powerpoint/2010/main" val="3025665009"/>
       </p:ext>
     </p:extLst>
   </p:cSld>
@@ -4196,7 +4421,7 @@
     </p:spTree>
     <p:extLst>
       <p:ext uri="{BB962C8B-B14F-4D97-AF65-F5344CB8AC3E}">
-        <p14:creationId xmlns:p14="http://schemas.microsoft.com/office/powerpoint/2010/main" val="3188299865"/>
+        <p14:creationId xmlns:p14="http://schemas.microsoft.com/office/powerpoint/2010/main" val="92700227"/>
       </p:ext>
     </p:extLst>
   </p:cSld>
@@ -4280,7 +4505,7 @@
     </p:spTree>
     <p:extLst>
       <p:ext uri="{BB962C8B-B14F-4D97-AF65-F5344CB8AC3E}">
-        <p14:creationId xmlns:p14="http://schemas.microsoft.com/office/powerpoint/2010/main" val="2649767047"/>
+        <p14:creationId xmlns:p14="http://schemas.microsoft.com/office/powerpoint/2010/main" val="912864036"/>
       </p:ext>
     </p:extLst>
   </p:cSld>
@@ -4364,7 +4589,175 @@
     </p:spTree>
     <p:extLst>
       <p:ext uri="{BB962C8B-B14F-4D97-AF65-F5344CB8AC3E}">
-        <p14:creationId xmlns:p14="http://schemas.microsoft.com/office/powerpoint/2010/main" val="1393991699"/>
+        <p14:creationId xmlns:p14="http://schemas.microsoft.com/office/powerpoint/2010/main" val="11239400"/>
+      </p:ext>
+    </p:extLst>
+  </p:cSld>
+  <p:clrMapOvr>
+    <a:masterClrMapping/>
+  </p:clrMapOvr>
+</p:notes>
+</file>
+
+<file path=ppt/notesSlides/notesSlide48.xml><?xml version="1.0" encoding="utf-8"?>
+<p:notes xmlns:a="http://schemas.openxmlformats.org/drawingml/2006/main" xmlns:r="http://schemas.openxmlformats.org/officeDocument/2006/relationships" xmlns:p="http://schemas.openxmlformats.org/presentationml/2006/main">
+  <p:cSld>
+    <p:spTree>
+      <p:nvGrpSpPr>
+        <p:cNvPr id="1" name=""/>
+        <p:cNvGrpSpPr/>
+        <p:nvPr/>
+      </p:nvGrpSpPr>
+      <p:grpSpPr>
+        <a:xfrm>
+          <a:off x="0" y="0"/>
+          <a:ext cx="0" cy="0"/>
+          <a:chOff x="0" y="0"/>
+          <a:chExt cx="0" cy="0"/>
+        </a:xfrm>
+      </p:grpSpPr>
+      <p:sp>
+        <p:nvSpPr>
+          <p:cNvPr id="2" name="Slide Image Placeholder 1"/>
+          <p:cNvSpPr>
+            <a:spLocks noGrp="1" noRot="1" noChangeAspect="1"/>
+          </p:cNvSpPr>
+          <p:nvPr>
+            <p:ph type="sldImg"/>
+          </p:nvPr>
+        </p:nvSpPr>
+        <p:spPr/>
+      </p:sp>
+      <p:sp>
+        <p:nvSpPr>
+          <p:cNvPr id="3" name="Notes Placeholder 2"/>
+          <p:cNvSpPr>
+            <a:spLocks noGrp="1"/>
+          </p:cNvSpPr>
+          <p:nvPr>
+            <p:ph type="body" idx="1"/>
+          </p:nvPr>
+        </p:nvSpPr>
+        <p:spPr/>
+        <p:txBody>
+          <a:bodyPr/>
+          <a:lstStyle/>
+          <a:p>
+            <a:endParaRPr lang="en-US" dirty="0"/>
+          </a:p>
+        </p:txBody>
+      </p:sp>
+      <p:sp>
+        <p:nvSpPr>
+          <p:cNvPr id="4" name="Slide Number Placeholder 3"/>
+          <p:cNvSpPr>
+            <a:spLocks noGrp="1"/>
+          </p:cNvSpPr>
+          <p:nvPr>
+            <p:ph type="sldNum" sz="quarter" idx="5"/>
+          </p:nvPr>
+        </p:nvSpPr>
+        <p:spPr/>
+        <p:txBody>
+          <a:bodyPr/>
+          <a:lstStyle/>
+          <a:p>
+            <a:fld id="{4CD97DBD-10D3-4C26-BC19-FB3B3CF19432}" type="slidenum">
+              <a:rPr lang="en-US" smtClean="0"/>
+              <a:t>61</a:t>
+            </a:fld>
+            <a:endParaRPr lang="en-US"/>
+          </a:p>
+        </p:txBody>
+      </p:sp>
+    </p:spTree>
+    <p:extLst>
+      <p:ext uri="{BB962C8B-B14F-4D97-AF65-F5344CB8AC3E}">
+        <p14:creationId xmlns:p14="http://schemas.microsoft.com/office/powerpoint/2010/main" val="3188299865"/>
+      </p:ext>
+    </p:extLst>
+  </p:cSld>
+  <p:clrMapOvr>
+    <a:masterClrMapping/>
+  </p:clrMapOvr>
+</p:notes>
+</file>
+
+<file path=ppt/notesSlides/notesSlide49.xml><?xml version="1.0" encoding="utf-8"?>
+<p:notes xmlns:a="http://schemas.openxmlformats.org/drawingml/2006/main" xmlns:r="http://schemas.openxmlformats.org/officeDocument/2006/relationships" xmlns:p="http://schemas.openxmlformats.org/presentationml/2006/main">
+  <p:cSld>
+    <p:spTree>
+      <p:nvGrpSpPr>
+        <p:cNvPr id="1" name=""/>
+        <p:cNvGrpSpPr/>
+        <p:nvPr/>
+      </p:nvGrpSpPr>
+      <p:grpSpPr>
+        <a:xfrm>
+          <a:off x="0" y="0"/>
+          <a:ext cx="0" cy="0"/>
+          <a:chOff x="0" y="0"/>
+          <a:chExt cx="0" cy="0"/>
+        </a:xfrm>
+      </p:grpSpPr>
+      <p:sp>
+        <p:nvSpPr>
+          <p:cNvPr id="2" name="Slide Image Placeholder 1"/>
+          <p:cNvSpPr>
+            <a:spLocks noGrp="1" noRot="1" noChangeAspect="1"/>
+          </p:cNvSpPr>
+          <p:nvPr>
+            <p:ph type="sldImg"/>
+          </p:nvPr>
+        </p:nvSpPr>
+        <p:spPr/>
+      </p:sp>
+      <p:sp>
+        <p:nvSpPr>
+          <p:cNvPr id="3" name="Notes Placeholder 2"/>
+          <p:cNvSpPr>
+            <a:spLocks noGrp="1"/>
+          </p:cNvSpPr>
+          <p:nvPr>
+            <p:ph type="body" idx="1"/>
+          </p:nvPr>
+        </p:nvSpPr>
+        <p:spPr/>
+        <p:txBody>
+          <a:bodyPr/>
+          <a:lstStyle/>
+          <a:p>
+            <a:endParaRPr lang="en-US" dirty="0"/>
+          </a:p>
+        </p:txBody>
+      </p:sp>
+      <p:sp>
+        <p:nvSpPr>
+          <p:cNvPr id="4" name="Slide Number Placeholder 3"/>
+          <p:cNvSpPr>
+            <a:spLocks noGrp="1"/>
+          </p:cNvSpPr>
+          <p:nvPr>
+            <p:ph type="sldNum" sz="quarter" idx="5"/>
+          </p:nvPr>
+        </p:nvSpPr>
+        <p:spPr/>
+        <p:txBody>
+          <a:bodyPr/>
+          <a:lstStyle/>
+          <a:p>
+            <a:fld id="{4CD97DBD-10D3-4C26-BC19-FB3B3CF19432}" type="slidenum">
+              <a:rPr lang="en-US" smtClean="0"/>
+              <a:t>62</a:t>
+            </a:fld>
+            <a:endParaRPr lang="en-US"/>
+          </a:p>
+        </p:txBody>
+      </p:sp>
+    </p:spTree>
+    <p:extLst>
+      <p:ext uri="{BB962C8B-B14F-4D97-AF65-F5344CB8AC3E}">
+        <p14:creationId xmlns:p14="http://schemas.microsoft.com/office/powerpoint/2010/main" val="2649767047"/>
       </p:ext>
     </p:extLst>
   </p:cSld>
@@ -4420,12 +4813,6 @@
           <a:p>
             <a:endParaRPr lang="en-US" dirty="0"/>
           </a:p>
-          <a:p>
-            <a:r>
-              <a:rPr lang="en-US" dirty="0"/>
-              <a:t>There is even negotiation companies to get discounts</a:t>
-            </a:r>
-          </a:p>
         </p:txBody>
       </p:sp>
       <p:sp>
@@ -4443,18 +4830,162 @@
           <a:bodyPr/>
           <a:lstStyle/>
           <a:p>
+            <a:pPr marL="0" marR="0" lvl="0" indent="0" algn="r" defTabSz="914400" rtl="0" eaLnBrk="1" fontAlgn="auto" latinLnBrk="0" hangingPunct="1">
+              <a:lnSpc>
+                <a:spcPct val="100000"/>
+              </a:lnSpc>
+              <a:spcBef>
+                <a:spcPts val="0"/>
+              </a:spcBef>
+              <a:spcAft>
+                <a:spcPts val="0"/>
+              </a:spcAft>
+              <a:buClrTx/>
+              <a:buSzTx/>
+              <a:buFontTx/>
+              <a:buNone/>
+              <a:tabLst/>
+              <a:defRPr/>
+            </a:pPr>
             <a:fld id="{4CD97DBD-10D3-4C26-BC19-FB3B3CF19432}" type="slidenum">
-              <a:rPr lang="en-US" smtClean="0"/>
-              <a:t>16</a:t>
+              <a:rPr kumimoji="0" lang="en-US" sz="1200" b="0" i="0" u="none" strike="noStrike" kern="1200" cap="none" spc="0" normalizeH="0" baseline="0" noProof="0" smtClean="0">
+                <a:ln>
+                  <a:noFill/>
+                </a:ln>
+                <a:solidFill>
+                  <a:prstClr val="black"/>
+                </a:solidFill>
+                <a:effectLst/>
+                <a:uLnTx/>
+                <a:uFillTx/>
+                <a:latin typeface="Calibri" panose="020F0502020204030204"/>
+                <a:ea typeface="+mn-ea"/>
+                <a:cs typeface="+mn-cs"/>
+              </a:rPr>
+              <a:pPr marL="0" marR="0" lvl="0" indent="0" algn="r" defTabSz="914400" rtl="0" eaLnBrk="1" fontAlgn="auto" latinLnBrk="0" hangingPunct="1">
+                <a:lnSpc>
+                  <a:spcPct val="100000"/>
+                </a:lnSpc>
+                <a:spcBef>
+                  <a:spcPts val="0"/>
+                </a:spcBef>
+                <a:spcAft>
+                  <a:spcPts val="0"/>
+                </a:spcAft>
+                <a:buClrTx/>
+                <a:buSzTx/>
+                <a:buFontTx/>
+                <a:buNone/>
+                <a:tabLst/>
+                <a:defRPr/>
+              </a:pPr>
+              <a:t>9</a:t>
             </a:fld>
-            <a:endParaRPr lang="en-US"/>
+            <a:endParaRPr kumimoji="0" lang="en-US" sz="1200" b="0" i="0" u="none" strike="noStrike" kern="1200" cap="none" spc="0" normalizeH="0" baseline="0" noProof="0">
+              <a:ln>
+                <a:noFill/>
+              </a:ln>
+              <a:solidFill>
+                <a:prstClr val="black"/>
+              </a:solidFill>
+              <a:effectLst/>
+              <a:uLnTx/>
+              <a:uFillTx/>
+              <a:latin typeface="Calibri" panose="020F0502020204030204"/>
+              <a:ea typeface="+mn-ea"/>
+              <a:cs typeface="+mn-cs"/>
+            </a:endParaRPr>
           </a:p>
         </p:txBody>
       </p:sp>
     </p:spTree>
     <p:extLst>
       <p:ext uri="{BB962C8B-B14F-4D97-AF65-F5344CB8AC3E}">
-        <p14:creationId xmlns:p14="http://schemas.microsoft.com/office/powerpoint/2010/main" val="2398479656"/>
+        <p14:creationId xmlns:p14="http://schemas.microsoft.com/office/powerpoint/2010/main" val="4287530437"/>
+      </p:ext>
+    </p:extLst>
+  </p:cSld>
+  <p:clrMapOvr>
+    <a:masterClrMapping/>
+  </p:clrMapOvr>
+</p:notes>
+</file>
+
+<file path=ppt/notesSlides/notesSlide50.xml><?xml version="1.0" encoding="utf-8"?>
+<p:notes xmlns:a="http://schemas.openxmlformats.org/drawingml/2006/main" xmlns:r="http://schemas.openxmlformats.org/officeDocument/2006/relationships" xmlns:p="http://schemas.openxmlformats.org/presentationml/2006/main">
+  <p:cSld>
+    <p:spTree>
+      <p:nvGrpSpPr>
+        <p:cNvPr id="1" name=""/>
+        <p:cNvGrpSpPr/>
+        <p:nvPr/>
+      </p:nvGrpSpPr>
+      <p:grpSpPr>
+        <a:xfrm>
+          <a:off x="0" y="0"/>
+          <a:ext cx="0" cy="0"/>
+          <a:chOff x="0" y="0"/>
+          <a:chExt cx="0" cy="0"/>
+        </a:xfrm>
+      </p:grpSpPr>
+      <p:sp>
+        <p:nvSpPr>
+          <p:cNvPr id="2" name="Slide Image Placeholder 1"/>
+          <p:cNvSpPr>
+            <a:spLocks noGrp="1" noRot="1" noChangeAspect="1"/>
+          </p:cNvSpPr>
+          <p:nvPr>
+            <p:ph type="sldImg"/>
+          </p:nvPr>
+        </p:nvSpPr>
+        <p:spPr/>
+      </p:sp>
+      <p:sp>
+        <p:nvSpPr>
+          <p:cNvPr id="3" name="Notes Placeholder 2"/>
+          <p:cNvSpPr>
+            <a:spLocks noGrp="1"/>
+          </p:cNvSpPr>
+          <p:nvPr>
+            <p:ph type="body" idx="1"/>
+          </p:nvPr>
+        </p:nvSpPr>
+        <p:spPr/>
+        <p:txBody>
+          <a:bodyPr/>
+          <a:lstStyle/>
+          <a:p>
+            <a:endParaRPr lang="en-US" dirty="0"/>
+          </a:p>
+        </p:txBody>
+      </p:sp>
+      <p:sp>
+        <p:nvSpPr>
+          <p:cNvPr id="4" name="Slide Number Placeholder 3"/>
+          <p:cNvSpPr>
+            <a:spLocks noGrp="1"/>
+          </p:cNvSpPr>
+          <p:nvPr>
+            <p:ph type="sldNum" sz="quarter" idx="5"/>
+          </p:nvPr>
+        </p:nvSpPr>
+        <p:spPr/>
+        <p:txBody>
+          <a:bodyPr/>
+          <a:lstStyle/>
+          <a:p>
+            <a:fld id="{4CD97DBD-10D3-4C26-BC19-FB3B3CF19432}" type="slidenum">
+              <a:rPr lang="en-US" smtClean="0"/>
+              <a:t>63</a:t>
+            </a:fld>
+            <a:endParaRPr lang="en-US"/>
+          </a:p>
+        </p:txBody>
+      </p:sp>
+    </p:spTree>
+    <p:extLst>
+      <p:ext uri="{BB962C8B-B14F-4D97-AF65-F5344CB8AC3E}">
+        <p14:creationId xmlns:p14="http://schemas.microsoft.com/office/powerpoint/2010/main" val="1393991699"/>
       </p:ext>
     </p:extLst>
   </p:cSld>
@@ -4508,7 +5039,42 @@
           <a:bodyPr/>
           <a:lstStyle/>
           <a:p>
-            <a:endParaRPr lang="en-US" dirty="0"/>
+            <a:pPr marL="0" marR="0" lvl="0" indent="0" algn="l" defTabSz="914400" rtl="0" eaLnBrk="1" fontAlgn="auto" latinLnBrk="0" hangingPunct="1">
+              <a:lnSpc>
+                <a:spcPct val="100000"/>
+              </a:lnSpc>
+              <a:spcBef>
+                <a:spcPts val="0"/>
+              </a:spcBef>
+              <a:spcAft>
+                <a:spcPts val="0"/>
+              </a:spcAft>
+              <a:buClrTx/>
+              <a:buSzTx/>
+              <a:buFontTx/>
+              <a:buNone/>
+              <a:tabLst/>
+              <a:defRPr/>
+            </a:pPr>
+            <a:r>
+              <a:rPr lang="en-US" sz="1800" dirty="0"/>
+              <a:t>+ https://www.dfs.ny.gov/Twitter_Report</a:t>
+            </a:r>
+          </a:p>
+          <a:p>
+            <a:endParaRPr lang="en-US" sz="1800" dirty="0">
+              <a:effectLst/>
+              <a:latin typeface="Calibri" panose="020F0502020204030204" pitchFamily="34" charset="0"/>
+            </a:endParaRPr>
+          </a:p>
+          <a:p>
+            <a:r>
+              <a:rPr lang="en-US" sz="1800" dirty="0">
+                <a:effectLst/>
+                <a:latin typeface="Calibri" panose="020F0502020204030204" pitchFamily="34" charset="0"/>
+              </a:rPr>
+              <a:t>A lot comes from phishing…</a:t>
+            </a:r>
           </a:p>
         </p:txBody>
       </p:sp>
@@ -4527,18 +5093,78 @@
           <a:bodyPr/>
           <a:lstStyle/>
           <a:p>
+            <a:pPr marL="0" marR="0" lvl="0" indent="0" algn="r" defTabSz="914400" rtl="0" eaLnBrk="1" fontAlgn="auto" latinLnBrk="0" hangingPunct="1">
+              <a:lnSpc>
+                <a:spcPct val="100000"/>
+              </a:lnSpc>
+              <a:spcBef>
+                <a:spcPts val="0"/>
+              </a:spcBef>
+              <a:spcAft>
+                <a:spcPts val="0"/>
+              </a:spcAft>
+              <a:buClrTx/>
+              <a:buSzTx/>
+              <a:buFontTx/>
+              <a:buNone/>
+              <a:tabLst/>
+              <a:defRPr/>
+            </a:pPr>
             <a:fld id="{4CD97DBD-10D3-4C26-BC19-FB3B3CF19432}" type="slidenum">
-              <a:rPr lang="en-US" smtClean="0"/>
-              <a:t>17</a:t>
+              <a:rPr kumimoji="0" lang="en-US" sz="1200" b="0" i="0" u="none" strike="noStrike" kern="1200" cap="none" spc="0" normalizeH="0" baseline="0" noProof="0" smtClean="0">
+                <a:ln>
+                  <a:noFill/>
+                </a:ln>
+                <a:solidFill>
+                  <a:prstClr val="black"/>
+                </a:solidFill>
+                <a:effectLst/>
+                <a:uLnTx/>
+                <a:uFillTx/>
+                <a:latin typeface="Calibri" panose="020F0502020204030204"/>
+                <a:ea typeface="+mn-ea"/>
+                <a:cs typeface="+mn-cs"/>
+              </a:rPr>
+              <a:pPr marL="0" marR="0" lvl="0" indent="0" algn="r" defTabSz="914400" rtl="0" eaLnBrk="1" fontAlgn="auto" latinLnBrk="0" hangingPunct="1">
+                <a:lnSpc>
+                  <a:spcPct val="100000"/>
+                </a:lnSpc>
+                <a:spcBef>
+                  <a:spcPts val="0"/>
+                </a:spcBef>
+                <a:spcAft>
+                  <a:spcPts val="0"/>
+                </a:spcAft>
+                <a:buClrTx/>
+                <a:buSzTx/>
+                <a:buFontTx/>
+                <a:buNone/>
+                <a:tabLst/>
+                <a:defRPr/>
+              </a:pPr>
+              <a:t>11</a:t>
             </a:fld>
-            <a:endParaRPr lang="en-US"/>
+            <a:endParaRPr kumimoji="0" lang="en-US" sz="1200" b="0" i="0" u="none" strike="noStrike" kern="1200" cap="none" spc="0" normalizeH="0" baseline="0" noProof="0">
+              <a:ln>
+                <a:noFill/>
+              </a:ln>
+              <a:solidFill>
+                <a:prstClr val="black"/>
+              </a:solidFill>
+              <a:effectLst/>
+              <a:uLnTx/>
+              <a:uFillTx/>
+              <a:latin typeface="Calibri" panose="020F0502020204030204"/>
+              <a:ea typeface="+mn-ea"/>
+              <a:cs typeface="+mn-cs"/>
+            </a:endParaRPr>
           </a:p>
         </p:txBody>
       </p:sp>
     </p:spTree>
     <p:extLst>
       <p:ext uri="{BB962C8B-B14F-4D97-AF65-F5344CB8AC3E}">
-        <p14:creationId xmlns:p14="http://schemas.microsoft.com/office/powerpoint/2010/main" val="1455996314"/>
+        <p14:creationId xmlns:p14="http://schemas.microsoft.com/office/powerpoint/2010/main" val="1320044184"/>
       </p:ext>
     </p:extLst>
   </p:cSld>
@@ -4592,7 +5218,27 @@
           <a:bodyPr/>
           <a:lstStyle/>
           <a:p>
-            <a:endParaRPr lang="en-US" dirty="0"/>
+            <a:pPr marL="0" marR="0" lvl="0" indent="0" algn="l" defTabSz="914400" rtl="0" eaLnBrk="1" fontAlgn="auto" latinLnBrk="0" hangingPunct="1">
+              <a:lnSpc>
+                <a:spcPct val="100000"/>
+              </a:lnSpc>
+              <a:spcBef>
+                <a:spcPts val="0"/>
+              </a:spcBef>
+              <a:spcAft>
+                <a:spcPts val="0"/>
+              </a:spcAft>
+              <a:buClrTx/>
+              <a:buSzTx/>
+              <a:buFontTx/>
+              <a:buNone/>
+              <a:tabLst/>
+              <a:defRPr/>
+            </a:pPr>
+            <a:endParaRPr lang="en-US" sz="1800" dirty="0">
+              <a:effectLst/>
+              <a:latin typeface="Calibri" panose="020F0502020204030204" pitchFamily="34" charset="0"/>
+            </a:endParaRPr>
           </a:p>
         </p:txBody>
       </p:sp>
@@ -4611,18 +5257,78 @@
           <a:bodyPr/>
           <a:lstStyle/>
           <a:p>
+            <a:pPr marL="0" marR="0" lvl="0" indent="0" algn="r" defTabSz="914400" rtl="0" eaLnBrk="1" fontAlgn="auto" latinLnBrk="0" hangingPunct="1">
+              <a:lnSpc>
+                <a:spcPct val="100000"/>
+              </a:lnSpc>
+              <a:spcBef>
+                <a:spcPts val="0"/>
+              </a:spcBef>
+              <a:spcAft>
+                <a:spcPts val="0"/>
+              </a:spcAft>
+              <a:buClrTx/>
+              <a:buSzTx/>
+              <a:buFontTx/>
+              <a:buNone/>
+              <a:tabLst/>
+              <a:defRPr/>
+            </a:pPr>
             <a:fld id="{4CD97DBD-10D3-4C26-BC19-FB3B3CF19432}" type="slidenum">
-              <a:rPr lang="en-US" smtClean="0"/>
-              <a:t>18</a:t>
+              <a:rPr kumimoji="0" lang="en-US" sz="1200" b="0" i="0" u="none" strike="noStrike" kern="1200" cap="none" spc="0" normalizeH="0" baseline="0" noProof="0" smtClean="0">
+                <a:ln>
+                  <a:noFill/>
+                </a:ln>
+                <a:solidFill>
+                  <a:prstClr val="black"/>
+                </a:solidFill>
+                <a:effectLst/>
+                <a:uLnTx/>
+                <a:uFillTx/>
+                <a:latin typeface="Calibri" panose="020F0502020204030204"/>
+                <a:ea typeface="+mn-ea"/>
+                <a:cs typeface="+mn-cs"/>
+              </a:rPr>
+              <a:pPr marL="0" marR="0" lvl="0" indent="0" algn="r" defTabSz="914400" rtl="0" eaLnBrk="1" fontAlgn="auto" latinLnBrk="0" hangingPunct="1">
+                <a:lnSpc>
+                  <a:spcPct val="100000"/>
+                </a:lnSpc>
+                <a:spcBef>
+                  <a:spcPts val="0"/>
+                </a:spcBef>
+                <a:spcAft>
+                  <a:spcPts val="0"/>
+                </a:spcAft>
+                <a:buClrTx/>
+                <a:buSzTx/>
+                <a:buFontTx/>
+                <a:buNone/>
+                <a:tabLst/>
+                <a:defRPr/>
+              </a:pPr>
+              <a:t>12</a:t>
             </a:fld>
-            <a:endParaRPr lang="en-US"/>
+            <a:endParaRPr kumimoji="0" lang="en-US" sz="1200" b="0" i="0" u="none" strike="noStrike" kern="1200" cap="none" spc="0" normalizeH="0" baseline="0" noProof="0">
+              <a:ln>
+                <a:noFill/>
+              </a:ln>
+              <a:solidFill>
+                <a:prstClr val="black"/>
+              </a:solidFill>
+              <a:effectLst/>
+              <a:uLnTx/>
+              <a:uFillTx/>
+              <a:latin typeface="Calibri" panose="020F0502020204030204"/>
+              <a:ea typeface="+mn-ea"/>
+              <a:cs typeface="+mn-cs"/>
+            </a:endParaRPr>
           </a:p>
         </p:txBody>
       </p:sp>
     </p:spTree>
     <p:extLst>
       <p:ext uri="{BB962C8B-B14F-4D97-AF65-F5344CB8AC3E}">
-        <p14:creationId xmlns:p14="http://schemas.microsoft.com/office/powerpoint/2010/main" val="1864946882"/>
+        <p14:creationId xmlns:p14="http://schemas.microsoft.com/office/powerpoint/2010/main" val="2066729491"/>
       </p:ext>
     </p:extLst>
   </p:cSld>
@@ -4697,7 +5403,7 @@
           <a:p>
             <a:fld id="{4CD97DBD-10D3-4C26-BC19-FB3B3CF19432}" type="slidenum">
               <a:rPr lang="en-US" smtClean="0"/>
-              <a:t>19</a:t>
+              <a:t>18</a:t>
             </a:fld>
             <a:endParaRPr lang="en-US"/>
           </a:p>
@@ -4706,7 +5412,7 @@
     </p:spTree>
     <p:extLst>
       <p:ext uri="{BB962C8B-B14F-4D97-AF65-F5344CB8AC3E}">
-        <p14:creationId xmlns:p14="http://schemas.microsoft.com/office/powerpoint/2010/main" val="2259706891"/>
+        <p14:creationId xmlns:p14="http://schemas.microsoft.com/office/powerpoint/2010/main" val="3387184200"/>
       </p:ext>
     </p:extLst>
   </p:cSld>
@@ -4760,42 +5466,29 @@
           <a:bodyPr/>
           <a:lstStyle/>
           <a:p>
-            <a:pPr marL="0" marR="0" lvl="0" indent="0" algn="l" defTabSz="914400" rtl="0" eaLnBrk="1" fontAlgn="auto" latinLnBrk="0" hangingPunct="1">
-              <a:lnSpc>
-                <a:spcPct val="100000"/>
-              </a:lnSpc>
-              <a:spcBef>
-                <a:spcPts val="0"/>
-              </a:spcBef>
-              <a:spcAft>
-                <a:spcPts val="0"/>
-              </a:spcAft>
-              <a:buClrTx/>
-              <a:buSzTx/>
-              <a:buFontTx/>
-              <a:buNone/>
-              <a:tabLst/>
-              <a:defRPr/>
-            </a:pPr>
-            <a:r>
-              <a:rPr lang="en-US" sz="1800" dirty="0"/>
-              <a:t>+ https://www.dfs.ny.gov/Twitter_Report</a:t>
-            </a:r>
-          </a:p>
-          <a:p>
-            <a:endParaRPr lang="en-US" sz="1800" dirty="0">
-              <a:effectLst/>
-              <a:latin typeface="Calibri" panose="020F0502020204030204" pitchFamily="34" charset="0"/>
-            </a:endParaRPr>
-          </a:p>
-          <a:p>
-            <a:r>
-              <a:rPr lang="en-US" sz="1800" dirty="0">
+            <a:r>
+              <a:rPr lang="en-US" dirty="0"/>
+              <a:t>Firewall, security-groups, DDoS protection, JIT-VM/</a:t>
+            </a:r>
+            <a:r>
+              <a:rPr lang="en-US" dirty="0" err="1"/>
+              <a:t>Jumphost</a:t>
+            </a:r>
+            <a:r>
+              <a:rPr lang="en-US" dirty="0"/>
+              <a:t>/Bastion-host/</a:t>
+            </a:r>
+            <a:r>
+              <a:rPr lang="en-US" b="0" i="0" dirty="0">
+                <a:solidFill>
+                  <a:srgbClr val="202124"/>
+                </a:solidFill>
                 <a:effectLst/>
-                <a:latin typeface="Calibri" panose="020F0502020204030204" pitchFamily="34" charset="0"/>
+                <a:latin typeface="Google Sans"/>
               </a:rPr>
-              <a:t>A lot comes from phishing…</a:t>
-            </a:r>
+              <a:t>Shielded-VMs</a:t>
+            </a:r>
+            <a:endParaRPr lang="en-US" dirty="0"/>
           </a:p>
         </p:txBody>
       </p:sp>
@@ -4816,7 +5509,7 @@
           <a:p>
             <a:fld id="{4CD97DBD-10D3-4C26-BC19-FB3B3CF19432}" type="slidenum">
               <a:rPr lang="en-US" smtClean="0"/>
-              <a:t>21</a:t>
+              <a:t>19</a:t>
             </a:fld>
             <a:endParaRPr lang="en-US"/>
           </a:p>
@@ -4825,7 +5518,7 @@
     </p:spTree>
     <p:extLst>
       <p:ext uri="{BB962C8B-B14F-4D97-AF65-F5344CB8AC3E}">
-        <p14:creationId xmlns:p14="http://schemas.microsoft.com/office/powerpoint/2010/main" val="3638701844"/>
+        <p14:creationId xmlns:p14="http://schemas.microsoft.com/office/powerpoint/2010/main" val="2511389333"/>
       </p:ext>
     </p:extLst>
   </p:cSld>
@@ -4982,7 +5675,7 @@
           <a:p>
             <a:fld id="{8BBDE38F-7EFF-44D7-A4FC-86F4469E67EF}" type="datetimeFigureOut">
               <a:rPr lang="en-US" smtClean="0"/>
-              <a:t>16-Jul-21</a:t>
+              <a:t>09-Feb-22</a:t>
             </a:fld>
             <a:endParaRPr lang="en-US"/>
           </a:p>
@@ -5180,7 +5873,7 @@
           <a:p>
             <a:fld id="{8BBDE38F-7EFF-44D7-A4FC-86F4469E67EF}" type="datetimeFigureOut">
               <a:rPr lang="en-US" smtClean="0"/>
-              <a:t>16-Jul-21</a:t>
+              <a:t>09-Feb-22</a:t>
             </a:fld>
             <a:endParaRPr lang="en-US"/>
           </a:p>
@@ -5388,7 +6081,7 @@
           <a:p>
             <a:fld id="{8BBDE38F-7EFF-44D7-A4FC-86F4469E67EF}" type="datetimeFigureOut">
               <a:rPr lang="en-US" smtClean="0"/>
-              <a:t>16-Jul-21</a:t>
+              <a:t>09-Feb-22</a:t>
             </a:fld>
             <a:endParaRPr lang="en-US"/>
           </a:p>
@@ -5586,7 +6279,7 @@
           <a:p>
             <a:fld id="{8BBDE38F-7EFF-44D7-A4FC-86F4469E67EF}" type="datetimeFigureOut">
               <a:rPr lang="en-US" smtClean="0"/>
-              <a:t>16-Jul-21</a:t>
+              <a:t>09-Feb-22</a:t>
             </a:fld>
             <a:endParaRPr lang="en-US"/>
           </a:p>
@@ -5861,7 +6554,7 @@
           <a:p>
             <a:fld id="{8BBDE38F-7EFF-44D7-A4FC-86F4469E67EF}" type="datetimeFigureOut">
               <a:rPr lang="en-US" smtClean="0"/>
-              <a:t>16-Jul-21</a:t>
+              <a:t>09-Feb-22</a:t>
             </a:fld>
             <a:endParaRPr lang="en-US"/>
           </a:p>
@@ -6126,7 +6819,7 @@
           <a:p>
             <a:fld id="{8BBDE38F-7EFF-44D7-A4FC-86F4469E67EF}" type="datetimeFigureOut">
               <a:rPr lang="en-US" smtClean="0"/>
-              <a:t>16-Jul-21</a:t>
+              <a:t>09-Feb-22</a:t>
             </a:fld>
             <a:endParaRPr lang="en-US"/>
           </a:p>
@@ -6538,7 +7231,7 @@
           <a:p>
             <a:fld id="{8BBDE38F-7EFF-44D7-A4FC-86F4469E67EF}" type="datetimeFigureOut">
               <a:rPr lang="en-US" smtClean="0"/>
-              <a:t>16-Jul-21</a:t>
+              <a:t>09-Feb-22</a:t>
             </a:fld>
             <a:endParaRPr lang="en-US"/>
           </a:p>
@@ -6679,7 +7372,7 @@
           <a:p>
             <a:fld id="{8BBDE38F-7EFF-44D7-A4FC-86F4469E67EF}" type="datetimeFigureOut">
               <a:rPr lang="en-US" smtClean="0"/>
-              <a:t>16-Jul-21</a:t>
+              <a:t>09-Feb-22</a:t>
             </a:fld>
             <a:endParaRPr lang="en-US"/>
           </a:p>
@@ -6792,7 +7485,7 @@
           <a:p>
             <a:fld id="{8BBDE38F-7EFF-44D7-A4FC-86F4469E67EF}" type="datetimeFigureOut">
               <a:rPr lang="en-US" smtClean="0"/>
-              <a:t>16-Jul-21</a:t>
+              <a:t>09-Feb-22</a:t>
             </a:fld>
             <a:endParaRPr lang="en-US"/>
           </a:p>
@@ -7103,7 +7796,7 @@
           <a:p>
             <a:fld id="{8BBDE38F-7EFF-44D7-A4FC-86F4469E67EF}" type="datetimeFigureOut">
               <a:rPr lang="en-US" smtClean="0"/>
-              <a:t>16-Jul-21</a:t>
+              <a:t>09-Feb-22</a:t>
             </a:fld>
             <a:endParaRPr lang="en-US"/>
           </a:p>
@@ -7391,7 +8084,7 @@
           <a:p>
             <a:fld id="{8BBDE38F-7EFF-44D7-A4FC-86F4469E67EF}" type="datetimeFigureOut">
               <a:rPr lang="en-US" smtClean="0"/>
-              <a:t>16-Jul-21</a:t>
+              <a:t>09-Feb-22</a:t>
             </a:fld>
             <a:endParaRPr lang="en-US"/>
           </a:p>
@@ -7632,7 +8325,7 @@
           <a:p>
             <a:fld id="{8BBDE38F-7EFF-44D7-A4FC-86F4469E67EF}" type="datetimeFigureOut">
               <a:rPr lang="en-US" smtClean="0"/>
-              <a:t>16-Jul-21</a:t>
+              <a:t>09-Feb-22</a:t>
             </a:fld>
             <a:endParaRPr lang="en-US"/>
           </a:p>
@@ -8155,6 +8848,1113 @@
           <a:p>
             <a:r>
               <a:rPr lang="en-US" dirty="0"/>
+              <a:t>Breach scenarios</a:t>
+            </a:r>
+          </a:p>
+        </p:txBody>
+      </p:sp>
+      <p:sp>
+        <p:nvSpPr>
+          <p:cNvPr id="3" name="Content Placeholder 2">
+            <a:extLst>
+              <a:ext uri="{FF2B5EF4-FFF2-40B4-BE49-F238E27FC236}">
+                <a16:creationId xmlns:a16="http://schemas.microsoft.com/office/drawing/2014/main" id="{AE3F0B5C-ACCE-4F53-A9D1-641797D8C52C}"/>
+              </a:ext>
+            </a:extLst>
+          </p:cNvPr>
+          <p:cNvSpPr>
+            <a:spLocks noGrp="1"/>
+          </p:cNvSpPr>
+          <p:nvPr>
+            <p:ph idx="1"/>
+          </p:nvPr>
+        </p:nvSpPr>
+        <p:spPr/>
+        <p:txBody>
+          <a:bodyPr/>
+          <a:lstStyle/>
+          <a:p>
+            <a:pPr marL="0" indent="0">
+              <a:buNone/>
+            </a:pPr>
+            <a:r>
+              <a:rPr lang="en-US" dirty="0"/>
+              <a:t>DDOS</a:t>
+            </a:r>
+          </a:p>
+        </p:txBody>
+      </p:sp>
+      <p:pic>
+        <p:nvPicPr>
+          <p:cNvPr id="5" name="Picture 4">
+            <a:extLst>
+              <a:ext uri="{FF2B5EF4-FFF2-40B4-BE49-F238E27FC236}">
+                <a16:creationId xmlns:a16="http://schemas.microsoft.com/office/drawing/2014/main" id="{07A0A005-38F3-42DB-A96C-5973D7EC7310}"/>
+              </a:ext>
+            </a:extLst>
+          </p:cNvPr>
+          <p:cNvPicPr>
+            <a:picLocks noChangeAspect="1"/>
+          </p:cNvPicPr>
+          <p:nvPr/>
+        </p:nvPicPr>
+        <p:blipFill>
+          <a:blip r:embed="rId2"/>
+          <a:stretch>
+            <a:fillRect/>
+          </a:stretch>
+        </p:blipFill>
+        <p:spPr>
+          <a:xfrm>
+            <a:off x="4931922" y="1285912"/>
+            <a:ext cx="6790489" cy="4891051"/>
+          </a:xfrm>
+          <a:prstGeom prst="rect">
+            <a:avLst/>
+          </a:prstGeom>
+        </p:spPr>
+      </p:pic>
+      <p:sp>
+        <p:nvSpPr>
+          <p:cNvPr id="7" name="TextBox 6">
+            <a:extLst>
+              <a:ext uri="{FF2B5EF4-FFF2-40B4-BE49-F238E27FC236}">
+                <a16:creationId xmlns:a16="http://schemas.microsoft.com/office/drawing/2014/main" id="{BFE6EE43-6A05-4BC7-8710-8327DF672326}"/>
+              </a:ext>
+            </a:extLst>
+          </p:cNvPr>
+          <p:cNvSpPr txBox="1"/>
+          <p:nvPr/>
+        </p:nvSpPr>
+        <p:spPr>
+          <a:xfrm>
+            <a:off x="838200" y="6311900"/>
+            <a:ext cx="6094378" cy="307777"/>
+          </a:xfrm>
+          <a:prstGeom prst="rect">
+            <a:avLst/>
+          </a:prstGeom>
+          <a:noFill/>
+        </p:spPr>
+        <p:txBody>
+          <a:bodyPr wrap="square">
+            <a:spAutoFit/>
+          </a:bodyPr>
+          <a:lstStyle/>
+          <a:p>
+            <a:pPr marL="0" marR="0" lvl="0" indent="0" algn="l" defTabSz="914400" rtl="0" eaLnBrk="1" fontAlgn="auto" latinLnBrk="0" hangingPunct="1">
+              <a:lnSpc>
+                <a:spcPct val="100000"/>
+              </a:lnSpc>
+              <a:spcBef>
+                <a:spcPts val="0"/>
+              </a:spcBef>
+              <a:spcAft>
+                <a:spcPts val="0"/>
+              </a:spcAft>
+              <a:buClrTx/>
+              <a:buSzTx/>
+              <a:buFontTx/>
+              <a:buNone/>
+              <a:tabLst/>
+              <a:defRPr/>
+            </a:pPr>
+            <a:r>
+              <a:rPr kumimoji="0" lang="en-US" sz="1400" b="0" i="0" u="none" strike="noStrike" kern="1200" cap="none" spc="0" normalizeH="0" baseline="0" noProof="0" dirty="0">
+                <a:ln>
+                  <a:noFill/>
+                </a:ln>
+                <a:solidFill>
+                  <a:prstClr val="black"/>
+                </a:solidFill>
+                <a:effectLst/>
+                <a:uLnTx/>
+                <a:uFillTx/>
+                <a:latin typeface="Calibri" panose="020F0502020204030204"/>
+                <a:ea typeface="+mn-ea"/>
+                <a:cs typeface="+mn-cs"/>
+                <a:hlinkClick r:id="rId3"/>
+              </a:rPr>
+              <a:t>https://www.theverge.com/2012/5/16/3024861/pirate-bay-offline-ddos-attack</a:t>
+            </a:r>
+            <a:endParaRPr kumimoji="0" lang="en-US" sz="1400" b="0" i="0" u="none" strike="noStrike" kern="1200" cap="none" spc="0" normalizeH="0" baseline="0" noProof="0" dirty="0">
+              <a:ln>
+                <a:noFill/>
+              </a:ln>
+              <a:solidFill>
+                <a:prstClr val="black"/>
+              </a:solidFill>
+              <a:effectLst/>
+              <a:uLnTx/>
+              <a:uFillTx/>
+              <a:latin typeface="Calibri" panose="020F0502020204030204"/>
+              <a:ea typeface="+mn-ea"/>
+              <a:cs typeface="+mn-cs"/>
+            </a:endParaRPr>
+          </a:p>
+        </p:txBody>
+      </p:sp>
+    </p:spTree>
+    <p:extLst>
+      <p:ext uri="{BB962C8B-B14F-4D97-AF65-F5344CB8AC3E}">
+        <p14:creationId xmlns:p14="http://schemas.microsoft.com/office/powerpoint/2010/main" val="1341770085"/>
+      </p:ext>
+    </p:extLst>
+  </p:cSld>
+  <p:clrMapOvr>
+    <a:masterClrMapping/>
+  </p:clrMapOvr>
+</p:sld>
+</file>
+
+<file path=ppt/slides/slide11.xml><?xml version="1.0" encoding="utf-8"?>
+<p:sld xmlns:a="http://schemas.openxmlformats.org/drawingml/2006/main" xmlns:r="http://schemas.openxmlformats.org/officeDocument/2006/relationships" xmlns:p="http://schemas.openxmlformats.org/presentationml/2006/main">
+  <p:cSld>
+    <p:spTree>
+      <p:nvGrpSpPr>
+        <p:cNvPr id="1" name=""/>
+        <p:cNvGrpSpPr/>
+        <p:nvPr/>
+      </p:nvGrpSpPr>
+      <p:grpSpPr>
+        <a:xfrm>
+          <a:off x="0" y="0"/>
+          <a:ext cx="0" cy="0"/>
+          <a:chOff x="0" y="0"/>
+          <a:chExt cx="0" cy="0"/>
+        </a:xfrm>
+      </p:grpSpPr>
+      <p:sp>
+        <p:nvSpPr>
+          <p:cNvPr id="2" name="Title 1">
+            <a:extLst>
+              <a:ext uri="{FF2B5EF4-FFF2-40B4-BE49-F238E27FC236}">
+                <a16:creationId xmlns:a16="http://schemas.microsoft.com/office/drawing/2014/main" id="{A26A8A0A-320E-4536-BFF8-C2E9FC542DEC}"/>
+              </a:ext>
+            </a:extLst>
+          </p:cNvPr>
+          <p:cNvSpPr>
+            <a:spLocks noGrp="1"/>
+          </p:cNvSpPr>
+          <p:nvPr>
+            <p:ph type="title"/>
+          </p:nvPr>
+        </p:nvSpPr>
+        <p:spPr/>
+        <p:txBody>
+          <a:bodyPr/>
+          <a:lstStyle/>
+          <a:p>
+            <a:r>
+              <a:rPr lang="en-US" dirty="0"/>
+              <a:t>Breach scenarios</a:t>
+            </a:r>
+          </a:p>
+        </p:txBody>
+      </p:sp>
+      <p:sp>
+        <p:nvSpPr>
+          <p:cNvPr id="3" name="Content Placeholder 2">
+            <a:extLst>
+              <a:ext uri="{FF2B5EF4-FFF2-40B4-BE49-F238E27FC236}">
+                <a16:creationId xmlns:a16="http://schemas.microsoft.com/office/drawing/2014/main" id="{AE3F0B5C-ACCE-4F53-A9D1-641797D8C52C}"/>
+              </a:ext>
+            </a:extLst>
+          </p:cNvPr>
+          <p:cNvSpPr>
+            <a:spLocks noGrp="1"/>
+          </p:cNvSpPr>
+          <p:nvPr>
+            <p:ph idx="1"/>
+          </p:nvPr>
+        </p:nvSpPr>
+        <p:spPr/>
+        <p:txBody>
+          <a:bodyPr/>
+          <a:lstStyle/>
+          <a:p>
+            <a:pPr marL="0" indent="0">
+              <a:buNone/>
+            </a:pPr>
+            <a:r>
+              <a:rPr lang="en-US" dirty="0"/>
+              <a:t>Employee data theft / Social engineering</a:t>
+            </a:r>
+          </a:p>
+        </p:txBody>
+      </p:sp>
+      <p:pic>
+        <p:nvPicPr>
+          <p:cNvPr id="7" name="Picture 6">
+            <a:extLst>
+              <a:ext uri="{FF2B5EF4-FFF2-40B4-BE49-F238E27FC236}">
+                <a16:creationId xmlns:a16="http://schemas.microsoft.com/office/drawing/2014/main" id="{5C76B420-E047-4F21-9FB1-95FE2B657369}"/>
+              </a:ext>
+            </a:extLst>
+          </p:cNvPr>
+          <p:cNvPicPr>
+            <a:picLocks noChangeAspect="1"/>
+          </p:cNvPicPr>
+          <p:nvPr/>
+        </p:nvPicPr>
+        <p:blipFill>
+          <a:blip r:embed="rId3"/>
+          <a:stretch>
+            <a:fillRect/>
+          </a:stretch>
+        </p:blipFill>
+        <p:spPr>
+          <a:xfrm>
+            <a:off x="413544" y="4001294"/>
+            <a:ext cx="11364911" cy="1819529"/>
+          </a:xfrm>
+          <a:prstGeom prst="rect">
+            <a:avLst/>
+          </a:prstGeom>
+        </p:spPr>
+      </p:pic>
+      <p:sp>
+        <p:nvSpPr>
+          <p:cNvPr id="6" name="TextBox 5">
+            <a:extLst>
+              <a:ext uri="{FF2B5EF4-FFF2-40B4-BE49-F238E27FC236}">
+                <a16:creationId xmlns:a16="http://schemas.microsoft.com/office/drawing/2014/main" id="{4057677A-F759-4154-9689-DCDCE5A8413B}"/>
+              </a:ext>
+            </a:extLst>
+          </p:cNvPr>
+          <p:cNvSpPr txBox="1"/>
+          <p:nvPr/>
+        </p:nvSpPr>
+        <p:spPr>
+          <a:xfrm>
+            <a:off x="5020165" y="6311900"/>
+            <a:ext cx="6758290" cy="307777"/>
+          </a:xfrm>
+          <a:prstGeom prst="rect">
+            <a:avLst/>
+          </a:prstGeom>
+          <a:noFill/>
+        </p:spPr>
+        <p:txBody>
+          <a:bodyPr wrap="square">
+            <a:spAutoFit/>
+          </a:bodyPr>
+          <a:lstStyle/>
+          <a:p>
+            <a:pPr marL="0" marR="0" lvl="0" indent="0" algn="l" defTabSz="914400" rtl="0" eaLnBrk="1" fontAlgn="auto" latinLnBrk="0" hangingPunct="1">
+              <a:lnSpc>
+                <a:spcPct val="100000"/>
+              </a:lnSpc>
+              <a:spcBef>
+                <a:spcPts val="0"/>
+              </a:spcBef>
+              <a:spcAft>
+                <a:spcPts val="0"/>
+              </a:spcAft>
+              <a:buClrTx/>
+              <a:buSzTx/>
+              <a:buFontTx/>
+              <a:buNone/>
+              <a:tabLst/>
+              <a:defRPr/>
+            </a:pPr>
+            <a:r>
+              <a:rPr kumimoji="0" lang="en-US" sz="1400" b="0" i="0" u="none" strike="noStrike" kern="1200" cap="none" spc="0" normalizeH="0" baseline="0" noProof="0" dirty="0">
+                <a:ln>
+                  <a:noFill/>
+                </a:ln>
+                <a:solidFill>
+                  <a:prstClr val="black"/>
+                </a:solidFill>
+                <a:effectLst/>
+                <a:uLnTx/>
+                <a:uFillTx/>
+                <a:latin typeface="Calibri" panose="020F0502020204030204"/>
+                <a:ea typeface="+mn-ea"/>
+                <a:cs typeface="+mn-cs"/>
+                <a:hlinkClick r:id="rId4"/>
+              </a:rPr>
+              <a:t>https://edition.cnn.com/2020/10/14/tech/twitter-hack-tech-support-scam/index.html</a:t>
+            </a:r>
+            <a:endParaRPr kumimoji="0" lang="en-US" sz="1400" b="0" i="0" u="none" strike="noStrike" kern="1200" cap="none" spc="0" normalizeH="0" baseline="0" noProof="0" dirty="0">
+              <a:ln>
+                <a:noFill/>
+              </a:ln>
+              <a:solidFill>
+                <a:prstClr val="black"/>
+              </a:solidFill>
+              <a:effectLst/>
+              <a:uLnTx/>
+              <a:uFillTx/>
+              <a:latin typeface="Calibri" panose="020F0502020204030204"/>
+              <a:ea typeface="+mn-ea"/>
+              <a:cs typeface="+mn-cs"/>
+            </a:endParaRPr>
+          </a:p>
+        </p:txBody>
+      </p:sp>
+    </p:spTree>
+    <p:extLst>
+      <p:ext uri="{BB962C8B-B14F-4D97-AF65-F5344CB8AC3E}">
+        <p14:creationId xmlns:p14="http://schemas.microsoft.com/office/powerpoint/2010/main" val="1603806760"/>
+      </p:ext>
+    </p:extLst>
+  </p:cSld>
+  <p:clrMapOvr>
+    <a:masterClrMapping/>
+  </p:clrMapOvr>
+</p:sld>
+</file>
+
+<file path=ppt/slides/slide12.xml><?xml version="1.0" encoding="utf-8"?>
+<p:sld xmlns:a="http://schemas.openxmlformats.org/drawingml/2006/main" xmlns:r="http://schemas.openxmlformats.org/officeDocument/2006/relationships" xmlns:p="http://schemas.openxmlformats.org/presentationml/2006/main">
+  <p:cSld>
+    <p:spTree>
+      <p:nvGrpSpPr>
+        <p:cNvPr id="1" name=""/>
+        <p:cNvGrpSpPr/>
+        <p:nvPr/>
+      </p:nvGrpSpPr>
+      <p:grpSpPr>
+        <a:xfrm>
+          <a:off x="0" y="0"/>
+          <a:ext cx="0" cy="0"/>
+          <a:chOff x="0" y="0"/>
+          <a:chExt cx="0" cy="0"/>
+        </a:xfrm>
+      </p:grpSpPr>
+      <p:sp>
+        <p:nvSpPr>
+          <p:cNvPr id="2" name="Title 1">
+            <a:extLst>
+              <a:ext uri="{FF2B5EF4-FFF2-40B4-BE49-F238E27FC236}">
+                <a16:creationId xmlns:a16="http://schemas.microsoft.com/office/drawing/2014/main" id="{A26A8A0A-320E-4536-BFF8-C2E9FC542DEC}"/>
+              </a:ext>
+            </a:extLst>
+          </p:cNvPr>
+          <p:cNvSpPr>
+            <a:spLocks noGrp="1"/>
+          </p:cNvSpPr>
+          <p:nvPr>
+            <p:ph type="title"/>
+          </p:nvPr>
+        </p:nvSpPr>
+        <p:spPr/>
+        <p:txBody>
+          <a:bodyPr/>
+          <a:lstStyle/>
+          <a:p>
+            <a:r>
+              <a:rPr lang="en-US" dirty="0"/>
+              <a:t>Breach scenarios</a:t>
+            </a:r>
+          </a:p>
+        </p:txBody>
+      </p:sp>
+      <p:sp>
+        <p:nvSpPr>
+          <p:cNvPr id="3" name="Content Placeholder 2">
+            <a:extLst>
+              <a:ext uri="{FF2B5EF4-FFF2-40B4-BE49-F238E27FC236}">
+                <a16:creationId xmlns:a16="http://schemas.microsoft.com/office/drawing/2014/main" id="{AE3F0B5C-ACCE-4F53-A9D1-641797D8C52C}"/>
+              </a:ext>
+            </a:extLst>
+          </p:cNvPr>
+          <p:cNvSpPr>
+            <a:spLocks noGrp="1"/>
+          </p:cNvSpPr>
+          <p:nvPr>
+            <p:ph idx="1"/>
+          </p:nvPr>
+        </p:nvSpPr>
+        <p:spPr/>
+        <p:txBody>
+          <a:bodyPr/>
+          <a:lstStyle/>
+          <a:p>
+            <a:pPr marL="0" indent="0">
+              <a:buNone/>
+            </a:pPr>
+            <a:r>
+              <a:rPr lang="en-US" dirty="0"/>
+              <a:t>Supply Chain Attacks</a:t>
+            </a:r>
+          </a:p>
+        </p:txBody>
+      </p:sp>
+      <p:sp>
+        <p:nvSpPr>
+          <p:cNvPr id="6" name="TextBox 5">
+            <a:extLst>
+              <a:ext uri="{FF2B5EF4-FFF2-40B4-BE49-F238E27FC236}">
+                <a16:creationId xmlns:a16="http://schemas.microsoft.com/office/drawing/2014/main" id="{4057677A-F759-4154-9689-DCDCE5A8413B}"/>
+              </a:ext>
+            </a:extLst>
+          </p:cNvPr>
+          <p:cNvSpPr txBox="1"/>
+          <p:nvPr/>
+        </p:nvSpPr>
+        <p:spPr>
+          <a:xfrm>
+            <a:off x="2811294" y="6311900"/>
+            <a:ext cx="8967161" cy="307777"/>
+          </a:xfrm>
+          <a:prstGeom prst="rect">
+            <a:avLst/>
+          </a:prstGeom>
+          <a:noFill/>
+        </p:spPr>
+        <p:txBody>
+          <a:bodyPr wrap="square">
+            <a:spAutoFit/>
+          </a:bodyPr>
+          <a:lstStyle/>
+          <a:p>
+            <a:pPr marL="0" marR="0" lvl="0" indent="0" algn="l" defTabSz="914400" rtl="0" eaLnBrk="1" fontAlgn="auto" latinLnBrk="0" hangingPunct="1">
+              <a:lnSpc>
+                <a:spcPct val="100000"/>
+              </a:lnSpc>
+              <a:spcBef>
+                <a:spcPts val="0"/>
+              </a:spcBef>
+              <a:spcAft>
+                <a:spcPts val="0"/>
+              </a:spcAft>
+              <a:buClrTx/>
+              <a:buSzTx/>
+              <a:buFontTx/>
+              <a:buNone/>
+              <a:tabLst/>
+              <a:defRPr/>
+            </a:pPr>
+            <a:r>
+              <a:rPr kumimoji="0" lang="en-US" sz="1400" b="0" i="0" u="none" strike="noStrike" kern="1200" cap="none" spc="0" normalizeH="0" baseline="0" noProof="0" dirty="0">
+                <a:ln>
+                  <a:noFill/>
+                </a:ln>
+                <a:solidFill>
+                  <a:prstClr val="black"/>
+                </a:solidFill>
+                <a:effectLst/>
+                <a:uLnTx/>
+                <a:uFillTx/>
+                <a:latin typeface="Calibri" panose="020F0502020204030204"/>
+                <a:ea typeface="+mn-ea"/>
+                <a:cs typeface="+mn-cs"/>
+                <a:hlinkClick r:id="rId3"/>
+              </a:rPr>
+              <a:t>https://www.theverge.com/2021/2/10/22276857/security-researcher-repository-exploit-apple-microsoft-vulnerability</a:t>
+            </a:r>
+            <a:endParaRPr kumimoji="0" lang="en-US" sz="1400" b="0" i="0" u="none" strike="noStrike" kern="1200" cap="none" spc="0" normalizeH="0" baseline="0" noProof="0" dirty="0">
+              <a:ln>
+                <a:noFill/>
+              </a:ln>
+              <a:solidFill>
+                <a:prstClr val="black"/>
+              </a:solidFill>
+              <a:effectLst/>
+              <a:uLnTx/>
+              <a:uFillTx/>
+              <a:latin typeface="Calibri" panose="020F0502020204030204"/>
+              <a:ea typeface="+mn-ea"/>
+              <a:cs typeface="+mn-cs"/>
+            </a:endParaRPr>
+          </a:p>
+        </p:txBody>
+      </p:sp>
+      <p:pic>
+        <p:nvPicPr>
+          <p:cNvPr id="5" name="Picture 4">
+            <a:extLst>
+              <a:ext uri="{FF2B5EF4-FFF2-40B4-BE49-F238E27FC236}">
+                <a16:creationId xmlns:a16="http://schemas.microsoft.com/office/drawing/2014/main" id="{DCD810A9-B1BC-4C5E-AB7C-C104C640D650}"/>
+              </a:ext>
+            </a:extLst>
+          </p:cNvPr>
+          <p:cNvPicPr>
+            <a:picLocks noChangeAspect="1"/>
+          </p:cNvPicPr>
+          <p:nvPr/>
+        </p:nvPicPr>
+        <p:blipFill>
+          <a:blip r:embed="rId4"/>
+          <a:stretch>
+            <a:fillRect/>
+          </a:stretch>
+        </p:blipFill>
+        <p:spPr>
+          <a:xfrm>
+            <a:off x="5437818" y="1463094"/>
+            <a:ext cx="6340637" cy="4713869"/>
+          </a:xfrm>
+          <a:prstGeom prst="rect">
+            <a:avLst/>
+          </a:prstGeom>
+        </p:spPr>
+      </p:pic>
+    </p:spTree>
+    <p:extLst>
+      <p:ext uri="{BB962C8B-B14F-4D97-AF65-F5344CB8AC3E}">
+        <p14:creationId xmlns:p14="http://schemas.microsoft.com/office/powerpoint/2010/main" val="3460247255"/>
+      </p:ext>
+    </p:extLst>
+  </p:cSld>
+  <p:clrMapOvr>
+    <a:masterClrMapping/>
+  </p:clrMapOvr>
+</p:sld>
+</file>
+
+<file path=ppt/slides/slide13.xml><?xml version="1.0" encoding="utf-8"?>
+<p:sld xmlns:a="http://schemas.openxmlformats.org/drawingml/2006/main" xmlns:r="http://schemas.openxmlformats.org/officeDocument/2006/relationships" xmlns:p="http://schemas.openxmlformats.org/presentationml/2006/main">
+  <p:cSld>
+    <p:spTree>
+      <p:nvGrpSpPr>
+        <p:cNvPr id="1" name=""/>
+        <p:cNvGrpSpPr/>
+        <p:nvPr/>
+      </p:nvGrpSpPr>
+      <p:grpSpPr>
+        <a:xfrm>
+          <a:off x="0" y="0"/>
+          <a:ext cx="0" cy="0"/>
+          <a:chOff x="0" y="0"/>
+          <a:chExt cx="0" cy="0"/>
+        </a:xfrm>
+      </p:grpSpPr>
+      <p:sp>
+        <p:nvSpPr>
+          <p:cNvPr id="2" name="Title 1">
+            <a:extLst>
+              <a:ext uri="{FF2B5EF4-FFF2-40B4-BE49-F238E27FC236}">
+                <a16:creationId xmlns:a16="http://schemas.microsoft.com/office/drawing/2014/main" id="{A26A8A0A-320E-4536-BFF8-C2E9FC542DEC}"/>
+              </a:ext>
+            </a:extLst>
+          </p:cNvPr>
+          <p:cNvSpPr>
+            <a:spLocks noGrp="1"/>
+          </p:cNvSpPr>
+          <p:nvPr>
+            <p:ph type="title"/>
+          </p:nvPr>
+        </p:nvSpPr>
+        <p:spPr/>
+        <p:txBody>
+          <a:bodyPr/>
+          <a:lstStyle/>
+          <a:p>
+            <a:r>
+              <a:rPr lang="en-US" dirty="0"/>
+              <a:t>Security</a:t>
+            </a:r>
+          </a:p>
+        </p:txBody>
+      </p:sp>
+      <p:sp>
+        <p:nvSpPr>
+          <p:cNvPr id="3" name="Content Placeholder 2">
+            <a:extLst>
+              <a:ext uri="{FF2B5EF4-FFF2-40B4-BE49-F238E27FC236}">
+                <a16:creationId xmlns:a16="http://schemas.microsoft.com/office/drawing/2014/main" id="{AE3F0B5C-ACCE-4F53-A9D1-641797D8C52C}"/>
+              </a:ext>
+            </a:extLst>
+          </p:cNvPr>
+          <p:cNvSpPr>
+            <a:spLocks noGrp="1"/>
+          </p:cNvSpPr>
+          <p:nvPr>
+            <p:ph idx="1"/>
+          </p:nvPr>
+        </p:nvSpPr>
+        <p:spPr/>
+        <p:txBody>
+          <a:bodyPr/>
+          <a:lstStyle/>
+          <a:p>
+            <a:pPr marL="0" indent="0">
+              <a:buNone/>
+            </a:pPr>
+            <a:r>
+              <a:rPr lang="en-US" dirty="0"/>
+              <a:t>But Cloud Provider takes care about security…</a:t>
+            </a:r>
+          </a:p>
+        </p:txBody>
+      </p:sp>
+    </p:spTree>
+    <p:extLst>
+      <p:ext uri="{BB962C8B-B14F-4D97-AF65-F5344CB8AC3E}">
+        <p14:creationId xmlns:p14="http://schemas.microsoft.com/office/powerpoint/2010/main" val="1426889514"/>
+      </p:ext>
+    </p:extLst>
+  </p:cSld>
+  <p:clrMapOvr>
+    <a:masterClrMapping/>
+  </p:clrMapOvr>
+</p:sld>
+</file>
+
+<file path=ppt/slides/slide14.xml><?xml version="1.0" encoding="utf-8"?>
+<p:sld xmlns:a="http://schemas.openxmlformats.org/drawingml/2006/main" xmlns:r="http://schemas.openxmlformats.org/officeDocument/2006/relationships" xmlns:p="http://schemas.openxmlformats.org/presentationml/2006/main">
+  <p:cSld>
+    <p:spTree>
+      <p:nvGrpSpPr>
+        <p:cNvPr id="1" name=""/>
+        <p:cNvGrpSpPr/>
+        <p:nvPr/>
+      </p:nvGrpSpPr>
+      <p:grpSpPr>
+        <a:xfrm>
+          <a:off x="0" y="0"/>
+          <a:ext cx="0" cy="0"/>
+          <a:chOff x="0" y="0"/>
+          <a:chExt cx="0" cy="0"/>
+        </a:xfrm>
+      </p:grpSpPr>
+      <p:sp>
+        <p:nvSpPr>
+          <p:cNvPr id="2" name="Title 1">
+            <a:extLst>
+              <a:ext uri="{FF2B5EF4-FFF2-40B4-BE49-F238E27FC236}">
+                <a16:creationId xmlns:a16="http://schemas.microsoft.com/office/drawing/2014/main" id="{A26A8A0A-320E-4536-BFF8-C2E9FC542DEC}"/>
+              </a:ext>
+            </a:extLst>
+          </p:cNvPr>
+          <p:cNvSpPr>
+            <a:spLocks noGrp="1"/>
+          </p:cNvSpPr>
+          <p:nvPr>
+            <p:ph type="title"/>
+          </p:nvPr>
+        </p:nvSpPr>
+        <p:spPr/>
+        <p:txBody>
+          <a:bodyPr/>
+          <a:lstStyle/>
+          <a:p>
+            <a:r>
+              <a:rPr lang="en-US" dirty="0"/>
+              <a:t>Security</a:t>
+            </a:r>
+          </a:p>
+        </p:txBody>
+      </p:sp>
+      <p:sp>
+        <p:nvSpPr>
+          <p:cNvPr id="3" name="Content Placeholder 2">
+            <a:extLst>
+              <a:ext uri="{FF2B5EF4-FFF2-40B4-BE49-F238E27FC236}">
+                <a16:creationId xmlns:a16="http://schemas.microsoft.com/office/drawing/2014/main" id="{AE3F0B5C-ACCE-4F53-A9D1-641797D8C52C}"/>
+              </a:ext>
+            </a:extLst>
+          </p:cNvPr>
+          <p:cNvSpPr>
+            <a:spLocks noGrp="1"/>
+          </p:cNvSpPr>
+          <p:nvPr>
+            <p:ph idx="1"/>
+          </p:nvPr>
+        </p:nvSpPr>
+        <p:spPr/>
+        <p:txBody>
+          <a:bodyPr/>
+          <a:lstStyle/>
+          <a:p>
+            <a:pPr marL="0" indent="0">
+              <a:buNone/>
+            </a:pPr>
+            <a:r>
+              <a:rPr lang="en-US" dirty="0"/>
+              <a:t>Cloud Provider is responsible for protecting your data </a:t>
+            </a:r>
+            <a:r>
+              <a:rPr lang="en-US" b="1" dirty="0"/>
+              <a:t>from other tenants</a:t>
+            </a:r>
+            <a:r>
+              <a:rPr lang="en-US" dirty="0"/>
+              <a:t>.</a:t>
+            </a:r>
+          </a:p>
+          <a:p>
+            <a:pPr marL="0" indent="0">
+              <a:buNone/>
+            </a:pPr>
+            <a:endParaRPr lang="en-US" b="1" dirty="0"/>
+          </a:p>
+          <a:p>
+            <a:pPr marL="0" indent="0">
+              <a:buNone/>
+            </a:pPr>
+            <a:r>
+              <a:rPr lang="en-US" dirty="0"/>
+              <a:t>Protecting your data from intruders/hackers - is your task.</a:t>
+            </a:r>
+          </a:p>
+          <a:p>
+            <a:pPr marL="0" indent="0">
+              <a:buNone/>
+            </a:pPr>
+            <a:endParaRPr lang="en-US" dirty="0"/>
+          </a:p>
+        </p:txBody>
+      </p:sp>
+    </p:spTree>
+    <p:extLst>
+      <p:ext uri="{BB962C8B-B14F-4D97-AF65-F5344CB8AC3E}">
+        <p14:creationId xmlns:p14="http://schemas.microsoft.com/office/powerpoint/2010/main" val="2745365787"/>
+      </p:ext>
+    </p:extLst>
+  </p:cSld>
+  <p:clrMapOvr>
+    <a:masterClrMapping/>
+  </p:clrMapOvr>
+</p:sld>
+</file>
+
+<file path=ppt/slides/slide15.xml><?xml version="1.0" encoding="utf-8"?>
+<p:sld xmlns:a="http://schemas.openxmlformats.org/drawingml/2006/main" xmlns:r="http://schemas.openxmlformats.org/officeDocument/2006/relationships" xmlns:p="http://schemas.openxmlformats.org/presentationml/2006/main">
+  <p:cSld>
+    <p:spTree>
+      <p:nvGrpSpPr>
+        <p:cNvPr id="1" name=""/>
+        <p:cNvGrpSpPr/>
+        <p:nvPr/>
+      </p:nvGrpSpPr>
+      <p:grpSpPr>
+        <a:xfrm>
+          <a:off x="0" y="0"/>
+          <a:ext cx="0" cy="0"/>
+          <a:chOff x="0" y="0"/>
+          <a:chExt cx="0" cy="0"/>
+        </a:xfrm>
+      </p:grpSpPr>
+      <p:sp>
+        <p:nvSpPr>
+          <p:cNvPr id="2" name="Title 1">
+            <a:extLst>
+              <a:ext uri="{FF2B5EF4-FFF2-40B4-BE49-F238E27FC236}">
+                <a16:creationId xmlns:a16="http://schemas.microsoft.com/office/drawing/2014/main" id="{A26A8A0A-320E-4536-BFF8-C2E9FC542DEC}"/>
+              </a:ext>
+            </a:extLst>
+          </p:cNvPr>
+          <p:cNvSpPr>
+            <a:spLocks noGrp="1"/>
+          </p:cNvSpPr>
+          <p:nvPr>
+            <p:ph type="title"/>
+          </p:nvPr>
+        </p:nvSpPr>
+        <p:spPr/>
+        <p:txBody>
+          <a:bodyPr/>
+          <a:lstStyle/>
+          <a:p>
+            <a:r>
+              <a:rPr lang="en-US" dirty="0"/>
+              <a:t>Security</a:t>
+            </a:r>
+          </a:p>
+        </p:txBody>
+      </p:sp>
+      <p:sp>
+        <p:nvSpPr>
+          <p:cNvPr id="3" name="Content Placeholder 2">
+            <a:extLst>
+              <a:ext uri="{FF2B5EF4-FFF2-40B4-BE49-F238E27FC236}">
+                <a16:creationId xmlns:a16="http://schemas.microsoft.com/office/drawing/2014/main" id="{AE3F0B5C-ACCE-4F53-A9D1-641797D8C52C}"/>
+              </a:ext>
+            </a:extLst>
+          </p:cNvPr>
+          <p:cNvSpPr>
+            <a:spLocks noGrp="1"/>
+          </p:cNvSpPr>
+          <p:nvPr>
+            <p:ph idx="1"/>
+          </p:nvPr>
+        </p:nvSpPr>
+        <p:spPr/>
+        <p:txBody>
+          <a:bodyPr/>
+          <a:lstStyle/>
+          <a:p>
+            <a:pPr marL="0" indent="0">
+              <a:buNone/>
+            </a:pPr>
+            <a:r>
+              <a:rPr lang="en-US" dirty="0"/>
+              <a:t>Security is about dealing with Risk:</a:t>
+            </a:r>
+          </a:p>
+          <a:p>
+            <a:r>
+              <a:rPr lang="en-US" dirty="0"/>
+              <a:t>Accidental deletion</a:t>
+            </a:r>
+          </a:p>
+          <a:p>
+            <a:r>
+              <a:rPr lang="en-US" dirty="0"/>
+              <a:t>Theft</a:t>
+            </a:r>
+          </a:p>
+          <a:p>
+            <a:r>
+              <a:rPr lang="en-US" dirty="0"/>
+              <a:t>Privacy</a:t>
+            </a:r>
+          </a:p>
+          <a:p>
+            <a:r>
+              <a:rPr lang="en-US" dirty="0"/>
+              <a:t>Compliance</a:t>
+            </a:r>
+          </a:p>
+        </p:txBody>
+      </p:sp>
+    </p:spTree>
+    <p:extLst>
+      <p:ext uri="{BB962C8B-B14F-4D97-AF65-F5344CB8AC3E}">
+        <p14:creationId xmlns:p14="http://schemas.microsoft.com/office/powerpoint/2010/main" val="2793592940"/>
+      </p:ext>
+    </p:extLst>
+  </p:cSld>
+  <p:clrMapOvr>
+    <a:masterClrMapping/>
+  </p:clrMapOvr>
+</p:sld>
+</file>
+
+<file path=ppt/slides/slide16.xml><?xml version="1.0" encoding="utf-8"?>
+<p:sld xmlns:a="http://schemas.openxmlformats.org/drawingml/2006/main" xmlns:r="http://schemas.openxmlformats.org/officeDocument/2006/relationships" xmlns:p="http://schemas.openxmlformats.org/presentationml/2006/main">
+  <p:cSld>
+    <p:spTree>
+      <p:nvGrpSpPr>
+        <p:cNvPr id="1" name=""/>
+        <p:cNvGrpSpPr/>
+        <p:nvPr/>
+      </p:nvGrpSpPr>
+      <p:grpSpPr>
+        <a:xfrm>
+          <a:off x="0" y="0"/>
+          <a:ext cx="0" cy="0"/>
+          <a:chOff x="0" y="0"/>
+          <a:chExt cx="0" cy="0"/>
+        </a:xfrm>
+      </p:grpSpPr>
+      <p:sp>
+        <p:nvSpPr>
+          <p:cNvPr id="2" name="Title 1">
+            <a:extLst>
+              <a:ext uri="{FF2B5EF4-FFF2-40B4-BE49-F238E27FC236}">
+                <a16:creationId xmlns:a16="http://schemas.microsoft.com/office/drawing/2014/main" id="{A26A8A0A-320E-4536-BFF8-C2E9FC542DEC}"/>
+              </a:ext>
+            </a:extLst>
+          </p:cNvPr>
+          <p:cNvSpPr>
+            <a:spLocks noGrp="1"/>
+          </p:cNvSpPr>
+          <p:nvPr>
+            <p:ph type="title"/>
+          </p:nvPr>
+        </p:nvSpPr>
+        <p:spPr/>
+        <p:txBody>
+          <a:bodyPr/>
+          <a:lstStyle/>
+          <a:p>
+            <a:r>
+              <a:rPr lang="en-US" dirty="0"/>
+              <a:t>Security</a:t>
+            </a:r>
+          </a:p>
+        </p:txBody>
+      </p:sp>
+      <p:sp>
+        <p:nvSpPr>
+          <p:cNvPr id="3" name="Content Placeholder 2">
+            <a:extLst>
+              <a:ext uri="{FF2B5EF4-FFF2-40B4-BE49-F238E27FC236}">
+                <a16:creationId xmlns:a16="http://schemas.microsoft.com/office/drawing/2014/main" id="{AE3F0B5C-ACCE-4F53-A9D1-641797D8C52C}"/>
+              </a:ext>
+            </a:extLst>
+          </p:cNvPr>
+          <p:cNvSpPr>
+            <a:spLocks noGrp="1"/>
+          </p:cNvSpPr>
+          <p:nvPr>
+            <p:ph idx="1"/>
+          </p:nvPr>
+        </p:nvSpPr>
+        <p:spPr/>
+        <p:txBody>
+          <a:bodyPr/>
+          <a:lstStyle/>
+          <a:p>
+            <a:pPr marL="0" indent="0">
+              <a:buNone/>
+            </a:pPr>
+            <a:r>
+              <a:rPr lang="en-US" dirty="0"/>
+              <a:t>Cloud Provider often gives tools to deal with security risks</a:t>
+            </a:r>
+          </a:p>
+        </p:txBody>
+      </p:sp>
+    </p:spTree>
+    <p:extLst>
+      <p:ext uri="{BB962C8B-B14F-4D97-AF65-F5344CB8AC3E}">
+        <p14:creationId xmlns:p14="http://schemas.microsoft.com/office/powerpoint/2010/main" val="2717572209"/>
+      </p:ext>
+    </p:extLst>
+  </p:cSld>
+  <p:clrMapOvr>
+    <a:masterClrMapping/>
+  </p:clrMapOvr>
+</p:sld>
+</file>
+
+<file path=ppt/slides/slide17.xml><?xml version="1.0" encoding="utf-8"?>
+<p:sld xmlns:a="http://schemas.openxmlformats.org/drawingml/2006/main" xmlns:r="http://schemas.openxmlformats.org/officeDocument/2006/relationships" xmlns:p="http://schemas.openxmlformats.org/presentationml/2006/main">
+  <p:cSld>
+    <p:spTree>
+      <p:nvGrpSpPr>
+        <p:cNvPr id="1" name=""/>
+        <p:cNvGrpSpPr/>
+        <p:nvPr/>
+      </p:nvGrpSpPr>
+      <p:grpSpPr>
+        <a:xfrm>
+          <a:off x="0" y="0"/>
+          <a:ext cx="0" cy="0"/>
+          <a:chOff x="0" y="0"/>
+          <a:chExt cx="0" cy="0"/>
+        </a:xfrm>
+      </p:grpSpPr>
+      <p:sp>
+        <p:nvSpPr>
+          <p:cNvPr id="2" name="Title 1">
+            <a:extLst>
+              <a:ext uri="{FF2B5EF4-FFF2-40B4-BE49-F238E27FC236}">
+                <a16:creationId xmlns:a16="http://schemas.microsoft.com/office/drawing/2014/main" id="{A26A8A0A-320E-4536-BFF8-C2E9FC542DEC}"/>
+              </a:ext>
+            </a:extLst>
+          </p:cNvPr>
+          <p:cNvSpPr>
+            <a:spLocks noGrp="1"/>
+          </p:cNvSpPr>
+          <p:nvPr>
+            <p:ph type="title"/>
+          </p:nvPr>
+        </p:nvSpPr>
+        <p:spPr/>
+        <p:txBody>
+          <a:bodyPr/>
+          <a:lstStyle/>
+          <a:p>
+            <a:r>
+              <a:rPr lang="en-US" dirty="0"/>
+              <a:t>Security</a:t>
+            </a:r>
+          </a:p>
+        </p:txBody>
+      </p:sp>
+      <p:sp>
+        <p:nvSpPr>
+          <p:cNvPr id="3" name="Content Placeholder 2">
+            <a:extLst>
+              <a:ext uri="{FF2B5EF4-FFF2-40B4-BE49-F238E27FC236}">
+                <a16:creationId xmlns:a16="http://schemas.microsoft.com/office/drawing/2014/main" id="{AE3F0B5C-ACCE-4F53-A9D1-641797D8C52C}"/>
+              </a:ext>
+            </a:extLst>
+          </p:cNvPr>
+          <p:cNvSpPr>
+            <a:spLocks noGrp="1"/>
+          </p:cNvSpPr>
+          <p:nvPr>
+            <p:ph idx="1"/>
+          </p:nvPr>
+        </p:nvSpPr>
+        <p:spPr/>
+        <p:txBody>
+          <a:bodyPr/>
+          <a:lstStyle/>
+          <a:p>
+            <a:pPr marL="0" indent="0">
+              <a:buNone/>
+            </a:pPr>
+            <a:r>
+              <a:rPr lang="en-US" dirty="0"/>
+              <a:t>Security comes with a price:</a:t>
+            </a:r>
+          </a:p>
+          <a:p>
+            <a:r>
+              <a:rPr lang="en-US" dirty="0"/>
+              <a:t>increased cost and complexity</a:t>
+            </a:r>
+          </a:p>
+          <a:p>
+            <a:r>
+              <a:rPr lang="en-US" dirty="0"/>
+              <a:t>decreased maintainability</a:t>
+            </a:r>
+          </a:p>
+        </p:txBody>
+      </p:sp>
+    </p:spTree>
+    <p:extLst>
+      <p:ext uri="{BB962C8B-B14F-4D97-AF65-F5344CB8AC3E}">
+        <p14:creationId xmlns:p14="http://schemas.microsoft.com/office/powerpoint/2010/main" val="425406822"/>
+      </p:ext>
+    </p:extLst>
+  </p:cSld>
+  <p:clrMapOvr>
+    <a:masterClrMapping/>
+  </p:clrMapOvr>
+</p:sld>
+</file>
+
+<file path=ppt/slides/slide18.xml><?xml version="1.0" encoding="utf-8"?>
+<p:sld xmlns:a="http://schemas.openxmlformats.org/drawingml/2006/main" xmlns:r="http://schemas.openxmlformats.org/officeDocument/2006/relationships" xmlns:p="http://schemas.openxmlformats.org/presentationml/2006/main">
+  <p:cSld>
+    <p:spTree>
+      <p:nvGrpSpPr>
+        <p:cNvPr id="1" name=""/>
+        <p:cNvGrpSpPr/>
+        <p:nvPr/>
+      </p:nvGrpSpPr>
+      <p:grpSpPr>
+        <a:xfrm>
+          <a:off x="0" y="0"/>
+          <a:ext cx="0" cy="0"/>
+          <a:chOff x="0" y="0"/>
+          <a:chExt cx="0" cy="0"/>
+        </a:xfrm>
+      </p:grpSpPr>
+      <p:sp>
+        <p:nvSpPr>
+          <p:cNvPr id="2" name="Title 1">
+            <a:extLst>
+              <a:ext uri="{FF2B5EF4-FFF2-40B4-BE49-F238E27FC236}">
+                <a16:creationId xmlns:a16="http://schemas.microsoft.com/office/drawing/2014/main" id="{A26A8A0A-320E-4536-BFF8-C2E9FC542DEC}"/>
+              </a:ext>
+            </a:extLst>
+          </p:cNvPr>
+          <p:cNvSpPr>
+            <a:spLocks noGrp="1"/>
+          </p:cNvSpPr>
+          <p:nvPr>
+            <p:ph type="title"/>
+          </p:nvPr>
+        </p:nvSpPr>
+        <p:spPr/>
+        <p:txBody>
+          <a:bodyPr/>
+          <a:lstStyle/>
+          <a:p>
+            <a:r>
+              <a:rPr lang="en-US" dirty="0"/>
               <a:t>Security Areas</a:t>
             </a:r>
           </a:p>
@@ -8202,7 +10002,7 @@
 </p:sld>
 </file>
 
-<file path=ppt/slides/slide11.xml><?xml version="1.0" encoding="utf-8"?>
+<file path=ppt/slides/slide19.xml><?xml version="1.0" encoding="utf-8"?>
 <p:sld xmlns:a="http://schemas.openxmlformats.org/drawingml/2006/main" xmlns:r="http://schemas.openxmlformats.org/officeDocument/2006/relationships" xmlns:p="http://schemas.openxmlformats.org/presentationml/2006/main">
   <p:cSld>
     <p:spTree>
@@ -8289,968 +10089,6 @@
 </p:sld>
 </file>
 
-<file path=ppt/slides/slide12.xml><?xml version="1.0" encoding="utf-8"?>
-<p:sld xmlns:a="http://schemas.openxmlformats.org/drawingml/2006/main" xmlns:r="http://schemas.openxmlformats.org/officeDocument/2006/relationships" xmlns:p="http://schemas.openxmlformats.org/presentationml/2006/main">
-  <p:cSld>
-    <p:spTree>
-      <p:nvGrpSpPr>
-        <p:cNvPr id="1" name=""/>
-        <p:cNvGrpSpPr/>
-        <p:nvPr/>
-      </p:nvGrpSpPr>
-      <p:grpSpPr>
-        <a:xfrm>
-          <a:off x="0" y="0"/>
-          <a:ext cx="0" cy="0"/>
-          <a:chOff x="0" y="0"/>
-          <a:chExt cx="0" cy="0"/>
-        </a:xfrm>
-      </p:grpSpPr>
-      <p:sp>
-        <p:nvSpPr>
-          <p:cNvPr id="2" name="Title 1">
-            <a:extLst>
-              <a:ext uri="{FF2B5EF4-FFF2-40B4-BE49-F238E27FC236}">
-                <a16:creationId xmlns:a16="http://schemas.microsoft.com/office/drawing/2014/main" id="{A26A8A0A-320E-4536-BFF8-C2E9FC542DEC}"/>
-              </a:ext>
-            </a:extLst>
-          </p:cNvPr>
-          <p:cNvSpPr>
-            <a:spLocks noGrp="1"/>
-          </p:cNvSpPr>
-          <p:nvPr>
-            <p:ph type="title"/>
-          </p:nvPr>
-        </p:nvSpPr>
-        <p:spPr/>
-        <p:txBody>
-          <a:bodyPr/>
-          <a:lstStyle/>
-          <a:p>
-            <a:r>
-              <a:rPr lang="en-US" dirty="0"/>
-              <a:t>Security Areas</a:t>
-            </a:r>
-          </a:p>
-        </p:txBody>
-      </p:sp>
-      <p:pic>
-        <p:nvPicPr>
-          <p:cNvPr id="5" name="Content Placeholder 4">
-            <a:extLst>
-              <a:ext uri="{FF2B5EF4-FFF2-40B4-BE49-F238E27FC236}">
-                <a16:creationId xmlns:a16="http://schemas.microsoft.com/office/drawing/2014/main" id="{4C62C942-8A4F-4B40-BBBF-74593D55E2E4}"/>
-              </a:ext>
-            </a:extLst>
-          </p:cNvPr>
-          <p:cNvPicPr>
-            <a:picLocks noGrp="1" noChangeAspect="1"/>
-          </p:cNvPicPr>
-          <p:nvPr>
-            <p:ph idx="1"/>
-          </p:nvPr>
-        </p:nvPicPr>
-        <p:blipFill>
-          <a:blip r:embed="rId3"/>
-          <a:stretch>
-            <a:fillRect/>
-          </a:stretch>
-        </p:blipFill>
-        <p:spPr>
-          <a:xfrm>
-            <a:off x="838200" y="1920740"/>
-            <a:ext cx="10515600" cy="4161108"/>
-          </a:xfrm>
-        </p:spPr>
-      </p:pic>
-    </p:spTree>
-    <p:extLst>
-      <p:ext uri="{BB962C8B-B14F-4D97-AF65-F5344CB8AC3E}">
-        <p14:creationId xmlns:p14="http://schemas.microsoft.com/office/powerpoint/2010/main" val="2621201056"/>
-      </p:ext>
-    </p:extLst>
-  </p:cSld>
-  <p:clrMapOvr>
-    <a:masterClrMapping/>
-  </p:clrMapOvr>
-</p:sld>
-</file>
-
-<file path=ppt/slides/slide13.xml><?xml version="1.0" encoding="utf-8"?>
-<p:sld xmlns:a="http://schemas.openxmlformats.org/drawingml/2006/main" xmlns:r="http://schemas.openxmlformats.org/officeDocument/2006/relationships" xmlns:p="http://schemas.openxmlformats.org/presentationml/2006/main">
-  <p:cSld>
-    <p:spTree>
-      <p:nvGrpSpPr>
-        <p:cNvPr id="1" name=""/>
-        <p:cNvGrpSpPr/>
-        <p:nvPr/>
-      </p:nvGrpSpPr>
-      <p:grpSpPr>
-        <a:xfrm>
-          <a:off x="0" y="0"/>
-          <a:ext cx="0" cy="0"/>
-          <a:chOff x="0" y="0"/>
-          <a:chExt cx="0" cy="0"/>
-        </a:xfrm>
-      </p:grpSpPr>
-      <p:sp>
-        <p:nvSpPr>
-          <p:cNvPr id="2" name="Title 1">
-            <a:extLst>
-              <a:ext uri="{FF2B5EF4-FFF2-40B4-BE49-F238E27FC236}">
-                <a16:creationId xmlns:a16="http://schemas.microsoft.com/office/drawing/2014/main" id="{A26A8A0A-320E-4536-BFF8-C2E9FC542DEC}"/>
-              </a:ext>
-            </a:extLst>
-          </p:cNvPr>
-          <p:cNvSpPr>
-            <a:spLocks noGrp="1"/>
-          </p:cNvSpPr>
-          <p:nvPr>
-            <p:ph type="title"/>
-          </p:nvPr>
-        </p:nvSpPr>
-        <p:spPr/>
-        <p:txBody>
-          <a:bodyPr/>
-          <a:lstStyle/>
-          <a:p>
-            <a:r>
-              <a:rPr lang="en-US" dirty="0"/>
-              <a:t>Security Areas</a:t>
-            </a:r>
-          </a:p>
-        </p:txBody>
-      </p:sp>
-      <p:pic>
-        <p:nvPicPr>
-          <p:cNvPr id="5" name="Content Placeholder 4">
-            <a:extLst>
-              <a:ext uri="{FF2B5EF4-FFF2-40B4-BE49-F238E27FC236}">
-                <a16:creationId xmlns:a16="http://schemas.microsoft.com/office/drawing/2014/main" id="{B3D443F0-7FF0-4AA5-814D-F0558D1F9CB7}"/>
-              </a:ext>
-            </a:extLst>
-          </p:cNvPr>
-          <p:cNvPicPr>
-            <a:picLocks noGrp="1" noChangeAspect="1"/>
-          </p:cNvPicPr>
-          <p:nvPr>
-            <p:ph idx="1"/>
-          </p:nvPr>
-        </p:nvPicPr>
-        <p:blipFill>
-          <a:blip r:embed="rId2"/>
-          <a:stretch>
-            <a:fillRect/>
-          </a:stretch>
-        </p:blipFill>
-        <p:spPr>
-          <a:xfrm>
-            <a:off x="838200" y="1920740"/>
-            <a:ext cx="10515600" cy="4161108"/>
-          </a:xfrm>
-        </p:spPr>
-      </p:pic>
-    </p:spTree>
-    <p:extLst>
-      <p:ext uri="{BB962C8B-B14F-4D97-AF65-F5344CB8AC3E}">
-        <p14:creationId xmlns:p14="http://schemas.microsoft.com/office/powerpoint/2010/main" val="237912536"/>
-      </p:ext>
-    </p:extLst>
-  </p:cSld>
-  <p:clrMapOvr>
-    <a:masterClrMapping/>
-  </p:clrMapOvr>
-</p:sld>
-</file>
-
-<file path=ppt/slides/slide14.xml><?xml version="1.0" encoding="utf-8"?>
-<p:sld xmlns:a="http://schemas.openxmlformats.org/drawingml/2006/main" xmlns:r="http://schemas.openxmlformats.org/officeDocument/2006/relationships" xmlns:p="http://schemas.openxmlformats.org/presentationml/2006/main">
-  <p:cSld>
-    <p:spTree>
-      <p:nvGrpSpPr>
-        <p:cNvPr id="1" name=""/>
-        <p:cNvGrpSpPr/>
-        <p:nvPr/>
-      </p:nvGrpSpPr>
-      <p:grpSpPr>
-        <a:xfrm>
-          <a:off x="0" y="0"/>
-          <a:ext cx="0" cy="0"/>
-          <a:chOff x="0" y="0"/>
-          <a:chExt cx="0" cy="0"/>
-        </a:xfrm>
-      </p:grpSpPr>
-      <p:sp>
-        <p:nvSpPr>
-          <p:cNvPr id="2" name="Title 1">
-            <a:extLst>
-              <a:ext uri="{FF2B5EF4-FFF2-40B4-BE49-F238E27FC236}">
-                <a16:creationId xmlns:a16="http://schemas.microsoft.com/office/drawing/2014/main" id="{A26A8A0A-320E-4536-BFF8-C2E9FC542DEC}"/>
-              </a:ext>
-            </a:extLst>
-          </p:cNvPr>
-          <p:cNvSpPr>
-            <a:spLocks noGrp="1"/>
-          </p:cNvSpPr>
-          <p:nvPr>
-            <p:ph type="title"/>
-          </p:nvPr>
-        </p:nvSpPr>
-        <p:spPr/>
-        <p:txBody>
-          <a:bodyPr/>
-          <a:lstStyle/>
-          <a:p>
-            <a:r>
-              <a:rPr lang="en-US" dirty="0"/>
-              <a:t>Security Areas</a:t>
-            </a:r>
-          </a:p>
-        </p:txBody>
-      </p:sp>
-      <p:pic>
-        <p:nvPicPr>
-          <p:cNvPr id="5" name="Content Placeholder 4">
-            <a:extLst>
-              <a:ext uri="{FF2B5EF4-FFF2-40B4-BE49-F238E27FC236}">
-                <a16:creationId xmlns:a16="http://schemas.microsoft.com/office/drawing/2014/main" id="{D3ACF29A-D81A-4589-B484-400CA5755DC6}"/>
-              </a:ext>
-            </a:extLst>
-          </p:cNvPr>
-          <p:cNvPicPr>
-            <a:picLocks noGrp="1" noChangeAspect="1"/>
-          </p:cNvPicPr>
-          <p:nvPr>
-            <p:ph idx="1"/>
-          </p:nvPr>
-        </p:nvPicPr>
-        <p:blipFill>
-          <a:blip r:embed="rId2"/>
-          <a:stretch>
-            <a:fillRect/>
-          </a:stretch>
-        </p:blipFill>
-        <p:spPr>
-          <a:xfrm>
-            <a:off x="838200" y="1920740"/>
-            <a:ext cx="10515600" cy="4161108"/>
-          </a:xfrm>
-        </p:spPr>
-      </p:pic>
-    </p:spTree>
-    <p:extLst>
-      <p:ext uri="{BB962C8B-B14F-4D97-AF65-F5344CB8AC3E}">
-        <p14:creationId xmlns:p14="http://schemas.microsoft.com/office/powerpoint/2010/main" val="2460926052"/>
-      </p:ext>
-    </p:extLst>
-  </p:cSld>
-  <p:clrMapOvr>
-    <a:masterClrMapping/>
-  </p:clrMapOvr>
-</p:sld>
-</file>
-
-<file path=ppt/slides/slide15.xml><?xml version="1.0" encoding="utf-8"?>
-<p:sld xmlns:a="http://schemas.openxmlformats.org/drawingml/2006/main" xmlns:r="http://schemas.openxmlformats.org/officeDocument/2006/relationships" xmlns:p="http://schemas.openxmlformats.org/presentationml/2006/main">
-  <p:cSld>
-    <p:spTree>
-      <p:nvGrpSpPr>
-        <p:cNvPr id="1" name=""/>
-        <p:cNvGrpSpPr/>
-        <p:nvPr/>
-      </p:nvGrpSpPr>
-      <p:grpSpPr>
-        <a:xfrm>
-          <a:off x="0" y="0"/>
-          <a:ext cx="0" cy="0"/>
-          <a:chOff x="0" y="0"/>
-          <a:chExt cx="0" cy="0"/>
-        </a:xfrm>
-      </p:grpSpPr>
-      <p:sp>
-        <p:nvSpPr>
-          <p:cNvPr id="2" name="Title 1">
-            <a:extLst>
-              <a:ext uri="{FF2B5EF4-FFF2-40B4-BE49-F238E27FC236}">
-                <a16:creationId xmlns:a16="http://schemas.microsoft.com/office/drawing/2014/main" id="{A26A8A0A-320E-4536-BFF8-C2E9FC542DEC}"/>
-              </a:ext>
-            </a:extLst>
-          </p:cNvPr>
-          <p:cNvSpPr>
-            <a:spLocks noGrp="1"/>
-          </p:cNvSpPr>
-          <p:nvPr>
-            <p:ph type="title"/>
-          </p:nvPr>
-        </p:nvSpPr>
-        <p:spPr/>
-        <p:txBody>
-          <a:bodyPr/>
-          <a:lstStyle/>
-          <a:p>
-            <a:r>
-              <a:rPr lang="en-US" dirty="0"/>
-              <a:t>Security Areas</a:t>
-            </a:r>
-          </a:p>
-        </p:txBody>
-      </p:sp>
-      <p:pic>
-        <p:nvPicPr>
-          <p:cNvPr id="15" name="Content Placeholder 14">
-            <a:extLst>
-              <a:ext uri="{FF2B5EF4-FFF2-40B4-BE49-F238E27FC236}">
-                <a16:creationId xmlns:a16="http://schemas.microsoft.com/office/drawing/2014/main" id="{8EBC9882-F3B6-4E17-8AB2-9C23A6F9503F}"/>
-              </a:ext>
-            </a:extLst>
-          </p:cNvPr>
-          <p:cNvPicPr>
-            <a:picLocks noGrp="1" noChangeAspect="1"/>
-          </p:cNvPicPr>
-          <p:nvPr>
-            <p:ph idx="1"/>
-          </p:nvPr>
-        </p:nvPicPr>
-        <p:blipFill>
-          <a:blip r:embed="rId3"/>
-          <a:stretch>
-            <a:fillRect/>
-          </a:stretch>
-        </p:blipFill>
-        <p:spPr>
-          <a:xfrm>
-            <a:off x="838200" y="1920740"/>
-            <a:ext cx="10515600" cy="4161108"/>
-          </a:xfrm>
-        </p:spPr>
-      </p:pic>
-    </p:spTree>
-    <p:extLst>
-      <p:ext uri="{BB962C8B-B14F-4D97-AF65-F5344CB8AC3E}">
-        <p14:creationId xmlns:p14="http://schemas.microsoft.com/office/powerpoint/2010/main" val="993062310"/>
-      </p:ext>
-    </p:extLst>
-  </p:cSld>
-  <p:clrMapOvr>
-    <a:masterClrMapping/>
-  </p:clrMapOvr>
-</p:sld>
-</file>
-
-<file path=ppt/slides/slide16.xml><?xml version="1.0" encoding="utf-8"?>
-<p:sld xmlns:a="http://schemas.openxmlformats.org/drawingml/2006/main" xmlns:r="http://schemas.openxmlformats.org/officeDocument/2006/relationships" xmlns:p="http://schemas.openxmlformats.org/presentationml/2006/main">
-  <p:cSld>
-    <p:spTree>
-      <p:nvGrpSpPr>
-        <p:cNvPr id="1" name=""/>
-        <p:cNvGrpSpPr/>
-        <p:nvPr/>
-      </p:nvGrpSpPr>
-      <p:grpSpPr>
-        <a:xfrm>
-          <a:off x="0" y="0"/>
-          <a:ext cx="0" cy="0"/>
-          <a:chOff x="0" y="0"/>
-          <a:chExt cx="0" cy="0"/>
-        </a:xfrm>
-      </p:grpSpPr>
-      <p:sp>
-        <p:nvSpPr>
-          <p:cNvPr id="2" name="Title 1">
-            <a:extLst>
-              <a:ext uri="{FF2B5EF4-FFF2-40B4-BE49-F238E27FC236}">
-                <a16:creationId xmlns:a16="http://schemas.microsoft.com/office/drawing/2014/main" id="{A26A8A0A-320E-4536-BFF8-C2E9FC542DEC}"/>
-              </a:ext>
-            </a:extLst>
-          </p:cNvPr>
-          <p:cNvSpPr>
-            <a:spLocks noGrp="1"/>
-          </p:cNvSpPr>
-          <p:nvPr>
-            <p:ph type="title"/>
-          </p:nvPr>
-        </p:nvSpPr>
-        <p:spPr/>
-        <p:txBody>
-          <a:bodyPr/>
-          <a:lstStyle/>
-          <a:p>
-            <a:r>
-              <a:rPr lang="en-US" dirty="0"/>
-              <a:t>Breach scenarios</a:t>
-            </a:r>
-          </a:p>
-        </p:txBody>
-      </p:sp>
-      <p:sp>
-        <p:nvSpPr>
-          <p:cNvPr id="3" name="Content Placeholder 2">
-            <a:extLst>
-              <a:ext uri="{FF2B5EF4-FFF2-40B4-BE49-F238E27FC236}">
-                <a16:creationId xmlns:a16="http://schemas.microsoft.com/office/drawing/2014/main" id="{AE3F0B5C-ACCE-4F53-A9D1-641797D8C52C}"/>
-              </a:ext>
-            </a:extLst>
-          </p:cNvPr>
-          <p:cNvSpPr>
-            <a:spLocks noGrp="1"/>
-          </p:cNvSpPr>
-          <p:nvPr>
-            <p:ph idx="1"/>
-          </p:nvPr>
-        </p:nvSpPr>
-        <p:spPr/>
-        <p:txBody>
-          <a:bodyPr/>
-          <a:lstStyle/>
-          <a:p>
-            <a:pPr marL="0" indent="0">
-              <a:buNone/>
-            </a:pPr>
-            <a:r>
-              <a:rPr lang="en-US" b="1" dirty="0"/>
-              <a:t>Ransomware</a:t>
-            </a:r>
-            <a:r>
-              <a:rPr lang="en-US" dirty="0"/>
-              <a:t>: threat to publish data or blocks access</a:t>
-            </a:r>
-          </a:p>
-        </p:txBody>
-      </p:sp>
-      <p:pic>
-        <p:nvPicPr>
-          <p:cNvPr id="5" name="Picture 4">
-            <a:extLst>
-              <a:ext uri="{FF2B5EF4-FFF2-40B4-BE49-F238E27FC236}">
-                <a16:creationId xmlns:a16="http://schemas.microsoft.com/office/drawing/2014/main" id="{1C00CA82-98E5-4B14-A49B-0E7A736405D5}"/>
-              </a:ext>
-            </a:extLst>
-          </p:cNvPr>
-          <p:cNvPicPr>
-            <a:picLocks noChangeAspect="1"/>
-          </p:cNvPicPr>
-          <p:nvPr/>
-        </p:nvPicPr>
-        <p:blipFill>
-          <a:blip r:embed="rId3"/>
-          <a:stretch>
-            <a:fillRect/>
-          </a:stretch>
-        </p:blipFill>
-        <p:spPr>
-          <a:xfrm>
-            <a:off x="1761520" y="2880853"/>
-            <a:ext cx="8668960" cy="3296110"/>
-          </a:xfrm>
-          <a:prstGeom prst="rect">
-            <a:avLst/>
-          </a:prstGeom>
-        </p:spPr>
-      </p:pic>
-      <p:sp>
-        <p:nvSpPr>
-          <p:cNvPr id="6" name="TextBox 5">
-            <a:extLst>
-              <a:ext uri="{FF2B5EF4-FFF2-40B4-BE49-F238E27FC236}">
-                <a16:creationId xmlns:a16="http://schemas.microsoft.com/office/drawing/2014/main" id="{A00EB3DF-681E-4492-AA52-2EAF5B70531C}"/>
-              </a:ext>
-            </a:extLst>
-          </p:cNvPr>
-          <p:cNvSpPr txBox="1"/>
-          <p:nvPr/>
-        </p:nvSpPr>
-        <p:spPr>
-          <a:xfrm>
-            <a:off x="3429816" y="6311900"/>
-            <a:ext cx="8668960" cy="307777"/>
-          </a:xfrm>
-          <a:prstGeom prst="rect">
-            <a:avLst/>
-          </a:prstGeom>
-          <a:noFill/>
-        </p:spPr>
-        <p:txBody>
-          <a:bodyPr wrap="square">
-            <a:spAutoFit/>
-          </a:bodyPr>
-          <a:lstStyle/>
-          <a:p>
-            <a:r>
-              <a:rPr lang="en-US" sz="1400" dirty="0">
-                <a:hlinkClick r:id="rId4"/>
-              </a:rPr>
-              <a:t>https://www.theverge.com/2020/8/4/21353842/garmin-ransomware-attack-wearables-wastedlocker-evil-corp</a:t>
-            </a:r>
-            <a:endParaRPr lang="en-US" sz="1400" dirty="0"/>
-          </a:p>
-        </p:txBody>
-      </p:sp>
-    </p:spTree>
-    <p:extLst>
-      <p:ext uri="{BB962C8B-B14F-4D97-AF65-F5344CB8AC3E}">
-        <p14:creationId xmlns:p14="http://schemas.microsoft.com/office/powerpoint/2010/main" val="1852596163"/>
-      </p:ext>
-    </p:extLst>
-  </p:cSld>
-  <p:clrMapOvr>
-    <a:masterClrMapping/>
-  </p:clrMapOvr>
-</p:sld>
-</file>
-
-<file path=ppt/slides/slide17.xml><?xml version="1.0" encoding="utf-8"?>
-<p:sld xmlns:a="http://schemas.openxmlformats.org/drawingml/2006/main" xmlns:r="http://schemas.openxmlformats.org/officeDocument/2006/relationships" xmlns:p="http://schemas.openxmlformats.org/presentationml/2006/main">
-  <p:cSld>
-    <p:spTree>
-      <p:nvGrpSpPr>
-        <p:cNvPr id="1" name=""/>
-        <p:cNvGrpSpPr/>
-        <p:nvPr/>
-      </p:nvGrpSpPr>
-      <p:grpSpPr>
-        <a:xfrm>
-          <a:off x="0" y="0"/>
-          <a:ext cx="0" cy="0"/>
-          <a:chOff x="0" y="0"/>
-          <a:chExt cx="0" cy="0"/>
-        </a:xfrm>
-      </p:grpSpPr>
-      <p:sp>
-        <p:nvSpPr>
-          <p:cNvPr id="2" name="Title 1">
-            <a:extLst>
-              <a:ext uri="{FF2B5EF4-FFF2-40B4-BE49-F238E27FC236}">
-                <a16:creationId xmlns:a16="http://schemas.microsoft.com/office/drawing/2014/main" id="{A26A8A0A-320E-4536-BFF8-C2E9FC542DEC}"/>
-              </a:ext>
-            </a:extLst>
-          </p:cNvPr>
-          <p:cNvSpPr>
-            <a:spLocks noGrp="1"/>
-          </p:cNvSpPr>
-          <p:nvPr>
-            <p:ph type="title"/>
-          </p:nvPr>
-        </p:nvSpPr>
-        <p:spPr/>
-        <p:txBody>
-          <a:bodyPr/>
-          <a:lstStyle/>
-          <a:p>
-            <a:r>
-              <a:rPr lang="en-US" dirty="0"/>
-              <a:t>Breach scenarios</a:t>
-            </a:r>
-          </a:p>
-        </p:txBody>
-      </p:sp>
-      <p:sp>
-        <p:nvSpPr>
-          <p:cNvPr id="3" name="Content Placeholder 2">
-            <a:extLst>
-              <a:ext uri="{FF2B5EF4-FFF2-40B4-BE49-F238E27FC236}">
-                <a16:creationId xmlns:a16="http://schemas.microsoft.com/office/drawing/2014/main" id="{AE3F0B5C-ACCE-4F53-A9D1-641797D8C52C}"/>
-              </a:ext>
-            </a:extLst>
-          </p:cNvPr>
-          <p:cNvSpPr>
-            <a:spLocks noGrp="1"/>
-          </p:cNvSpPr>
-          <p:nvPr>
-            <p:ph idx="1"/>
-          </p:nvPr>
-        </p:nvSpPr>
-        <p:spPr/>
-        <p:txBody>
-          <a:bodyPr/>
-          <a:lstStyle/>
-          <a:p>
-            <a:pPr marL="0" indent="0">
-              <a:buNone/>
-            </a:pPr>
-            <a:r>
-              <a:rPr lang="en-US" b="1" dirty="0"/>
-              <a:t>Encryption break</a:t>
-            </a:r>
-            <a:r>
-              <a:rPr lang="en-US" dirty="0"/>
-              <a:t>: from weak encryption algorithms and weak key generators to server-side vulnerabilities and leaked keys</a:t>
-            </a:r>
-          </a:p>
-        </p:txBody>
-      </p:sp>
-      <p:pic>
-        <p:nvPicPr>
-          <p:cNvPr id="5" name="Picture 4">
-            <a:extLst>
-              <a:ext uri="{FF2B5EF4-FFF2-40B4-BE49-F238E27FC236}">
-                <a16:creationId xmlns:a16="http://schemas.microsoft.com/office/drawing/2014/main" id="{37606C7E-9114-48C3-A900-9B2881A9D5C9}"/>
-              </a:ext>
-            </a:extLst>
-          </p:cNvPr>
-          <p:cNvPicPr>
-            <a:picLocks noChangeAspect="1"/>
-          </p:cNvPicPr>
-          <p:nvPr/>
-        </p:nvPicPr>
-        <p:blipFill>
-          <a:blip r:embed="rId3"/>
-          <a:stretch>
-            <a:fillRect/>
-          </a:stretch>
-        </p:blipFill>
-        <p:spPr>
-          <a:xfrm>
-            <a:off x="404018" y="3769207"/>
-            <a:ext cx="11383964" cy="2276793"/>
-          </a:xfrm>
-          <a:prstGeom prst="rect">
-            <a:avLst/>
-          </a:prstGeom>
-        </p:spPr>
-      </p:pic>
-    </p:spTree>
-    <p:extLst>
-      <p:ext uri="{BB962C8B-B14F-4D97-AF65-F5344CB8AC3E}">
-        <p14:creationId xmlns:p14="http://schemas.microsoft.com/office/powerpoint/2010/main" val="283261374"/>
-      </p:ext>
-    </p:extLst>
-  </p:cSld>
-  <p:clrMapOvr>
-    <a:masterClrMapping/>
-  </p:clrMapOvr>
-</p:sld>
-</file>
-
-<file path=ppt/slides/slide18.xml><?xml version="1.0" encoding="utf-8"?>
-<p:sld xmlns:a="http://schemas.openxmlformats.org/drawingml/2006/main" xmlns:r="http://schemas.openxmlformats.org/officeDocument/2006/relationships" xmlns:p="http://schemas.openxmlformats.org/presentationml/2006/main">
-  <p:cSld>
-    <p:spTree>
-      <p:nvGrpSpPr>
-        <p:cNvPr id="1" name=""/>
-        <p:cNvGrpSpPr/>
-        <p:nvPr/>
-      </p:nvGrpSpPr>
-      <p:grpSpPr>
-        <a:xfrm>
-          <a:off x="0" y="0"/>
-          <a:ext cx="0" cy="0"/>
-          <a:chOff x="0" y="0"/>
-          <a:chExt cx="0" cy="0"/>
-        </a:xfrm>
-      </p:grpSpPr>
-      <p:sp>
-        <p:nvSpPr>
-          <p:cNvPr id="2" name="Title 1">
-            <a:extLst>
-              <a:ext uri="{FF2B5EF4-FFF2-40B4-BE49-F238E27FC236}">
-                <a16:creationId xmlns:a16="http://schemas.microsoft.com/office/drawing/2014/main" id="{A26A8A0A-320E-4536-BFF8-C2E9FC542DEC}"/>
-              </a:ext>
-            </a:extLst>
-          </p:cNvPr>
-          <p:cNvSpPr>
-            <a:spLocks noGrp="1"/>
-          </p:cNvSpPr>
-          <p:nvPr>
-            <p:ph type="title"/>
-          </p:nvPr>
-        </p:nvSpPr>
-        <p:spPr/>
-        <p:txBody>
-          <a:bodyPr/>
-          <a:lstStyle/>
-          <a:p>
-            <a:r>
-              <a:rPr lang="en-US" dirty="0"/>
-              <a:t>Breach scenarios</a:t>
-            </a:r>
-          </a:p>
-        </p:txBody>
-      </p:sp>
-      <p:sp>
-        <p:nvSpPr>
-          <p:cNvPr id="3" name="Content Placeholder 2">
-            <a:extLst>
-              <a:ext uri="{FF2B5EF4-FFF2-40B4-BE49-F238E27FC236}">
-                <a16:creationId xmlns:a16="http://schemas.microsoft.com/office/drawing/2014/main" id="{AE3F0B5C-ACCE-4F53-A9D1-641797D8C52C}"/>
-              </a:ext>
-            </a:extLst>
-          </p:cNvPr>
-          <p:cNvSpPr>
-            <a:spLocks noGrp="1"/>
-          </p:cNvSpPr>
-          <p:nvPr>
-            <p:ph idx="1"/>
-          </p:nvPr>
-        </p:nvSpPr>
-        <p:spPr/>
-        <p:txBody>
-          <a:bodyPr/>
-          <a:lstStyle/>
-          <a:p>
-            <a:pPr marL="0" indent="0">
-              <a:buNone/>
-            </a:pPr>
-            <a:r>
-              <a:rPr lang="en-US" b="1" dirty="0"/>
-              <a:t>Physical theft</a:t>
-            </a:r>
-            <a:r>
-              <a:rPr lang="en-US" dirty="0"/>
-              <a:t>: taking of another person's property or services</a:t>
-            </a:r>
-          </a:p>
-        </p:txBody>
-      </p:sp>
-      <p:pic>
-        <p:nvPicPr>
-          <p:cNvPr id="5" name="Picture 4">
-            <a:extLst>
-              <a:ext uri="{FF2B5EF4-FFF2-40B4-BE49-F238E27FC236}">
-                <a16:creationId xmlns:a16="http://schemas.microsoft.com/office/drawing/2014/main" id="{CDB0E914-1D9E-4B38-B0A3-AD830BD09AC8}"/>
-              </a:ext>
-            </a:extLst>
-          </p:cNvPr>
-          <p:cNvPicPr>
-            <a:picLocks noChangeAspect="1"/>
-          </p:cNvPicPr>
-          <p:nvPr/>
-        </p:nvPicPr>
-        <p:blipFill>
-          <a:blip r:embed="rId3"/>
-          <a:stretch>
-            <a:fillRect/>
-          </a:stretch>
-        </p:blipFill>
-        <p:spPr>
-          <a:xfrm>
-            <a:off x="280176" y="2966590"/>
-            <a:ext cx="11631648" cy="3210373"/>
-          </a:xfrm>
-          <a:prstGeom prst="rect">
-            <a:avLst/>
-          </a:prstGeom>
-        </p:spPr>
-      </p:pic>
-      <p:sp>
-        <p:nvSpPr>
-          <p:cNvPr id="6" name="TextBox 5">
-            <a:extLst>
-              <a:ext uri="{FF2B5EF4-FFF2-40B4-BE49-F238E27FC236}">
-                <a16:creationId xmlns:a16="http://schemas.microsoft.com/office/drawing/2014/main" id="{8CE59473-F9B9-4F60-8E24-4F7289CE0042}"/>
-              </a:ext>
-            </a:extLst>
-          </p:cNvPr>
-          <p:cNvSpPr txBox="1"/>
-          <p:nvPr/>
-        </p:nvSpPr>
-        <p:spPr>
-          <a:xfrm>
-            <a:off x="7067450" y="6338986"/>
-            <a:ext cx="4844374" cy="307777"/>
-          </a:xfrm>
-          <a:prstGeom prst="rect">
-            <a:avLst/>
-          </a:prstGeom>
-          <a:noFill/>
-        </p:spPr>
-        <p:txBody>
-          <a:bodyPr wrap="square">
-            <a:spAutoFit/>
-          </a:bodyPr>
-          <a:lstStyle/>
-          <a:p>
-            <a:r>
-              <a:rPr lang="en-US" sz="1400" dirty="0">
-                <a:hlinkClick r:id="rId4"/>
-              </a:rPr>
-              <a:t>https://itc.ua/news/</a:t>
-            </a:r>
-            <a:r>
-              <a:rPr lang="en-US" sz="1400" dirty="0" err="1">
-                <a:hlinkClick r:id="rId4"/>
-              </a:rPr>
-              <a:t>byvshij-sotrudnik-novoj-poshty-menyal</a:t>
-            </a:r>
-            <a:r>
-              <a:rPr lang="en-US" sz="1400" dirty="0">
-                <a:hlinkClick r:id="rId4"/>
-              </a:rPr>
-              <a:t>...</a:t>
-            </a:r>
-            <a:endParaRPr lang="en-US" sz="1400" dirty="0"/>
-          </a:p>
-        </p:txBody>
-      </p:sp>
-    </p:spTree>
-    <p:extLst>
-      <p:ext uri="{BB962C8B-B14F-4D97-AF65-F5344CB8AC3E}">
-        <p14:creationId xmlns:p14="http://schemas.microsoft.com/office/powerpoint/2010/main" val="2909714510"/>
-      </p:ext>
-    </p:extLst>
-  </p:cSld>
-  <p:clrMapOvr>
-    <a:masterClrMapping/>
-  </p:clrMapOvr>
-</p:sld>
-</file>
-
-<file path=ppt/slides/slide19.xml><?xml version="1.0" encoding="utf-8"?>
-<p:sld xmlns:a="http://schemas.openxmlformats.org/drawingml/2006/main" xmlns:r="http://schemas.openxmlformats.org/officeDocument/2006/relationships" xmlns:p="http://schemas.openxmlformats.org/presentationml/2006/main">
-  <p:cSld>
-    <p:spTree>
-      <p:nvGrpSpPr>
-        <p:cNvPr id="1" name=""/>
-        <p:cNvGrpSpPr/>
-        <p:nvPr/>
-      </p:nvGrpSpPr>
-      <p:grpSpPr>
-        <a:xfrm>
-          <a:off x="0" y="0"/>
-          <a:ext cx="0" cy="0"/>
-          <a:chOff x="0" y="0"/>
-          <a:chExt cx="0" cy="0"/>
-        </a:xfrm>
-      </p:grpSpPr>
-      <p:sp>
-        <p:nvSpPr>
-          <p:cNvPr id="2" name="Title 1">
-            <a:extLst>
-              <a:ext uri="{FF2B5EF4-FFF2-40B4-BE49-F238E27FC236}">
-                <a16:creationId xmlns:a16="http://schemas.microsoft.com/office/drawing/2014/main" id="{A26A8A0A-320E-4536-BFF8-C2E9FC542DEC}"/>
-              </a:ext>
-            </a:extLst>
-          </p:cNvPr>
-          <p:cNvSpPr>
-            <a:spLocks noGrp="1"/>
-          </p:cNvSpPr>
-          <p:nvPr>
-            <p:ph type="title"/>
-          </p:nvPr>
-        </p:nvSpPr>
-        <p:spPr/>
-        <p:txBody>
-          <a:bodyPr/>
-          <a:lstStyle/>
-          <a:p>
-            <a:r>
-              <a:rPr lang="en-US" dirty="0"/>
-              <a:t>Breach scenarios</a:t>
-            </a:r>
-          </a:p>
-        </p:txBody>
-      </p:sp>
-      <p:sp>
-        <p:nvSpPr>
-          <p:cNvPr id="3" name="Content Placeholder 2">
-            <a:extLst>
-              <a:ext uri="{FF2B5EF4-FFF2-40B4-BE49-F238E27FC236}">
-                <a16:creationId xmlns:a16="http://schemas.microsoft.com/office/drawing/2014/main" id="{AE3F0B5C-ACCE-4F53-A9D1-641797D8C52C}"/>
-              </a:ext>
-            </a:extLst>
-          </p:cNvPr>
-          <p:cNvSpPr>
-            <a:spLocks noGrp="1"/>
-          </p:cNvSpPr>
-          <p:nvPr>
-            <p:ph idx="1"/>
-          </p:nvPr>
-        </p:nvSpPr>
-        <p:spPr/>
-        <p:txBody>
-          <a:bodyPr/>
-          <a:lstStyle/>
-          <a:p>
-            <a:pPr marL="0" indent="0">
-              <a:buNone/>
-            </a:pPr>
-            <a:r>
-              <a:rPr lang="en-US" dirty="0"/>
-              <a:t>CVE exploitation</a:t>
-            </a:r>
-          </a:p>
-        </p:txBody>
-      </p:sp>
-      <p:pic>
-        <p:nvPicPr>
-          <p:cNvPr id="5" name="Picture 4">
-            <a:extLst>
-              <a:ext uri="{FF2B5EF4-FFF2-40B4-BE49-F238E27FC236}">
-                <a16:creationId xmlns:a16="http://schemas.microsoft.com/office/drawing/2014/main" id="{FDB54435-189D-4729-B818-3AF65E039DA8}"/>
-              </a:ext>
-            </a:extLst>
-          </p:cNvPr>
-          <p:cNvPicPr>
-            <a:picLocks noChangeAspect="1"/>
-          </p:cNvPicPr>
-          <p:nvPr/>
-        </p:nvPicPr>
-        <p:blipFill>
-          <a:blip r:embed="rId3"/>
-          <a:stretch>
-            <a:fillRect/>
-          </a:stretch>
-        </p:blipFill>
-        <p:spPr>
-          <a:xfrm>
-            <a:off x="4154111" y="1690688"/>
-            <a:ext cx="7199689" cy="4404148"/>
-          </a:xfrm>
-          <a:prstGeom prst="rect">
-            <a:avLst/>
-          </a:prstGeom>
-        </p:spPr>
-      </p:pic>
-      <p:sp>
-        <p:nvSpPr>
-          <p:cNvPr id="7" name="TextBox 6">
-            <a:extLst>
-              <a:ext uri="{FF2B5EF4-FFF2-40B4-BE49-F238E27FC236}">
-                <a16:creationId xmlns:a16="http://schemas.microsoft.com/office/drawing/2014/main" id="{D29FDD98-2E30-4DD6-B727-13B9B9C9C1AE}"/>
-              </a:ext>
-            </a:extLst>
-          </p:cNvPr>
-          <p:cNvSpPr txBox="1"/>
-          <p:nvPr/>
-        </p:nvSpPr>
-        <p:spPr>
-          <a:xfrm>
-            <a:off x="3293624" y="6338986"/>
-            <a:ext cx="8898376" cy="307777"/>
-          </a:xfrm>
-          <a:prstGeom prst="rect">
-            <a:avLst/>
-          </a:prstGeom>
-          <a:noFill/>
-        </p:spPr>
-        <p:txBody>
-          <a:bodyPr wrap="square">
-            <a:spAutoFit/>
-          </a:bodyPr>
-          <a:lstStyle/>
-          <a:p>
-            <a:r>
-              <a:rPr lang="en-US" sz="1400" dirty="0">
-                <a:hlinkClick r:id="rId4"/>
-              </a:rPr>
-              <a:t>https://www.bleepingcomputer.com/news/security/zero-day-in-wordpress-plugin-exploited-to-create-admin-accounts/</a:t>
-            </a:r>
-            <a:endParaRPr lang="en-US" sz="1400" dirty="0"/>
-          </a:p>
-        </p:txBody>
-      </p:sp>
-    </p:spTree>
-    <p:extLst>
-      <p:ext uri="{BB962C8B-B14F-4D97-AF65-F5344CB8AC3E}">
-        <p14:creationId xmlns:p14="http://schemas.microsoft.com/office/powerpoint/2010/main" val="3804995289"/>
-      </p:ext>
-    </p:extLst>
-  </p:cSld>
-  <p:clrMapOvr>
-    <a:masterClrMapping/>
-  </p:clrMapOvr>
-</p:sld>
-</file>
-
 <file path=ppt/slides/slide2.xml><?xml version="1.0" encoding="utf-8"?>
 <p:sld xmlns:a="http://schemas.openxmlformats.org/drawingml/2006/main" xmlns:r="http://schemas.openxmlformats.org/officeDocument/2006/relationships" xmlns:p="http://schemas.openxmlformats.org/presentationml/2006/main">
   <p:cSld>
@@ -9322,7 +10160,7 @@
             </a:pPr>
             <a:r>
               <a:rPr lang="en-US" dirty="0"/>
-              <a:t>Learning session 3 (July 15-17)</a:t>
+              <a:t>Learning session 3</a:t>
             </a:r>
           </a:p>
           <a:p>
@@ -9414,114 +10252,44 @@
           <a:p>
             <a:r>
               <a:rPr lang="en-US" dirty="0"/>
-              <a:t>Breach scenarios</a:t>
-            </a:r>
-          </a:p>
-        </p:txBody>
-      </p:sp>
-      <p:sp>
-        <p:nvSpPr>
-          <p:cNvPr id="3" name="Content Placeholder 2">
-            <a:extLst>
-              <a:ext uri="{FF2B5EF4-FFF2-40B4-BE49-F238E27FC236}">
-                <a16:creationId xmlns:a16="http://schemas.microsoft.com/office/drawing/2014/main" id="{AE3F0B5C-ACCE-4F53-A9D1-641797D8C52C}"/>
-              </a:ext>
-            </a:extLst>
-          </p:cNvPr>
-          <p:cNvSpPr>
-            <a:spLocks noGrp="1"/>
-          </p:cNvSpPr>
-          <p:nvPr>
-            <p:ph idx="1"/>
-          </p:nvPr>
-        </p:nvSpPr>
-        <p:spPr/>
-        <p:txBody>
-          <a:bodyPr/>
-          <a:lstStyle/>
-          <a:p>
-            <a:pPr marL="0" indent="0">
-              <a:buNone/>
-            </a:pPr>
-            <a:r>
-              <a:rPr lang="en-US" dirty="0"/>
-              <a:t>DDOS</a:t>
+              <a:t>Security Areas</a:t>
             </a:r>
           </a:p>
         </p:txBody>
       </p:sp>
       <p:pic>
         <p:nvPicPr>
-          <p:cNvPr id="5" name="Picture 4">
-            <a:extLst>
-              <a:ext uri="{FF2B5EF4-FFF2-40B4-BE49-F238E27FC236}">
-                <a16:creationId xmlns:a16="http://schemas.microsoft.com/office/drawing/2014/main" id="{07A0A005-38F3-42DB-A96C-5973D7EC7310}"/>
+          <p:cNvPr id="5" name="Content Placeholder 4">
+            <a:extLst>
+              <a:ext uri="{FF2B5EF4-FFF2-40B4-BE49-F238E27FC236}">
+                <a16:creationId xmlns:a16="http://schemas.microsoft.com/office/drawing/2014/main" id="{4C62C942-8A4F-4B40-BBBF-74593D55E2E4}"/>
               </a:ext>
             </a:extLst>
           </p:cNvPr>
           <p:cNvPicPr>
-            <a:picLocks noChangeAspect="1"/>
+            <a:picLocks noGrp="1" noChangeAspect="1"/>
           </p:cNvPicPr>
-          <p:nvPr/>
+          <p:nvPr>
+            <p:ph idx="1"/>
+          </p:nvPr>
         </p:nvPicPr>
         <p:blipFill>
-          <a:blip r:embed="rId2"/>
+          <a:blip r:embed="rId3"/>
           <a:stretch>
             <a:fillRect/>
           </a:stretch>
         </p:blipFill>
         <p:spPr>
           <a:xfrm>
-            <a:off x="4931922" y="1285912"/>
-            <a:ext cx="6790489" cy="4891051"/>
+            <a:off x="838200" y="1920740"/>
+            <a:ext cx="10515600" cy="4161108"/>
           </a:xfrm>
-          <a:prstGeom prst="rect">
-            <a:avLst/>
-          </a:prstGeom>
         </p:spPr>
       </p:pic>
-      <p:sp>
-        <p:nvSpPr>
-          <p:cNvPr id="7" name="TextBox 6">
-            <a:extLst>
-              <a:ext uri="{FF2B5EF4-FFF2-40B4-BE49-F238E27FC236}">
-                <a16:creationId xmlns:a16="http://schemas.microsoft.com/office/drawing/2014/main" id="{BFE6EE43-6A05-4BC7-8710-8327DF672326}"/>
-              </a:ext>
-            </a:extLst>
-          </p:cNvPr>
-          <p:cNvSpPr txBox="1"/>
-          <p:nvPr/>
-        </p:nvSpPr>
-        <p:spPr>
-          <a:xfrm>
-            <a:off x="838200" y="6311900"/>
-            <a:ext cx="6094378" cy="307777"/>
-          </a:xfrm>
-          <a:prstGeom prst="rect">
-            <a:avLst/>
-          </a:prstGeom>
-          <a:noFill/>
-        </p:spPr>
-        <p:txBody>
-          <a:bodyPr wrap="square">
-            <a:spAutoFit/>
-          </a:bodyPr>
-          <a:lstStyle/>
-          <a:p>
-            <a:r>
-              <a:rPr lang="en-US" sz="1400" dirty="0">
-                <a:hlinkClick r:id="rId3"/>
-              </a:rPr>
-              <a:t>https://www.theverge.com/2012/5/16/3024861/pirate-bay-offline-ddos-attack</a:t>
-            </a:r>
-            <a:endParaRPr lang="en-US" sz="1400" dirty="0"/>
-          </a:p>
-        </p:txBody>
-      </p:sp>
     </p:spTree>
     <p:extLst>
       <p:ext uri="{BB962C8B-B14F-4D97-AF65-F5344CB8AC3E}">
-        <p14:creationId xmlns:p14="http://schemas.microsoft.com/office/powerpoint/2010/main" val="3696332477"/>
+        <p14:creationId xmlns:p14="http://schemas.microsoft.com/office/powerpoint/2010/main" val="2621201056"/>
       </p:ext>
     </p:extLst>
   </p:cSld>
@@ -9571,114 +10339,44 @@
           <a:p>
             <a:r>
               <a:rPr lang="en-US" dirty="0"/>
-              <a:t>Breach scenarios</a:t>
-            </a:r>
-          </a:p>
-        </p:txBody>
-      </p:sp>
-      <p:sp>
-        <p:nvSpPr>
-          <p:cNvPr id="3" name="Content Placeholder 2">
-            <a:extLst>
-              <a:ext uri="{FF2B5EF4-FFF2-40B4-BE49-F238E27FC236}">
-                <a16:creationId xmlns:a16="http://schemas.microsoft.com/office/drawing/2014/main" id="{AE3F0B5C-ACCE-4F53-A9D1-641797D8C52C}"/>
-              </a:ext>
-            </a:extLst>
-          </p:cNvPr>
-          <p:cNvSpPr>
-            <a:spLocks noGrp="1"/>
-          </p:cNvSpPr>
-          <p:nvPr>
-            <p:ph idx="1"/>
-          </p:nvPr>
-        </p:nvSpPr>
-        <p:spPr/>
-        <p:txBody>
-          <a:bodyPr/>
-          <a:lstStyle/>
-          <a:p>
-            <a:pPr marL="0" indent="0">
-              <a:buNone/>
-            </a:pPr>
-            <a:r>
-              <a:rPr lang="en-US" dirty="0"/>
-              <a:t>Employee data theft / Social engineering</a:t>
+              <a:t>Security Areas</a:t>
             </a:r>
           </a:p>
         </p:txBody>
       </p:sp>
       <p:pic>
         <p:nvPicPr>
-          <p:cNvPr id="7" name="Picture 6">
-            <a:extLst>
-              <a:ext uri="{FF2B5EF4-FFF2-40B4-BE49-F238E27FC236}">
-                <a16:creationId xmlns:a16="http://schemas.microsoft.com/office/drawing/2014/main" id="{5C76B420-E047-4F21-9FB1-95FE2B657369}"/>
+          <p:cNvPr id="5" name="Content Placeholder 4">
+            <a:extLst>
+              <a:ext uri="{FF2B5EF4-FFF2-40B4-BE49-F238E27FC236}">
+                <a16:creationId xmlns:a16="http://schemas.microsoft.com/office/drawing/2014/main" id="{B3D443F0-7FF0-4AA5-814D-F0558D1F9CB7}"/>
               </a:ext>
             </a:extLst>
           </p:cNvPr>
           <p:cNvPicPr>
-            <a:picLocks noChangeAspect="1"/>
+            <a:picLocks noGrp="1" noChangeAspect="1"/>
           </p:cNvPicPr>
-          <p:nvPr/>
+          <p:nvPr>
+            <p:ph idx="1"/>
+          </p:nvPr>
         </p:nvPicPr>
         <p:blipFill>
-          <a:blip r:embed="rId3"/>
+          <a:blip r:embed="rId2"/>
           <a:stretch>
             <a:fillRect/>
           </a:stretch>
         </p:blipFill>
         <p:spPr>
           <a:xfrm>
-            <a:off x="413544" y="4001294"/>
-            <a:ext cx="11364911" cy="1819529"/>
+            <a:off x="838200" y="1920740"/>
+            <a:ext cx="10515600" cy="4161108"/>
           </a:xfrm>
-          <a:prstGeom prst="rect">
-            <a:avLst/>
-          </a:prstGeom>
         </p:spPr>
       </p:pic>
-      <p:sp>
-        <p:nvSpPr>
-          <p:cNvPr id="6" name="TextBox 5">
-            <a:extLst>
-              <a:ext uri="{FF2B5EF4-FFF2-40B4-BE49-F238E27FC236}">
-                <a16:creationId xmlns:a16="http://schemas.microsoft.com/office/drawing/2014/main" id="{4057677A-F759-4154-9689-DCDCE5A8413B}"/>
-              </a:ext>
-            </a:extLst>
-          </p:cNvPr>
-          <p:cNvSpPr txBox="1"/>
-          <p:nvPr/>
-        </p:nvSpPr>
-        <p:spPr>
-          <a:xfrm>
-            <a:off x="5020165" y="6311900"/>
-            <a:ext cx="6758290" cy="307777"/>
-          </a:xfrm>
-          <a:prstGeom prst="rect">
-            <a:avLst/>
-          </a:prstGeom>
-          <a:noFill/>
-        </p:spPr>
-        <p:txBody>
-          <a:bodyPr wrap="square">
-            <a:spAutoFit/>
-          </a:bodyPr>
-          <a:lstStyle/>
-          <a:p>
-            <a:r>
-              <a:rPr lang="en-US" sz="1400" dirty="0">
-                <a:hlinkClick r:id="rId4"/>
-              </a:rPr>
-              <a:t>https://edition.cnn.com/2020/10/14/tech/twitter-hack-tech-support-scam/index.html</a:t>
-            </a:r>
-            <a:endParaRPr lang="en-US" sz="1400" dirty="0"/>
-          </a:p>
-        </p:txBody>
-      </p:sp>
     </p:spTree>
     <p:extLst>
       <p:ext uri="{BB962C8B-B14F-4D97-AF65-F5344CB8AC3E}">
-        <p14:creationId xmlns:p14="http://schemas.microsoft.com/office/powerpoint/2010/main" val="2090045733"/>
+        <p14:creationId xmlns:p14="http://schemas.microsoft.com/office/powerpoint/2010/main" val="237912536"/>
       </p:ext>
     </p:extLst>
   </p:cSld>
@@ -9728,114 +10426,44 @@
           <a:p>
             <a:r>
               <a:rPr lang="en-US" dirty="0"/>
-              <a:t>Breach scenarios</a:t>
-            </a:r>
-          </a:p>
-        </p:txBody>
-      </p:sp>
-      <p:sp>
-        <p:nvSpPr>
-          <p:cNvPr id="3" name="Content Placeholder 2">
-            <a:extLst>
-              <a:ext uri="{FF2B5EF4-FFF2-40B4-BE49-F238E27FC236}">
-                <a16:creationId xmlns:a16="http://schemas.microsoft.com/office/drawing/2014/main" id="{AE3F0B5C-ACCE-4F53-A9D1-641797D8C52C}"/>
-              </a:ext>
-            </a:extLst>
-          </p:cNvPr>
-          <p:cNvSpPr>
-            <a:spLocks noGrp="1"/>
-          </p:cNvSpPr>
-          <p:nvPr>
-            <p:ph idx="1"/>
-          </p:nvPr>
-        </p:nvSpPr>
-        <p:spPr/>
-        <p:txBody>
-          <a:bodyPr/>
-          <a:lstStyle/>
-          <a:p>
-            <a:pPr marL="0" indent="0">
-              <a:buNone/>
-            </a:pPr>
-            <a:r>
-              <a:rPr lang="en-US" dirty="0"/>
-              <a:t>Supply Chain Attacks</a:t>
-            </a:r>
-          </a:p>
-        </p:txBody>
-      </p:sp>
-      <p:sp>
-        <p:nvSpPr>
-          <p:cNvPr id="6" name="TextBox 5">
-            <a:extLst>
-              <a:ext uri="{FF2B5EF4-FFF2-40B4-BE49-F238E27FC236}">
-                <a16:creationId xmlns:a16="http://schemas.microsoft.com/office/drawing/2014/main" id="{4057677A-F759-4154-9689-DCDCE5A8413B}"/>
-              </a:ext>
-            </a:extLst>
-          </p:cNvPr>
-          <p:cNvSpPr txBox="1"/>
-          <p:nvPr/>
-        </p:nvSpPr>
-        <p:spPr>
-          <a:xfrm>
-            <a:off x="2811294" y="6311900"/>
-            <a:ext cx="8967161" cy="307777"/>
-          </a:xfrm>
-          <a:prstGeom prst="rect">
-            <a:avLst/>
-          </a:prstGeom>
-          <a:noFill/>
-        </p:spPr>
-        <p:txBody>
-          <a:bodyPr wrap="square">
-            <a:spAutoFit/>
-          </a:bodyPr>
-          <a:lstStyle/>
-          <a:p>
-            <a:r>
-              <a:rPr lang="en-US" sz="1400" dirty="0">
-                <a:hlinkClick r:id="rId3"/>
-              </a:rPr>
-              <a:t>https://www.theverge.com/2021/2/10/22276857/security-researcher-repository-exploit-apple-microsoft-vulnerability</a:t>
-            </a:r>
-            <a:endParaRPr lang="en-US" sz="1400" dirty="0"/>
+              <a:t>Security Areas</a:t>
+            </a:r>
           </a:p>
         </p:txBody>
       </p:sp>
       <p:pic>
         <p:nvPicPr>
-          <p:cNvPr id="5" name="Picture 4">
-            <a:extLst>
-              <a:ext uri="{FF2B5EF4-FFF2-40B4-BE49-F238E27FC236}">
-                <a16:creationId xmlns:a16="http://schemas.microsoft.com/office/drawing/2014/main" id="{DCD810A9-B1BC-4C5E-AB7C-C104C640D650}"/>
+          <p:cNvPr id="5" name="Content Placeholder 4">
+            <a:extLst>
+              <a:ext uri="{FF2B5EF4-FFF2-40B4-BE49-F238E27FC236}">
+                <a16:creationId xmlns:a16="http://schemas.microsoft.com/office/drawing/2014/main" id="{D3ACF29A-D81A-4589-B484-400CA5755DC6}"/>
               </a:ext>
             </a:extLst>
           </p:cNvPr>
           <p:cNvPicPr>
-            <a:picLocks noChangeAspect="1"/>
+            <a:picLocks noGrp="1" noChangeAspect="1"/>
           </p:cNvPicPr>
-          <p:nvPr/>
+          <p:nvPr>
+            <p:ph idx="1"/>
+          </p:nvPr>
         </p:nvPicPr>
         <p:blipFill>
-          <a:blip r:embed="rId4"/>
+          <a:blip r:embed="rId2"/>
           <a:stretch>
             <a:fillRect/>
           </a:stretch>
         </p:blipFill>
         <p:spPr>
           <a:xfrm>
-            <a:off x="5437818" y="1463094"/>
-            <a:ext cx="6340637" cy="4713869"/>
+            <a:off x="838200" y="1920740"/>
+            <a:ext cx="10515600" cy="4161108"/>
           </a:xfrm>
-          <a:prstGeom prst="rect">
-            <a:avLst/>
-          </a:prstGeom>
         </p:spPr>
       </p:pic>
     </p:spTree>
     <p:extLst>
       <p:ext uri="{BB962C8B-B14F-4D97-AF65-F5344CB8AC3E}">
-        <p14:creationId xmlns:p14="http://schemas.microsoft.com/office/powerpoint/2010/main" val="1049643238"/>
+        <p14:creationId xmlns:p14="http://schemas.microsoft.com/office/powerpoint/2010/main" val="2460926052"/>
       </p:ext>
     </p:extLst>
   </p:cSld>
@@ -9885,76 +10513,44 @@
           <a:p>
             <a:r>
               <a:rPr lang="en-US" dirty="0"/>
-              <a:t>Security levels</a:t>
-            </a:r>
-          </a:p>
-        </p:txBody>
-      </p:sp>
-      <p:sp>
-        <p:nvSpPr>
-          <p:cNvPr id="3" name="Content Placeholder 2">
-            <a:extLst>
-              <a:ext uri="{FF2B5EF4-FFF2-40B4-BE49-F238E27FC236}">
-                <a16:creationId xmlns:a16="http://schemas.microsoft.com/office/drawing/2014/main" id="{AE3F0B5C-ACCE-4F53-A9D1-641797D8C52C}"/>
-              </a:ext>
-            </a:extLst>
-          </p:cNvPr>
-          <p:cNvSpPr>
-            <a:spLocks noGrp="1"/>
-          </p:cNvSpPr>
+              <a:t>Security Areas</a:t>
+            </a:r>
+          </a:p>
+        </p:txBody>
+      </p:sp>
+      <p:pic>
+        <p:nvPicPr>
+          <p:cNvPr id="15" name="Content Placeholder 14">
+            <a:extLst>
+              <a:ext uri="{FF2B5EF4-FFF2-40B4-BE49-F238E27FC236}">
+                <a16:creationId xmlns:a16="http://schemas.microsoft.com/office/drawing/2014/main" id="{8EBC9882-F3B6-4E17-8AB2-9C23A6F9503F}"/>
+              </a:ext>
+            </a:extLst>
+          </p:cNvPr>
+          <p:cNvPicPr>
+            <a:picLocks noGrp="1" noChangeAspect="1"/>
+          </p:cNvPicPr>
           <p:nvPr>
             <p:ph idx="1"/>
           </p:nvPr>
-        </p:nvSpPr>
-        <p:spPr/>
-        <p:txBody>
-          <a:bodyPr/>
-          <a:lstStyle/>
-          <a:p>
-            <a:pPr marL="0" indent="0">
-              <a:buNone/>
-            </a:pPr>
-            <a:r>
-              <a:rPr lang="en-US" dirty="0"/>
-              <a:t>Infrastructure-level security</a:t>
-            </a:r>
-          </a:p>
-          <a:p>
-            <a:r>
-              <a:rPr lang="en-US" dirty="0"/>
-              <a:t>Server-side data encryption</a:t>
-            </a:r>
-          </a:p>
-          <a:p>
-            <a:r>
-              <a:rPr lang="en-US" dirty="0"/>
-              <a:t>Network traffic protection (in-flight)</a:t>
-            </a:r>
-          </a:p>
-          <a:p>
-            <a:r>
-              <a:rPr lang="en-US" dirty="0"/>
-              <a:t>OS, firewalls</a:t>
-            </a:r>
-          </a:p>
-          <a:p>
-            <a:r>
-              <a:rPr lang="en-US" dirty="0"/>
-              <a:t>IAM/RBAC</a:t>
-            </a:r>
-          </a:p>
-          <a:p>
-            <a:pPr marL="0" indent="0">
-              <a:buNone/>
-            </a:pPr>
-            <a:endParaRPr lang="en-US" dirty="0"/>
-          </a:p>
-        </p:txBody>
-      </p:sp>
+        </p:nvPicPr>
+        <p:blipFill>
+          <a:blip r:embed="rId3"/>
+          <a:stretch>
+            <a:fillRect/>
+          </a:stretch>
+        </p:blipFill>
+        <p:spPr>
+          <a:xfrm>
+            <a:off x="838200" y="1920740"/>
+            <a:ext cx="10515600" cy="4161108"/>
+          </a:xfrm>
+        </p:spPr>
+      </p:pic>
     </p:spTree>
     <p:extLst>
       <p:ext uri="{BB962C8B-B14F-4D97-AF65-F5344CB8AC3E}">
-        <p14:creationId xmlns:p14="http://schemas.microsoft.com/office/powerpoint/2010/main" val="440786395"/>
+        <p14:creationId xmlns:p14="http://schemas.microsoft.com/office/powerpoint/2010/main" val="993062310"/>
       </p:ext>
     </p:extLst>
   </p:cSld>
@@ -10031,44 +10627,36 @@
           <a:lstStyle/>
           <a:p>
             <a:pPr marL="0" indent="0">
-              <a:buFontTx/>
               <a:buNone/>
             </a:pPr>
             <a:r>
               <a:rPr lang="en-US" dirty="0"/>
-              <a:t>HTTPs is needed even inside private network: </a:t>
-            </a:r>
-            <a:r>
-              <a:rPr lang="en-US" dirty="0">
-                <a:hlinkClick r:id="rId3"/>
-              </a:rPr>
-              <a:t>How to contact google </a:t>
-            </a:r>
-            <a:r>
-              <a:rPr lang="en-US" dirty="0" err="1">
-                <a:hlinkClick r:id="rId3"/>
-              </a:rPr>
-              <a:t>sre</a:t>
-            </a:r>
-            <a:r>
-              <a:rPr lang="en-US" dirty="0">
-                <a:hlinkClick r:id="rId3"/>
-              </a:rPr>
-              <a:t> dropping a shell in cloud </a:t>
-            </a:r>
-            <a:r>
-              <a:rPr lang="en-US" dirty="0" err="1">
-                <a:hlinkClick r:id="rId3"/>
-              </a:rPr>
-              <a:t>sql</a:t>
-            </a:r>
-            <a:r>
-              <a:rPr lang="en-US" dirty="0">
-                <a:hlinkClick r:id="rId3"/>
-              </a:rPr>
-              <a:t> </a:t>
-            </a:r>
-            <a:endParaRPr lang="en-US" dirty="0"/>
+              <a:t>Infrastructure-level security</a:t>
+            </a:r>
+          </a:p>
+          <a:p>
+            <a:r>
+              <a:rPr lang="en-US" dirty="0"/>
+              <a:t>Server-side data encryption</a:t>
+            </a:r>
+          </a:p>
+          <a:p>
+            <a:r>
+              <a:rPr lang="en-US" dirty="0"/>
+              <a:t>Network traffic protection (in-flight)</a:t>
+            </a:r>
+          </a:p>
+          <a:p>
+            <a:r>
+              <a:rPr lang="en-US" dirty="0"/>
+              <a:t>OS, firewalls</a:t>
+            </a:r>
+          </a:p>
+          <a:p>
+            <a:r>
+              <a:rPr lang="en-US" dirty="0"/>
+              <a:t>IAM/RBAC</a:t>
+            </a:r>
           </a:p>
           <a:p>
             <a:pPr marL="0" indent="0">
@@ -10081,7 +10669,7 @@
     </p:spTree>
     <p:extLst>
       <p:ext uri="{BB962C8B-B14F-4D97-AF65-F5344CB8AC3E}">
-        <p14:creationId xmlns:p14="http://schemas.microsoft.com/office/powerpoint/2010/main" val="929669855"/>
+        <p14:creationId xmlns:p14="http://schemas.microsoft.com/office/powerpoint/2010/main" val="440786395"/>
       </p:ext>
     </p:extLst>
   </p:cSld>
@@ -10158,59 +10746,57 @@
           <a:lstStyle/>
           <a:p>
             <a:pPr marL="0" indent="0">
+              <a:buFontTx/>
               <a:buNone/>
             </a:pPr>
             <a:r>
               <a:rPr lang="en-US" dirty="0"/>
-              <a:t>Application-level security: </a:t>
-            </a:r>
-          </a:p>
-          <a:p>
-            <a:r>
-              <a:rPr lang="en-US" dirty="0"/>
-              <a:t>Client-side data encryption</a:t>
-            </a:r>
-          </a:p>
-          <a:p>
-            <a:r>
-              <a:rPr lang="en-US" dirty="0"/>
-              <a:t>Logs: infrastructure, access-logs, OS, </a:t>
-            </a:r>
-            <a:r>
-              <a:rPr lang="en-US" dirty="0" err="1"/>
-              <a:t>db</a:t>
-            </a:r>
-            <a:r>
-              <a:rPr lang="en-US" dirty="0"/>
-              <a:t>, </a:t>
-            </a:r>
-            <a:r>
-              <a:rPr lang="en-US" dirty="0" err="1"/>
-              <a:t>api</a:t>
-            </a:r>
-            <a:r>
-              <a:rPr lang="en-US" dirty="0"/>
-              <a:t>/app</a:t>
-            </a:r>
-          </a:p>
-          <a:p>
-            <a:r>
-              <a:rPr lang="en-US" dirty="0"/>
-              <a:t>Monitoring: metrics, notifications/alerts</a:t>
-            </a:r>
-          </a:p>
-          <a:p>
-            <a:r>
-              <a:rPr lang="en-US" dirty="0"/>
-              <a:t>Configuration Management: patches, versioning, trusted artifacts</a:t>
-            </a:r>
+              <a:t>HTTPs is needed even inside private network: </a:t>
+            </a:r>
+            <a:r>
+              <a:rPr lang="en-US" dirty="0">
+                <a:hlinkClick r:id="rId3"/>
+              </a:rPr>
+              <a:t>How to contact google </a:t>
+            </a:r>
+            <a:r>
+              <a:rPr lang="en-US" dirty="0" err="1">
+                <a:hlinkClick r:id="rId3"/>
+              </a:rPr>
+              <a:t>sre</a:t>
+            </a:r>
+            <a:r>
+              <a:rPr lang="en-US" dirty="0">
+                <a:hlinkClick r:id="rId3"/>
+              </a:rPr>
+              <a:t> dropping a shell in cloud </a:t>
+            </a:r>
+            <a:r>
+              <a:rPr lang="en-US" dirty="0" err="1">
+                <a:hlinkClick r:id="rId3"/>
+              </a:rPr>
+              <a:t>sql</a:t>
+            </a:r>
+            <a:r>
+              <a:rPr lang="en-US" dirty="0">
+                <a:hlinkClick r:id="rId3"/>
+              </a:rPr>
+              <a:t> </a:t>
+            </a:r>
+            <a:endParaRPr lang="en-US" dirty="0"/>
+          </a:p>
+          <a:p>
+            <a:pPr marL="0" indent="0">
+              <a:buNone/>
+            </a:pPr>
+            <a:endParaRPr lang="en-US" dirty="0"/>
           </a:p>
         </p:txBody>
       </p:sp>
     </p:spTree>
     <p:extLst>
       <p:ext uri="{BB962C8B-B14F-4D97-AF65-F5344CB8AC3E}">
-        <p14:creationId xmlns:p14="http://schemas.microsoft.com/office/powerpoint/2010/main" val="821752166"/>
+        <p14:creationId xmlns:p14="http://schemas.microsoft.com/office/powerpoint/2010/main" val="929669855"/>
       </p:ext>
     </p:extLst>
   </p:cSld>
@@ -10291,31 +10877,53 @@
             </a:pPr>
             <a:r>
               <a:rPr lang="en-US" dirty="0"/>
-              <a:t>Data-level security</a:t>
-            </a:r>
-          </a:p>
-          <a:p>
-            <a:r>
-              <a:rPr lang="en-US" dirty="0"/>
-              <a:t>DB level</a:t>
-            </a:r>
-          </a:p>
-          <a:p>
-            <a:r>
-              <a:rPr lang="en-US" dirty="0"/>
-              <a:t>Table/object level</a:t>
-            </a:r>
-          </a:p>
-          <a:p>
-            <a:r>
-              <a:rPr lang="en-US" dirty="0"/>
-              <a:t>Record level</a:t>
-            </a:r>
-          </a:p>
-          <a:p>
-            <a:r>
-              <a:rPr lang="en-US" dirty="0"/>
-              <a:t>Field level (e.g. one column has more sensitive data than others)</a:t>
+              <a:t>Application-level security</a:t>
+            </a:r>
+          </a:p>
+          <a:p>
+            <a:pPr marL="0" indent="0">
+              <a:buNone/>
+            </a:pPr>
+            <a:endParaRPr lang="en-US" dirty="0"/>
+          </a:p>
+          <a:p>
+            <a:r>
+              <a:rPr lang="en-US" dirty="0"/>
+              <a:t>Client-side data encryption</a:t>
+            </a:r>
+          </a:p>
+          <a:p>
+            <a:r>
+              <a:rPr lang="en-US" dirty="0"/>
+              <a:t>Logs: infrastructure, access-logs, OS, </a:t>
+            </a:r>
+            <a:r>
+              <a:rPr lang="en-US" dirty="0" err="1"/>
+              <a:t>db</a:t>
+            </a:r>
+            <a:r>
+              <a:rPr lang="en-US" dirty="0"/>
+              <a:t>, </a:t>
+            </a:r>
+            <a:r>
+              <a:rPr lang="en-US" dirty="0" err="1"/>
+              <a:t>api</a:t>
+            </a:r>
+            <a:r>
+              <a:rPr lang="en-US" dirty="0"/>
+              <a:t>/app</a:t>
+            </a:r>
+          </a:p>
+          <a:p>
+            <a:r>
+              <a:rPr lang="en-US" dirty="0"/>
+              <a:t>Monitoring: metrics, notifications/alerts</a:t>
+            </a:r>
+          </a:p>
+          <a:p>
+            <a:r>
+              <a:rPr lang="en-US" dirty="0"/>
+              <a:t>Configuration Management: patches, versioning, trusted artifacts</a:t>
             </a:r>
           </a:p>
         </p:txBody>
@@ -10323,7 +10931,7 @@
     </p:spTree>
     <p:extLst>
       <p:ext uri="{BB962C8B-B14F-4D97-AF65-F5344CB8AC3E}">
-        <p14:creationId xmlns:p14="http://schemas.microsoft.com/office/powerpoint/2010/main" val="3304045518"/>
+        <p14:creationId xmlns:p14="http://schemas.microsoft.com/office/powerpoint/2010/main" val="821752166"/>
       </p:ext>
     </p:extLst>
   </p:cSld>
@@ -10396,9 +11004,7 @@
         </p:nvSpPr>
         <p:spPr/>
         <p:txBody>
-          <a:bodyPr>
-            <a:normAutofit/>
-          </a:bodyPr>
+          <a:bodyPr/>
           <a:lstStyle/>
           <a:p>
             <a:pPr marL="0" indent="0">
@@ -10406,67 +11012,39 @@
             </a:pPr>
             <a:r>
               <a:rPr lang="en-US" dirty="0"/>
-              <a:t>User-interface level</a:t>
-            </a:r>
-          </a:p>
-          <a:p>
-            <a:r>
-              <a:rPr lang="en-US" dirty="0"/>
-              <a:t>Least privilege</a:t>
-            </a:r>
-          </a:p>
-          <a:p>
-            <a:r>
-              <a:rPr lang="en-US" dirty="0"/>
-              <a:t>Do not use </a:t>
-            </a:r>
-            <a:r>
-              <a:rPr lang="en-US" i="1" dirty="0"/>
-              <a:t>root</a:t>
-            </a:r>
-          </a:p>
-          <a:p>
-            <a:r>
-              <a:rPr lang="en-US" dirty="0"/>
-              <a:t>Strong passwords</a:t>
-            </a:r>
-          </a:p>
-          <a:p>
-            <a:r>
-              <a:rPr lang="en-US" dirty="0"/>
-              <a:t>MFA and PIM</a:t>
-            </a:r>
-          </a:p>
-          <a:p>
-            <a:r>
-              <a:rPr lang="en-US" dirty="0"/>
-              <a:t>Secrets rotation</a:t>
-            </a:r>
-          </a:p>
-          <a:p>
-            <a:r>
-              <a:rPr lang="en-US" dirty="0"/>
-              <a:t>Custom policies</a:t>
-            </a:r>
-          </a:p>
-          <a:p>
-            <a:r>
-              <a:rPr lang="en-US" dirty="0"/>
-              <a:t>Audit logging</a:t>
-            </a:r>
-          </a:p>
-          <a:p>
-            <a:pPr marL="0" indent="0">
-              <a:buNone/>
-            </a:pPr>
-            <a:endParaRPr lang="en-US" dirty="0"/>
+              <a:t>Data-level security</a:t>
+            </a:r>
+          </a:p>
+          <a:p>
+            <a:r>
+              <a:rPr lang="en-US" dirty="0"/>
+              <a:t>DB level</a:t>
+            </a:r>
+          </a:p>
+          <a:p>
+            <a:r>
+              <a:rPr lang="en-US" dirty="0"/>
+              <a:t>Table/object level</a:t>
+            </a:r>
+          </a:p>
+          <a:p>
+            <a:r>
+              <a:rPr lang="en-US" dirty="0"/>
+              <a:t>Record level</a:t>
+            </a:r>
+          </a:p>
+          <a:p>
+            <a:r>
+              <a:rPr lang="en-US" dirty="0"/>
+              <a:t>Field level (e.g. one column has more sensitive data than others)</a:t>
+            </a:r>
           </a:p>
         </p:txBody>
       </p:sp>
     </p:spTree>
     <p:extLst>
       <p:ext uri="{BB962C8B-B14F-4D97-AF65-F5344CB8AC3E}">
-        <p14:creationId xmlns:p14="http://schemas.microsoft.com/office/powerpoint/2010/main" val="3684892646"/>
+        <p14:creationId xmlns:p14="http://schemas.microsoft.com/office/powerpoint/2010/main" val="3304045518"/>
       </p:ext>
     </p:extLst>
   </p:cSld>
@@ -10516,7 +11094,7 @@
           <a:p>
             <a:r>
               <a:rPr lang="en-US" dirty="0"/>
-              <a:t>Case studies</a:t>
+              <a:t>Security levels</a:t>
             </a:r>
           </a:p>
         </p:txBody>
@@ -10539,7 +11117,9 @@
         </p:nvSpPr>
         <p:spPr/>
         <p:txBody>
-          <a:bodyPr/>
+          <a:bodyPr>
+            <a:normAutofit/>
+          </a:bodyPr>
           <a:lstStyle/>
           <a:p>
             <a:pPr marL="0" indent="0">
@@ -10547,15 +11127,67 @@
             </a:pPr>
             <a:r>
               <a:rPr lang="en-US" dirty="0"/>
-              <a:t>Public Key Infrastructure (PKI)</a:t>
-            </a:r>
+              <a:t>User-interface level</a:t>
+            </a:r>
+          </a:p>
+          <a:p>
+            <a:r>
+              <a:rPr lang="en-US" dirty="0"/>
+              <a:t>Least privilege</a:t>
+            </a:r>
+          </a:p>
+          <a:p>
+            <a:r>
+              <a:rPr lang="en-US" dirty="0"/>
+              <a:t>Do not use </a:t>
+            </a:r>
+            <a:r>
+              <a:rPr lang="en-US" i="1" dirty="0"/>
+              <a:t>root</a:t>
+            </a:r>
+          </a:p>
+          <a:p>
+            <a:r>
+              <a:rPr lang="en-US" dirty="0"/>
+              <a:t>Strong passwords</a:t>
+            </a:r>
+          </a:p>
+          <a:p>
+            <a:r>
+              <a:rPr lang="en-US" dirty="0"/>
+              <a:t>MFA and PIM</a:t>
+            </a:r>
+          </a:p>
+          <a:p>
+            <a:r>
+              <a:rPr lang="en-US" dirty="0"/>
+              <a:t>Secrets rotation</a:t>
+            </a:r>
+          </a:p>
+          <a:p>
+            <a:r>
+              <a:rPr lang="en-US" dirty="0"/>
+              <a:t>Custom policies</a:t>
+            </a:r>
+          </a:p>
+          <a:p>
+            <a:r>
+              <a:rPr lang="en-US" dirty="0"/>
+              <a:t>Audit logging</a:t>
+            </a:r>
+          </a:p>
+          <a:p>
+            <a:pPr marL="0" indent="0">
+              <a:buNone/>
+            </a:pPr>
+            <a:endParaRPr lang="en-US" dirty="0"/>
           </a:p>
         </p:txBody>
       </p:sp>
     </p:spTree>
     <p:extLst>
       <p:ext uri="{BB962C8B-B14F-4D97-AF65-F5344CB8AC3E}">
-        <p14:creationId xmlns:p14="http://schemas.microsoft.com/office/powerpoint/2010/main" val="2675036325"/>
+        <p14:creationId xmlns:p14="http://schemas.microsoft.com/office/powerpoint/2010/main" val="3684892646"/>
       </p:ext>
     </p:extLst>
   </p:cSld>
@@ -10605,7 +11237,7 @@
           <a:p>
             <a:r>
               <a:rPr lang="en-US" dirty="0"/>
-              <a:t>Case studies</a:t>
+              <a:t>Security levels</a:t>
             </a:r>
           </a:p>
         </p:txBody>
@@ -10628,7 +11260,9 @@
         </p:nvSpPr>
         <p:spPr/>
         <p:txBody>
-          <a:bodyPr/>
+          <a:bodyPr>
+            <a:normAutofit lnSpcReduction="10000"/>
+          </a:bodyPr>
           <a:lstStyle/>
           <a:p>
             <a:pPr marL="0" indent="0">
@@ -10636,8 +11270,15 @@
             </a:pPr>
             <a:r>
               <a:rPr lang="en-US" dirty="0"/>
-              <a:t>Secrets management</a:t>
-            </a:r>
+              <a:t>Password rotation is required for machines/apps/scripts, but not for humans: </a:t>
+            </a:r>
+            <a:r>
+              <a:rPr lang="en-US" dirty="0">
+                <a:hlinkClick r:id="rId3"/>
+              </a:rPr>
+              <a:t>The Debate about Password Rotation Policies</a:t>
+            </a:r>
+            <a:endParaRPr lang="en-US" dirty="0"/>
           </a:p>
           <a:p>
             <a:pPr marL="0" indent="0">
@@ -10646,32 +11287,66 @@
             <a:endParaRPr lang="en-US" dirty="0"/>
           </a:p>
           <a:p>
-            <a:r>
-              <a:rPr lang="en-US" dirty="0"/>
-              <a:t>Put expiration date on a secret</a:t>
-            </a:r>
-          </a:p>
-          <a:p>
-            <a:r>
-              <a:rPr lang="en-US" dirty="0"/>
-              <a:t>Scoped tokens instead of full-access keys</a:t>
-            </a:r>
-          </a:p>
-          <a:p>
-            <a:r>
-              <a:rPr lang="en-US" dirty="0"/>
-              <a:t>Keep secrets out of code</a:t>
-            </a:r>
-          </a:p>
-          <a:p>
+            <a:pPr marL="0" indent="0">
+              <a:buNone/>
+            </a:pPr>
+            <a:r>
+              <a:rPr lang="en-US" dirty="0"/>
+              <a:t>Regular human-password rotation causes </a:t>
+            </a:r>
+          </a:p>
+          <a:p>
+            <a:pPr>
+              <a:buFontTx/>
+              <a:buChar char="-"/>
+            </a:pPr>
+            <a:r>
+              <a:rPr lang="en-US" dirty="0"/>
+              <a:t>weaker passwords</a:t>
+            </a:r>
+          </a:p>
+          <a:p>
+            <a:pPr>
+              <a:buFontTx/>
+              <a:buChar char="-"/>
+            </a:pPr>
+            <a:r>
+              <a:rPr lang="en-US" dirty="0"/>
+              <a:t>work disruptions</a:t>
+            </a:r>
+          </a:p>
+          <a:p>
+            <a:pPr>
+              <a:buFontTx/>
+              <a:buChar char="-"/>
+            </a:pPr>
+            <a:r>
+              <a:rPr lang="en-US" dirty="0"/>
+              <a:t>higher cost to maintain across the org</a:t>
+            </a:r>
+          </a:p>
+          <a:p>
+            <a:pPr>
+              <a:buFontTx/>
+              <a:buChar char="-"/>
+            </a:pPr>
             <a:endParaRPr lang="en-US" dirty="0"/>
+          </a:p>
+          <a:p>
+            <a:pPr marL="0" indent="0">
+              <a:buNone/>
+            </a:pPr>
+            <a:r>
+              <a:rPr lang="en-US" dirty="0"/>
+              <a:t>It’s better to use a static but strong password (and password manager) </a:t>
+            </a:r>
           </a:p>
         </p:txBody>
       </p:sp>
     </p:spTree>
     <p:extLst>
       <p:ext uri="{BB962C8B-B14F-4D97-AF65-F5344CB8AC3E}">
-        <p14:creationId xmlns:p14="http://schemas.microsoft.com/office/powerpoint/2010/main" val="3025277281"/>
+        <p14:creationId xmlns:p14="http://schemas.microsoft.com/office/powerpoint/2010/main" val="2089015059"/>
       </p:ext>
     </p:extLst>
   </p:cSld>
@@ -10865,37 +11540,7 @@
             </a:pPr>
             <a:r>
               <a:rPr lang="en-US" dirty="0"/>
-              <a:t>Configuration management</a:t>
-            </a:r>
-          </a:p>
-          <a:p>
-            <a:pPr marL="0" indent="0">
-              <a:buNone/>
-            </a:pPr>
-            <a:endParaRPr lang="en-US" dirty="0"/>
-          </a:p>
-          <a:p>
-            <a:r>
-              <a:rPr lang="en-US" dirty="0"/>
-              <a:t>Patch dependencies</a:t>
-            </a:r>
-          </a:p>
-          <a:p>
-            <a:r>
-              <a:rPr lang="en-US" dirty="0"/>
-              <a:t>Scan for CVE</a:t>
-            </a:r>
-          </a:p>
-          <a:p>
-            <a:r>
-              <a:rPr lang="en-US" dirty="0"/>
-              <a:t>Sign commits, container-images, assemblies</a:t>
-            </a:r>
-          </a:p>
-          <a:p>
-            <a:r>
-              <a:rPr lang="en-US" dirty="0"/>
-              <a:t>Immutable versions, build once</a:t>
+              <a:t>Public Key Infrastructure (PKI)</a:t>
             </a:r>
           </a:p>
         </p:txBody>
@@ -10903,7 +11548,7 @@
     </p:spTree>
     <p:extLst>
       <p:ext uri="{BB962C8B-B14F-4D97-AF65-F5344CB8AC3E}">
-        <p14:creationId xmlns:p14="http://schemas.microsoft.com/office/powerpoint/2010/main" val="3753085029"/>
+        <p14:creationId xmlns:p14="http://schemas.microsoft.com/office/powerpoint/2010/main" val="3847547030"/>
       </p:ext>
     </p:extLst>
   </p:cSld>
@@ -10984,7 +11629,7 @@
             </a:pPr>
             <a:r>
               <a:rPr lang="en-US" dirty="0"/>
-              <a:t>Disaster recovery</a:t>
+              <a:t>Secrets management</a:t>
             </a:r>
           </a:p>
           <a:p>
@@ -10996,89 +11641,30 @@
           <a:p>
             <a:r>
               <a:rPr lang="en-US" dirty="0"/>
-              <a:t>Backup data</a:t>
-            </a:r>
-          </a:p>
-          <a:p>
-            <a:r>
-              <a:rPr lang="en-US" dirty="0"/>
-              <a:t>Document restore process</a:t>
-            </a:r>
-          </a:p>
-        </p:txBody>
-      </p:sp>
-      <p:pic>
-        <p:nvPicPr>
-          <p:cNvPr id="5" name="Picture 4">
-            <a:extLst>
-              <a:ext uri="{FF2B5EF4-FFF2-40B4-BE49-F238E27FC236}">
-                <a16:creationId xmlns:a16="http://schemas.microsoft.com/office/drawing/2014/main" id="{F3500145-D3CB-40F4-B3A0-8C7F6ACFB8EE}"/>
-              </a:ext>
-            </a:extLst>
-          </p:cNvPr>
-          <p:cNvPicPr>
-            <a:picLocks noChangeAspect="1"/>
-          </p:cNvPicPr>
-          <p:nvPr/>
-        </p:nvPicPr>
-        <p:blipFill>
-          <a:blip r:embed="rId3"/>
-          <a:stretch>
-            <a:fillRect/>
-          </a:stretch>
-        </p:blipFill>
-        <p:spPr>
-          <a:xfrm>
-            <a:off x="6020479" y="1170701"/>
-            <a:ext cx="5780128" cy="4516597"/>
-          </a:xfrm>
-          <a:prstGeom prst="rect">
-            <a:avLst/>
-          </a:prstGeom>
-        </p:spPr>
-      </p:pic>
-      <p:sp>
-        <p:nvSpPr>
-          <p:cNvPr id="7" name="TextBox 6">
-            <a:extLst>
-              <a:ext uri="{FF2B5EF4-FFF2-40B4-BE49-F238E27FC236}">
-                <a16:creationId xmlns:a16="http://schemas.microsoft.com/office/drawing/2014/main" id="{E239667F-6D7F-478E-AB17-E546F5A5954C}"/>
-              </a:ext>
-            </a:extLst>
-          </p:cNvPr>
-          <p:cNvSpPr txBox="1"/>
-          <p:nvPr/>
-        </p:nvSpPr>
-        <p:spPr>
-          <a:xfrm>
-            <a:off x="4184647" y="6185097"/>
-            <a:ext cx="8007353" cy="307777"/>
-          </a:xfrm>
-          <a:prstGeom prst="rect">
-            <a:avLst/>
-          </a:prstGeom>
-          <a:noFill/>
-        </p:spPr>
-        <p:txBody>
-          <a:bodyPr wrap="square">
-            <a:spAutoFit/>
-          </a:bodyPr>
-          <a:lstStyle/>
-          <a:p>
-            <a:r>
-              <a:rPr lang="en-US" sz="1400" dirty="0">
-                <a:hlinkClick r:id="rId4"/>
-              </a:rPr>
-              <a:t>https://www.datacenterknowledge.com/uptime/fire-has-destroyed-ovh-s-strasbourg-data-center-sbg2</a:t>
-            </a:r>
-            <a:endParaRPr lang="en-US" sz="1400" dirty="0"/>
+              <a:t>Put expiration date on a secret</a:t>
+            </a:r>
+          </a:p>
+          <a:p>
+            <a:r>
+              <a:rPr lang="en-US" dirty="0"/>
+              <a:t>Scoped tokens instead of full-access keys</a:t>
+            </a:r>
+          </a:p>
+          <a:p>
+            <a:r>
+              <a:rPr lang="en-US" dirty="0"/>
+              <a:t>Keep secrets out of code</a:t>
+            </a:r>
+          </a:p>
+          <a:p>
+            <a:endParaRPr lang="en-US" dirty="0"/>
           </a:p>
         </p:txBody>
       </p:sp>
     </p:spTree>
     <p:extLst>
       <p:ext uri="{BB962C8B-B14F-4D97-AF65-F5344CB8AC3E}">
-        <p14:creationId xmlns:p14="http://schemas.microsoft.com/office/powerpoint/2010/main" val="2142648716"/>
+        <p14:creationId xmlns:p14="http://schemas.microsoft.com/office/powerpoint/2010/main" val="3025277281"/>
       </p:ext>
     </p:extLst>
   </p:cSld>
@@ -11159,7 +11745,7 @@
             </a:pPr>
             <a:r>
               <a:rPr lang="en-US" dirty="0"/>
-              <a:t>Custom policies</a:t>
+              <a:t>Configuration management</a:t>
             </a:r>
           </a:p>
           <a:p>
@@ -11171,30 +11757,33 @@
           <a:p>
             <a:r>
               <a:rPr lang="en-US" dirty="0"/>
-              <a:t>Codify rules</a:t>
-            </a:r>
-          </a:p>
-          <a:p>
-            <a:r>
-              <a:rPr lang="en-US" dirty="0"/>
-              <a:t>Verify adherence to rules at deployment time</a:t>
-            </a:r>
-          </a:p>
-          <a:p>
-            <a:r>
-              <a:rPr lang="en-US" dirty="0"/>
-              <a:t>Monitor/enforce rules at runtime</a:t>
-            </a:r>
-          </a:p>
-          <a:p>
-            <a:endParaRPr lang="en-US" dirty="0"/>
+              <a:t>Patch dependencies</a:t>
+            </a:r>
+          </a:p>
+          <a:p>
+            <a:r>
+              <a:rPr lang="en-US" dirty="0"/>
+              <a:t>Scan for CVE</a:t>
+            </a:r>
+          </a:p>
+          <a:p>
+            <a:r>
+              <a:rPr lang="en-US" dirty="0"/>
+              <a:t>Sign commits, container-images, assemblies</a:t>
+            </a:r>
+          </a:p>
+          <a:p>
+            <a:r>
+              <a:rPr lang="en-US" dirty="0"/>
+              <a:t>Immutable versions, build once</a:t>
+            </a:r>
           </a:p>
         </p:txBody>
       </p:sp>
     </p:spTree>
     <p:extLst>
       <p:ext uri="{BB962C8B-B14F-4D97-AF65-F5344CB8AC3E}">
-        <p14:creationId xmlns:p14="http://schemas.microsoft.com/office/powerpoint/2010/main" val="2130108793"/>
+        <p14:creationId xmlns:p14="http://schemas.microsoft.com/office/powerpoint/2010/main" val="3753085029"/>
       </p:ext>
     </p:extLst>
   </p:cSld>
@@ -11275,7 +11864,7 @@
             </a:pPr>
             <a:r>
               <a:rPr lang="en-US" dirty="0"/>
-              <a:t>Expect security services to fail</a:t>
+              <a:t>Disaster recovery</a:t>
             </a:r>
           </a:p>
           <a:p>
@@ -11285,37 +11874,91 @@
             <a:endParaRPr lang="en-US" dirty="0"/>
           </a:p>
           <a:p>
-            <a:pPr marL="0" indent="0">
-              <a:buNone/>
-            </a:pPr>
-            <a:r>
-              <a:rPr lang="en-US" dirty="0"/>
-              <a:t>For example, </a:t>
-            </a:r>
-            <a:r>
-              <a:rPr lang="en-US" dirty="0">
-                <a:hlinkClick r:id="rId3"/>
-              </a:rPr>
-              <a:t>Parler content was dumped </a:t>
-            </a:r>
-            <a:r>
-              <a:rPr lang="en-US" dirty="0"/>
-              <a:t>because </a:t>
-            </a:r>
-            <a:r>
-              <a:rPr lang="en-US" dirty="0">
+            <a:r>
+              <a:rPr lang="en-US" dirty="0"/>
+              <a:t>Backup data</a:t>
+            </a:r>
+          </a:p>
+          <a:p>
+            <a:r>
+              <a:rPr lang="en-US" dirty="0"/>
+              <a:t>Document restore process</a:t>
+            </a:r>
+          </a:p>
+        </p:txBody>
+      </p:sp>
+      <p:pic>
+        <p:nvPicPr>
+          <p:cNvPr id="5" name="Picture 4">
+            <a:extLst>
+              <a:ext uri="{FF2B5EF4-FFF2-40B4-BE49-F238E27FC236}">
+                <a16:creationId xmlns:a16="http://schemas.microsoft.com/office/drawing/2014/main" id="{F3500145-D3CB-40F4-B3A0-8C7F6ACFB8EE}"/>
+              </a:ext>
+            </a:extLst>
+          </p:cNvPr>
+          <p:cNvPicPr>
+            <a:picLocks noChangeAspect="1"/>
+          </p:cNvPicPr>
+          <p:nvPr/>
+        </p:nvPicPr>
+        <p:blipFill>
+          <a:blip r:embed="rId3"/>
+          <a:stretch>
+            <a:fillRect/>
+          </a:stretch>
+        </p:blipFill>
+        <p:spPr>
+          <a:xfrm>
+            <a:off x="6020479" y="1170701"/>
+            <a:ext cx="5780128" cy="4516597"/>
+          </a:xfrm>
+          <a:prstGeom prst="rect">
+            <a:avLst/>
+          </a:prstGeom>
+        </p:spPr>
+      </p:pic>
+      <p:sp>
+        <p:nvSpPr>
+          <p:cNvPr id="7" name="TextBox 6">
+            <a:extLst>
+              <a:ext uri="{FF2B5EF4-FFF2-40B4-BE49-F238E27FC236}">
+                <a16:creationId xmlns:a16="http://schemas.microsoft.com/office/drawing/2014/main" id="{E239667F-6D7F-478E-AB17-E546F5A5954C}"/>
+              </a:ext>
+            </a:extLst>
+          </p:cNvPr>
+          <p:cNvSpPr txBox="1"/>
+          <p:nvPr/>
+        </p:nvSpPr>
+        <p:spPr>
+          <a:xfrm>
+            <a:off x="4184647" y="6185097"/>
+            <a:ext cx="8007353" cy="307777"/>
+          </a:xfrm>
+          <a:prstGeom prst="rect">
+            <a:avLst/>
+          </a:prstGeom>
+          <a:noFill/>
+        </p:spPr>
+        <p:txBody>
+          <a:bodyPr wrap="square">
+            <a:spAutoFit/>
+          </a:bodyPr>
+          <a:lstStyle/>
+          <a:p>
+            <a:r>
+              <a:rPr lang="en-US" sz="1400" dirty="0">
                 <a:hlinkClick r:id="rId4"/>
               </a:rPr>
-              <a:t>twilio integration faded away</a:t>
-            </a:r>
-            <a:endParaRPr lang="en-US" dirty="0"/>
+              <a:t>https://www.datacenterknowledge.com/uptime/fire-has-destroyed-ovh-s-strasbourg-data-center-sbg2</a:t>
+            </a:r>
+            <a:endParaRPr lang="en-US" sz="1400" dirty="0"/>
           </a:p>
         </p:txBody>
       </p:sp>
     </p:spTree>
     <p:extLst>
       <p:ext uri="{BB962C8B-B14F-4D97-AF65-F5344CB8AC3E}">
-        <p14:creationId xmlns:p14="http://schemas.microsoft.com/office/powerpoint/2010/main" val="2014671736"/>
+        <p14:creationId xmlns:p14="http://schemas.microsoft.com/office/powerpoint/2010/main" val="2142648716"/>
       </p:ext>
     </p:extLst>
   </p:cSld>
@@ -11347,7 +11990,7 @@
           <p:cNvPr id="2" name="Title 1">
             <a:extLst>
               <a:ext uri="{FF2B5EF4-FFF2-40B4-BE49-F238E27FC236}">
-                <a16:creationId xmlns:a16="http://schemas.microsoft.com/office/drawing/2014/main" id="{AA6563E3-5640-49D5-919B-725DAF540F41}"/>
+                <a16:creationId xmlns:a16="http://schemas.microsoft.com/office/drawing/2014/main" id="{A26A8A0A-320E-4536-BFF8-C2E9FC542DEC}"/>
               </a:ext>
             </a:extLst>
           </p:cNvPr>
@@ -11365,7 +12008,7 @@
           <a:p>
             <a:r>
               <a:rPr lang="en-US" dirty="0"/>
-              <a:t>Course plan</a:t>
+              <a:t>Case studies</a:t>
             </a:r>
           </a:p>
         </p:txBody>
@@ -11375,7 +12018,7 @@
           <p:cNvPr id="3" name="Content Placeholder 2">
             <a:extLst>
               <a:ext uri="{FF2B5EF4-FFF2-40B4-BE49-F238E27FC236}">
-                <a16:creationId xmlns:a16="http://schemas.microsoft.com/office/drawing/2014/main" id="{9BB4E940-33D8-465B-94DA-339CB0D43AF2}"/>
+                <a16:creationId xmlns:a16="http://schemas.microsoft.com/office/drawing/2014/main" id="{AE3F0B5C-ACCE-4F53-A9D1-641797D8C52C}"/>
               </a:ext>
             </a:extLst>
           </p:cNvPr>
@@ -11396,7 +12039,7 @@
             </a:pPr>
             <a:r>
               <a:rPr lang="en-US" dirty="0"/>
-              <a:t>Learning session 3 (July 15-17)</a:t>
+              <a:t>Custom policies</a:t>
             </a:r>
           </a:p>
           <a:p>
@@ -11406,33 +12049,32 @@
             <a:endParaRPr lang="en-US" dirty="0"/>
           </a:p>
           <a:p>
-            <a:pPr marL="0" indent="0">
-              <a:buNone/>
-            </a:pPr>
-            <a:r>
-              <a:rPr lang="en-US" dirty="0"/>
-              <a:t>Security</a:t>
-            </a:r>
-          </a:p>
-          <a:p>
-            <a:pPr marL="0" indent="0">
-              <a:buNone/>
-            </a:pPr>
-            <a:r>
-              <a:rPr lang="en-US" dirty="0">
-                <a:solidFill>
-                  <a:srgbClr val="FF0000"/>
-                </a:solidFill>
-              </a:rPr>
-              <a:t>Identity and Access Management (IAM)</a:t>
-            </a:r>
+            <a:r>
+              <a:rPr lang="en-US" dirty="0"/>
+              <a:t>Codify rules</a:t>
+            </a:r>
+          </a:p>
+          <a:p>
+            <a:r>
+              <a:rPr lang="en-US" dirty="0"/>
+              <a:t>Verify adherence to rules at deployment time</a:t>
+            </a:r>
+          </a:p>
+          <a:p>
+            <a:r>
+              <a:rPr lang="en-US" dirty="0"/>
+              <a:t>Monitor/enforce rules at runtime</a:t>
+            </a:r>
+          </a:p>
+          <a:p>
+            <a:endParaRPr lang="en-US" dirty="0"/>
           </a:p>
         </p:txBody>
       </p:sp>
     </p:spTree>
     <p:extLst>
       <p:ext uri="{BB962C8B-B14F-4D97-AF65-F5344CB8AC3E}">
-        <p14:creationId xmlns:p14="http://schemas.microsoft.com/office/powerpoint/2010/main" val="3087380149"/>
+        <p14:creationId xmlns:p14="http://schemas.microsoft.com/office/powerpoint/2010/main" val="2130108793"/>
       </p:ext>
     </p:extLst>
   </p:cSld>
@@ -11482,6 +12124,244 @@
           <a:p>
             <a:r>
               <a:rPr lang="en-US" dirty="0"/>
+              <a:t>Case studies</a:t>
+            </a:r>
+          </a:p>
+        </p:txBody>
+      </p:sp>
+      <p:sp>
+        <p:nvSpPr>
+          <p:cNvPr id="3" name="Content Placeholder 2">
+            <a:extLst>
+              <a:ext uri="{FF2B5EF4-FFF2-40B4-BE49-F238E27FC236}">
+                <a16:creationId xmlns:a16="http://schemas.microsoft.com/office/drawing/2014/main" id="{AE3F0B5C-ACCE-4F53-A9D1-641797D8C52C}"/>
+              </a:ext>
+            </a:extLst>
+          </p:cNvPr>
+          <p:cNvSpPr>
+            <a:spLocks noGrp="1"/>
+          </p:cNvSpPr>
+          <p:nvPr>
+            <p:ph idx="1"/>
+          </p:nvPr>
+        </p:nvSpPr>
+        <p:spPr/>
+        <p:txBody>
+          <a:bodyPr/>
+          <a:lstStyle/>
+          <a:p>
+            <a:pPr marL="0" indent="0">
+              <a:buNone/>
+            </a:pPr>
+            <a:r>
+              <a:rPr lang="en-US" dirty="0"/>
+              <a:t>Expect security services to fail</a:t>
+            </a:r>
+          </a:p>
+          <a:p>
+            <a:pPr marL="0" indent="0">
+              <a:buNone/>
+            </a:pPr>
+            <a:endParaRPr lang="en-US" dirty="0"/>
+          </a:p>
+          <a:p>
+            <a:pPr marL="0" indent="0">
+              <a:buNone/>
+            </a:pPr>
+            <a:r>
+              <a:rPr lang="en-US" dirty="0"/>
+              <a:t>For example, </a:t>
+            </a:r>
+            <a:r>
+              <a:rPr lang="en-US" dirty="0">
+                <a:hlinkClick r:id="rId3"/>
+              </a:rPr>
+              <a:t>Parler content was dumped </a:t>
+            </a:r>
+            <a:r>
+              <a:rPr lang="en-US" dirty="0"/>
+              <a:t>because </a:t>
+            </a:r>
+            <a:r>
+              <a:rPr lang="en-US" dirty="0">
+                <a:hlinkClick r:id="rId4"/>
+              </a:rPr>
+              <a:t>twilio integration faded away</a:t>
+            </a:r>
+            <a:endParaRPr lang="en-US" dirty="0"/>
+          </a:p>
+        </p:txBody>
+      </p:sp>
+    </p:spTree>
+    <p:extLst>
+      <p:ext uri="{BB962C8B-B14F-4D97-AF65-F5344CB8AC3E}">
+        <p14:creationId xmlns:p14="http://schemas.microsoft.com/office/powerpoint/2010/main" val="2014671736"/>
+      </p:ext>
+    </p:extLst>
+  </p:cSld>
+  <p:clrMapOvr>
+    <a:masterClrMapping/>
+  </p:clrMapOvr>
+</p:sld>
+</file>
+
+<file path=ppt/slides/slide36.xml><?xml version="1.0" encoding="utf-8"?>
+<p:sld xmlns:a="http://schemas.openxmlformats.org/drawingml/2006/main" xmlns:r="http://schemas.openxmlformats.org/officeDocument/2006/relationships" xmlns:p="http://schemas.openxmlformats.org/presentationml/2006/main">
+  <p:cSld>
+    <p:spTree>
+      <p:nvGrpSpPr>
+        <p:cNvPr id="1" name=""/>
+        <p:cNvGrpSpPr/>
+        <p:nvPr/>
+      </p:nvGrpSpPr>
+      <p:grpSpPr>
+        <a:xfrm>
+          <a:off x="0" y="0"/>
+          <a:ext cx="0" cy="0"/>
+          <a:chOff x="0" y="0"/>
+          <a:chExt cx="0" cy="0"/>
+        </a:xfrm>
+      </p:grpSpPr>
+      <p:sp>
+        <p:nvSpPr>
+          <p:cNvPr id="2" name="Title 1">
+            <a:extLst>
+              <a:ext uri="{FF2B5EF4-FFF2-40B4-BE49-F238E27FC236}">
+                <a16:creationId xmlns:a16="http://schemas.microsoft.com/office/drawing/2014/main" id="{AA6563E3-5640-49D5-919B-725DAF540F41}"/>
+              </a:ext>
+            </a:extLst>
+          </p:cNvPr>
+          <p:cNvSpPr>
+            <a:spLocks noGrp="1"/>
+          </p:cNvSpPr>
+          <p:nvPr>
+            <p:ph type="title"/>
+          </p:nvPr>
+        </p:nvSpPr>
+        <p:spPr/>
+        <p:txBody>
+          <a:bodyPr/>
+          <a:lstStyle/>
+          <a:p>
+            <a:r>
+              <a:rPr lang="en-US" dirty="0"/>
+              <a:t>Course plan</a:t>
+            </a:r>
+          </a:p>
+        </p:txBody>
+      </p:sp>
+      <p:sp>
+        <p:nvSpPr>
+          <p:cNvPr id="3" name="Content Placeholder 2">
+            <a:extLst>
+              <a:ext uri="{FF2B5EF4-FFF2-40B4-BE49-F238E27FC236}">
+                <a16:creationId xmlns:a16="http://schemas.microsoft.com/office/drawing/2014/main" id="{9BB4E940-33D8-465B-94DA-339CB0D43AF2}"/>
+              </a:ext>
+            </a:extLst>
+          </p:cNvPr>
+          <p:cNvSpPr>
+            <a:spLocks noGrp="1"/>
+          </p:cNvSpPr>
+          <p:nvPr>
+            <p:ph idx="1"/>
+          </p:nvPr>
+        </p:nvSpPr>
+        <p:spPr/>
+        <p:txBody>
+          <a:bodyPr/>
+          <a:lstStyle/>
+          <a:p>
+            <a:pPr marL="0" indent="0">
+              <a:buNone/>
+            </a:pPr>
+            <a:r>
+              <a:rPr lang="en-US" dirty="0"/>
+              <a:t>Learning session 3</a:t>
+            </a:r>
+          </a:p>
+          <a:p>
+            <a:pPr marL="0" indent="0">
+              <a:buNone/>
+            </a:pPr>
+            <a:endParaRPr lang="en-US" dirty="0"/>
+          </a:p>
+          <a:p>
+            <a:pPr marL="0" indent="0">
+              <a:buNone/>
+            </a:pPr>
+            <a:r>
+              <a:rPr lang="en-US" dirty="0"/>
+              <a:t>Security</a:t>
+            </a:r>
+          </a:p>
+          <a:p>
+            <a:pPr marL="0" indent="0">
+              <a:buNone/>
+            </a:pPr>
+            <a:r>
+              <a:rPr lang="en-US" dirty="0">
+                <a:solidFill>
+                  <a:srgbClr val="FF0000"/>
+                </a:solidFill>
+              </a:rPr>
+              <a:t>Identity and Access Management (IAM)</a:t>
+            </a:r>
+          </a:p>
+        </p:txBody>
+      </p:sp>
+    </p:spTree>
+    <p:extLst>
+      <p:ext uri="{BB962C8B-B14F-4D97-AF65-F5344CB8AC3E}">
+        <p14:creationId xmlns:p14="http://schemas.microsoft.com/office/powerpoint/2010/main" val="3087380149"/>
+      </p:ext>
+    </p:extLst>
+  </p:cSld>
+  <p:clrMapOvr>
+    <a:masterClrMapping/>
+  </p:clrMapOvr>
+</p:sld>
+</file>
+
+<file path=ppt/slides/slide37.xml><?xml version="1.0" encoding="utf-8"?>
+<p:sld xmlns:a="http://schemas.openxmlformats.org/drawingml/2006/main" xmlns:r="http://schemas.openxmlformats.org/officeDocument/2006/relationships" xmlns:p="http://schemas.openxmlformats.org/presentationml/2006/main">
+  <p:cSld>
+    <p:spTree>
+      <p:nvGrpSpPr>
+        <p:cNvPr id="1" name=""/>
+        <p:cNvGrpSpPr/>
+        <p:nvPr/>
+      </p:nvGrpSpPr>
+      <p:grpSpPr>
+        <a:xfrm>
+          <a:off x="0" y="0"/>
+          <a:ext cx="0" cy="0"/>
+          <a:chOff x="0" y="0"/>
+          <a:chExt cx="0" cy="0"/>
+        </a:xfrm>
+      </p:grpSpPr>
+      <p:sp>
+        <p:nvSpPr>
+          <p:cNvPr id="2" name="Title 1">
+            <a:extLst>
+              <a:ext uri="{FF2B5EF4-FFF2-40B4-BE49-F238E27FC236}">
+                <a16:creationId xmlns:a16="http://schemas.microsoft.com/office/drawing/2014/main" id="{A26A8A0A-320E-4536-BFF8-C2E9FC542DEC}"/>
+              </a:ext>
+            </a:extLst>
+          </p:cNvPr>
+          <p:cNvSpPr>
+            <a:spLocks noGrp="1"/>
+          </p:cNvSpPr>
+          <p:nvPr>
+            <p:ph type="title"/>
+          </p:nvPr>
+        </p:nvSpPr>
+        <p:spPr/>
+        <p:txBody>
+          <a:bodyPr/>
+          <a:lstStyle/>
+          <a:p>
+            <a:r>
+              <a:rPr lang="en-US" dirty="0"/>
               <a:t>Identity Access Management Lesson Plan</a:t>
             </a:r>
           </a:p>
@@ -11589,7 +12469,7 @@
 </p:sld>
 </file>
 
-<file path=ppt/slides/slide36.xml><?xml version="1.0" encoding="utf-8"?>
+<file path=ppt/slides/slide38.xml><?xml version="1.0" encoding="utf-8"?>
 <p:sld xmlns:a="http://schemas.openxmlformats.org/drawingml/2006/main" xmlns:r="http://schemas.openxmlformats.org/officeDocument/2006/relationships" xmlns:p="http://schemas.openxmlformats.org/presentationml/2006/main">
   <p:cSld>
     <p:spTree>
@@ -11649,7 +12529,7 @@
 </p:sld>
 </file>
 
-<file path=ppt/slides/slide37.xml><?xml version="1.0" encoding="utf-8"?>
+<file path=ppt/slides/slide39.xml><?xml version="1.0" encoding="utf-8"?>
 <p:sld xmlns:a="http://schemas.openxmlformats.org/drawingml/2006/main" xmlns:r="http://schemas.openxmlformats.org/officeDocument/2006/relationships" xmlns:p="http://schemas.openxmlformats.org/presentationml/2006/main">
   <p:cSld>
     <p:spTree>
@@ -11709,7 +12589,165 @@
 </p:sld>
 </file>
 
-<file path=ppt/slides/slide38.xml><?xml version="1.0" encoding="utf-8"?>
+<file path=ppt/slides/slide4.xml><?xml version="1.0" encoding="utf-8"?>
+<p:sld xmlns:a="http://schemas.openxmlformats.org/drawingml/2006/main" xmlns:r="http://schemas.openxmlformats.org/officeDocument/2006/relationships" xmlns:p="http://schemas.openxmlformats.org/presentationml/2006/main">
+  <p:cSld>
+    <p:spTree>
+      <p:nvGrpSpPr>
+        <p:cNvPr id="1" name=""/>
+        <p:cNvGrpSpPr/>
+        <p:nvPr/>
+      </p:nvGrpSpPr>
+      <p:grpSpPr>
+        <a:xfrm>
+          <a:off x="0" y="0"/>
+          <a:ext cx="0" cy="0"/>
+          <a:chOff x="0" y="0"/>
+          <a:chExt cx="0" cy="0"/>
+        </a:xfrm>
+      </p:grpSpPr>
+      <p:sp>
+        <p:nvSpPr>
+          <p:cNvPr id="2" name="Title 1">
+            <a:extLst>
+              <a:ext uri="{FF2B5EF4-FFF2-40B4-BE49-F238E27FC236}">
+                <a16:creationId xmlns:a16="http://schemas.microsoft.com/office/drawing/2014/main" id="{A26A8A0A-320E-4536-BFF8-C2E9FC542DEC}"/>
+              </a:ext>
+            </a:extLst>
+          </p:cNvPr>
+          <p:cNvSpPr>
+            <a:spLocks noGrp="1"/>
+          </p:cNvSpPr>
+          <p:nvPr>
+            <p:ph type="title"/>
+          </p:nvPr>
+        </p:nvSpPr>
+        <p:spPr/>
+        <p:txBody>
+          <a:bodyPr/>
+          <a:lstStyle/>
+          <a:p>
+            <a:r>
+              <a:rPr lang="en-US" dirty="0"/>
+              <a:t>Security lesson plan</a:t>
+            </a:r>
+          </a:p>
+        </p:txBody>
+      </p:sp>
+      <p:sp>
+        <p:nvSpPr>
+          <p:cNvPr id="3" name="Content Placeholder 2">
+            <a:extLst>
+              <a:ext uri="{FF2B5EF4-FFF2-40B4-BE49-F238E27FC236}">
+                <a16:creationId xmlns:a16="http://schemas.microsoft.com/office/drawing/2014/main" id="{AE3F0B5C-ACCE-4F53-A9D1-641797D8C52C}"/>
+              </a:ext>
+            </a:extLst>
+          </p:cNvPr>
+          <p:cNvSpPr>
+            <a:spLocks noGrp="1"/>
+          </p:cNvSpPr>
+          <p:nvPr>
+            <p:ph idx="1"/>
+          </p:nvPr>
+        </p:nvSpPr>
+        <p:spPr/>
+        <p:txBody>
+          <a:bodyPr>
+            <a:normAutofit fontScale="92500" lnSpcReduction="10000"/>
+          </a:bodyPr>
+          <a:lstStyle/>
+          <a:p>
+            <a:r>
+              <a:rPr lang="en-US" dirty="0"/>
+              <a:t>Breach scenarios</a:t>
+            </a:r>
+          </a:p>
+          <a:p>
+            <a:r>
+              <a:rPr lang="en-US" dirty="0"/>
+              <a:t>What is security in “cloud”</a:t>
+            </a:r>
+          </a:p>
+          <a:p>
+            <a:r>
+              <a:rPr lang="en-US" dirty="0"/>
+              <a:t>Security areas</a:t>
+            </a:r>
+          </a:p>
+          <a:p>
+            <a:r>
+              <a:rPr lang="en-US" dirty="0"/>
+              <a:t>Security levels: infrastructure, application, data, user</a:t>
+            </a:r>
+          </a:p>
+          <a:p>
+            <a:r>
+              <a:rPr lang="en-US" dirty="0"/>
+              <a:t>Case studies:</a:t>
+            </a:r>
+          </a:p>
+          <a:p>
+            <a:pPr lvl="1"/>
+            <a:r>
+              <a:rPr lang="en-US" dirty="0"/>
+              <a:t>Public Key Infrastructure (PKI)</a:t>
+            </a:r>
+          </a:p>
+          <a:p>
+            <a:pPr lvl="1"/>
+            <a:r>
+              <a:rPr lang="en-US" dirty="0"/>
+              <a:t>Secrets management</a:t>
+            </a:r>
+          </a:p>
+          <a:p>
+            <a:pPr lvl="1"/>
+            <a:r>
+              <a:rPr lang="en-US" dirty="0"/>
+              <a:t>Configuration management</a:t>
+            </a:r>
+          </a:p>
+          <a:p>
+            <a:pPr lvl="1"/>
+            <a:r>
+              <a:rPr lang="en-US" dirty="0"/>
+              <a:t>Disaster recovery</a:t>
+            </a:r>
+          </a:p>
+          <a:p>
+            <a:pPr lvl="1"/>
+            <a:r>
+              <a:rPr lang="en-US" dirty="0"/>
+              <a:t>Custom policies</a:t>
+            </a:r>
+          </a:p>
+          <a:p>
+            <a:pPr lvl="1"/>
+            <a:r>
+              <a:rPr lang="en-US" dirty="0"/>
+              <a:t>Expect security services to fail</a:t>
+            </a:r>
+          </a:p>
+          <a:p>
+            <a:pPr lvl="1"/>
+            <a:endParaRPr lang="en-US" dirty="0"/>
+          </a:p>
+        </p:txBody>
+      </p:sp>
+    </p:spTree>
+    <p:extLst>
+      <p:ext uri="{BB962C8B-B14F-4D97-AF65-F5344CB8AC3E}">
+        <p14:creationId xmlns:p14="http://schemas.microsoft.com/office/powerpoint/2010/main" val="1747519140"/>
+      </p:ext>
+    </p:extLst>
+  </p:cSld>
+  <p:clrMapOvr>
+    <a:masterClrMapping/>
+  </p:clrMapOvr>
+</p:sld>
+</file>
+
+<file path=ppt/slides/slide40.xml><?xml version="1.0" encoding="utf-8"?>
 <p:sld xmlns:a="http://schemas.openxmlformats.org/drawingml/2006/main" xmlns:r="http://schemas.openxmlformats.org/officeDocument/2006/relationships" xmlns:p="http://schemas.openxmlformats.org/presentationml/2006/main">
   <p:cSld>
     <p:spTree>
@@ -11769,7 +12807,7 @@
 </p:sld>
 </file>
 
-<file path=ppt/slides/slide39.xml><?xml version="1.0" encoding="utf-8"?>
+<file path=ppt/slides/slide41.xml><?xml version="1.0" encoding="utf-8"?>
 <p:sld xmlns:a="http://schemas.openxmlformats.org/drawingml/2006/main" xmlns:r="http://schemas.openxmlformats.org/officeDocument/2006/relationships" xmlns:p="http://schemas.openxmlformats.org/presentationml/2006/main">
   <p:cSld>
     <p:spTree>
@@ -11829,165 +12867,7 @@
 </p:sld>
 </file>
 
-<file path=ppt/slides/slide4.xml><?xml version="1.0" encoding="utf-8"?>
-<p:sld xmlns:a="http://schemas.openxmlformats.org/drawingml/2006/main" xmlns:r="http://schemas.openxmlformats.org/officeDocument/2006/relationships" xmlns:p="http://schemas.openxmlformats.org/presentationml/2006/main">
-  <p:cSld>
-    <p:spTree>
-      <p:nvGrpSpPr>
-        <p:cNvPr id="1" name=""/>
-        <p:cNvGrpSpPr/>
-        <p:nvPr/>
-      </p:nvGrpSpPr>
-      <p:grpSpPr>
-        <a:xfrm>
-          <a:off x="0" y="0"/>
-          <a:ext cx="0" cy="0"/>
-          <a:chOff x="0" y="0"/>
-          <a:chExt cx="0" cy="0"/>
-        </a:xfrm>
-      </p:grpSpPr>
-      <p:sp>
-        <p:nvSpPr>
-          <p:cNvPr id="2" name="Title 1">
-            <a:extLst>
-              <a:ext uri="{FF2B5EF4-FFF2-40B4-BE49-F238E27FC236}">
-                <a16:creationId xmlns:a16="http://schemas.microsoft.com/office/drawing/2014/main" id="{A26A8A0A-320E-4536-BFF8-C2E9FC542DEC}"/>
-              </a:ext>
-            </a:extLst>
-          </p:cNvPr>
-          <p:cNvSpPr>
-            <a:spLocks noGrp="1"/>
-          </p:cNvSpPr>
-          <p:nvPr>
-            <p:ph type="title"/>
-          </p:nvPr>
-        </p:nvSpPr>
-        <p:spPr/>
-        <p:txBody>
-          <a:bodyPr/>
-          <a:lstStyle/>
-          <a:p>
-            <a:r>
-              <a:rPr lang="en-US" dirty="0"/>
-              <a:t>Security lesson plan</a:t>
-            </a:r>
-          </a:p>
-        </p:txBody>
-      </p:sp>
-      <p:sp>
-        <p:nvSpPr>
-          <p:cNvPr id="3" name="Content Placeholder 2">
-            <a:extLst>
-              <a:ext uri="{FF2B5EF4-FFF2-40B4-BE49-F238E27FC236}">
-                <a16:creationId xmlns:a16="http://schemas.microsoft.com/office/drawing/2014/main" id="{AE3F0B5C-ACCE-4F53-A9D1-641797D8C52C}"/>
-              </a:ext>
-            </a:extLst>
-          </p:cNvPr>
-          <p:cNvSpPr>
-            <a:spLocks noGrp="1"/>
-          </p:cNvSpPr>
-          <p:nvPr>
-            <p:ph idx="1"/>
-          </p:nvPr>
-        </p:nvSpPr>
-        <p:spPr/>
-        <p:txBody>
-          <a:bodyPr>
-            <a:normAutofit fontScale="92500" lnSpcReduction="10000"/>
-          </a:bodyPr>
-          <a:lstStyle/>
-          <a:p>
-            <a:r>
-              <a:rPr lang="en-US" dirty="0"/>
-              <a:t>What is security in cloud</a:t>
-            </a:r>
-          </a:p>
-          <a:p>
-            <a:r>
-              <a:rPr lang="en-US" dirty="0"/>
-              <a:t>Security areas</a:t>
-            </a:r>
-          </a:p>
-          <a:p>
-            <a:r>
-              <a:rPr lang="en-US" dirty="0"/>
-              <a:t>Breach scenarios</a:t>
-            </a:r>
-          </a:p>
-          <a:p>
-            <a:r>
-              <a:rPr lang="en-US" dirty="0"/>
-              <a:t>Security levels: infrastructure, application, data, user</a:t>
-            </a:r>
-          </a:p>
-          <a:p>
-            <a:r>
-              <a:rPr lang="en-US" dirty="0"/>
-              <a:t>Case studies:</a:t>
-            </a:r>
-          </a:p>
-          <a:p>
-            <a:pPr lvl="1"/>
-            <a:r>
-              <a:rPr lang="en-US" dirty="0"/>
-              <a:t>Public Key Infrastructure (PKI)</a:t>
-            </a:r>
-          </a:p>
-          <a:p>
-            <a:pPr lvl="1"/>
-            <a:r>
-              <a:rPr lang="en-US" dirty="0"/>
-              <a:t>Secrets management</a:t>
-            </a:r>
-          </a:p>
-          <a:p>
-            <a:pPr lvl="1"/>
-            <a:r>
-              <a:rPr lang="en-US" dirty="0"/>
-              <a:t>Configuration management</a:t>
-            </a:r>
-          </a:p>
-          <a:p>
-            <a:pPr lvl="1"/>
-            <a:r>
-              <a:rPr lang="en-US" dirty="0"/>
-              <a:t>Disaster recovery</a:t>
-            </a:r>
-          </a:p>
-          <a:p>
-            <a:pPr lvl="1"/>
-            <a:r>
-              <a:rPr lang="en-US" dirty="0"/>
-              <a:t>Custom policies</a:t>
-            </a:r>
-          </a:p>
-          <a:p>
-            <a:pPr lvl="1"/>
-            <a:r>
-              <a:rPr lang="en-US" dirty="0"/>
-              <a:t>Expect security services to fail</a:t>
-            </a:r>
-          </a:p>
-          <a:p>
-            <a:pPr lvl="1"/>
-            <a:endParaRPr lang="en-US" dirty="0"/>
-          </a:p>
-        </p:txBody>
-      </p:sp>
-    </p:spTree>
-    <p:extLst>
-      <p:ext uri="{BB962C8B-B14F-4D97-AF65-F5344CB8AC3E}">
-        <p14:creationId xmlns:p14="http://schemas.microsoft.com/office/powerpoint/2010/main" val="1747519140"/>
-      </p:ext>
-    </p:extLst>
-  </p:cSld>
-  <p:clrMapOvr>
-    <a:masterClrMapping/>
-  </p:clrMapOvr>
-</p:sld>
-</file>
-
-<file path=ppt/slides/slide40.xml><?xml version="1.0" encoding="utf-8"?>
+<file path=ppt/slides/slide42.xml><?xml version="1.0" encoding="utf-8"?>
 <p:sld xmlns:a="http://schemas.openxmlformats.org/drawingml/2006/main" xmlns:r="http://schemas.openxmlformats.org/officeDocument/2006/relationships" xmlns:p="http://schemas.openxmlformats.org/presentationml/2006/main">
   <p:cSld>
     <p:spTree>
@@ -12047,7 +12927,7 @@
 </p:sld>
 </file>
 
-<file path=ppt/slides/slide41.xml><?xml version="1.0" encoding="utf-8"?>
+<file path=ppt/slides/slide43.xml><?xml version="1.0" encoding="utf-8"?>
 <p:sld xmlns:a="http://schemas.openxmlformats.org/drawingml/2006/main" xmlns:r="http://schemas.openxmlformats.org/officeDocument/2006/relationships" xmlns:p="http://schemas.openxmlformats.org/presentationml/2006/main">
   <p:cSld>
     <p:spTree>
@@ -12107,7 +12987,7 @@
 </p:sld>
 </file>
 
-<file path=ppt/slides/slide42.xml><?xml version="1.0" encoding="utf-8"?>
+<file path=ppt/slides/slide44.xml><?xml version="1.0" encoding="utf-8"?>
 <p:sld xmlns:a="http://schemas.openxmlformats.org/drawingml/2006/main" xmlns:r="http://schemas.openxmlformats.org/officeDocument/2006/relationships" xmlns:p="http://schemas.openxmlformats.org/presentationml/2006/main">
   <p:cSld>
     <p:spTree>
@@ -12167,7 +13047,7 @@
 </p:sld>
 </file>
 
-<file path=ppt/slides/slide43.xml><?xml version="1.0" encoding="utf-8"?>
+<file path=ppt/slides/slide45.xml><?xml version="1.0" encoding="utf-8"?>
 <p:sld xmlns:a="http://schemas.openxmlformats.org/drawingml/2006/main" xmlns:r="http://schemas.openxmlformats.org/officeDocument/2006/relationships" xmlns:p="http://schemas.openxmlformats.org/presentationml/2006/main">
   <p:cSld>
     <p:spTree>
@@ -12227,7 +13107,7 @@
 </p:sld>
 </file>
 
-<file path=ppt/slides/slide44.xml><?xml version="1.0" encoding="utf-8"?>
+<file path=ppt/slides/slide46.xml><?xml version="1.0" encoding="utf-8"?>
 <p:sld xmlns:a="http://schemas.openxmlformats.org/drawingml/2006/main" xmlns:r="http://schemas.openxmlformats.org/officeDocument/2006/relationships" xmlns:p="http://schemas.openxmlformats.org/presentationml/2006/main">
   <p:cSld>
     <p:spTree>
@@ -12287,7 +13167,7 @@
 </p:sld>
 </file>
 
-<file path=ppt/slides/slide45.xml><?xml version="1.0" encoding="utf-8"?>
+<file path=ppt/slides/slide47.xml><?xml version="1.0" encoding="utf-8"?>
 <p:sld xmlns:a="http://schemas.openxmlformats.org/drawingml/2006/main" xmlns:r="http://schemas.openxmlformats.org/officeDocument/2006/relationships" xmlns:p="http://schemas.openxmlformats.org/presentationml/2006/main">
   <p:cSld>
     <p:spTree>
@@ -12347,7 +13227,7 @@
 </p:sld>
 </file>
 
-<file path=ppt/slides/slide46.xml><?xml version="1.0" encoding="utf-8"?>
+<file path=ppt/slides/slide48.xml><?xml version="1.0" encoding="utf-8"?>
 <p:sld xmlns:a="http://schemas.openxmlformats.org/drawingml/2006/main" xmlns:r="http://schemas.openxmlformats.org/officeDocument/2006/relationships" xmlns:p="http://schemas.openxmlformats.org/presentationml/2006/main">
   <p:cSld>
     <p:spTree>
@@ -12407,193 +13287,6 @@
 </p:sld>
 </file>
 
-<file path=ppt/slides/slide47.xml><?xml version="1.0" encoding="utf-8"?>
-<p:sld xmlns:a="http://schemas.openxmlformats.org/drawingml/2006/main" xmlns:r="http://schemas.openxmlformats.org/officeDocument/2006/relationships" xmlns:p="http://schemas.openxmlformats.org/presentationml/2006/main">
-  <p:cSld>
-    <p:spTree>
-      <p:nvGrpSpPr>
-        <p:cNvPr id="1" name=""/>
-        <p:cNvGrpSpPr/>
-        <p:nvPr/>
-      </p:nvGrpSpPr>
-      <p:grpSpPr>
-        <a:xfrm>
-          <a:off x="0" y="0"/>
-          <a:ext cx="0" cy="0"/>
-          <a:chOff x="0" y="0"/>
-          <a:chExt cx="0" cy="0"/>
-        </a:xfrm>
-      </p:grpSpPr>
-      <p:sp>
-        <p:nvSpPr>
-          <p:cNvPr id="2" name="Title 1">
-            <a:extLst>
-              <a:ext uri="{FF2B5EF4-FFF2-40B4-BE49-F238E27FC236}">
-                <a16:creationId xmlns:a16="http://schemas.microsoft.com/office/drawing/2014/main" id="{A26A8A0A-320E-4536-BFF8-C2E9FC542DEC}"/>
-              </a:ext>
-            </a:extLst>
-          </p:cNvPr>
-          <p:cNvSpPr>
-            <a:spLocks noGrp="1"/>
-          </p:cNvSpPr>
-          <p:nvPr>
-            <p:ph type="title"/>
-          </p:nvPr>
-        </p:nvSpPr>
-        <p:spPr/>
-        <p:txBody>
-          <a:bodyPr/>
-          <a:lstStyle/>
-          <a:p>
-            <a:r>
-              <a:rPr lang="en-US" dirty="0"/>
-              <a:t>Identity Access Management</a:t>
-            </a:r>
-          </a:p>
-        </p:txBody>
-      </p:sp>
-      <p:sp>
-        <p:nvSpPr>
-          <p:cNvPr id="3" name="Content Placeholder 2">
-            <a:extLst>
-              <a:ext uri="{FF2B5EF4-FFF2-40B4-BE49-F238E27FC236}">
-                <a16:creationId xmlns:a16="http://schemas.microsoft.com/office/drawing/2014/main" id="{AE3F0B5C-ACCE-4F53-A9D1-641797D8C52C}"/>
-              </a:ext>
-            </a:extLst>
-          </p:cNvPr>
-          <p:cNvSpPr>
-            <a:spLocks noGrp="1"/>
-          </p:cNvSpPr>
-          <p:nvPr>
-            <p:ph idx="1"/>
-          </p:nvPr>
-        </p:nvSpPr>
-        <p:spPr/>
-        <p:txBody>
-          <a:bodyPr/>
-          <a:lstStyle/>
-          <a:p>
-            <a:pPr marL="0" indent="0">
-              <a:buNone/>
-            </a:pPr>
-            <a:r>
-              <a:rPr lang="en-US" dirty="0">
-                <a:hlinkClick r:id="rId3"/>
-              </a:rPr>
-              <a:t>Azure RBAC explained</a:t>
-            </a:r>
-            <a:endParaRPr lang="en-US" i="1" dirty="0"/>
-          </a:p>
-          <a:p>
-            <a:pPr marL="0" indent="0">
-              <a:buNone/>
-            </a:pPr>
-            <a:endParaRPr lang="en-US" dirty="0"/>
-          </a:p>
-        </p:txBody>
-      </p:sp>
-    </p:spTree>
-    <p:extLst>
-      <p:ext uri="{BB962C8B-B14F-4D97-AF65-F5344CB8AC3E}">
-        <p14:creationId xmlns:p14="http://schemas.microsoft.com/office/powerpoint/2010/main" val="3708815563"/>
-      </p:ext>
-    </p:extLst>
-  </p:cSld>
-  <p:clrMapOvr>
-    <a:masterClrMapping/>
-  </p:clrMapOvr>
-</p:sld>
-</file>
-
-<file path=ppt/slides/slide48.xml><?xml version="1.0" encoding="utf-8"?>
-<p:sld xmlns:a="http://schemas.openxmlformats.org/drawingml/2006/main" xmlns:r="http://schemas.openxmlformats.org/officeDocument/2006/relationships" xmlns:p="http://schemas.openxmlformats.org/presentationml/2006/main">
-  <p:cSld>
-    <p:spTree>
-      <p:nvGrpSpPr>
-        <p:cNvPr id="1" name=""/>
-        <p:cNvGrpSpPr/>
-        <p:nvPr/>
-      </p:nvGrpSpPr>
-      <p:grpSpPr>
-        <a:xfrm>
-          <a:off x="0" y="0"/>
-          <a:ext cx="0" cy="0"/>
-          <a:chOff x="0" y="0"/>
-          <a:chExt cx="0" cy="0"/>
-        </a:xfrm>
-      </p:grpSpPr>
-      <p:sp>
-        <p:nvSpPr>
-          <p:cNvPr id="2" name="Title 1">
-            <a:extLst>
-              <a:ext uri="{FF2B5EF4-FFF2-40B4-BE49-F238E27FC236}">
-                <a16:creationId xmlns:a16="http://schemas.microsoft.com/office/drawing/2014/main" id="{A26A8A0A-320E-4536-BFF8-C2E9FC542DEC}"/>
-              </a:ext>
-            </a:extLst>
-          </p:cNvPr>
-          <p:cNvSpPr>
-            <a:spLocks noGrp="1"/>
-          </p:cNvSpPr>
-          <p:nvPr>
-            <p:ph type="title"/>
-          </p:nvPr>
-        </p:nvSpPr>
-        <p:spPr/>
-        <p:txBody>
-          <a:bodyPr/>
-          <a:lstStyle/>
-          <a:p>
-            <a:r>
-              <a:rPr lang="en-US" dirty="0"/>
-              <a:t>Identity Access Management</a:t>
-            </a:r>
-          </a:p>
-        </p:txBody>
-      </p:sp>
-      <p:sp>
-        <p:nvSpPr>
-          <p:cNvPr id="3" name="Content Placeholder 2">
-            <a:extLst>
-              <a:ext uri="{FF2B5EF4-FFF2-40B4-BE49-F238E27FC236}">
-                <a16:creationId xmlns:a16="http://schemas.microsoft.com/office/drawing/2014/main" id="{AE3F0B5C-ACCE-4F53-A9D1-641797D8C52C}"/>
-              </a:ext>
-            </a:extLst>
-          </p:cNvPr>
-          <p:cNvSpPr>
-            <a:spLocks noGrp="1"/>
-          </p:cNvSpPr>
-          <p:nvPr>
-            <p:ph idx="1"/>
-          </p:nvPr>
-        </p:nvSpPr>
-        <p:spPr/>
-        <p:txBody>
-          <a:bodyPr/>
-          <a:lstStyle/>
-          <a:p>
-            <a:pPr marL="0" indent="0">
-              <a:buNone/>
-            </a:pPr>
-            <a:r>
-              <a:rPr lang="en-US" dirty="0"/>
-              <a:t>Authentication – verification that an identity is who/what they claims</a:t>
-            </a:r>
-          </a:p>
-        </p:txBody>
-      </p:sp>
-    </p:spTree>
-    <p:extLst>
-      <p:ext uri="{BB962C8B-B14F-4D97-AF65-F5344CB8AC3E}">
-        <p14:creationId xmlns:p14="http://schemas.microsoft.com/office/powerpoint/2010/main" val="304570901"/>
-      </p:ext>
-    </p:extLst>
-  </p:cSld>
-  <p:clrMapOvr>
-    <a:masterClrMapping/>
-  </p:clrMapOvr>
-</p:sld>
-</file>
-
 <file path=ppt/slides/slide49.xml><?xml version="1.0" encoding="utf-8"?>
 <p:sld xmlns:a="http://schemas.openxmlformats.org/drawingml/2006/main" xmlns:r="http://schemas.openxmlformats.org/officeDocument/2006/relationships" xmlns:p="http://schemas.openxmlformats.org/presentationml/2006/main">
   <p:cSld>
@@ -12664,48 +13357,25 @@
               <a:buNone/>
             </a:pPr>
             <a:r>
-              <a:rPr lang="en-US" dirty="0"/>
-              <a:t>Authentication could be based on</a:t>
-            </a:r>
-          </a:p>
-          <a:p>
-            <a:r>
-              <a:rPr lang="en-US" dirty="0"/>
-              <a:t>Password</a:t>
-            </a:r>
-          </a:p>
-          <a:p>
-            <a:r>
-              <a:rPr lang="en-US" dirty="0"/>
-              <a:t>Certificate</a:t>
-            </a:r>
-          </a:p>
-          <a:p>
-            <a:r>
-              <a:rPr lang="en-US" dirty="0"/>
-              <a:t>Token</a:t>
-            </a:r>
-          </a:p>
-          <a:p>
-            <a:r>
-              <a:rPr lang="en-US" dirty="0"/>
-              <a:t>Biometrics (fingerprint, face identification, </a:t>
-            </a:r>
-            <a:r>
-              <a:rPr lang="en-US" dirty="0" err="1"/>
-              <a:t>etc</a:t>
-            </a:r>
-            <a:r>
-              <a:rPr lang="en-US" dirty="0"/>
-              <a:t>)</a:t>
-            </a:r>
+              <a:rPr lang="en-US" dirty="0">
+                <a:hlinkClick r:id="rId3"/>
+              </a:rPr>
+              <a:t>Azure RBAC explained</a:t>
+            </a:r>
+            <a:endParaRPr lang="en-US" i="1" dirty="0"/>
+          </a:p>
+          <a:p>
+            <a:pPr marL="0" indent="0">
+              <a:buNone/>
+            </a:pPr>
+            <a:endParaRPr lang="en-US" dirty="0"/>
           </a:p>
         </p:txBody>
       </p:sp>
     </p:spTree>
     <p:extLst>
       <p:ext uri="{BB962C8B-B14F-4D97-AF65-F5344CB8AC3E}">
-        <p14:creationId xmlns:p14="http://schemas.microsoft.com/office/powerpoint/2010/main" val="1792375183"/>
+        <p14:creationId xmlns:p14="http://schemas.microsoft.com/office/powerpoint/2010/main" val="3708815563"/>
       </p:ext>
     </p:extLst>
   </p:cSld>
@@ -12755,7 +13425,7 @@
           <a:p>
             <a:r>
               <a:rPr lang="en-US" dirty="0"/>
-              <a:t>Security</a:t>
+              <a:t>Breach scenarios</a:t>
             </a:r>
           </a:p>
         </p:txBody>
@@ -12785,16 +13455,130 @@
               <a:buNone/>
             </a:pPr>
             <a:r>
-              <a:rPr lang="en-US" dirty="0"/>
-              <a:t>But Cloud Provider takes care about security…</a:t>
-            </a:r>
+              <a:rPr lang="en-US" b="1" dirty="0"/>
+              <a:t>Ransomware</a:t>
+            </a:r>
+            <a:r>
+              <a:rPr lang="en-US" dirty="0"/>
+              <a:t>: threat to publish data or blocks access</a:t>
+            </a:r>
+          </a:p>
+        </p:txBody>
+      </p:sp>
+      <p:pic>
+        <p:nvPicPr>
+          <p:cNvPr id="5" name="Picture 4">
+            <a:extLst>
+              <a:ext uri="{FF2B5EF4-FFF2-40B4-BE49-F238E27FC236}">
+                <a16:creationId xmlns:a16="http://schemas.microsoft.com/office/drawing/2014/main" id="{1C00CA82-98E5-4B14-A49B-0E7A736405D5}"/>
+              </a:ext>
+            </a:extLst>
+          </p:cNvPr>
+          <p:cNvPicPr>
+            <a:picLocks noChangeAspect="1"/>
+          </p:cNvPicPr>
+          <p:nvPr/>
+        </p:nvPicPr>
+        <p:blipFill>
+          <a:blip r:embed="rId3"/>
+          <a:stretch>
+            <a:fillRect/>
+          </a:stretch>
+        </p:blipFill>
+        <p:spPr>
+          <a:xfrm>
+            <a:off x="1761520" y="2880853"/>
+            <a:ext cx="8668960" cy="3296110"/>
+          </a:xfrm>
+          <a:prstGeom prst="rect">
+            <a:avLst/>
+          </a:prstGeom>
+        </p:spPr>
+      </p:pic>
+      <p:sp>
+        <p:nvSpPr>
+          <p:cNvPr id="6" name="TextBox 5">
+            <a:extLst>
+              <a:ext uri="{FF2B5EF4-FFF2-40B4-BE49-F238E27FC236}">
+                <a16:creationId xmlns:a16="http://schemas.microsoft.com/office/drawing/2014/main" id="{A00EB3DF-681E-4492-AA52-2EAF5B70531C}"/>
+              </a:ext>
+            </a:extLst>
+          </p:cNvPr>
+          <p:cNvSpPr txBox="1"/>
+          <p:nvPr/>
+        </p:nvSpPr>
+        <p:spPr>
+          <a:xfrm>
+            <a:off x="3429816" y="6311900"/>
+            <a:ext cx="8668960" cy="307777"/>
+          </a:xfrm>
+          <a:prstGeom prst="rect">
+            <a:avLst/>
+          </a:prstGeom>
+          <a:noFill/>
+        </p:spPr>
+        <p:txBody>
+          <a:bodyPr wrap="square">
+            <a:spAutoFit/>
+          </a:bodyPr>
+          <a:lstStyle/>
+          <a:p>
+            <a:pPr marL="0" marR="0" lvl="0" indent="0" algn="l" defTabSz="914400" rtl="0" eaLnBrk="1" fontAlgn="auto" latinLnBrk="0" hangingPunct="1">
+              <a:lnSpc>
+                <a:spcPct val="100000"/>
+              </a:lnSpc>
+              <a:spcBef>
+                <a:spcPts val="0"/>
+              </a:spcBef>
+              <a:spcAft>
+                <a:spcPts val="0"/>
+              </a:spcAft>
+              <a:buClrTx/>
+              <a:buSzTx/>
+              <a:buFontTx/>
+              <a:buNone/>
+              <a:tabLst/>
+              <a:defRPr/>
+            </a:pPr>
+            <a:r>
+              <a:rPr kumimoji="0" lang="en-US" sz="1400" b="0" i="0" u="none" strike="noStrike" kern="1200" cap="none" spc="0" normalizeH="0" baseline="0" noProof="0" dirty="0">
+                <a:ln>
+                  <a:noFill/>
+                </a:ln>
+                <a:solidFill>
+                  <a:prstClr val="black"/>
+                </a:solidFill>
+                <a:effectLst/>
+                <a:uLnTx/>
+                <a:uFillTx/>
+                <a:latin typeface="Calibri" panose="020F0502020204030204"/>
+                <a:ea typeface="+mn-ea"/>
+                <a:cs typeface="+mn-cs"/>
+                <a:hlinkClick r:id="rId4"/>
+              </a:rPr>
+              <a:t>https://www.theverge.com/2020/8/4/21353842/garmin-ransomware-attack-wearables-wastedlocker-evil-corp</a:t>
+            </a:r>
+            <a:endParaRPr kumimoji="0" lang="en-US" sz="1400" b="0" i="0" u="none" strike="noStrike" kern="1200" cap="none" spc="0" normalizeH="0" baseline="0" noProof="0" dirty="0">
+              <a:ln>
+                <a:noFill/>
+              </a:ln>
+              <a:solidFill>
+                <a:prstClr val="black"/>
+              </a:solidFill>
+              <a:effectLst/>
+              <a:uLnTx/>
+              <a:uFillTx/>
+              <a:latin typeface="Calibri" panose="020F0502020204030204"/>
+              <a:ea typeface="+mn-ea"/>
+              <a:cs typeface="+mn-cs"/>
+            </a:endParaRPr>
           </a:p>
         </p:txBody>
       </p:sp>
     </p:spTree>
     <p:extLst>
       <p:ext uri="{BB962C8B-B14F-4D97-AF65-F5344CB8AC3E}">
-        <p14:creationId xmlns:p14="http://schemas.microsoft.com/office/powerpoint/2010/main" val="1426889514"/>
+        <p14:creationId xmlns:p14="http://schemas.microsoft.com/office/powerpoint/2010/main" val="336106310"/>
       </p:ext>
     </p:extLst>
   </p:cSld>
@@ -12875,20 +13659,15 @@
             </a:pPr>
             <a:r>
               <a:rPr lang="en-US" dirty="0"/>
-              <a:t>Authorization – verify that exact identity is permitted to perform </a:t>
-            </a:r>
-            <a:r>
-              <a:rPr lang="en-US"/>
-              <a:t>an operation</a:t>
-            </a:r>
-            <a:endParaRPr lang="en-US" dirty="0"/>
+              <a:t>Authentication – verification that an identity is who/what they claims</a:t>
+            </a:r>
           </a:p>
         </p:txBody>
       </p:sp>
     </p:spTree>
     <p:extLst>
       <p:ext uri="{BB962C8B-B14F-4D97-AF65-F5344CB8AC3E}">
-        <p14:creationId xmlns:p14="http://schemas.microsoft.com/office/powerpoint/2010/main" val="401564871"/>
+        <p14:creationId xmlns:p14="http://schemas.microsoft.com/office/powerpoint/2010/main" val="304570901"/>
       </p:ext>
     </p:extLst>
   </p:cSld>
@@ -12968,41 +13747,48 @@
               <a:buNone/>
             </a:pPr>
             <a:r>
-              <a:rPr lang="en-US" i="1" dirty="0"/>
-              <a:t>SAML</a:t>
-            </a:r>
-            <a:r>
-              <a:rPr lang="en-US" dirty="0"/>
-              <a:t> </a:t>
-            </a:r>
-          </a:p>
-          <a:p>
-            <a:r>
-              <a:rPr lang="en-US" dirty="0"/>
-              <a:t>Open standard to exchange authentication and authorization data. </a:t>
-            </a:r>
-          </a:p>
-          <a:p>
-            <a:r>
-              <a:rPr lang="en-US" dirty="0"/>
-              <a:t>First published in 2001, SAML 2.0 in 2005</a:t>
-            </a:r>
-          </a:p>
-          <a:p>
-            <a:r>
-              <a:rPr lang="en-US" dirty="0"/>
-              <a:t>XML-based markup + protocol</a:t>
-            </a:r>
-          </a:p>
-          <a:p>
-            <a:endParaRPr lang="en-US" dirty="0"/>
+              <a:rPr lang="en-US" dirty="0"/>
+              <a:t>Authentication could be based on</a:t>
+            </a:r>
+          </a:p>
+          <a:p>
+            <a:r>
+              <a:rPr lang="en-US" dirty="0"/>
+              <a:t>Password</a:t>
+            </a:r>
+          </a:p>
+          <a:p>
+            <a:r>
+              <a:rPr lang="en-US" dirty="0"/>
+              <a:t>Certificate</a:t>
+            </a:r>
+          </a:p>
+          <a:p>
+            <a:r>
+              <a:rPr lang="en-US" dirty="0"/>
+              <a:t>Token</a:t>
+            </a:r>
+          </a:p>
+          <a:p>
+            <a:r>
+              <a:rPr lang="en-US" dirty="0"/>
+              <a:t>Biometrics (fingerprint, face identification, </a:t>
+            </a:r>
+            <a:r>
+              <a:rPr lang="en-US" dirty="0" err="1"/>
+              <a:t>etc</a:t>
+            </a:r>
+            <a:r>
+              <a:rPr lang="en-US" dirty="0"/>
+              <a:t>)</a:t>
+            </a:r>
           </a:p>
         </p:txBody>
       </p:sp>
     </p:spTree>
     <p:extLst>
       <p:ext uri="{BB962C8B-B14F-4D97-AF65-F5344CB8AC3E}">
-        <p14:creationId xmlns:p14="http://schemas.microsoft.com/office/powerpoint/2010/main" val="387050328"/>
+        <p14:creationId xmlns:p14="http://schemas.microsoft.com/office/powerpoint/2010/main" val="1792375183"/>
       </p:ext>
     </p:extLst>
   </p:cSld>
@@ -13082,33 +13868,13 @@
               <a:buNone/>
             </a:pPr>
             <a:r>
-              <a:rPr lang="en-US" i="1" dirty="0"/>
-              <a:t>OAuth</a:t>
-            </a:r>
-            <a:endParaRPr lang="en-US" dirty="0"/>
-          </a:p>
-          <a:p>
-            <a:r>
-              <a:rPr lang="en-US" dirty="0"/>
-              <a:t>Open standard to delegate access [authorization]</a:t>
-            </a:r>
-          </a:p>
-          <a:p>
-            <a:r>
-              <a:rPr lang="en-US" dirty="0"/>
-              <a:t>First published in 2006</a:t>
-            </a:r>
-          </a:p>
-          <a:p>
-            <a:r>
-              <a:rPr lang="en-US" dirty="0"/>
-              <a:t>OAuth 2.0 published in 2012</a:t>
-            </a:r>
-          </a:p>
-          <a:p>
-            <a:pPr marL="0" indent="0">
-              <a:buNone/>
-            </a:pPr>
+              <a:rPr lang="en-US" dirty="0"/>
+              <a:t>Authorization – verify that exact identity is permitted to perform </a:t>
+            </a:r>
+            <a:r>
+              <a:rPr lang="en-US"/>
+              <a:t>an operation</a:t>
+            </a:r>
             <a:endParaRPr lang="en-US" dirty="0"/>
           </a:p>
         </p:txBody>
@@ -13116,7 +13882,7 @@
     </p:spTree>
     <p:extLst>
       <p:ext uri="{BB962C8B-B14F-4D97-AF65-F5344CB8AC3E}">
-        <p14:creationId xmlns:p14="http://schemas.microsoft.com/office/powerpoint/2010/main" val="172644186"/>
+        <p14:creationId xmlns:p14="http://schemas.microsoft.com/office/powerpoint/2010/main" val="401564871"/>
       </p:ext>
     </p:extLst>
   </p:cSld>
@@ -13197,32 +13963,40 @@
             </a:pPr>
             <a:r>
               <a:rPr lang="en-US" i="1" dirty="0"/>
-              <a:t>OpenID</a:t>
-            </a:r>
-            <a:r>
-              <a:rPr lang="en-US" dirty="0"/>
-              <a:t> – authentication protocol first published in 2006.</a:t>
-            </a:r>
-          </a:p>
-          <a:p>
-            <a:pPr marL="0" indent="0">
-              <a:buNone/>
-            </a:pPr>
-            <a:r>
-              <a:rPr lang="en-US" i="1" dirty="0"/>
-              <a:t>OpenID Connect (OIDC)</a:t>
-            </a:r>
-            <a:r>
-              <a:rPr lang="en-US" dirty="0"/>
-              <a:t> – the third version of OpenID protocol, published in 2014</a:t>
-            </a:r>
+              <a:t>SAML</a:t>
+            </a:r>
+            <a:r>
+              <a:rPr lang="en-US" dirty="0"/>
+              <a:t> </a:t>
+            </a:r>
+          </a:p>
+          <a:p>
+            <a:r>
+              <a:rPr lang="en-US" dirty="0"/>
+              <a:t>Open standard to exchange authentication and authorization data. </a:t>
+            </a:r>
+          </a:p>
+          <a:p>
+            <a:r>
+              <a:rPr lang="en-US" dirty="0"/>
+              <a:t>First published in 2001, SAML 2.0 in 2005</a:t>
+            </a:r>
+          </a:p>
+          <a:p>
+            <a:r>
+              <a:rPr lang="en-US" dirty="0"/>
+              <a:t>XML-based markup + protocol</a:t>
+            </a:r>
+          </a:p>
+          <a:p>
+            <a:endParaRPr lang="en-US" dirty="0"/>
           </a:p>
         </p:txBody>
       </p:sp>
     </p:spTree>
     <p:extLst>
       <p:ext uri="{BB962C8B-B14F-4D97-AF65-F5344CB8AC3E}">
-        <p14:creationId xmlns:p14="http://schemas.microsoft.com/office/powerpoint/2010/main" val="4048307857"/>
+        <p14:creationId xmlns:p14="http://schemas.microsoft.com/office/powerpoint/2010/main" val="387050328"/>
       </p:ext>
     </p:extLst>
   </p:cSld>
@@ -13302,12 +14076,28 @@
               <a:buNone/>
             </a:pPr>
             <a:r>
-              <a:rPr lang="en-US" dirty="0">
-                <a:hlinkClick r:id="rId3"/>
-              </a:rPr>
-              <a:t>An Illustrated Guide to OAuth and OpenID Connect</a:t>
+              <a:rPr lang="en-US" i="1" dirty="0"/>
+              <a:t>OAuth</a:t>
             </a:r>
             <a:endParaRPr lang="en-US" dirty="0"/>
+          </a:p>
+          <a:p>
+            <a:r>
+              <a:rPr lang="en-US" dirty="0"/>
+              <a:t>Open standard to delegate access [authorization]</a:t>
+            </a:r>
+          </a:p>
+          <a:p>
+            <a:r>
+              <a:rPr lang="en-US" dirty="0"/>
+              <a:t>First published in 2006</a:t>
+            </a:r>
+          </a:p>
+          <a:p>
+            <a:r>
+              <a:rPr lang="en-US" dirty="0"/>
+              <a:t>OAuth 2.0 published in 2012</a:t>
+            </a:r>
           </a:p>
           <a:p>
             <a:pPr marL="0" indent="0">
@@ -13320,7 +14110,7 @@
     </p:spTree>
     <p:extLst>
       <p:ext uri="{BB962C8B-B14F-4D97-AF65-F5344CB8AC3E}">
-        <p14:creationId xmlns:p14="http://schemas.microsoft.com/office/powerpoint/2010/main" val="789021786"/>
+        <p14:creationId xmlns:p14="http://schemas.microsoft.com/office/powerpoint/2010/main" val="172644186"/>
       </p:ext>
     </p:extLst>
   </p:cSld>
@@ -13400,48 +14190,33 @@
               <a:buNone/>
             </a:pPr>
             <a:r>
-              <a:rPr lang="en-US" dirty="0">
-                <a:solidFill>
-                  <a:schemeClr val="accent2"/>
-                </a:solidFill>
-              </a:rPr>
-              <a:t>AWS IAM</a:t>
-            </a:r>
-            <a:endParaRPr lang="en-US" dirty="0"/>
+              <a:rPr lang="en-US" i="1" dirty="0"/>
+              <a:t>OpenID</a:t>
+            </a:r>
+            <a:r>
+              <a:rPr lang="en-US" dirty="0"/>
+              <a:t> – authentication protocol first published in 2006.</a:t>
+            </a:r>
           </a:p>
           <a:p>
             <a:pPr marL="0" indent="0">
               <a:buNone/>
             </a:pPr>
             <a:r>
-              <a:rPr lang="en-US" dirty="0">
-                <a:solidFill>
-                  <a:schemeClr val="accent5"/>
-                </a:solidFill>
-              </a:rPr>
-              <a:t>GCP IAM</a:t>
-            </a:r>
-          </a:p>
-          <a:p>
-            <a:pPr marL="0" indent="0">
-              <a:buNone/>
-            </a:pPr>
-            <a:r>
-              <a:rPr lang="en-US" dirty="0">
-                <a:solidFill>
-                  <a:schemeClr val="accent1"/>
-                </a:solidFill>
-              </a:rPr>
-              <a:t>Azure Active Directory (AAD)</a:t>
-            </a:r>
-            <a:endParaRPr lang="en-US" dirty="0"/>
+              <a:rPr lang="en-US" i="1" dirty="0"/>
+              <a:t>OpenID Connect (OIDC)</a:t>
+            </a:r>
+            <a:r>
+              <a:rPr lang="en-US" dirty="0"/>
+              <a:t> – the third version of OpenID protocol, published in 2014</a:t>
+            </a:r>
           </a:p>
         </p:txBody>
       </p:sp>
     </p:spTree>
     <p:extLst>
       <p:ext uri="{BB962C8B-B14F-4D97-AF65-F5344CB8AC3E}">
-        <p14:creationId xmlns:p14="http://schemas.microsoft.com/office/powerpoint/2010/main" val="1476461488"/>
+        <p14:creationId xmlns:p14="http://schemas.microsoft.com/office/powerpoint/2010/main" val="4048307857"/>
       </p:ext>
     </p:extLst>
   </p:cSld>
@@ -13522,79 +14297,45 @@
             </a:pPr>
             <a:r>
               <a:rPr lang="en-US" dirty="0"/>
-              <a:t>All of them covers authentication and authorization:</a:t>
-            </a:r>
-          </a:p>
-          <a:p>
-            <a:r>
-              <a:rPr lang="en-US" dirty="0"/>
-              <a:t>Verifies </a:t>
-            </a:r>
-            <a:r>
-              <a:rPr lang="en-US" i="1" dirty="0"/>
-              <a:t>Identities</a:t>
-            </a:r>
-          </a:p>
-          <a:p>
-            <a:r>
-              <a:rPr lang="en-US" dirty="0"/>
-              <a:t>Manage </a:t>
-            </a:r>
-            <a:r>
-              <a:rPr lang="en-US" i="1" dirty="0"/>
-              <a:t>Identities</a:t>
-            </a:r>
-            <a:r>
-              <a:rPr lang="en-US" dirty="0"/>
-              <a:t> access to </a:t>
-            </a:r>
-            <a:r>
-              <a:rPr lang="en-US" i="1" dirty="0"/>
-              <a:t>Resources</a:t>
-            </a:r>
-            <a:r>
-              <a:rPr lang="en-US" dirty="0"/>
-              <a:t> via </a:t>
-            </a:r>
-            <a:r>
-              <a:rPr lang="en-US" i="1" dirty="0"/>
-              <a:t>Permissions</a:t>
-            </a:r>
-          </a:p>
-          <a:p>
-            <a:r>
-              <a:rPr lang="en-US" dirty="0"/>
-              <a:t>Aggregate </a:t>
-            </a:r>
-            <a:r>
-              <a:rPr lang="en-US" i="1" dirty="0"/>
-              <a:t>Identities </a:t>
-            </a:r>
-            <a:r>
-              <a:rPr lang="en-US" dirty="0"/>
-              <a:t>into </a:t>
-            </a:r>
-            <a:r>
-              <a:rPr lang="en-US" i="1" dirty="0"/>
-              <a:t>Groups</a:t>
-            </a:r>
-          </a:p>
-          <a:p>
-            <a:r>
-              <a:rPr lang="en-US" dirty="0"/>
-              <a:t>Aggregate </a:t>
-            </a:r>
-            <a:r>
-              <a:rPr lang="en-US" i="1" dirty="0"/>
-              <a:t>Permissions</a:t>
-            </a:r>
-            <a:r>
-              <a:rPr lang="en-US" dirty="0"/>
-              <a:t> into </a:t>
-            </a:r>
-            <a:r>
-              <a:rPr lang="en-US" i="1" dirty="0"/>
-              <a:t>Roles</a:t>
+              <a:t>OAuth 2.0 is only for authorization</a:t>
+            </a:r>
+          </a:p>
+          <a:p>
+            <a:pPr marL="0" indent="0">
+              <a:buNone/>
+            </a:pPr>
+            <a:endParaRPr lang="en-US" dirty="0"/>
+          </a:p>
+          <a:p>
+            <a:pPr marL="0" indent="0">
+              <a:buNone/>
+            </a:pPr>
+            <a:r>
+              <a:rPr lang="en-US" dirty="0"/>
+              <a:t>OpenID Connect (OIDC) is a layer on top of OAuth 2.0 and </a:t>
+            </a:r>
+            <a:r>
+              <a:rPr lang="en-US" b="1" dirty="0"/>
+              <a:t>adds login and profile information </a:t>
+            </a:r>
+            <a:r>
+              <a:rPr lang="en-US" dirty="0"/>
+              <a:t>about the person who is logged in</a:t>
+            </a:r>
+          </a:p>
+          <a:p>
+            <a:pPr marL="0" indent="0">
+              <a:buNone/>
+            </a:pPr>
+            <a:endParaRPr lang="en-US" dirty="0"/>
+          </a:p>
+          <a:p>
+            <a:pPr marL="0" indent="0">
+              <a:buNone/>
+            </a:pPr>
+            <a:r>
+              <a:rPr lang="en-US" dirty="0"/>
+              <a:t>OIDC enables single-sign-on (SSO) and uses id-token (e.g. JWT)</a:t>
             </a:r>
           </a:p>
         </p:txBody>
@@ -13602,7 +14343,7 @@
     </p:spTree>
     <p:extLst>
       <p:ext uri="{BB962C8B-B14F-4D97-AF65-F5344CB8AC3E}">
-        <p14:creationId xmlns:p14="http://schemas.microsoft.com/office/powerpoint/2010/main" val="3830809263"/>
+        <p14:creationId xmlns:p14="http://schemas.microsoft.com/office/powerpoint/2010/main" val="3219792900"/>
       </p:ext>
     </p:extLst>
   </p:cSld>
@@ -13682,34 +14423,25 @@
               <a:buNone/>
             </a:pPr>
             <a:r>
-              <a:rPr lang="en-US" dirty="0"/>
-              <a:t>Plus</a:t>
-            </a:r>
-          </a:p>
-          <a:p>
-            <a:r>
-              <a:rPr lang="en-US" dirty="0"/>
-              <a:t>Identity management</a:t>
-            </a:r>
-          </a:p>
-          <a:p>
-            <a:r>
-              <a:rPr lang="en-US" dirty="0"/>
-              <a:t>Auditing – logs to answer the question “who did what, where and when?”</a:t>
-            </a:r>
-          </a:p>
-          <a:p>
-            <a:r>
-              <a:rPr lang="en-US" dirty="0"/>
-              <a:t>Policies – enforce rules</a:t>
-            </a:r>
+              <a:rPr lang="en-US" dirty="0">
+                <a:hlinkClick r:id="rId3"/>
+              </a:rPr>
+              <a:t>An Illustrated Guide to OAuth and OpenID Connect</a:t>
+            </a:r>
+            <a:endParaRPr lang="en-US" dirty="0"/>
+          </a:p>
+          <a:p>
+            <a:pPr marL="0" indent="0">
+              <a:buNone/>
+            </a:pPr>
+            <a:endParaRPr lang="en-US" dirty="0"/>
           </a:p>
         </p:txBody>
       </p:sp>
     </p:spTree>
     <p:extLst>
       <p:ext uri="{BB962C8B-B14F-4D97-AF65-F5344CB8AC3E}">
-        <p14:creationId xmlns:p14="http://schemas.microsoft.com/office/powerpoint/2010/main" val="2686022638"/>
+        <p14:creationId xmlns:p14="http://schemas.microsoft.com/office/powerpoint/2010/main" val="789021786"/>
       </p:ext>
     </p:extLst>
   </p:cSld>
@@ -13789,36 +14521,48 @@
               <a:buNone/>
             </a:pPr>
             <a:r>
-              <a:rPr lang="en-US" dirty="0"/>
-              <a:t>Demo</a:t>
-            </a:r>
-          </a:p>
-          <a:p>
-            <a:pPr>
-              <a:buFontTx/>
-              <a:buChar char="-"/>
+              <a:rPr lang="en-US" dirty="0">
+                <a:solidFill>
+                  <a:schemeClr val="accent2"/>
+                </a:solidFill>
+              </a:rPr>
+              <a:t>AWS IAM</a:t>
+            </a:r>
+            <a:endParaRPr lang="en-US" dirty="0"/>
+          </a:p>
+          <a:p>
+            <a:pPr marL="0" indent="0">
+              <a:buNone/>
             </a:pPr>
             <a:r>
-              <a:rPr lang="en-US" dirty="0"/>
-              <a:t>Kubernetes RBAC</a:t>
-            </a:r>
-          </a:p>
-          <a:p>
-            <a:pPr>
-              <a:buFontTx/>
-              <a:buChar char="-"/>
+              <a:rPr lang="en-US" dirty="0">
+                <a:solidFill>
+                  <a:schemeClr val="accent5"/>
+                </a:solidFill>
+              </a:rPr>
+              <a:t>GCP IAM</a:t>
+            </a:r>
+          </a:p>
+          <a:p>
+            <a:pPr marL="0" indent="0">
+              <a:buNone/>
             </a:pPr>
             <a:r>
-              <a:rPr lang="en-US" dirty="0"/>
-              <a:t>Azure Active Directory</a:t>
-            </a:r>
+              <a:rPr lang="en-US" dirty="0">
+                <a:solidFill>
+                  <a:schemeClr val="accent1"/>
+                </a:solidFill>
+              </a:rPr>
+              <a:t>Azure Active Directory (AAD)</a:t>
+            </a:r>
+            <a:endParaRPr lang="en-US" dirty="0"/>
           </a:p>
         </p:txBody>
       </p:sp>
     </p:spTree>
     <p:extLst>
       <p:ext uri="{BB962C8B-B14F-4D97-AF65-F5344CB8AC3E}">
-        <p14:creationId xmlns:p14="http://schemas.microsoft.com/office/powerpoint/2010/main" val="3705316969"/>
+        <p14:creationId xmlns:p14="http://schemas.microsoft.com/office/powerpoint/2010/main" val="1476461488"/>
       </p:ext>
     </p:extLst>
   </p:cSld>
@@ -13899,24 +14643,79 @@
             </a:pPr>
             <a:r>
               <a:rPr lang="en-US" dirty="0"/>
-              <a:t>Demo</a:t>
-            </a:r>
-          </a:p>
-          <a:p>
-            <a:pPr marL="0" indent="0">
-              <a:buNone/>
-            </a:pPr>
-            <a:r>
-              <a:rPr lang="en-US" dirty="0"/>
-              <a:t>Review “security” aspect of </a:t>
-            </a:r>
-            <a:r>
-              <a:rPr lang="en-US" dirty="0" err="1"/>
-              <a:t>FaaS</a:t>
-            </a:r>
-            <a:r>
-              <a:rPr lang="en-US" dirty="0"/>
-              <a:t> template</a:t>
+              <a:t>All of them covers authentication and authorization:</a:t>
+            </a:r>
+          </a:p>
+          <a:p>
+            <a:r>
+              <a:rPr lang="en-US" dirty="0"/>
+              <a:t>Verifies </a:t>
+            </a:r>
+            <a:r>
+              <a:rPr lang="en-US" i="1" dirty="0"/>
+              <a:t>Identities</a:t>
+            </a:r>
+          </a:p>
+          <a:p>
+            <a:r>
+              <a:rPr lang="en-US" dirty="0"/>
+              <a:t>Manage </a:t>
+            </a:r>
+            <a:r>
+              <a:rPr lang="en-US" i="1" dirty="0"/>
+              <a:t>Identities</a:t>
+            </a:r>
+            <a:r>
+              <a:rPr lang="en-US" dirty="0"/>
+              <a:t> access to </a:t>
+            </a:r>
+            <a:r>
+              <a:rPr lang="en-US" i="1" dirty="0"/>
+              <a:t>Resources</a:t>
+            </a:r>
+            <a:r>
+              <a:rPr lang="en-US" dirty="0"/>
+              <a:t> via </a:t>
+            </a:r>
+            <a:r>
+              <a:rPr lang="en-US" i="1" dirty="0"/>
+              <a:t>Permissions</a:t>
+            </a:r>
+          </a:p>
+          <a:p>
+            <a:r>
+              <a:rPr lang="en-US" dirty="0"/>
+              <a:t>Aggregate </a:t>
+            </a:r>
+            <a:r>
+              <a:rPr lang="en-US" i="1" dirty="0"/>
+              <a:t>Identities </a:t>
+            </a:r>
+            <a:r>
+              <a:rPr lang="en-US" dirty="0"/>
+              <a:t>into </a:t>
+            </a:r>
+            <a:r>
+              <a:rPr lang="en-US" i="1" dirty="0"/>
+              <a:t>Groups</a:t>
+            </a:r>
+          </a:p>
+          <a:p>
+            <a:r>
+              <a:rPr lang="en-US" dirty="0"/>
+              <a:t>Aggregate </a:t>
+            </a:r>
+            <a:r>
+              <a:rPr lang="en-US" i="1" dirty="0"/>
+              <a:t>Permissions</a:t>
+            </a:r>
+            <a:r>
+              <a:rPr lang="en-US" dirty="0"/>
+              <a:t> into </a:t>
+            </a:r>
+            <a:r>
+              <a:rPr lang="en-US" i="1" dirty="0"/>
+              <a:t>Roles</a:t>
             </a:r>
           </a:p>
         </p:txBody>
@@ -13924,7 +14723,7 @@
     </p:spTree>
     <p:extLst>
       <p:ext uri="{BB962C8B-B14F-4D97-AF65-F5344CB8AC3E}">
-        <p14:creationId xmlns:p14="http://schemas.microsoft.com/office/powerpoint/2010/main" val="3461088921"/>
+        <p14:creationId xmlns:p14="http://schemas.microsoft.com/office/powerpoint/2010/main" val="3830809263"/>
       </p:ext>
     </p:extLst>
   </p:cSld>
@@ -13974,7 +14773,7 @@
           <a:p>
             <a:r>
               <a:rPr lang="en-US" dirty="0"/>
-              <a:t>Security</a:t>
+              <a:t>Breach scenarios</a:t>
             </a:r>
           </a:p>
         </p:txBody>
@@ -14004,45 +14803,50 @@
               <a:buNone/>
             </a:pPr>
             <a:r>
-              <a:rPr lang="en-US" dirty="0"/>
-              <a:t>Cloud Provider is responsible for protecting your data </a:t>
-            </a:r>
-            <a:r>
               <a:rPr lang="en-US" b="1" dirty="0"/>
-              <a:t>from other tenants</a:t>
-            </a:r>
-            <a:r>
-              <a:rPr lang="en-US" dirty="0"/>
-              <a:t>.</a:t>
-            </a:r>
-          </a:p>
-          <a:p>
-            <a:pPr marL="0" indent="0">
-              <a:buNone/>
-            </a:pPr>
-            <a:endParaRPr lang="en-US" b="1" dirty="0"/>
-          </a:p>
-          <a:p>
-            <a:pPr marL="0" indent="0">
-              <a:buNone/>
-            </a:pPr>
-            <a:r>
-              <a:rPr lang="en-US" dirty="0"/>
-              <a:t>Protecting your data from intruders/hackers - is your task.</a:t>
-            </a:r>
-          </a:p>
-          <a:p>
-            <a:pPr marL="0" indent="0">
-              <a:buNone/>
-            </a:pPr>
-            <a:endParaRPr lang="en-US" dirty="0"/>
-          </a:p>
-        </p:txBody>
-      </p:sp>
+              <a:t>Encryption break</a:t>
+            </a:r>
+            <a:r>
+              <a:rPr lang="en-US" dirty="0"/>
+              <a:t>: from weak encryption algorithms and weak key generators to server-side vulnerabilities and leaked keys</a:t>
+            </a:r>
+          </a:p>
+        </p:txBody>
+      </p:sp>
+      <p:pic>
+        <p:nvPicPr>
+          <p:cNvPr id="5" name="Picture 4">
+            <a:extLst>
+              <a:ext uri="{FF2B5EF4-FFF2-40B4-BE49-F238E27FC236}">
+                <a16:creationId xmlns:a16="http://schemas.microsoft.com/office/drawing/2014/main" id="{37606C7E-9114-48C3-A900-9B2881A9D5C9}"/>
+              </a:ext>
+            </a:extLst>
+          </p:cNvPr>
+          <p:cNvPicPr>
+            <a:picLocks noChangeAspect="1"/>
+          </p:cNvPicPr>
+          <p:nvPr/>
+        </p:nvPicPr>
+        <p:blipFill>
+          <a:blip r:embed="rId3"/>
+          <a:stretch>
+            <a:fillRect/>
+          </a:stretch>
+        </p:blipFill>
+        <p:spPr>
+          <a:xfrm>
+            <a:off x="404018" y="3769207"/>
+            <a:ext cx="11383964" cy="2276793"/>
+          </a:xfrm>
+          <a:prstGeom prst="rect">
+            <a:avLst/>
+          </a:prstGeom>
+        </p:spPr>
+      </p:pic>
     </p:spTree>
     <p:extLst>
       <p:ext uri="{BB962C8B-B14F-4D97-AF65-F5344CB8AC3E}">
-        <p14:creationId xmlns:p14="http://schemas.microsoft.com/office/powerpoint/2010/main" val="2745365787"/>
+        <p14:creationId xmlns:p14="http://schemas.microsoft.com/office/powerpoint/2010/main" val="3115025605"/>
       </p:ext>
     </p:extLst>
   </p:cSld>
@@ -14092,7 +14896,7 @@
           <a:p>
             <a:r>
               <a:rPr lang="en-US" dirty="0"/>
-              <a:t>Additional resources</a:t>
+              <a:t>Identity Access Management</a:t>
             </a:r>
           </a:p>
         </p:txBody>
@@ -14117,6 +14921,122 @@
         <p:txBody>
           <a:bodyPr/>
           <a:lstStyle/>
+          <a:p>
+            <a:pPr marL="0" indent="0">
+              <a:buNone/>
+            </a:pPr>
+            <a:r>
+              <a:rPr lang="en-US" dirty="0"/>
+              <a:t>Plus</a:t>
+            </a:r>
+          </a:p>
+          <a:p>
+            <a:r>
+              <a:rPr lang="en-US" dirty="0"/>
+              <a:t>Identity management</a:t>
+            </a:r>
+          </a:p>
+          <a:p>
+            <a:r>
+              <a:rPr lang="en-US" dirty="0"/>
+              <a:t>Auditing – logs to answer the question “who did what, where and when?”</a:t>
+            </a:r>
+          </a:p>
+          <a:p>
+            <a:r>
+              <a:rPr lang="en-US" dirty="0"/>
+              <a:t>Policies – enforce rules</a:t>
+            </a:r>
+          </a:p>
+        </p:txBody>
+      </p:sp>
+    </p:spTree>
+    <p:extLst>
+      <p:ext uri="{BB962C8B-B14F-4D97-AF65-F5344CB8AC3E}">
+        <p14:creationId xmlns:p14="http://schemas.microsoft.com/office/powerpoint/2010/main" val="2686022638"/>
+      </p:ext>
+    </p:extLst>
+  </p:cSld>
+  <p:clrMapOvr>
+    <a:masterClrMapping/>
+  </p:clrMapOvr>
+</p:sld>
+</file>
+
+<file path=ppt/slides/slide61.xml><?xml version="1.0" encoding="utf-8"?>
+<p:sld xmlns:a="http://schemas.openxmlformats.org/drawingml/2006/main" xmlns:r="http://schemas.openxmlformats.org/officeDocument/2006/relationships" xmlns:p="http://schemas.openxmlformats.org/presentationml/2006/main">
+  <p:cSld>
+    <p:spTree>
+      <p:nvGrpSpPr>
+        <p:cNvPr id="1" name=""/>
+        <p:cNvGrpSpPr/>
+        <p:nvPr/>
+      </p:nvGrpSpPr>
+      <p:grpSpPr>
+        <a:xfrm>
+          <a:off x="0" y="0"/>
+          <a:ext cx="0" cy="0"/>
+          <a:chOff x="0" y="0"/>
+          <a:chExt cx="0" cy="0"/>
+        </a:xfrm>
+      </p:grpSpPr>
+      <p:sp>
+        <p:nvSpPr>
+          <p:cNvPr id="2" name="Title 1">
+            <a:extLst>
+              <a:ext uri="{FF2B5EF4-FFF2-40B4-BE49-F238E27FC236}">
+                <a16:creationId xmlns:a16="http://schemas.microsoft.com/office/drawing/2014/main" id="{A26A8A0A-320E-4536-BFF8-C2E9FC542DEC}"/>
+              </a:ext>
+            </a:extLst>
+          </p:cNvPr>
+          <p:cNvSpPr>
+            <a:spLocks noGrp="1"/>
+          </p:cNvSpPr>
+          <p:nvPr>
+            <p:ph type="title"/>
+          </p:nvPr>
+        </p:nvSpPr>
+        <p:spPr/>
+        <p:txBody>
+          <a:bodyPr/>
+          <a:lstStyle/>
+          <a:p>
+            <a:r>
+              <a:rPr lang="en-US" dirty="0"/>
+              <a:t>Identity Access Management</a:t>
+            </a:r>
+          </a:p>
+        </p:txBody>
+      </p:sp>
+      <p:sp>
+        <p:nvSpPr>
+          <p:cNvPr id="3" name="Content Placeholder 2">
+            <a:extLst>
+              <a:ext uri="{FF2B5EF4-FFF2-40B4-BE49-F238E27FC236}">
+                <a16:creationId xmlns:a16="http://schemas.microsoft.com/office/drawing/2014/main" id="{AE3F0B5C-ACCE-4F53-A9D1-641797D8C52C}"/>
+              </a:ext>
+            </a:extLst>
+          </p:cNvPr>
+          <p:cNvSpPr>
+            <a:spLocks noGrp="1"/>
+          </p:cNvSpPr>
+          <p:nvPr>
+            <p:ph idx="1"/>
+          </p:nvPr>
+        </p:nvSpPr>
+        <p:spPr/>
+        <p:txBody>
+          <a:bodyPr/>
+          <a:lstStyle/>
+          <a:p>
+            <a:pPr marL="0" indent="0">
+              <a:buNone/>
+            </a:pPr>
+            <a:r>
+              <a:rPr lang="en-US" dirty="0"/>
+              <a:t>Demo</a:t>
+            </a:r>
+          </a:p>
           <a:p>
             <a:pPr>
               <a:buFontTx/>
@@ -14124,6 +15044,212 @@
             </a:pPr>
             <a:r>
               <a:rPr lang="en-US" dirty="0"/>
+              <a:t>Kubernetes RBAC</a:t>
+            </a:r>
+          </a:p>
+          <a:p>
+            <a:pPr>
+              <a:buFontTx/>
+              <a:buChar char="-"/>
+            </a:pPr>
+            <a:r>
+              <a:rPr lang="en-US" dirty="0"/>
+              <a:t>Azure Active Directory</a:t>
+            </a:r>
+          </a:p>
+        </p:txBody>
+      </p:sp>
+    </p:spTree>
+    <p:extLst>
+      <p:ext uri="{BB962C8B-B14F-4D97-AF65-F5344CB8AC3E}">
+        <p14:creationId xmlns:p14="http://schemas.microsoft.com/office/powerpoint/2010/main" val="3705316969"/>
+      </p:ext>
+    </p:extLst>
+  </p:cSld>
+  <p:clrMapOvr>
+    <a:masterClrMapping/>
+  </p:clrMapOvr>
+</p:sld>
+</file>
+
+<file path=ppt/slides/slide62.xml><?xml version="1.0" encoding="utf-8"?>
+<p:sld xmlns:a="http://schemas.openxmlformats.org/drawingml/2006/main" xmlns:r="http://schemas.openxmlformats.org/officeDocument/2006/relationships" xmlns:p="http://schemas.openxmlformats.org/presentationml/2006/main">
+  <p:cSld>
+    <p:spTree>
+      <p:nvGrpSpPr>
+        <p:cNvPr id="1" name=""/>
+        <p:cNvGrpSpPr/>
+        <p:nvPr/>
+      </p:nvGrpSpPr>
+      <p:grpSpPr>
+        <a:xfrm>
+          <a:off x="0" y="0"/>
+          <a:ext cx="0" cy="0"/>
+          <a:chOff x="0" y="0"/>
+          <a:chExt cx="0" cy="0"/>
+        </a:xfrm>
+      </p:grpSpPr>
+      <p:sp>
+        <p:nvSpPr>
+          <p:cNvPr id="2" name="Title 1">
+            <a:extLst>
+              <a:ext uri="{FF2B5EF4-FFF2-40B4-BE49-F238E27FC236}">
+                <a16:creationId xmlns:a16="http://schemas.microsoft.com/office/drawing/2014/main" id="{A26A8A0A-320E-4536-BFF8-C2E9FC542DEC}"/>
+              </a:ext>
+            </a:extLst>
+          </p:cNvPr>
+          <p:cNvSpPr>
+            <a:spLocks noGrp="1"/>
+          </p:cNvSpPr>
+          <p:nvPr>
+            <p:ph type="title"/>
+          </p:nvPr>
+        </p:nvSpPr>
+        <p:spPr/>
+        <p:txBody>
+          <a:bodyPr/>
+          <a:lstStyle/>
+          <a:p>
+            <a:r>
+              <a:rPr lang="en-US" dirty="0"/>
+              <a:t>Identity Access Management</a:t>
+            </a:r>
+          </a:p>
+        </p:txBody>
+      </p:sp>
+      <p:sp>
+        <p:nvSpPr>
+          <p:cNvPr id="3" name="Content Placeholder 2">
+            <a:extLst>
+              <a:ext uri="{FF2B5EF4-FFF2-40B4-BE49-F238E27FC236}">
+                <a16:creationId xmlns:a16="http://schemas.microsoft.com/office/drawing/2014/main" id="{AE3F0B5C-ACCE-4F53-A9D1-641797D8C52C}"/>
+              </a:ext>
+            </a:extLst>
+          </p:cNvPr>
+          <p:cNvSpPr>
+            <a:spLocks noGrp="1"/>
+          </p:cNvSpPr>
+          <p:nvPr>
+            <p:ph idx="1"/>
+          </p:nvPr>
+        </p:nvSpPr>
+        <p:spPr/>
+        <p:txBody>
+          <a:bodyPr/>
+          <a:lstStyle/>
+          <a:p>
+            <a:pPr marL="0" indent="0">
+              <a:buNone/>
+            </a:pPr>
+            <a:r>
+              <a:rPr lang="en-US" dirty="0"/>
+              <a:t>Demo</a:t>
+            </a:r>
+          </a:p>
+          <a:p>
+            <a:pPr marL="0" indent="0">
+              <a:buNone/>
+            </a:pPr>
+            <a:r>
+              <a:rPr lang="en-US" dirty="0"/>
+              <a:t>Review “security” aspect of </a:t>
+            </a:r>
+            <a:r>
+              <a:rPr lang="en-US" dirty="0" err="1"/>
+              <a:t>FaaS</a:t>
+            </a:r>
+            <a:r>
+              <a:rPr lang="en-US" dirty="0"/>
+              <a:t> template</a:t>
+            </a:r>
+          </a:p>
+        </p:txBody>
+      </p:sp>
+    </p:spTree>
+    <p:extLst>
+      <p:ext uri="{BB962C8B-B14F-4D97-AF65-F5344CB8AC3E}">
+        <p14:creationId xmlns:p14="http://schemas.microsoft.com/office/powerpoint/2010/main" val="3461088921"/>
+      </p:ext>
+    </p:extLst>
+  </p:cSld>
+  <p:clrMapOvr>
+    <a:masterClrMapping/>
+  </p:clrMapOvr>
+</p:sld>
+</file>
+
+<file path=ppt/slides/slide63.xml><?xml version="1.0" encoding="utf-8"?>
+<p:sld xmlns:a="http://schemas.openxmlformats.org/drawingml/2006/main" xmlns:r="http://schemas.openxmlformats.org/officeDocument/2006/relationships" xmlns:p="http://schemas.openxmlformats.org/presentationml/2006/main">
+  <p:cSld>
+    <p:spTree>
+      <p:nvGrpSpPr>
+        <p:cNvPr id="1" name=""/>
+        <p:cNvGrpSpPr/>
+        <p:nvPr/>
+      </p:nvGrpSpPr>
+      <p:grpSpPr>
+        <a:xfrm>
+          <a:off x="0" y="0"/>
+          <a:ext cx="0" cy="0"/>
+          <a:chOff x="0" y="0"/>
+          <a:chExt cx="0" cy="0"/>
+        </a:xfrm>
+      </p:grpSpPr>
+      <p:sp>
+        <p:nvSpPr>
+          <p:cNvPr id="2" name="Title 1">
+            <a:extLst>
+              <a:ext uri="{FF2B5EF4-FFF2-40B4-BE49-F238E27FC236}">
+                <a16:creationId xmlns:a16="http://schemas.microsoft.com/office/drawing/2014/main" id="{A26A8A0A-320E-4536-BFF8-C2E9FC542DEC}"/>
+              </a:ext>
+            </a:extLst>
+          </p:cNvPr>
+          <p:cNvSpPr>
+            <a:spLocks noGrp="1"/>
+          </p:cNvSpPr>
+          <p:nvPr>
+            <p:ph type="title"/>
+          </p:nvPr>
+        </p:nvSpPr>
+        <p:spPr/>
+        <p:txBody>
+          <a:bodyPr/>
+          <a:lstStyle/>
+          <a:p>
+            <a:r>
+              <a:rPr lang="en-US" dirty="0"/>
+              <a:t>Additional resources</a:t>
+            </a:r>
+          </a:p>
+        </p:txBody>
+      </p:sp>
+      <p:sp>
+        <p:nvSpPr>
+          <p:cNvPr id="3" name="Content Placeholder 2">
+            <a:extLst>
+              <a:ext uri="{FF2B5EF4-FFF2-40B4-BE49-F238E27FC236}">
+                <a16:creationId xmlns:a16="http://schemas.microsoft.com/office/drawing/2014/main" id="{AE3F0B5C-ACCE-4F53-A9D1-641797D8C52C}"/>
+              </a:ext>
+            </a:extLst>
+          </p:cNvPr>
+          <p:cNvSpPr>
+            <a:spLocks noGrp="1"/>
+          </p:cNvSpPr>
+          <p:nvPr>
+            <p:ph idx="1"/>
+          </p:nvPr>
+        </p:nvSpPr>
+        <p:spPr/>
+        <p:txBody>
+          <a:bodyPr/>
+          <a:lstStyle/>
+          <a:p>
+            <a:pPr>
+              <a:buFontTx/>
+              <a:buChar char="-"/>
+            </a:pPr>
+            <a:r>
+              <a:rPr lang="en-US" dirty="0"/>
               <a:t>(article) </a:t>
             </a:r>
             <a:r>
@@ -14182,6 +15308,41 @@
                 <a:hlinkClick r:id="rId6"/>
               </a:rPr>
               <a:t>What is good Runbook</a:t>
+            </a:r>
+            <a:endParaRPr lang="en-US" dirty="0"/>
+          </a:p>
+          <a:p>
+            <a:pPr>
+              <a:buFontTx/>
+              <a:buChar char="-"/>
+            </a:pPr>
+            <a:r>
+              <a:rPr lang="en-US" dirty="0">
+                <a:hlinkClick r:id="rId7"/>
+              </a:rPr>
+              <a:t>Password generator</a:t>
+            </a:r>
+            <a:r>
+              <a:rPr lang="en-US" dirty="0"/>
+              <a:t> and </a:t>
+            </a:r>
+            <a:r>
+              <a:rPr lang="en-US" dirty="0">
+                <a:hlinkClick r:id="rId8"/>
+              </a:rPr>
+              <a:t>common password approaches with </a:t>
+            </a:r>
+            <a:r>
+              <a:rPr lang="en-US" b="1" dirty="0">
+                <a:hlinkClick r:id="rId8"/>
+              </a:rPr>
+              <a:t>negative</a:t>
+            </a:r>
+            <a:r>
+              <a:rPr lang="en-US" dirty="0">
+                <a:hlinkClick r:id="rId8"/>
+              </a:rPr>
+              <a:t> impact</a:t>
             </a:r>
             <a:endParaRPr lang="en-US" dirty="0"/>
           </a:p>
@@ -14240,7 +15401,7 @@
           <a:p>
             <a:r>
               <a:rPr lang="en-US" dirty="0"/>
-              <a:t>Security</a:t>
+              <a:t>Breach scenarios</a:t>
             </a:r>
           </a:p>
         </p:txBody>
@@ -14270,40 +15431,166 @@
               <a:buNone/>
             </a:pPr>
             <a:r>
-              <a:rPr lang="en-US" dirty="0"/>
-              <a:t>Security is about dealing with Risk:</a:t>
-            </a:r>
-          </a:p>
-          <a:p>
-            <a:r>
-              <a:rPr lang="en-US" dirty="0"/>
-              <a:t>Accidental deletion</a:t>
-            </a:r>
-          </a:p>
-          <a:p>
-            <a:r>
-              <a:rPr lang="en-US" dirty="0"/>
-              <a:t>Theft</a:t>
-            </a:r>
-          </a:p>
-          <a:p>
-            <a:r>
-              <a:rPr lang="en-US" dirty="0"/>
-              <a:t>Privacy</a:t>
-            </a:r>
-          </a:p>
-          <a:p>
-            <a:r>
-              <a:rPr lang="en-US" dirty="0"/>
-              <a:t>Compliance</a:t>
-            </a:r>
-          </a:p>
-        </p:txBody>
-      </p:sp>
+              <a:rPr lang="en-US" b="1" dirty="0"/>
+              <a:t>Physical theft</a:t>
+            </a:r>
+            <a:r>
+              <a:rPr lang="en-US" dirty="0"/>
+              <a:t>: taking of another person's property or services</a:t>
+            </a:r>
+          </a:p>
+        </p:txBody>
+      </p:sp>
+      <p:sp>
+        <p:nvSpPr>
+          <p:cNvPr id="6" name="TextBox 5">
+            <a:extLst>
+              <a:ext uri="{FF2B5EF4-FFF2-40B4-BE49-F238E27FC236}">
+                <a16:creationId xmlns:a16="http://schemas.microsoft.com/office/drawing/2014/main" id="{8CE59473-F9B9-4F60-8E24-4F7289CE0042}"/>
+              </a:ext>
+            </a:extLst>
+          </p:cNvPr>
+          <p:cNvSpPr txBox="1"/>
+          <p:nvPr/>
+        </p:nvSpPr>
+        <p:spPr>
+          <a:xfrm>
+            <a:off x="7067450" y="6338986"/>
+            <a:ext cx="4844374" cy="307777"/>
+          </a:xfrm>
+          <a:prstGeom prst="rect">
+            <a:avLst/>
+          </a:prstGeom>
+          <a:noFill/>
+        </p:spPr>
+        <p:txBody>
+          <a:bodyPr wrap="square">
+            <a:spAutoFit/>
+          </a:bodyPr>
+          <a:lstStyle/>
+          <a:p>
+            <a:pPr marL="0" marR="0" lvl="0" indent="0" algn="l" defTabSz="914400" rtl="0" eaLnBrk="1" fontAlgn="auto" latinLnBrk="0" hangingPunct="1">
+              <a:lnSpc>
+                <a:spcPct val="100000"/>
+              </a:lnSpc>
+              <a:spcBef>
+                <a:spcPts val="0"/>
+              </a:spcBef>
+              <a:spcAft>
+                <a:spcPts val="0"/>
+              </a:spcAft>
+              <a:buClrTx/>
+              <a:buSzTx/>
+              <a:buFontTx/>
+              <a:buNone/>
+              <a:tabLst/>
+              <a:defRPr/>
+            </a:pPr>
+            <a:r>
+              <a:rPr kumimoji="0" lang="en-US" sz="1400" b="0" i="0" u="none" strike="noStrike" kern="1200" cap="none" spc="0" normalizeH="0" baseline="0" noProof="0" dirty="0">
+                <a:ln>
+                  <a:noFill/>
+                </a:ln>
+                <a:solidFill>
+                  <a:prstClr val="black"/>
+                </a:solidFill>
+                <a:effectLst/>
+                <a:uLnTx/>
+                <a:uFillTx/>
+                <a:latin typeface="Calibri" panose="020F0502020204030204"/>
+                <a:ea typeface="+mn-ea"/>
+                <a:cs typeface="+mn-cs"/>
+                <a:hlinkClick r:id="rId3"/>
+              </a:rPr>
+              <a:t>https://itc.ua/news/</a:t>
+            </a:r>
+            <a:r>
+              <a:rPr kumimoji="0" lang="en-US" sz="1400" b="0" i="0" u="none" strike="noStrike" kern="1200" cap="none" spc="0" normalizeH="0" baseline="0" noProof="0" dirty="0" err="1">
+                <a:ln>
+                  <a:noFill/>
+                </a:ln>
+                <a:solidFill>
+                  <a:prstClr val="black"/>
+                </a:solidFill>
+                <a:effectLst/>
+                <a:uLnTx/>
+                <a:uFillTx/>
+                <a:latin typeface="Calibri" panose="020F0502020204030204"/>
+                <a:ea typeface="+mn-ea"/>
+                <a:cs typeface="+mn-cs"/>
+                <a:hlinkClick r:id="rId3"/>
+              </a:rPr>
+              <a:t>byvshij-sotrudnik-novoj-poshty-menyal</a:t>
+            </a:r>
+            <a:r>
+              <a:rPr kumimoji="0" lang="en-US" sz="1400" b="0" i="0" u="none" strike="noStrike" kern="1200" cap="none" spc="0" normalizeH="0" baseline="0" noProof="0" dirty="0">
+                <a:ln>
+                  <a:noFill/>
+                </a:ln>
+                <a:solidFill>
+                  <a:prstClr val="black"/>
+                </a:solidFill>
+                <a:effectLst/>
+                <a:uLnTx/>
+                <a:uFillTx/>
+                <a:latin typeface="Calibri" panose="020F0502020204030204"/>
+                <a:ea typeface="+mn-ea"/>
+                <a:cs typeface="+mn-cs"/>
+                <a:hlinkClick r:id="rId3"/>
+              </a:rPr>
+              <a:t>...</a:t>
+            </a:r>
+            <a:endParaRPr kumimoji="0" lang="en-US" sz="1400" b="0" i="0" u="none" strike="noStrike" kern="1200" cap="none" spc="0" normalizeH="0" baseline="0" noProof="0" dirty="0">
+              <a:ln>
+                <a:noFill/>
+              </a:ln>
+              <a:solidFill>
+                <a:prstClr val="black"/>
+              </a:solidFill>
+              <a:effectLst/>
+              <a:uLnTx/>
+              <a:uFillTx/>
+              <a:latin typeface="Calibri" panose="020F0502020204030204"/>
+              <a:ea typeface="+mn-ea"/>
+              <a:cs typeface="+mn-cs"/>
+            </a:endParaRPr>
+          </a:p>
+        </p:txBody>
+      </p:sp>
+      <p:pic>
+        <p:nvPicPr>
+          <p:cNvPr id="7" name="Picture 6">
+            <a:extLst>
+              <a:ext uri="{FF2B5EF4-FFF2-40B4-BE49-F238E27FC236}">
+                <a16:creationId xmlns:a16="http://schemas.microsoft.com/office/drawing/2014/main" id="{CFBF3C62-6D0A-4A13-9B0D-F82287A9CBCD}"/>
+              </a:ext>
+            </a:extLst>
+          </p:cNvPr>
+          <p:cNvPicPr>
+            <a:picLocks noChangeAspect="1"/>
+          </p:cNvPicPr>
+          <p:nvPr/>
+        </p:nvPicPr>
+        <p:blipFill>
+          <a:blip r:embed="rId4"/>
+          <a:stretch>
+            <a:fillRect/>
+          </a:stretch>
+        </p:blipFill>
+        <p:spPr>
+          <a:xfrm>
+            <a:off x="212850" y="3128699"/>
+            <a:ext cx="11766300" cy="3048264"/>
+          </a:xfrm>
+          <a:prstGeom prst="rect">
+            <a:avLst/>
+          </a:prstGeom>
+        </p:spPr>
+      </p:pic>
     </p:spTree>
     <p:extLst>
       <p:ext uri="{BB962C8B-B14F-4D97-AF65-F5344CB8AC3E}">
-        <p14:creationId xmlns:p14="http://schemas.microsoft.com/office/powerpoint/2010/main" val="2793592940"/>
+        <p14:creationId xmlns:p14="http://schemas.microsoft.com/office/powerpoint/2010/main" val="1866340308"/>
       </p:ext>
     </p:extLst>
   </p:cSld>
@@ -14353,7 +15640,7 @@
           <a:p>
             <a:r>
               <a:rPr lang="en-US" dirty="0"/>
-              <a:t>Security</a:t>
+              <a:t>Breach scenarios</a:t>
             </a:r>
           </a:p>
         </p:txBody>
@@ -14384,15 +15671,125 @@
             </a:pPr>
             <a:r>
               <a:rPr lang="en-US" dirty="0"/>
-              <a:t>Cloud Provider often gives tools to deal with security risks</a:t>
-            </a:r>
+              <a:t>CVE exploitation</a:t>
+            </a:r>
+          </a:p>
+        </p:txBody>
+      </p:sp>
+      <p:pic>
+        <p:nvPicPr>
+          <p:cNvPr id="5" name="Picture 4">
+            <a:extLst>
+              <a:ext uri="{FF2B5EF4-FFF2-40B4-BE49-F238E27FC236}">
+                <a16:creationId xmlns:a16="http://schemas.microsoft.com/office/drawing/2014/main" id="{FDB54435-189D-4729-B818-3AF65E039DA8}"/>
+              </a:ext>
+            </a:extLst>
+          </p:cNvPr>
+          <p:cNvPicPr>
+            <a:picLocks noChangeAspect="1"/>
+          </p:cNvPicPr>
+          <p:nvPr/>
+        </p:nvPicPr>
+        <p:blipFill>
+          <a:blip r:embed="rId3"/>
+          <a:stretch>
+            <a:fillRect/>
+          </a:stretch>
+        </p:blipFill>
+        <p:spPr>
+          <a:xfrm>
+            <a:off x="4154111" y="1690688"/>
+            <a:ext cx="7199689" cy="4404148"/>
+          </a:xfrm>
+          <a:prstGeom prst="rect">
+            <a:avLst/>
+          </a:prstGeom>
+        </p:spPr>
+      </p:pic>
+      <p:sp>
+        <p:nvSpPr>
+          <p:cNvPr id="7" name="TextBox 6">
+            <a:extLst>
+              <a:ext uri="{FF2B5EF4-FFF2-40B4-BE49-F238E27FC236}">
+                <a16:creationId xmlns:a16="http://schemas.microsoft.com/office/drawing/2014/main" id="{D29FDD98-2E30-4DD6-B727-13B9B9C9C1AE}"/>
+              </a:ext>
+            </a:extLst>
+          </p:cNvPr>
+          <p:cNvSpPr txBox="1"/>
+          <p:nvPr/>
+        </p:nvSpPr>
+        <p:spPr>
+          <a:xfrm>
+            <a:off x="3293624" y="6338986"/>
+            <a:ext cx="8898376" cy="307777"/>
+          </a:xfrm>
+          <a:prstGeom prst="rect">
+            <a:avLst/>
+          </a:prstGeom>
+          <a:noFill/>
+        </p:spPr>
+        <p:txBody>
+          <a:bodyPr wrap="square">
+            <a:spAutoFit/>
+          </a:bodyPr>
+          <a:lstStyle/>
+          <a:p>
+            <a:pPr marL="0" marR="0" lvl="0" indent="0" algn="l" defTabSz="914400" rtl="0" eaLnBrk="1" fontAlgn="auto" latinLnBrk="0" hangingPunct="1">
+              <a:lnSpc>
+                <a:spcPct val="100000"/>
+              </a:lnSpc>
+              <a:spcBef>
+                <a:spcPts val="0"/>
+              </a:spcBef>
+              <a:spcAft>
+                <a:spcPts val="0"/>
+              </a:spcAft>
+              <a:buClrTx/>
+              <a:buSzTx/>
+              <a:buFontTx/>
+              <a:buNone/>
+              <a:tabLst/>
+              <a:defRPr/>
+            </a:pPr>
+            <a:r>
+              <a:rPr kumimoji="0" lang="en-US" sz="1400" b="0" i="0" u="none" strike="noStrike" kern="1200" cap="none" spc="0" normalizeH="0" baseline="0" noProof="0" dirty="0">
+                <a:ln>
+                  <a:noFill/>
+                </a:ln>
+                <a:solidFill>
+                  <a:prstClr val="black"/>
+                </a:solidFill>
+                <a:effectLst/>
+                <a:uLnTx/>
+                <a:uFillTx/>
+                <a:latin typeface="Calibri" panose="020F0502020204030204"/>
+                <a:ea typeface="+mn-ea"/>
+                <a:cs typeface="+mn-cs"/>
+                <a:hlinkClick r:id="rId4"/>
+              </a:rPr>
+              <a:t>https://www.bleepingcomputer.com/news/security/zero-day-in-wordpress-plugin-exploited-to-create-admin-accounts/</a:t>
+            </a:r>
+            <a:endParaRPr kumimoji="0" lang="en-US" sz="1400" b="0" i="0" u="none" strike="noStrike" kern="1200" cap="none" spc="0" normalizeH="0" baseline="0" noProof="0" dirty="0">
+              <a:ln>
+                <a:noFill/>
+              </a:ln>
+              <a:solidFill>
+                <a:prstClr val="black"/>
+              </a:solidFill>
+              <a:effectLst/>
+              <a:uLnTx/>
+              <a:uFillTx/>
+              <a:latin typeface="Calibri" panose="020F0502020204030204"/>
+              <a:ea typeface="+mn-ea"/>
+              <a:cs typeface="+mn-cs"/>
+            </a:endParaRPr>
           </a:p>
         </p:txBody>
       </p:sp>
     </p:spTree>
     <p:extLst>
       <p:ext uri="{BB962C8B-B14F-4D97-AF65-F5344CB8AC3E}">
-        <p14:creationId xmlns:p14="http://schemas.microsoft.com/office/powerpoint/2010/main" val="2717572209"/>
+        <p14:creationId xmlns:p14="http://schemas.microsoft.com/office/powerpoint/2010/main" val="2907347007"/>
       </p:ext>
     </p:extLst>
   </p:cSld>
@@ -14442,7 +15839,7 @@
           <a:p>
             <a:r>
               <a:rPr lang="en-US" dirty="0"/>
-              <a:t>Security</a:t>
+              <a:t>Breach scenarios</a:t>
             </a:r>
           </a:p>
         </p:txBody>
@@ -14473,27 +15870,125 @@
             </a:pPr>
             <a:r>
               <a:rPr lang="en-US" dirty="0"/>
-              <a:t>Security comes with a price:</a:t>
-            </a:r>
-          </a:p>
-          <a:p>
-            <a:r>
-              <a:rPr lang="en-US" dirty="0"/>
-              <a:t>increased cost and complexity</a:t>
-            </a:r>
-          </a:p>
-          <a:p>
-            <a:r>
-              <a:rPr lang="en-US" dirty="0"/>
-              <a:t>decreased maintainability</a:t>
-            </a:r>
-          </a:p>
-        </p:txBody>
-      </p:sp>
+              <a:t>CVE exploitation</a:t>
+            </a:r>
+          </a:p>
+        </p:txBody>
+      </p:sp>
+      <p:sp>
+        <p:nvSpPr>
+          <p:cNvPr id="7" name="TextBox 6">
+            <a:extLst>
+              <a:ext uri="{FF2B5EF4-FFF2-40B4-BE49-F238E27FC236}">
+                <a16:creationId xmlns:a16="http://schemas.microsoft.com/office/drawing/2014/main" id="{D29FDD98-2E30-4DD6-B727-13B9B9C9C1AE}"/>
+              </a:ext>
+            </a:extLst>
+          </p:cNvPr>
+          <p:cNvSpPr txBox="1"/>
+          <p:nvPr/>
+        </p:nvSpPr>
+        <p:spPr>
+          <a:xfrm>
+            <a:off x="8370276" y="6338986"/>
+            <a:ext cx="3821723" cy="307777"/>
+          </a:xfrm>
+          <a:prstGeom prst="rect">
+            <a:avLst/>
+          </a:prstGeom>
+          <a:noFill/>
+        </p:spPr>
+        <p:txBody>
+          <a:bodyPr wrap="square">
+            <a:spAutoFit/>
+          </a:bodyPr>
+          <a:lstStyle/>
+          <a:p>
+            <a:pPr marL="0" marR="0" lvl="0" indent="0" algn="l" defTabSz="914400" rtl="0" eaLnBrk="1" fontAlgn="auto" latinLnBrk="0" hangingPunct="1">
+              <a:lnSpc>
+                <a:spcPct val="100000"/>
+              </a:lnSpc>
+              <a:spcBef>
+                <a:spcPts val="0"/>
+              </a:spcBef>
+              <a:spcAft>
+                <a:spcPts val="0"/>
+              </a:spcAft>
+              <a:buClrTx/>
+              <a:buSzTx/>
+              <a:buFontTx/>
+              <a:buNone/>
+              <a:tabLst/>
+              <a:defRPr/>
+            </a:pPr>
+            <a:r>
+              <a:rPr kumimoji="0" lang="en-US" sz="1400" b="0" i="0" u="none" strike="noStrike" kern="1200" cap="none" spc="0" normalizeH="0" baseline="0" noProof="0" dirty="0">
+                <a:ln>
+                  <a:noFill/>
+                </a:ln>
+                <a:solidFill>
+                  <a:prstClr val="black"/>
+                </a:solidFill>
+                <a:effectLst/>
+                <a:uLnTx/>
+                <a:uFillTx/>
+                <a:latin typeface="Calibri" panose="020F0502020204030204"/>
+                <a:ea typeface="+mn-ea"/>
+                <a:cs typeface="+mn-cs"/>
+                <a:hlinkClick r:id="rId3"/>
+              </a:rPr>
+              <a:t>https://en.wikipedia.org/wiki/Log4Shell</a:t>
+            </a:r>
+            <a:endParaRPr kumimoji="0" lang="en-US" sz="1400" b="0" i="0" u="none" strike="noStrike" kern="1200" cap="none" spc="0" normalizeH="0" baseline="0" noProof="0" dirty="0">
+              <a:ln>
+                <a:noFill/>
+              </a:ln>
+              <a:solidFill>
+                <a:prstClr val="black"/>
+              </a:solidFill>
+              <a:effectLst/>
+              <a:uLnTx/>
+              <a:uFillTx/>
+              <a:latin typeface="Calibri" panose="020F0502020204030204"/>
+              <a:ea typeface="+mn-ea"/>
+              <a:cs typeface="+mn-cs"/>
+            </a:endParaRPr>
+          </a:p>
+        </p:txBody>
+      </p:sp>
+      <p:pic>
+        <p:nvPicPr>
+          <p:cNvPr id="6" name="Picture 5">
+            <a:extLst>
+              <a:ext uri="{FF2B5EF4-FFF2-40B4-BE49-F238E27FC236}">
+                <a16:creationId xmlns:a16="http://schemas.microsoft.com/office/drawing/2014/main" id="{3543EF26-AF28-4B40-A960-5B677F7D348A}"/>
+              </a:ext>
+            </a:extLst>
+          </p:cNvPr>
+          <p:cNvPicPr>
+            <a:picLocks noChangeAspect="1"/>
+          </p:cNvPicPr>
+          <p:nvPr/>
+        </p:nvPicPr>
+        <p:blipFill>
+          <a:blip r:embed="rId4"/>
+          <a:stretch>
+            <a:fillRect/>
+          </a:stretch>
+        </p:blipFill>
+        <p:spPr>
+          <a:xfrm>
+            <a:off x="1576493" y="2330671"/>
+            <a:ext cx="9777307" cy="3368332"/>
+          </a:xfrm>
+          <a:prstGeom prst="rect">
+            <a:avLst/>
+          </a:prstGeom>
+        </p:spPr>
+      </p:pic>
     </p:spTree>
     <p:extLst>
       <p:ext uri="{BB962C8B-B14F-4D97-AF65-F5344CB8AC3E}">
-        <p14:creationId xmlns:p14="http://schemas.microsoft.com/office/powerpoint/2010/main" val="425406822"/>
+        <p14:creationId xmlns:p14="http://schemas.microsoft.com/office/powerpoint/2010/main" val="402112234"/>
       </p:ext>
     </p:extLst>
   </p:cSld>

--- a/presentations/04_Security.pptx
+++ b/presentations/04_Security.pptx
@@ -5,7 +5,7 @@
     <p:sldMasterId id="2147483648" r:id="rId1"/>
   </p:sldMasterIdLst>
   <p:notesMasterIdLst>
-    <p:notesMasterId r:id="rId65"/>
+    <p:notesMasterId r:id="rId67"/>
   </p:notesMasterIdLst>
   <p:sldIdLst>
     <p:sldId id="257" r:id="rId2"/>
@@ -41,36 +41,38 @@
     <p:sldId id="287" r:id="rId32"/>
     <p:sldId id="278" r:id="rId33"/>
     <p:sldId id="308" r:id="rId34"/>
-    <p:sldId id="288" r:id="rId35"/>
-    <p:sldId id="285" r:id="rId36"/>
-    <p:sldId id="291" r:id="rId37"/>
-    <p:sldId id="292" r:id="rId38"/>
-    <p:sldId id="295" r:id="rId39"/>
-    <p:sldId id="321" r:id="rId40"/>
-    <p:sldId id="305" r:id="rId41"/>
-    <p:sldId id="322" r:id="rId42"/>
-    <p:sldId id="316" r:id="rId43"/>
-    <p:sldId id="320" r:id="rId44"/>
-    <p:sldId id="317" r:id="rId45"/>
-    <p:sldId id="319" r:id="rId46"/>
-    <p:sldId id="318" r:id="rId47"/>
-    <p:sldId id="323" r:id="rId48"/>
-    <p:sldId id="324" r:id="rId49"/>
-    <p:sldId id="314" r:id="rId50"/>
-    <p:sldId id="294" r:id="rId51"/>
-    <p:sldId id="296" r:id="rId52"/>
-    <p:sldId id="297" r:id="rId53"/>
-    <p:sldId id="298" r:id="rId54"/>
-    <p:sldId id="300" r:id="rId55"/>
-    <p:sldId id="299" r:id="rId56"/>
-    <p:sldId id="328" r:id="rId57"/>
-    <p:sldId id="301" r:id="rId58"/>
-    <p:sldId id="302" r:id="rId59"/>
-    <p:sldId id="303" r:id="rId60"/>
-    <p:sldId id="304" r:id="rId61"/>
-    <p:sldId id="306" r:id="rId62"/>
-    <p:sldId id="307" r:id="rId63"/>
-    <p:sldId id="310" r:id="rId64"/>
+    <p:sldId id="285" r:id="rId35"/>
+    <p:sldId id="288" r:id="rId36"/>
+    <p:sldId id="330" r:id="rId37"/>
+    <p:sldId id="329" r:id="rId38"/>
+    <p:sldId id="291" r:id="rId39"/>
+    <p:sldId id="292" r:id="rId40"/>
+    <p:sldId id="295" r:id="rId41"/>
+    <p:sldId id="321" r:id="rId42"/>
+    <p:sldId id="305" r:id="rId43"/>
+    <p:sldId id="322" r:id="rId44"/>
+    <p:sldId id="316" r:id="rId45"/>
+    <p:sldId id="320" r:id="rId46"/>
+    <p:sldId id="317" r:id="rId47"/>
+    <p:sldId id="319" r:id="rId48"/>
+    <p:sldId id="318" r:id="rId49"/>
+    <p:sldId id="323" r:id="rId50"/>
+    <p:sldId id="324" r:id="rId51"/>
+    <p:sldId id="314" r:id="rId52"/>
+    <p:sldId id="294" r:id="rId53"/>
+    <p:sldId id="296" r:id="rId54"/>
+    <p:sldId id="297" r:id="rId55"/>
+    <p:sldId id="298" r:id="rId56"/>
+    <p:sldId id="300" r:id="rId57"/>
+    <p:sldId id="299" r:id="rId58"/>
+    <p:sldId id="328" r:id="rId59"/>
+    <p:sldId id="301" r:id="rId60"/>
+    <p:sldId id="302" r:id="rId61"/>
+    <p:sldId id="303" r:id="rId62"/>
+    <p:sldId id="304" r:id="rId63"/>
+    <p:sldId id="306" r:id="rId64"/>
+    <p:sldId id="307" r:id="rId65"/>
+    <p:sldId id="310" r:id="rId66"/>
   </p:sldIdLst>
   <p:sldSz cx="12192000" cy="6858000"/>
   <p:notesSz cx="6858000" cy="9144000"/>
@@ -267,7 +269,7 @@
           <a:p>
             <a:fld id="{5B3CF26E-0687-4C54-85B5-9144DF51ABD2}" type="datetimeFigureOut">
               <a:rPr lang="en-US" smtClean="0"/>
-              <a:t>09-Feb-22</a:t>
+              <a:t>12-Feb-22</a:t>
             </a:fld>
             <a:endParaRPr lang="en-US"/>
           </a:p>
@@ -2171,6 +2173,138 @@
           <a:bodyPr/>
           <a:lstStyle/>
           <a:p>
+            <a:r>
+              <a:rPr lang="en-US" dirty="0"/>
+              <a:t>Google Password manager in 2012</a:t>
+            </a:r>
+          </a:p>
+          <a:p>
+            <a:pPr marL="171450" indent="-171450">
+              <a:buFontTx/>
+              <a:buChar char="-"/>
+            </a:pPr>
+            <a:r>
+              <a:rPr lang="en-US" dirty="0"/>
+              <a:t>Google had an internal password manager created by a single team for internal usage but gradually because a company-wide solution even to distribute </a:t>
+            </a:r>
+            <a:r>
+              <a:rPr lang="en-US" dirty="0" err="1"/>
+              <a:t>wifi</a:t>
+            </a:r>
+            <a:r>
+              <a:rPr lang="en-US" dirty="0"/>
+              <a:t>-passwords</a:t>
+            </a:r>
+          </a:p>
+          <a:p>
+            <a:pPr marL="171450" indent="-171450">
+              <a:buFontTx/>
+              <a:buChar char="-"/>
+            </a:pPr>
+            <a:r>
+              <a:rPr lang="en-US" dirty="0"/>
+              <a:t>In 2012 </a:t>
+            </a:r>
+            <a:r>
+              <a:rPr lang="en-US" dirty="0" err="1"/>
+              <a:t>wifi</a:t>
+            </a:r>
+            <a:r>
+              <a:rPr lang="en-US" dirty="0"/>
+              <a:t> password change caused an enormous spike of requests to the app which caused a failure</a:t>
+            </a:r>
+          </a:p>
+          <a:p>
+            <a:pPr marL="171450" indent="-171450">
+              <a:buFontTx/>
+              <a:buChar char="-"/>
+            </a:pPr>
+            <a:r>
+              <a:rPr lang="en-US" dirty="0"/>
+              <a:t>As it was internal app maintained on best-efforts manner, there were no documents how to deal with it, thus …</a:t>
+            </a:r>
+          </a:p>
+          <a:p>
+            <a:pPr marL="171450" indent="-171450">
+              <a:buFontTx/>
+              <a:buChar char="-"/>
+            </a:pPr>
+            <a:r>
+              <a:rPr lang="en-US" dirty="0"/>
+              <a:t>On-call engineer restarted the app without knowing that hard restart requires hardware security module (HSM) smart-card.</a:t>
+            </a:r>
+          </a:p>
+          <a:p>
+            <a:pPr marL="171450" indent="-171450">
+              <a:buFontTx/>
+              <a:buChar char="-"/>
+            </a:pPr>
+            <a:r>
+              <a:rPr lang="en-US" dirty="0"/>
+              <a:t>These smart cards are stored in several offices in physical safes but not in the office where on-call engineer was (New York)</a:t>
+            </a:r>
+          </a:p>
+          <a:p>
+            <a:pPr marL="171450" indent="-171450">
+              <a:buFontTx/>
+              <a:buChar char="-"/>
+            </a:pPr>
+            <a:r>
+              <a:rPr lang="en-US" dirty="0"/>
+              <a:t>The engineer called a colleague in Australia, but the Australian office cannot open the safe because…</a:t>
+            </a:r>
+          </a:p>
+          <a:p>
+            <a:pPr marL="171450" indent="-171450">
+              <a:buFontTx/>
+              <a:buChar char="-"/>
+            </a:pPr>
+            <a:r>
+              <a:rPr lang="en-US" dirty="0"/>
+              <a:t>The secret combination is stored in password manager…</a:t>
+            </a:r>
+          </a:p>
+          <a:p>
+            <a:pPr marL="171450" indent="-171450">
+              <a:buFontTx/>
+              <a:buChar char="-"/>
+            </a:pPr>
+            <a:r>
+              <a:rPr lang="en-US" dirty="0"/>
+              <a:t>They called other offices and finally found a person who remembers the combination by-heart and can open the safe</a:t>
+            </a:r>
+          </a:p>
+          <a:p>
+            <a:pPr marL="171450" indent="-171450">
+              <a:buFontTx/>
+              <a:buChar char="-"/>
+            </a:pPr>
+            <a:r>
+              <a:rPr lang="en-US" dirty="0"/>
+              <a:t>But when they inserted the smart-card it returned cryptic error…</a:t>
+            </a:r>
+          </a:p>
+          <a:p>
+            <a:pPr marL="171450" indent="-171450">
+              <a:buFontTx/>
+              <a:buChar char="-"/>
+            </a:pPr>
+            <a:r>
+              <a:rPr lang="en-US" dirty="0"/>
+              <a:t>Meanwhile, Australian office decided to use power drill to open their safe, but their card gave the same error.</a:t>
+            </a:r>
+          </a:p>
+          <a:p>
+            <a:pPr marL="171450" indent="-171450">
+              <a:buFontTx/>
+              <a:buChar char="-"/>
+            </a:pPr>
+            <a:r>
+              <a:rPr lang="en-US" dirty="0"/>
+              <a:t>After an additional hour, someone understood that green light on the smart card indicates nothing and it should be flipped.</a:t>
+            </a:r>
+          </a:p>
+          <a:p>
             <a:endParaRPr lang="en-US" dirty="0"/>
           </a:p>
         </p:txBody>
@@ -2201,7 +2335,7 @@
     </p:spTree>
     <p:extLst>
       <p:ext uri="{BB962C8B-B14F-4D97-AF65-F5344CB8AC3E}">
-        <p14:creationId xmlns:p14="http://schemas.microsoft.com/office/powerpoint/2010/main" val="2964135232"/>
+        <p14:creationId xmlns:p14="http://schemas.microsoft.com/office/powerpoint/2010/main" val="3513947789"/>
       </p:ext>
     </p:extLst>
   </p:cSld>
@@ -2285,7 +2419,7 @@
     </p:spTree>
     <p:extLst>
       <p:ext uri="{BB962C8B-B14F-4D97-AF65-F5344CB8AC3E}">
-        <p14:creationId xmlns:p14="http://schemas.microsoft.com/office/powerpoint/2010/main" val="3513947789"/>
+        <p14:creationId xmlns:p14="http://schemas.microsoft.com/office/powerpoint/2010/main" val="2964135232"/>
       </p:ext>
     </p:extLst>
   </p:cSld>
@@ -2360,7 +2494,7 @@
           <a:p>
             <a:fld id="{4CD97DBD-10D3-4C26-BC19-FB3B3CF19432}" type="slidenum">
               <a:rPr lang="en-US" smtClean="0"/>
-              <a:t>37</a:t>
+              <a:t>36</a:t>
             </a:fld>
             <a:endParaRPr lang="en-US"/>
           </a:p>
@@ -2369,7 +2503,7 @@
     </p:spTree>
     <p:extLst>
       <p:ext uri="{BB962C8B-B14F-4D97-AF65-F5344CB8AC3E}">
-        <p14:creationId xmlns:p14="http://schemas.microsoft.com/office/powerpoint/2010/main" val="2119491456"/>
+        <p14:creationId xmlns:p14="http://schemas.microsoft.com/office/powerpoint/2010/main" val="3506715421"/>
       </p:ext>
     </p:extLst>
   </p:cSld>
@@ -2444,7 +2578,7 @@
           <a:p>
             <a:fld id="{4CD97DBD-10D3-4C26-BC19-FB3B3CF19432}" type="slidenum">
               <a:rPr lang="en-US" smtClean="0"/>
-              <a:t>38</a:t>
+              <a:t>37</a:t>
             </a:fld>
             <a:endParaRPr lang="en-US"/>
           </a:p>
@@ -2453,7 +2587,7 @@
     </p:spTree>
     <p:extLst>
       <p:ext uri="{BB962C8B-B14F-4D97-AF65-F5344CB8AC3E}">
-        <p14:creationId xmlns:p14="http://schemas.microsoft.com/office/powerpoint/2010/main" val="3521562080"/>
+        <p14:creationId xmlns:p14="http://schemas.microsoft.com/office/powerpoint/2010/main" val="602606836"/>
       </p:ext>
     </p:extLst>
   </p:cSld>
@@ -2537,7 +2671,7 @@
     </p:spTree>
     <p:extLst>
       <p:ext uri="{BB962C8B-B14F-4D97-AF65-F5344CB8AC3E}">
-        <p14:creationId xmlns:p14="http://schemas.microsoft.com/office/powerpoint/2010/main" val="270619202"/>
+        <p14:creationId xmlns:p14="http://schemas.microsoft.com/office/powerpoint/2010/main" val="2119491456"/>
       </p:ext>
     </p:extLst>
   </p:cSld>
@@ -2621,7 +2755,7 @@
     </p:spTree>
     <p:extLst>
       <p:ext uri="{BB962C8B-B14F-4D97-AF65-F5344CB8AC3E}">
-        <p14:creationId xmlns:p14="http://schemas.microsoft.com/office/powerpoint/2010/main" val="1897586919"/>
+        <p14:creationId xmlns:p14="http://schemas.microsoft.com/office/powerpoint/2010/main" val="3521562080"/>
       </p:ext>
     </p:extLst>
   </p:cSld>
@@ -2705,7 +2839,7 @@
     </p:spTree>
     <p:extLst>
       <p:ext uri="{BB962C8B-B14F-4D97-AF65-F5344CB8AC3E}">
-        <p14:creationId xmlns:p14="http://schemas.microsoft.com/office/powerpoint/2010/main" val="3330965265"/>
+        <p14:creationId xmlns:p14="http://schemas.microsoft.com/office/powerpoint/2010/main" val="270619202"/>
       </p:ext>
     </p:extLst>
   </p:cSld>
@@ -2789,7 +2923,7 @@
     </p:spTree>
     <p:extLst>
       <p:ext uri="{BB962C8B-B14F-4D97-AF65-F5344CB8AC3E}">
-        <p14:creationId xmlns:p14="http://schemas.microsoft.com/office/powerpoint/2010/main" val="2989099877"/>
+        <p14:creationId xmlns:p14="http://schemas.microsoft.com/office/powerpoint/2010/main" val="1897586919"/>
       </p:ext>
     </p:extLst>
   </p:cSld>
@@ -3017,7 +3151,7 @@
     </p:spTree>
     <p:extLst>
       <p:ext uri="{BB962C8B-B14F-4D97-AF65-F5344CB8AC3E}">
-        <p14:creationId xmlns:p14="http://schemas.microsoft.com/office/powerpoint/2010/main" val="4197604122"/>
+        <p14:creationId xmlns:p14="http://schemas.microsoft.com/office/powerpoint/2010/main" val="3330965265"/>
       </p:ext>
     </p:extLst>
   </p:cSld>
@@ -3101,7 +3235,7 @@
     </p:spTree>
     <p:extLst>
       <p:ext uri="{BB962C8B-B14F-4D97-AF65-F5344CB8AC3E}">
-        <p14:creationId xmlns:p14="http://schemas.microsoft.com/office/powerpoint/2010/main" val="674575110"/>
+        <p14:creationId xmlns:p14="http://schemas.microsoft.com/office/powerpoint/2010/main" val="2989099877"/>
       </p:ext>
     </p:extLst>
   </p:cSld>
@@ -3185,7 +3319,7 @@
     </p:spTree>
     <p:extLst>
       <p:ext uri="{BB962C8B-B14F-4D97-AF65-F5344CB8AC3E}">
-        <p14:creationId xmlns:p14="http://schemas.microsoft.com/office/powerpoint/2010/main" val="3417975768"/>
+        <p14:creationId xmlns:p14="http://schemas.microsoft.com/office/powerpoint/2010/main" val="4197604122"/>
       </p:ext>
     </p:extLst>
   </p:cSld>
@@ -3269,7 +3403,7 @@
     </p:spTree>
     <p:extLst>
       <p:ext uri="{BB962C8B-B14F-4D97-AF65-F5344CB8AC3E}">
-        <p14:creationId xmlns:p14="http://schemas.microsoft.com/office/powerpoint/2010/main" val="231699227"/>
+        <p14:creationId xmlns:p14="http://schemas.microsoft.com/office/powerpoint/2010/main" val="674575110"/>
       </p:ext>
     </p:extLst>
   </p:cSld>
@@ -3353,7 +3487,7 @@
     </p:spTree>
     <p:extLst>
       <p:ext uri="{BB962C8B-B14F-4D97-AF65-F5344CB8AC3E}">
-        <p14:creationId xmlns:p14="http://schemas.microsoft.com/office/powerpoint/2010/main" val="333483114"/>
+        <p14:creationId xmlns:p14="http://schemas.microsoft.com/office/powerpoint/2010/main" val="3417975768"/>
       </p:ext>
     </p:extLst>
   </p:cSld>
@@ -3437,7 +3571,7 @@
     </p:spTree>
     <p:extLst>
       <p:ext uri="{BB962C8B-B14F-4D97-AF65-F5344CB8AC3E}">
-        <p14:creationId xmlns:p14="http://schemas.microsoft.com/office/powerpoint/2010/main" val="236537418"/>
+        <p14:creationId xmlns:p14="http://schemas.microsoft.com/office/powerpoint/2010/main" val="231699227"/>
       </p:ext>
     </p:extLst>
   </p:cSld>
@@ -3521,7 +3655,7 @@
     </p:spTree>
     <p:extLst>
       <p:ext uri="{BB962C8B-B14F-4D97-AF65-F5344CB8AC3E}">
-        <p14:creationId xmlns:p14="http://schemas.microsoft.com/office/powerpoint/2010/main" val="2183025364"/>
+        <p14:creationId xmlns:p14="http://schemas.microsoft.com/office/powerpoint/2010/main" val="333483114"/>
       </p:ext>
     </p:extLst>
   </p:cSld>
@@ -3605,7 +3739,7 @@
     </p:spTree>
     <p:extLst>
       <p:ext uri="{BB962C8B-B14F-4D97-AF65-F5344CB8AC3E}">
-        <p14:creationId xmlns:p14="http://schemas.microsoft.com/office/powerpoint/2010/main" val="3379131748"/>
+        <p14:creationId xmlns:p14="http://schemas.microsoft.com/office/powerpoint/2010/main" val="236537418"/>
       </p:ext>
     </p:extLst>
   </p:cSld>
@@ -3689,7 +3823,7 @@
     </p:spTree>
     <p:extLst>
       <p:ext uri="{BB962C8B-B14F-4D97-AF65-F5344CB8AC3E}">
-        <p14:creationId xmlns:p14="http://schemas.microsoft.com/office/powerpoint/2010/main" val="1541529435"/>
+        <p14:creationId xmlns:p14="http://schemas.microsoft.com/office/powerpoint/2010/main" val="2183025364"/>
       </p:ext>
     </p:extLst>
   </p:cSld>
@@ -3773,7 +3907,7 @@
     </p:spTree>
     <p:extLst>
       <p:ext uri="{BB962C8B-B14F-4D97-AF65-F5344CB8AC3E}">
-        <p14:creationId xmlns:p14="http://schemas.microsoft.com/office/powerpoint/2010/main" val="2012134742"/>
+        <p14:creationId xmlns:p14="http://schemas.microsoft.com/office/powerpoint/2010/main" val="3379131748"/>
       </p:ext>
     </p:extLst>
   </p:cSld>
@@ -4001,7 +4135,7 @@
     </p:spTree>
     <p:extLst>
       <p:ext uri="{BB962C8B-B14F-4D97-AF65-F5344CB8AC3E}">
-        <p14:creationId xmlns:p14="http://schemas.microsoft.com/office/powerpoint/2010/main" val="2543381281"/>
+        <p14:creationId xmlns:p14="http://schemas.microsoft.com/office/powerpoint/2010/main" val="1541529435"/>
       </p:ext>
     </p:extLst>
   </p:cSld>
@@ -4085,7 +4219,7 @@
     </p:spTree>
     <p:extLst>
       <p:ext uri="{BB962C8B-B14F-4D97-AF65-F5344CB8AC3E}">
-        <p14:creationId xmlns:p14="http://schemas.microsoft.com/office/powerpoint/2010/main" val="3919504541"/>
+        <p14:creationId xmlns:p14="http://schemas.microsoft.com/office/powerpoint/2010/main" val="2012134742"/>
       </p:ext>
     </p:extLst>
   </p:cSld>
@@ -4169,7 +4303,7 @@
     </p:spTree>
     <p:extLst>
       <p:ext uri="{BB962C8B-B14F-4D97-AF65-F5344CB8AC3E}">
-        <p14:creationId xmlns:p14="http://schemas.microsoft.com/office/powerpoint/2010/main" val="4110965509"/>
+        <p14:creationId xmlns:p14="http://schemas.microsoft.com/office/powerpoint/2010/main" val="2543381281"/>
       </p:ext>
     </p:extLst>
   </p:cSld>
@@ -4253,7 +4387,7 @@
     </p:spTree>
     <p:extLst>
       <p:ext uri="{BB962C8B-B14F-4D97-AF65-F5344CB8AC3E}">
-        <p14:creationId xmlns:p14="http://schemas.microsoft.com/office/powerpoint/2010/main" val="3121645829"/>
+        <p14:creationId xmlns:p14="http://schemas.microsoft.com/office/powerpoint/2010/main" val="3919504541"/>
       </p:ext>
     </p:extLst>
   </p:cSld>
@@ -4337,7 +4471,7 @@
     </p:spTree>
     <p:extLst>
       <p:ext uri="{BB962C8B-B14F-4D97-AF65-F5344CB8AC3E}">
-        <p14:creationId xmlns:p14="http://schemas.microsoft.com/office/powerpoint/2010/main" val="3025665009"/>
+        <p14:creationId xmlns:p14="http://schemas.microsoft.com/office/powerpoint/2010/main" val="4110965509"/>
       </p:ext>
     </p:extLst>
   </p:cSld>
@@ -4421,7 +4555,7 @@
     </p:spTree>
     <p:extLst>
       <p:ext uri="{BB962C8B-B14F-4D97-AF65-F5344CB8AC3E}">
-        <p14:creationId xmlns:p14="http://schemas.microsoft.com/office/powerpoint/2010/main" val="92700227"/>
+        <p14:creationId xmlns:p14="http://schemas.microsoft.com/office/powerpoint/2010/main" val="3121645829"/>
       </p:ext>
     </p:extLst>
   </p:cSld>
@@ -4505,7 +4639,7 @@
     </p:spTree>
     <p:extLst>
       <p:ext uri="{BB962C8B-B14F-4D97-AF65-F5344CB8AC3E}">
-        <p14:creationId xmlns:p14="http://schemas.microsoft.com/office/powerpoint/2010/main" val="912864036"/>
+        <p14:creationId xmlns:p14="http://schemas.microsoft.com/office/powerpoint/2010/main" val="3025665009"/>
       </p:ext>
     </p:extLst>
   </p:cSld>
@@ -4589,7 +4723,7 @@
     </p:spTree>
     <p:extLst>
       <p:ext uri="{BB962C8B-B14F-4D97-AF65-F5344CB8AC3E}">
-        <p14:creationId xmlns:p14="http://schemas.microsoft.com/office/powerpoint/2010/main" val="11239400"/>
+        <p14:creationId xmlns:p14="http://schemas.microsoft.com/office/powerpoint/2010/main" val="92700227"/>
       </p:ext>
     </p:extLst>
   </p:cSld>
@@ -4673,7 +4807,7 @@
     </p:spTree>
     <p:extLst>
       <p:ext uri="{BB962C8B-B14F-4D97-AF65-F5344CB8AC3E}">
-        <p14:creationId xmlns:p14="http://schemas.microsoft.com/office/powerpoint/2010/main" val="3188299865"/>
+        <p14:creationId xmlns:p14="http://schemas.microsoft.com/office/powerpoint/2010/main" val="912864036"/>
       </p:ext>
     </p:extLst>
   </p:cSld>
@@ -4757,7 +4891,7 @@
     </p:spTree>
     <p:extLst>
       <p:ext uri="{BB962C8B-B14F-4D97-AF65-F5344CB8AC3E}">
-        <p14:creationId xmlns:p14="http://schemas.microsoft.com/office/powerpoint/2010/main" val="2649767047"/>
+        <p14:creationId xmlns:p14="http://schemas.microsoft.com/office/powerpoint/2010/main" val="11239400"/>
       </p:ext>
     </p:extLst>
   </p:cSld>
@@ -4985,6 +5119,174 @@
     </p:spTree>
     <p:extLst>
       <p:ext uri="{BB962C8B-B14F-4D97-AF65-F5344CB8AC3E}">
+        <p14:creationId xmlns:p14="http://schemas.microsoft.com/office/powerpoint/2010/main" val="3188299865"/>
+      </p:ext>
+    </p:extLst>
+  </p:cSld>
+  <p:clrMapOvr>
+    <a:masterClrMapping/>
+  </p:clrMapOvr>
+</p:notes>
+</file>
+
+<file path=ppt/notesSlides/notesSlide51.xml><?xml version="1.0" encoding="utf-8"?>
+<p:notes xmlns:a="http://schemas.openxmlformats.org/drawingml/2006/main" xmlns:r="http://schemas.openxmlformats.org/officeDocument/2006/relationships" xmlns:p="http://schemas.openxmlformats.org/presentationml/2006/main">
+  <p:cSld>
+    <p:spTree>
+      <p:nvGrpSpPr>
+        <p:cNvPr id="1" name=""/>
+        <p:cNvGrpSpPr/>
+        <p:nvPr/>
+      </p:nvGrpSpPr>
+      <p:grpSpPr>
+        <a:xfrm>
+          <a:off x="0" y="0"/>
+          <a:ext cx="0" cy="0"/>
+          <a:chOff x="0" y="0"/>
+          <a:chExt cx="0" cy="0"/>
+        </a:xfrm>
+      </p:grpSpPr>
+      <p:sp>
+        <p:nvSpPr>
+          <p:cNvPr id="2" name="Slide Image Placeholder 1"/>
+          <p:cNvSpPr>
+            <a:spLocks noGrp="1" noRot="1" noChangeAspect="1"/>
+          </p:cNvSpPr>
+          <p:nvPr>
+            <p:ph type="sldImg"/>
+          </p:nvPr>
+        </p:nvSpPr>
+        <p:spPr/>
+      </p:sp>
+      <p:sp>
+        <p:nvSpPr>
+          <p:cNvPr id="3" name="Notes Placeholder 2"/>
+          <p:cNvSpPr>
+            <a:spLocks noGrp="1"/>
+          </p:cNvSpPr>
+          <p:nvPr>
+            <p:ph type="body" idx="1"/>
+          </p:nvPr>
+        </p:nvSpPr>
+        <p:spPr/>
+        <p:txBody>
+          <a:bodyPr/>
+          <a:lstStyle/>
+          <a:p>
+            <a:endParaRPr lang="en-US" dirty="0"/>
+          </a:p>
+        </p:txBody>
+      </p:sp>
+      <p:sp>
+        <p:nvSpPr>
+          <p:cNvPr id="4" name="Slide Number Placeholder 3"/>
+          <p:cNvSpPr>
+            <a:spLocks noGrp="1"/>
+          </p:cNvSpPr>
+          <p:nvPr>
+            <p:ph type="sldNum" sz="quarter" idx="5"/>
+          </p:nvPr>
+        </p:nvSpPr>
+        <p:spPr/>
+        <p:txBody>
+          <a:bodyPr/>
+          <a:lstStyle/>
+          <a:p>
+            <a:fld id="{4CD97DBD-10D3-4C26-BC19-FB3B3CF19432}" type="slidenum">
+              <a:rPr lang="en-US" smtClean="0"/>
+              <a:t>64</a:t>
+            </a:fld>
+            <a:endParaRPr lang="en-US"/>
+          </a:p>
+        </p:txBody>
+      </p:sp>
+    </p:spTree>
+    <p:extLst>
+      <p:ext uri="{BB962C8B-B14F-4D97-AF65-F5344CB8AC3E}">
+        <p14:creationId xmlns:p14="http://schemas.microsoft.com/office/powerpoint/2010/main" val="2649767047"/>
+      </p:ext>
+    </p:extLst>
+  </p:cSld>
+  <p:clrMapOvr>
+    <a:masterClrMapping/>
+  </p:clrMapOvr>
+</p:notes>
+</file>
+
+<file path=ppt/notesSlides/notesSlide52.xml><?xml version="1.0" encoding="utf-8"?>
+<p:notes xmlns:a="http://schemas.openxmlformats.org/drawingml/2006/main" xmlns:r="http://schemas.openxmlformats.org/officeDocument/2006/relationships" xmlns:p="http://schemas.openxmlformats.org/presentationml/2006/main">
+  <p:cSld>
+    <p:spTree>
+      <p:nvGrpSpPr>
+        <p:cNvPr id="1" name=""/>
+        <p:cNvGrpSpPr/>
+        <p:nvPr/>
+      </p:nvGrpSpPr>
+      <p:grpSpPr>
+        <a:xfrm>
+          <a:off x="0" y="0"/>
+          <a:ext cx="0" cy="0"/>
+          <a:chOff x="0" y="0"/>
+          <a:chExt cx="0" cy="0"/>
+        </a:xfrm>
+      </p:grpSpPr>
+      <p:sp>
+        <p:nvSpPr>
+          <p:cNvPr id="2" name="Slide Image Placeholder 1"/>
+          <p:cNvSpPr>
+            <a:spLocks noGrp="1" noRot="1" noChangeAspect="1"/>
+          </p:cNvSpPr>
+          <p:nvPr>
+            <p:ph type="sldImg"/>
+          </p:nvPr>
+        </p:nvSpPr>
+        <p:spPr/>
+      </p:sp>
+      <p:sp>
+        <p:nvSpPr>
+          <p:cNvPr id="3" name="Notes Placeholder 2"/>
+          <p:cNvSpPr>
+            <a:spLocks noGrp="1"/>
+          </p:cNvSpPr>
+          <p:nvPr>
+            <p:ph type="body" idx="1"/>
+          </p:nvPr>
+        </p:nvSpPr>
+        <p:spPr/>
+        <p:txBody>
+          <a:bodyPr/>
+          <a:lstStyle/>
+          <a:p>
+            <a:endParaRPr lang="en-US" dirty="0"/>
+          </a:p>
+        </p:txBody>
+      </p:sp>
+      <p:sp>
+        <p:nvSpPr>
+          <p:cNvPr id="4" name="Slide Number Placeholder 3"/>
+          <p:cNvSpPr>
+            <a:spLocks noGrp="1"/>
+          </p:cNvSpPr>
+          <p:nvPr>
+            <p:ph type="sldNum" sz="quarter" idx="5"/>
+          </p:nvPr>
+        </p:nvSpPr>
+        <p:spPr/>
+        <p:txBody>
+          <a:bodyPr/>
+          <a:lstStyle/>
+          <a:p>
+            <a:fld id="{4CD97DBD-10D3-4C26-BC19-FB3B3CF19432}" type="slidenum">
+              <a:rPr lang="en-US" smtClean="0"/>
+              <a:t>65</a:t>
+            </a:fld>
+            <a:endParaRPr lang="en-US"/>
+          </a:p>
+        </p:txBody>
+      </p:sp>
+    </p:spTree>
+    <p:extLst>
+      <p:ext uri="{BB962C8B-B14F-4D97-AF65-F5344CB8AC3E}">
         <p14:creationId xmlns:p14="http://schemas.microsoft.com/office/powerpoint/2010/main" val="1393991699"/>
       </p:ext>
     </p:extLst>
@@ -5675,7 +5977,7 @@
           <a:p>
             <a:fld id="{8BBDE38F-7EFF-44D7-A4FC-86F4469E67EF}" type="datetimeFigureOut">
               <a:rPr lang="en-US" smtClean="0"/>
-              <a:t>09-Feb-22</a:t>
+              <a:t>12-Feb-22</a:t>
             </a:fld>
             <a:endParaRPr lang="en-US"/>
           </a:p>
@@ -5873,7 +6175,7 @@
           <a:p>
             <a:fld id="{8BBDE38F-7EFF-44D7-A4FC-86F4469E67EF}" type="datetimeFigureOut">
               <a:rPr lang="en-US" smtClean="0"/>
-              <a:t>09-Feb-22</a:t>
+              <a:t>12-Feb-22</a:t>
             </a:fld>
             <a:endParaRPr lang="en-US"/>
           </a:p>
@@ -6081,7 +6383,7 @@
           <a:p>
             <a:fld id="{8BBDE38F-7EFF-44D7-A4FC-86F4469E67EF}" type="datetimeFigureOut">
               <a:rPr lang="en-US" smtClean="0"/>
-              <a:t>09-Feb-22</a:t>
+              <a:t>12-Feb-22</a:t>
             </a:fld>
             <a:endParaRPr lang="en-US"/>
           </a:p>
@@ -6279,7 +6581,7 @@
           <a:p>
             <a:fld id="{8BBDE38F-7EFF-44D7-A4FC-86F4469E67EF}" type="datetimeFigureOut">
               <a:rPr lang="en-US" smtClean="0"/>
-              <a:t>09-Feb-22</a:t>
+              <a:t>12-Feb-22</a:t>
             </a:fld>
             <a:endParaRPr lang="en-US"/>
           </a:p>
@@ -6554,7 +6856,7 @@
           <a:p>
             <a:fld id="{8BBDE38F-7EFF-44D7-A4FC-86F4469E67EF}" type="datetimeFigureOut">
               <a:rPr lang="en-US" smtClean="0"/>
-              <a:t>09-Feb-22</a:t>
+              <a:t>12-Feb-22</a:t>
             </a:fld>
             <a:endParaRPr lang="en-US"/>
           </a:p>
@@ -6819,7 +7121,7 @@
           <a:p>
             <a:fld id="{8BBDE38F-7EFF-44D7-A4FC-86F4469E67EF}" type="datetimeFigureOut">
               <a:rPr lang="en-US" smtClean="0"/>
-              <a:t>09-Feb-22</a:t>
+              <a:t>12-Feb-22</a:t>
             </a:fld>
             <a:endParaRPr lang="en-US"/>
           </a:p>
@@ -7231,7 +7533,7 @@
           <a:p>
             <a:fld id="{8BBDE38F-7EFF-44D7-A4FC-86F4469E67EF}" type="datetimeFigureOut">
               <a:rPr lang="en-US" smtClean="0"/>
-              <a:t>09-Feb-22</a:t>
+              <a:t>12-Feb-22</a:t>
             </a:fld>
             <a:endParaRPr lang="en-US"/>
           </a:p>
@@ -7372,7 +7674,7 @@
           <a:p>
             <a:fld id="{8BBDE38F-7EFF-44D7-A4FC-86F4469E67EF}" type="datetimeFigureOut">
               <a:rPr lang="en-US" smtClean="0"/>
-              <a:t>09-Feb-22</a:t>
+              <a:t>12-Feb-22</a:t>
             </a:fld>
             <a:endParaRPr lang="en-US"/>
           </a:p>
@@ -7485,7 +7787,7 @@
           <a:p>
             <a:fld id="{8BBDE38F-7EFF-44D7-A4FC-86F4469E67EF}" type="datetimeFigureOut">
               <a:rPr lang="en-US" smtClean="0"/>
-              <a:t>09-Feb-22</a:t>
+              <a:t>12-Feb-22</a:t>
             </a:fld>
             <a:endParaRPr lang="en-US"/>
           </a:p>
@@ -7796,7 +8098,7 @@
           <a:p>
             <a:fld id="{8BBDE38F-7EFF-44D7-A4FC-86F4469E67EF}" type="datetimeFigureOut">
               <a:rPr lang="en-US" smtClean="0"/>
-              <a:t>09-Feb-22</a:t>
+              <a:t>12-Feb-22</a:t>
             </a:fld>
             <a:endParaRPr lang="en-US"/>
           </a:p>
@@ -8084,7 +8386,7 @@
           <a:p>
             <a:fld id="{8BBDE38F-7EFF-44D7-A4FC-86F4469E67EF}" type="datetimeFigureOut">
               <a:rPr lang="en-US" smtClean="0"/>
-              <a:t>09-Feb-22</a:t>
+              <a:t>12-Feb-22</a:t>
             </a:fld>
             <a:endParaRPr lang="en-US"/>
           </a:p>
@@ -8325,7 +8627,7 @@
           <a:p>
             <a:fld id="{8BBDE38F-7EFF-44D7-A4FC-86F4469E67EF}" type="datetimeFigureOut">
               <a:rPr lang="en-US" smtClean="0"/>
-              <a:t>09-Feb-22</a:t>
+              <a:t>12-Feb-22</a:t>
             </a:fld>
             <a:endParaRPr lang="en-US"/>
           </a:p>
@@ -12039,8 +12341,13 @@
             </a:pPr>
             <a:r>
               <a:rPr lang="en-US" dirty="0"/>
-              <a:t>Custom policies</a:t>
-            </a:r>
+              <a:t>Avoid circular dependencies and be careful with a single tool combined </a:t>
+            </a:r>
+            <a:r>
+              <a:rPr lang="en-US"/>
+              <a:t>for unrelated use-cases</a:t>
+            </a:r>
+            <a:endParaRPr lang="en-US" dirty="0"/>
           </a:p>
           <a:p>
             <a:pPr marL="0" indent="0">
@@ -12049,32 +12356,47 @@
             <a:endParaRPr lang="en-US" dirty="0"/>
           </a:p>
           <a:p>
-            <a:r>
-              <a:rPr lang="en-US" dirty="0"/>
-              <a:t>Codify rules</a:t>
-            </a:r>
-          </a:p>
-          <a:p>
-            <a:r>
-              <a:rPr lang="en-US" dirty="0"/>
-              <a:t>Verify adherence to rules at deployment time</a:t>
-            </a:r>
-          </a:p>
-          <a:p>
-            <a:r>
-              <a:rPr lang="en-US" dirty="0"/>
-              <a:t>Monitor/enforce rules at runtime</a:t>
-            </a:r>
-          </a:p>
-          <a:p>
-            <a:endParaRPr lang="en-US" dirty="0"/>
+            <a:pPr marL="0" indent="0">
+              <a:buNone/>
+            </a:pPr>
+            <a:r>
+              <a:rPr lang="en-US" dirty="0"/>
+              <a:t>- </a:t>
+            </a:r>
+            <a:r>
+              <a:rPr lang="en-US" dirty="0">
+                <a:hlinkClick r:id="rId3"/>
+              </a:rPr>
+              <a:t>Roblox was down for 73 hours</a:t>
+            </a:r>
+            <a:r>
+              <a:rPr lang="en-US" dirty="0"/>
+              <a:t> partially because everything relied on a single Consul instance (including monitoring)</a:t>
+            </a:r>
+          </a:p>
+          <a:p>
+            <a:pPr marL="0" indent="0">
+              <a:buNone/>
+            </a:pPr>
+            <a:r>
+              <a:rPr lang="en-US" dirty="0"/>
+              <a:t>- Google </a:t>
+            </a:r>
+            <a:r>
+              <a:rPr lang="en-US" dirty="0" err="1"/>
+              <a:t>wifi</a:t>
+            </a:r>
+            <a:r>
+              <a:rPr lang="en-US" dirty="0"/>
+              <a:t>-password reset caused the whole company unable to use central password-manager</a:t>
+            </a:r>
           </a:p>
         </p:txBody>
       </p:sp>
     </p:spTree>
     <p:extLst>
       <p:ext uri="{BB962C8B-B14F-4D97-AF65-F5344CB8AC3E}">
-        <p14:creationId xmlns:p14="http://schemas.microsoft.com/office/powerpoint/2010/main" val="2130108793"/>
+        <p14:creationId xmlns:p14="http://schemas.microsoft.com/office/powerpoint/2010/main" val="2014671736"/>
       </p:ext>
     </p:extLst>
   </p:cSld>
@@ -12155,7 +12477,7 @@
             </a:pPr>
             <a:r>
               <a:rPr lang="en-US" dirty="0"/>
-              <a:t>Expect security services to fail</a:t>
+              <a:t>Custom policies</a:t>
             </a:r>
           </a:p>
           <a:p>
@@ -12165,29 +12487,24 @@
             <a:endParaRPr lang="en-US" dirty="0"/>
           </a:p>
           <a:p>
-            <a:pPr marL="0" indent="0">
-              <a:buNone/>
-            </a:pPr>
-            <a:r>
-              <a:rPr lang="en-US" dirty="0"/>
-              <a:t>For example, </a:t>
-            </a:r>
-            <a:r>
-              <a:rPr lang="en-US" dirty="0">
-                <a:hlinkClick r:id="rId3"/>
-              </a:rPr>
-              <a:t>Parler content was dumped </a:t>
-            </a:r>
-            <a:r>
-              <a:rPr lang="en-US" dirty="0"/>
-              <a:t>because </a:t>
-            </a:r>
-            <a:r>
-              <a:rPr lang="en-US" dirty="0">
-                <a:hlinkClick r:id="rId4"/>
-              </a:rPr>
-              <a:t>twilio integration faded away</a:t>
-            </a:r>
+            <a:r>
+              <a:rPr lang="en-US" dirty="0"/>
+              <a:t>Codify rules</a:t>
+            </a:r>
+          </a:p>
+          <a:p>
+            <a:r>
+              <a:rPr lang="en-US" dirty="0"/>
+              <a:t>Verify adherence to rules at deployment time</a:t>
+            </a:r>
+          </a:p>
+          <a:p>
+            <a:r>
+              <a:rPr lang="en-US" dirty="0"/>
+              <a:t>Monitor/enforce rules at runtime</a:t>
+            </a:r>
+          </a:p>
+          <a:p>
             <a:endParaRPr lang="en-US" dirty="0"/>
           </a:p>
         </p:txBody>
@@ -12195,7 +12512,7 @@
     </p:spTree>
     <p:extLst>
       <p:ext uri="{BB962C8B-B14F-4D97-AF65-F5344CB8AC3E}">
-        <p14:creationId xmlns:p14="http://schemas.microsoft.com/office/powerpoint/2010/main" val="2014671736"/>
+        <p14:creationId xmlns:p14="http://schemas.microsoft.com/office/powerpoint/2010/main" val="2130108793"/>
       </p:ext>
     </p:extLst>
   </p:cSld>
@@ -12227,7 +12544,7 @@
           <p:cNvPr id="2" name="Title 1">
             <a:extLst>
               <a:ext uri="{FF2B5EF4-FFF2-40B4-BE49-F238E27FC236}">
-                <a16:creationId xmlns:a16="http://schemas.microsoft.com/office/drawing/2014/main" id="{AA6563E3-5640-49D5-919B-725DAF540F41}"/>
+                <a16:creationId xmlns:a16="http://schemas.microsoft.com/office/drawing/2014/main" id="{A26A8A0A-320E-4536-BFF8-C2E9FC542DEC}"/>
               </a:ext>
             </a:extLst>
           </p:cNvPr>
@@ -12245,7 +12562,7 @@
           <a:p>
             <a:r>
               <a:rPr lang="en-US" dirty="0"/>
-              <a:t>Course plan</a:t>
+              <a:t>Case studies</a:t>
             </a:r>
           </a:p>
         </p:txBody>
@@ -12255,7 +12572,7 @@
           <p:cNvPr id="3" name="Content Placeholder 2">
             <a:extLst>
               <a:ext uri="{FF2B5EF4-FFF2-40B4-BE49-F238E27FC236}">
-                <a16:creationId xmlns:a16="http://schemas.microsoft.com/office/drawing/2014/main" id="{9BB4E940-33D8-465B-94DA-339CB0D43AF2}"/>
+                <a16:creationId xmlns:a16="http://schemas.microsoft.com/office/drawing/2014/main" id="{AE3F0B5C-ACCE-4F53-A9D1-641797D8C52C}"/>
               </a:ext>
             </a:extLst>
           </p:cNvPr>
@@ -12276,7 +12593,7 @@
             </a:pPr>
             <a:r>
               <a:rPr lang="en-US" dirty="0"/>
-              <a:t>Learning session 3</a:t>
+              <a:t>Expect security services to fail</a:t>
             </a:r>
           </a:p>
           <a:p>
@@ -12291,28 +12608,32 @@
             </a:pPr>
             <a:r>
               <a:rPr lang="en-US" dirty="0"/>
-              <a:t>Security</a:t>
-            </a:r>
-          </a:p>
-          <a:p>
-            <a:pPr marL="0" indent="0">
-              <a:buNone/>
-            </a:pPr>
+              <a:t>For example, </a:t>
+            </a:r>
             <a:r>
               <a:rPr lang="en-US" dirty="0">
-                <a:solidFill>
-                  <a:srgbClr val="FF0000"/>
-                </a:solidFill>
+                <a:hlinkClick r:id="rId3"/>
               </a:rPr>
-              <a:t>Identity and Access Management (IAM)</a:t>
-            </a:r>
+              <a:t>Parler content was dumped </a:t>
+            </a:r>
+            <a:r>
+              <a:rPr lang="en-US" dirty="0"/>
+              <a:t>because </a:t>
+            </a:r>
+            <a:r>
+              <a:rPr lang="en-US" dirty="0">
+                <a:hlinkClick r:id="rId4"/>
+              </a:rPr>
+              <a:t>twilio integration faded away</a:t>
+            </a:r>
+            <a:endParaRPr lang="en-US" dirty="0"/>
           </a:p>
         </p:txBody>
       </p:sp>
     </p:spTree>
     <p:extLst>
       <p:ext uri="{BB962C8B-B14F-4D97-AF65-F5344CB8AC3E}">
-        <p14:creationId xmlns:p14="http://schemas.microsoft.com/office/powerpoint/2010/main" val="3087380149"/>
+        <p14:creationId xmlns:p14="http://schemas.microsoft.com/office/powerpoint/2010/main" val="1487436506"/>
       </p:ext>
     </p:extLst>
   </p:cSld>
@@ -12362,6 +12683,264 @@
           <a:p>
             <a:r>
               <a:rPr lang="en-US" dirty="0"/>
+              <a:t>Case studies</a:t>
+            </a:r>
+          </a:p>
+        </p:txBody>
+      </p:sp>
+      <p:sp>
+        <p:nvSpPr>
+          <p:cNvPr id="3" name="Content Placeholder 2">
+            <a:extLst>
+              <a:ext uri="{FF2B5EF4-FFF2-40B4-BE49-F238E27FC236}">
+                <a16:creationId xmlns:a16="http://schemas.microsoft.com/office/drawing/2014/main" id="{AE3F0B5C-ACCE-4F53-A9D1-641797D8C52C}"/>
+              </a:ext>
+            </a:extLst>
+          </p:cNvPr>
+          <p:cNvSpPr>
+            <a:spLocks noGrp="1"/>
+          </p:cNvSpPr>
+          <p:nvPr>
+            <p:ph idx="1"/>
+          </p:nvPr>
+        </p:nvSpPr>
+        <p:spPr/>
+        <p:txBody>
+          <a:bodyPr/>
+          <a:lstStyle/>
+          <a:p>
+            <a:pPr marL="0" indent="0">
+              <a:buNone/>
+            </a:pPr>
+            <a:r>
+              <a:rPr lang="en-US" dirty="0"/>
+              <a:t>Note </a:t>
+            </a:r>
+            <a:r>
+              <a:rPr lang="en-US" i="1" dirty="0"/>
+              <a:t>who</a:t>
+            </a:r>
+            <a:r>
+              <a:rPr lang="en-US" dirty="0"/>
+              <a:t> uses your product</a:t>
+            </a:r>
+          </a:p>
+          <a:p>
+            <a:pPr marL="0" indent="0">
+              <a:buNone/>
+            </a:pPr>
+            <a:endParaRPr lang="en-US" dirty="0"/>
+          </a:p>
+          <a:p>
+            <a:pPr marL="0" indent="0">
+              <a:buNone/>
+            </a:pPr>
+            <a:r>
+              <a:rPr lang="en-US" dirty="0"/>
+              <a:t>- Google is regularly under attack because of Gmail accounts (even in </a:t>
+            </a:r>
+            <a:r>
+              <a:rPr lang="en-US" dirty="0">
+                <a:hlinkClick r:id="rId3"/>
+              </a:rPr>
+              <a:t>2010</a:t>
+            </a:r>
+            <a:r>
+              <a:rPr lang="en-US" dirty="0"/>
+              <a:t>)</a:t>
+            </a:r>
+          </a:p>
+          <a:p>
+            <a:pPr marL="0" indent="0">
+              <a:buNone/>
+            </a:pPr>
+            <a:r>
+              <a:rPr lang="en-US" dirty="0"/>
+              <a:t>- </a:t>
+            </a:r>
+            <a:r>
+              <a:rPr lang="en-US" dirty="0">
+                <a:hlinkClick r:id="rId4"/>
+              </a:rPr>
+              <a:t>Strava leaked US army bases</a:t>
+            </a:r>
+            <a:r>
+              <a:rPr lang="en-US" dirty="0"/>
+              <a:t> because of location tracking</a:t>
+            </a:r>
+          </a:p>
+        </p:txBody>
+      </p:sp>
+    </p:spTree>
+    <p:extLst>
+      <p:ext uri="{BB962C8B-B14F-4D97-AF65-F5344CB8AC3E}">
+        <p14:creationId xmlns:p14="http://schemas.microsoft.com/office/powerpoint/2010/main" val="1719204525"/>
+      </p:ext>
+    </p:extLst>
+  </p:cSld>
+  <p:clrMapOvr>
+    <a:masterClrMapping/>
+  </p:clrMapOvr>
+</p:sld>
+</file>
+
+<file path=ppt/slides/slide38.xml><?xml version="1.0" encoding="utf-8"?>
+<p:sld xmlns:a="http://schemas.openxmlformats.org/drawingml/2006/main" xmlns:r="http://schemas.openxmlformats.org/officeDocument/2006/relationships" xmlns:p="http://schemas.openxmlformats.org/presentationml/2006/main">
+  <p:cSld>
+    <p:spTree>
+      <p:nvGrpSpPr>
+        <p:cNvPr id="1" name=""/>
+        <p:cNvGrpSpPr/>
+        <p:nvPr/>
+      </p:nvGrpSpPr>
+      <p:grpSpPr>
+        <a:xfrm>
+          <a:off x="0" y="0"/>
+          <a:ext cx="0" cy="0"/>
+          <a:chOff x="0" y="0"/>
+          <a:chExt cx="0" cy="0"/>
+        </a:xfrm>
+      </p:grpSpPr>
+      <p:sp>
+        <p:nvSpPr>
+          <p:cNvPr id="2" name="Title 1">
+            <a:extLst>
+              <a:ext uri="{FF2B5EF4-FFF2-40B4-BE49-F238E27FC236}">
+                <a16:creationId xmlns:a16="http://schemas.microsoft.com/office/drawing/2014/main" id="{AA6563E3-5640-49D5-919B-725DAF540F41}"/>
+              </a:ext>
+            </a:extLst>
+          </p:cNvPr>
+          <p:cNvSpPr>
+            <a:spLocks noGrp="1"/>
+          </p:cNvSpPr>
+          <p:nvPr>
+            <p:ph type="title"/>
+          </p:nvPr>
+        </p:nvSpPr>
+        <p:spPr/>
+        <p:txBody>
+          <a:bodyPr/>
+          <a:lstStyle/>
+          <a:p>
+            <a:r>
+              <a:rPr lang="en-US" dirty="0"/>
+              <a:t>Course plan</a:t>
+            </a:r>
+          </a:p>
+        </p:txBody>
+      </p:sp>
+      <p:sp>
+        <p:nvSpPr>
+          <p:cNvPr id="3" name="Content Placeholder 2">
+            <a:extLst>
+              <a:ext uri="{FF2B5EF4-FFF2-40B4-BE49-F238E27FC236}">
+                <a16:creationId xmlns:a16="http://schemas.microsoft.com/office/drawing/2014/main" id="{9BB4E940-33D8-465B-94DA-339CB0D43AF2}"/>
+              </a:ext>
+            </a:extLst>
+          </p:cNvPr>
+          <p:cNvSpPr>
+            <a:spLocks noGrp="1"/>
+          </p:cNvSpPr>
+          <p:nvPr>
+            <p:ph idx="1"/>
+          </p:nvPr>
+        </p:nvSpPr>
+        <p:spPr/>
+        <p:txBody>
+          <a:bodyPr/>
+          <a:lstStyle/>
+          <a:p>
+            <a:pPr marL="0" indent="0">
+              <a:buNone/>
+            </a:pPr>
+            <a:r>
+              <a:rPr lang="en-US" dirty="0"/>
+              <a:t>Learning session 3</a:t>
+            </a:r>
+          </a:p>
+          <a:p>
+            <a:pPr marL="0" indent="0">
+              <a:buNone/>
+            </a:pPr>
+            <a:endParaRPr lang="en-US" dirty="0"/>
+          </a:p>
+          <a:p>
+            <a:pPr marL="0" indent="0">
+              <a:buNone/>
+            </a:pPr>
+            <a:r>
+              <a:rPr lang="en-US" dirty="0"/>
+              <a:t>Security</a:t>
+            </a:r>
+          </a:p>
+          <a:p>
+            <a:pPr marL="0" indent="0">
+              <a:buNone/>
+            </a:pPr>
+            <a:r>
+              <a:rPr lang="en-US" dirty="0">
+                <a:solidFill>
+                  <a:srgbClr val="FF0000"/>
+                </a:solidFill>
+              </a:rPr>
+              <a:t>Identity and Access Management (IAM)</a:t>
+            </a:r>
+          </a:p>
+        </p:txBody>
+      </p:sp>
+    </p:spTree>
+    <p:extLst>
+      <p:ext uri="{BB962C8B-B14F-4D97-AF65-F5344CB8AC3E}">
+        <p14:creationId xmlns:p14="http://schemas.microsoft.com/office/powerpoint/2010/main" val="3087380149"/>
+      </p:ext>
+    </p:extLst>
+  </p:cSld>
+  <p:clrMapOvr>
+    <a:masterClrMapping/>
+  </p:clrMapOvr>
+</p:sld>
+</file>
+
+<file path=ppt/slides/slide39.xml><?xml version="1.0" encoding="utf-8"?>
+<p:sld xmlns:a="http://schemas.openxmlformats.org/drawingml/2006/main" xmlns:r="http://schemas.openxmlformats.org/officeDocument/2006/relationships" xmlns:p="http://schemas.openxmlformats.org/presentationml/2006/main">
+  <p:cSld>
+    <p:spTree>
+      <p:nvGrpSpPr>
+        <p:cNvPr id="1" name=""/>
+        <p:cNvGrpSpPr/>
+        <p:nvPr/>
+      </p:nvGrpSpPr>
+      <p:grpSpPr>
+        <a:xfrm>
+          <a:off x="0" y="0"/>
+          <a:ext cx="0" cy="0"/>
+          <a:chOff x="0" y="0"/>
+          <a:chExt cx="0" cy="0"/>
+        </a:xfrm>
+      </p:grpSpPr>
+      <p:sp>
+        <p:nvSpPr>
+          <p:cNvPr id="2" name="Title 1">
+            <a:extLst>
+              <a:ext uri="{FF2B5EF4-FFF2-40B4-BE49-F238E27FC236}">
+                <a16:creationId xmlns:a16="http://schemas.microsoft.com/office/drawing/2014/main" id="{A26A8A0A-320E-4536-BFF8-C2E9FC542DEC}"/>
+              </a:ext>
+            </a:extLst>
+          </p:cNvPr>
+          <p:cNvSpPr>
+            <a:spLocks noGrp="1"/>
+          </p:cNvSpPr>
+          <p:nvPr>
+            <p:ph type="title"/>
+          </p:nvPr>
+        </p:nvSpPr>
+        <p:spPr/>
+        <p:txBody>
+          <a:bodyPr/>
+          <a:lstStyle/>
+          <a:p>
+            <a:r>
+              <a:rPr lang="en-US" dirty="0"/>
               <a:t>Identity Access Management Lesson Plan</a:t>
             </a:r>
           </a:p>
@@ -12469,7 +13048,165 @@
 </p:sld>
 </file>
 
-<file path=ppt/slides/slide38.xml><?xml version="1.0" encoding="utf-8"?>
+<file path=ppt/slides/slide4.xml><?xml version="1.0" encoding="utf-8"?>
+<p:sld xmlns:a="http://schemas.openxmlformats.org/drawingml/2006/main" xmlns:r="http://schemas.openxmlformats.org/officeDocument/2006/relationships" xmlns:p="http://schemas.openxmlformats.org/presentationml/2006/main">
+  <p:cSld>
+    <p:spTree>
+      <p:nvGrpSpPr>
+        <p:cNvPr id="1" name=""/>
+        <p:cNvGrpSpPr/>
+        <p:nvPr/>
+      </p:nvGrpSpPr>
+      <p:grpSpPr>
+        <a:xfrm>
+          <a:off x="0" y="0"/>
+          <a:ext cx="0" cy="0"/>
+          <a:chOff x="0" y="0"/>
+          <a:chExt cx="0" cy="0"/>
+        </a:xfrm>
+      </p:grpSpPr>
+      <p:sp>
+        <p:nvSpPr>
+          <p:cNvPr id="2" name="Title 1">
+            <a:extLst>
+              <a:ext uri="{FF2B5EF4-FFF2-40B4-BE49-F238E27FC236}">
+                <a16:creationId xmlns:a16="http://schemas.microsoft.com/office/drawing/2014/main" id="{A26A8A0A-320E-4536-BFF8-C2E9FC542DEC}"/>
+              </a:ext>
+            </a:extLst>
+          </p:cNvPr>
+          <p:cNvSpPr>
+            <a:spLocks noGrp="1"/>
+          </p:cNvSpPr>
+          <p:nvPr>
+            <p:ph type="title"/>
+          </p:nvPr>
+        </p:nvSpPr>
+        <p:spPr/>
+        <p:txBody>
+          <a:bodyPr/>
+          <a:lstStyle/>
+          <a:p>
+            <a:r>
+              <a:rPr lang="en-US" dirty="0"/>
+              <a:t>Security lesson plan</a:t>
+            </a:r>
+          </a:p>
+        </p:txBody>
+      </p:sp>
+      <p:sp>
+        <p:nvSpPr>
+          <p:cNvPr id="3" name="Content Placeholder 2">
+            <a:extLst>
+              <a:ext uri="{FF2B5EF4-FFF2-40B4-BE49-F238E27FC236}">
+                <a16:creationId xmlns:a16="http://schemas.microsoft.com/office/drawing/2014/main" id="{AE3F0B5C-ACCE-4F53-A9D1-641797D8C52C}"/>
+              </a:ext>
+            </a:extLst>
+          </p:cNvPr>
+          <p:cNvSpPr>
+            <a:spLocks noGrp="1"/>
+          </p:cNvSpPr>
+          <p:nvPr>
+            <p:ph idx="1"/>
+          </p:nvPr>
+        </p:nvSpPr>
+        <p:spPr/>
+        <p:txBody>
+          <a:bodyPr>
+            <a:normAutofit fontScale="92500" lnSpcReduction="10000"/>
+          </a:bodyPr>
+          <a:lstStyle/>
+          <a:p>
+            <a:r>
+              <a:rPr lang="en-US" dirty="0"/>
+              <a:t>Breach scenarios</a:t>
+            </a:r>
+          </a:p>
+          <a:p>
+            <a:r>
+              <a:rPr lang="en-US" dirty="0"/>
+              <a:t>What is security in “cloud”</a:t>
+            </a:r>
+          </a:p>
+          <a:p>
+            <a:r>
+              <a:rPr lang="en-US" dirty="0"/>
+              <a:t>Security areas</a:t>
+            </a:r>
+          </a:p>
+          <a:p>
+            <a:r>
+              <a:rPr lang="en-US" dirty="0"/>
+              <a:t>Security levels: infrastructure, application, data, user</a:t>
+            </a:r>
+          </a:p>
+          <a:p>
+            <a:r>
+              <a:rPr lang="en-US" dirty="0"/>
+              <a:t>Case studies:</a:t>
+            </a:r>
+          </a:p>
+          <a:p>
+            <a:pPr lvl="1"/>
+            <a:r>
+              <a:rPr lang="en-US" dirty="0"/>
+              <a:t>Public Key Infrastructure (PKI)</a:t>
+            </a:r>
+          </a:p>
+          <a:p>
+            <a:pPr lvl="1"/>
+            <a:r>
+              <a:rPr lang="en-US" dirty="0"/>
+              <a:t>Secrets management</a:t>
+            </a:r>
+          </a:p>
+          <a:p>
+            <a:pPr lvl="1"/>
+            <a:r>
+              <a:rPr lang="en-US" dirty="0"/>
+              <a:t>Configuration management</a:t>
+            </a:r>
+          </a:p>
+          <a:p>
+            <a:pPr lvl="1"/>
+            <a:r>
+              <a:rPr lang="en-US" dirty="0"/>
+              <a:t>Disaster recovery</a:t>
+            </a:r>
+          </a:p>
+          <a:p>
+            <a:pPr lvl="1"/>
+            <a:r>
+              <a:rPr lang="en-US" dirty="0"/>
+              <a:t>Custom policies</a:t>
+            </a:r>
+          </a:p>
+          <a:p>
+            <a:pPr lvl="1"/>
+            <a:r>
+              <a:rPr lang="en-US" dirty="0"/>
+              <a:t>Expect security services to fail</a:t>
+            </a:r>
+          </a:p>
+          <a:p>
+            <a:pPr lvl="1"/>
+            <a:endParaRPr lang="en-US" dirty="0"/>
+          </a:p>
+        </p:txBody>
+      </p:sp>
+    </p:spTree>
+    <p:extLst>
+      <p:ext uri="{BB962C8B-B14F-4D97-AF65-F5344CB8AC3E}">
+        <p14:creationId xmlns:p14="http://schemas.microsoft.com/office/powerpoint/2010/main" val="1747519140"/>
+      </p:ext>
+    </p:extLst>
+  </p:cSld>
+  <p:clrMapOvr>
+    <a:masterClrMapping/>
+  </p:clrMapOvr>
+</p:sld>
+</file>
+
+<file path=ppt/slides/slide40.xml><?xml version="1.0" encoding="utf-8"?>
 <p:sld xmlns:a="http://schemas.openxmlformats.org/drawingml/2006/main" xmlns:r="http://schemas.openxmlformats.org/officeDocument/2006/relationships" xmlns:p="http://schemas.openxmlformats.org/presentationml/2006/main">
   <p:cSld>
     <p:spTree>
@@ -12529,7 +13266,7 @@
 </p:sld>
 </file>
 
-<file path=ppt/slides/slide39.xml><?xml version="1.0" encoding="utf-8"?>
+<file path=ppt/slides/slide41.xml><?xml version="1.0" encoding="utf-8"?>
 <p:sld xmlns:a="http://schemas.openxmlformats.org/drawingml/2006/main" xmlns:r="http://schemas.openxmlformats.org/officeDocument/2006/relationships" xmlns:p="http://schemas.openxmlformats.org/presentationml/2006/main">
   <p:cSld>
     <p:spTree>
@@ -12589,165 +13326,7 @@
 </p:sld>
 </file>
 
-<file path=ppt/slides/slide4.xml><?xml version="1.0" encoding="utf-8"?>
-<p:sld xmlns:a="http://schemas.openxmlformats.org/drawingml/2006/main" xmlns:r="http://schemas.openxmlformats.org/officeDocument/2006/relationships" xmlns:p="http://schemas.openxmlformats.org/presentationml/2006/main">
-  <p:cSld>
-    <p:spTree>
-      <p:nvGrpSpPr>
-        <p:cNvPr id="1" name=""/>
-        <p:cNvGrpSpPr/>
-        <p:nvPr/>
-      </p:nvGrpSpPr>
-      <p:grpSpPr>
-        <a:xfrm>
-          <a:off x="0" y="0"/>
-          <a:ext cx="0" cy="0"/>
-          <a:chOff x="0" y="0"/>
-          <a:chExt cx="0" cy="0"/>
-        </a:xfrm>
-      </p:grpSpPr>
-      <p:sp>
-        <p:nvSpPr>
-          <p:cNvPr id="2" name="Title 1">
-            <a:extLst>
-              <a:ext uri="{FF2B5EF4-FFF2-40B4-BE49-F238E27FC236}">
-                <a16:creationId xmlns:a16="http://schemas.microsoft.com/office/drawing/2014/main" id="{A26A8A0A-320E-4536-BFF8-C2E9FC542DEC}"/>
-              </a:ext>
-            </a:extLst>
-          </p:cNvPr>
-          <p:cNvSpPr>
-            <a:spLocks noGrp="1"/>
-          </p:cNvSpPr>
-          <p:nvPr>
-            <p:ph type="title"/>
-          </p:nvPr>
-        </p:nvSpPr>
-        <p:spPr/>
-        <p:txBody>
-          <a:bodyPr/>
-          <a:lstStyle/>
-          <a:p>
-            <a:r>
-              <a:rPr lang="en-US" dirty="0"/>
-              <a:t>Security lesson plan</a:t>
-            </a:r>
-          </a:p>
-        </p:txBody>
-      </p:sp>
-      <p:sp>
-        <p:nvSpPr>
-          <p:cNvPr id="3" name="Content Placeholder 2">
-            <a:extLst>
-              <a:ext uri="{FF2B5EF4-FFF2-40B4-BE49-F238E27FC236}">
-                <a16:creationId xmlns:a16="http://schemas.microsoft.com/office/drawing/2014/main" id="{AE3F0B5C-ACCE-4F53-A9D1-641797D8C52C}"/>
-              </a:ext>
-            </a:extLst>
-          </p:cNvPr>
-          <p:cNvSpPr>
-            <a:spLocks noGrp="1"/>
-          </p:cNvSpPr>
-          <p:nvPr>
-            <p:ph idx="1"/>
-          </p:nvPr>
-        </p:nvSpPr>
-        <p:spPr/>
-        <p:txBody>
-          <a:bodyPr>
-            <a:normAutofit fontScale="92500" lnSpcReduction="10000"/>
-          </a:bodyPr>
-          <a:lstStyle/>
-          <a:p>
-            <a:r>
-              <a:rPr lang="en-US" dirty="0"/>
-              <a:t>Breach scenarios</a:t>
-            </a:r>
-          </a:p>
-          <a:p>
-            <a:r>
-              <a:rPr lang="en-US" dirty="0"/>
-              <a:t>What is security in “cloud”</a:t>
-            </a:r>
-          </a:p>
-          <a:p>
-            <a:r>
-              <a:rPr lang="en-US" dirty="0"/>
-              <a:t>Security areas</a:t>
-            </a:r>
-          </a:p>
-          <a:p>
-            <a:r>
-              <a:rPr lang="en-US" dirty="0"/>
-              <a:t>Security levels: infrastructure, application, data, user</a:t>
-            </a:r>
-          </a:p>
-          <a:p>
-            <a:r>
-              <a:rPr lang="en-US" dirty="0"/>
-              <a:t>Case studies:</a:t>
-            </a:r>
-          </a:p>
-          <a:p>
-            <a:pPr lvl="1"/>
-            <a:r>
-              <a:rPr lang="en-US" dirty="0"/>
-              <a:t>Public Key Infrastructure (PKI)</a:t>
-            </a:r>
-          </a:p>
-          <a:p>
-            <a:pPr lvl="1"/>
-            <a:r>
-              <a:rPr lang="en-US" dirty="0"/>
-              <a:t>Secrets management</a:t>
-            </a:r>
-          </a:p>
-          <a:p>
-            <a:pPr lvl="1"/>
-            <a:r>
-              <a:rPr lang="en-US" dirty="0"/>
-              <a:t>Configuration management</a:t>
-            </a:r>
-          </a:p>
-          <a:p>
-            <a:pPr lvl="1"/>
-            <a:r>
-              <a:rPr lang="en-US" dirty="0"/>
-              <a:t>Disaster recovery</a:t>
-            </a:r>
-          </a:p>
-          <a:p>
-            <a:pPr lvl="1"/>
-            <a:r>
-              <a:rPr lang="en-US" dirty="0"/>
-              <a:t>Custom policies</a:t>
-            </a:r>
-          </a:p>
-          <a:p>
-            <a:pPr lvl="1"/>
-            <a:r>
-              <a:rPr lang="en-US" dirty="0"/>
-              <a:t>Expect security services to fail</a:t>
-            </a:r>
-          </a:p>
-          <a:p>
-            <a:pPr lvl="1"/>
-            <a:endParaRPr lang="en-US" dirty="0"/>
-          </a:p>
-        </p:txBody>
-      </p:sp>
-    </p:spTree>
-    <p:extLst>
-      <p:ext uri="{BB962C8B-B14F-4D97-AF65-F5344CB8AC3E}">
-        <p14:creationId xmlns:p14="http://schemas.microsoft.com/office/powerpoint/2010/main" val="1747519140"/>
-      </p:ext>
-    </p:extLst>
-  </p:cSld>
-  <p:clrMapOvr>
-    <a:masterClrMapping/>
-  </p:clrMapOvr>
-</p:sld>
-</file>
-
-<file path=ppt/slides/slide40.xml><?xml version="1.0" encoding="utf-8"?>
+<file path=ppt/slides/slide42.xml><?xml version="1.0" encoding="utf-8"?>
 <p:sld xmlns:a="http://schemas.openxmlformats.org/drawingml/2006/main" xmlns:r="http://schemas.openxmlformats.org/officeDocument/2006/relationships" xmlns:p="http://schemas.openxmlformats.org/presentationml/2006/main">
   <p:cSld>
     <p:spTree>
@@ -12807,7 +13386,7 @@
 </p:sld>
 </file>
 
-<file path=ppt/slides/slide41.xml><?xml version="1.0" encoding="utf-8"?>
+<file path=ppt/slides/slide43.xml><?xml version="1.0" encoding="utf-8"?>
 <p:sld xmlns:a="http://schemas.openxmlformats.org/drawingml/2006/main" xmlns:r="http://schemas.openxmlformats.org/officeDocument/2006/relationships" xmlns:p="http://schemas.openxmlformats.org/presentationml/2006/main">
   <p:cSld>
     <p:spTree>
@@ -12867,7 +13446,7 @@
 </p:sld>
 </file>
 
-<file path=ppt/slides/slide42.xml><?xml version="1.0" encoding="utf-8"?>
+<file path=ppt/slides/slide44.xml><?xml version="1.0" encoding="utf-8"?>
 <p:sld xmlns:a="http://schemas.openxmlformats.org/drawingml/2006/main" xmlns:r="http://schemas.openxmlformats.org/officeDocument/2006/relationships" xmlns:p="http://schemas.openxmlformats.org/presentationml/2006/main">
   <p:cSld>
     <p:spTree>
@@ -12927,7 +13506,7 @@
 </p:sld>
 </file>
 
-<file path=ppt/slides/slide43.xml><?xml version="1.0" encoding="utf-8"?>
+<file path=ppt/slides/slide45.xml><?xml version="1.0" encoding="utf-8"?>
 <p:sld xmlns:a="http://schemas.openxmlformats.org/drawingml/2006/main" xmlns:r="http://schemas.openxmlformats.org/officeDocument/2006/relationships" xmlns:p="http://schemas.openxmlformats.org/presentationml/2006/main">
   <p:cSld>
     <p:spTree>
@@ -12987,7 +13566,7 @@
 </p:sld>
 </file>
 
-<file path=ppt/slides/slide44.xml><?xml version="1.0" encoding="utf-8"?>
+<file path=ppt/slides/slide46.xml><?xml version="1.0" encoding="utf-8"?>
 <p:sld xmlns:a="http://schemas.openxmlformats.org/drawingml/2006/main" xmlns:r="http://schemas.openxmlformats.org/officeDocument/2006/relationships" xmlns:p="http://schemas.openxmlformats.org/presentationml/2006/main">
   <p:cSld>
     <p:spTree>
@@ -13047,7 +13626,7 @@
 </p:sld>
 </file>
 
-<file path=ppt/slides/slide45.xml><?xml version="1.0" encoding="utf-8"?>
+<file path=ppt/slides/slide47.xml><?xml version="1.0" encoding="utf-8"?>
 <p:sld xmlns:a="http://schemas.openxmlformats.org/drawingml/2006/main" xmlns:r="http://schemas.openxmlformats.org/officeDocument/2006/relationships" xmlns:p="http://schemas.openxmlformats.org/presentationml/2006/main">
   <p:cSld>
     <p:spTree>
@@ -13107,7 +13686,7 @@
 </p:sld>
 </file>
 
-<file path=ppt/slides/slide46.xml><?xml version="1.0" encoding="utf-8"?>
+<file path=ppt/slides/slide48.xml><?xml version="1.0" encoding="utf-8"?>
 <p:sld xmlns:a="http://schemas.openxmlformats.org/drawingml/2006/main" xmlns:r="http://schemas.openxmlformats.org/officeDocument/2006/relationships" xmlns:p="http://schemas.openxmlformats.org/presentationml/2006/main">
   <p:cSld>
     <p:spTree>
@@ -13167,7 +13746,7 @@
 </p:sld>
 </file>
 
-<file path=ppt/slides/slide47.xml><?xml version="1.0" encoding="utf-8"?>
+<file path=ppt/slides/slide49.xml><?xml version="1.0" encoding="utf-8"?>
 <p:sld xmlns:a="http://schemas.openxmlformats.org/drawingml/2006/main" xmlns:r="http://schemas.openxmlformats.org/officeDocument/2006/relationships" xmlns:p="http://schemas.openxmlformats.org/presentationml/2006/main">
   <p:cSld>
     <p:spTree>
@@ -13227,7 +13806,210 @@
 </p:sld>
 </file>
 
-<file path=ppt/slides/slide48.xml><?xml version="1.0" encoding="utf-8"?>
+<file path=ppt/slides/slide5.xml><?xml version="1.0" encoding="utf-8"?>
+<p:sld xmlns:a="http://schemas.openxmlformats.org/drawingml/2006/main" xmlns:r="http://schemas.openxmlformats.org/officeDocument/2006/relationships" xmlns:p="http://schemas.openxmlformats.org/presentationml/2006/main">
+  <p:cSld>
+    <p:spTree>
+      <p:nvGrpSpPr>
+        <p:cNvPr id="1" name=""/>
+        <p:cNvGrpSpPr/>
+        <p:nvPr/>
+      </p:nvGrpSpPr>
+      <p:grpSpPr>
+        <a:xfrm>
+          <a:off x="0" y="0"/>
+          <a:ext cx="0" cy="0"/>
+          <a:chOff x="0" y="0"/>
+          <a:chExt cx="0" cy="0"/>
+        </a:xfrm>
+      </p:grpSpPr>
+      <p:sp>
+        <p:nvSpPr>
+          <p:cNvPr id="2" name="Title 1">
+            <a:extLst>
+              <a:ext uri="{FF2B5EF4-FFF2-40B4-BE49-F238E27FC236}">
+                <a16:creationId xmlns:a16="http://schemas.microsoft.com/office/drawing/2014/main" id="{A26A8A0A-320E-4536-BFF8-C2E9FC542DEC}"/>
+              </a:ext>
+            </a:extLst>
+          </p:cNvPr>
+          <p:cNvSpPr>
+            <a:spLocks noGrp="1"/>
+          </p:cNvSpPr>
+          <p:nvPr>
+            <p:ph type="title"/>
+          </p:nvPr>
+        </p:nvSpPr>
+        <p:spPr/>
+        <p:txBody>
+          <a:bodyPr/>
+          <a:lstStyle/>
+          <a:p>
+            <a:r>
+              <a:rPr lang="en-US" dirty="0"/>
+              <a:t>Breach scenarios</a:t>
+            </a:r>
+          </a:p>
+        </p:txBody>
+      </p:sp>
+      <p:sp>
+        <p:nvSpPr>
+          <p:cNvPr id="3" name="Content Placeholder 2">
+            <a:extLst>
+              <a:ext uri="{FF2B5EF4-FFF2-40B4-BE49-F238E27FC236}">
+                <a16:creationId xmlns:a16="http://schemas.microsoft.com/office/drawing/2014/main" id="{AE3F0B5C-ACCE-4F53-A9D1-641797D8C52C}"/>
+              </a:ext>
+            </a:extLst>
+          </p:cNvPr>
+          <p:cNvSpPr>
+            <a:spLocks noGrp="1"/>
+          </p:cNvSpPr>
+          <p:nvPr>
+            <p:ph idx="1"/>
+          </p:nvPr>
+        </p:nvSpPr>
+        <p:spPr/>
+        <p:txBody>
+          <a:bodyPr/>
+          <a:lstStyle/>
+          <a:p>
+            <a:pPr marL="0" indent="0">
+              <a:buNone/>
+            </a:pPr>
+            <a:r>
+              <a:rPr lang="en-US" b="1" dirty="0"/>
+              <a:t>Ransomware</a:t>
+            </a:r>
+            <a:r>
+              <a:rPr lang="en-US" dirty="0"/>
+              <a:t>: threat to publish data or blocks access</a:t>
+            </a:r>
+          </a:p>
+        </p:txBody>
+      </p:sp>
+      <p:pic>
+        <p:nvPicPr>
+          <p:cNvPr id="5" name="Picture 4">
+            <a:extLst>
+              <a:ext uri="{FF2B5EF4-FFF2-40B4-BE49-F238E27FC236}">
+                <a16:creationId xmlns:a16="http://schemas.microsoft.com/office/drawing/2014/main" id="{1C00CA82-98E5-4B14-A49B-0E7A736405D5}"/>
+              </a:ext>
+            </a:extLst>
+          </p:cNvPr>
+          <p:cNvPicPr>
+            <a:picLocks noChangeAspect="1"/>
+          </p:cNvPicPr>
+          <p:nvPr/>
+        </p:nvPicPr>
+        <p:blipFill>
+          <a:blip r:embed="rId3"/>
+          <a:stretch>
+            <a:fillRect/>
+          </a:stretch>
+        </p:blipFill>
+        <p:spPr>
+          <a:xfrm>
+            <a:off x="1761520" y="2880853"/>
+            <a:ext cx="8668960" cy="3296110"/>
+          </a:xfrm>
+          <a:prstGeom prst="rect">
+            <a:avLst/>
+          </a:prstGeom>
+        </p:spPr>
+      </p:pic>
+      <p:sp>
+        <p:nvSpPr>
+          <p:cNvPr id="6" name="TextBox 5">
+            <a:extLst>
+              <a:ext uri="{FF2B5EF4-FFF2-40B4-BE49-F238E27FC236}">
+                <a16:creationId xmlns:a16="http://schemas.microsoft.com/office/drawing/2014/main" id="{A00EB3DF-681E-4492-AA52-2EAF5B70531C}"/>
+              </a:ext>
+            </a:extLst>
+          </p:cNvPr>
+          <p:cNvSpPr txBox="1"/>
+          <p:nvPr/>
+        </p:nvSpPr>
+        <p:spPr>
+          <a:xfrm>
+            <a:off x="3429816" y="6311900"/>
+            <a:ext cx="8668960" cy="307777"/>
+          </a:xfrm>
+          <a:prstGeom prst="rect">
+            <a:avLst/>
+          </a:prstGeom>
+          <a:noFill/>
+        </p:spPr>
+        <p:txBody>
+          <a:bodyPr wrap="square">
+            <a:spAutoFit/>
+          </a:bodyPr>
+          <a:lstStyle/>
+          <a:p>
+            <a:pPr marL="0" marR="0" lvl="0" indent="0" algn="l" defTabSz="914400" rtl="0" eaLnBrk="1" fontAlgn="auto" latinLnBrk="0" hangingPunct="1">
+              <a:lnSpc>
+                <a:spcPct val="100000"/>
+              </a:lnSpc>
+              <a:spcBef>
+                <a:spcPts val="0"/>
+              </a:spcBef>
+              <a:spcAft>
+                <a:spcPts val="0"/>
+              </a:spcAft>
+              <a:buClrTx/>
+              <a:buSzTx/>
+              <a:buFontTx/>
+              <a:buNone/>
+              <a:tabLst/>
+              <a:defRPr/>
+            </a:pPr>
+            <a:r>
+              <a:rPr kumimoji="0" lang="en-US" sz="1400" b="0" i="0" u="none" strike="noStrike" kern="1200" cap="none" spc="0" normalizeH="0" baseline="0" noProof="0" dirty="0">
+                <a:ln>
+                  <a:noFill/>
+                </a:ln>
+                <a:solidFill>
+                  <a:prstClr val="black"/>
+                </a:solidFill>
+                <a:effectLst/>
+                <a:uLnTx/>
+                <a:uFillTx/>
+                <a:latin typeface="Calibri" panose="020F0502020204030204"/>
+                <a:ea typeface="+mn-ea"/>
+                <a:cs typeface="+mn-cs"/>
+                <a:hlinkClick r:id="rId4"/>
+              </a:rPr>
+              <a:t>https://www.theverge.com/2020/8/4/21353842/garmin-ransomware-attack-wearables-wastedlocker-evil-corp</a:t>
+            </a:r>
+            <a:endParaRPr kumimoji="0" lang="en-US" sz="1400" b="0" i="0" u="none" strike="noStrike" kern="1200" cap="none" spc="0" normalizeH="0" baseline="0" noProof="0" dirty="0">
+              <a:ln>
+                <a:noFill/>
+              </a:ln>
+              <a:solidFill>
+                <a:prstClr val="black"/>
+              </a:solidFill>
+              <a:effectLst/>
+              <a:uLnTx/>
+              <a:uFillTx/>
+              <a:latin typeface="Calibri" panose="020F0502020204030204"/>
+              <a:ea typeface="+mn-ea"/>
+              <a:cs typeface="+mn-cs"/>
+            </a:endParaRPr>
+          </a:p>
+        </p:txBody>
+      </p:sp>
+    </p:spTree>
+    <p:extLst>
+      <p:ext uri="{BB962C8B-B14F-4D97-AF65-F5344CB8AC3E}">
+        <p14:creationId xmlns:p14="http://schemas.microsoft.com/office/powerpoint/2010/main" val="336106310"/>
+      </p:ext>
+    </p:extLst>
+  </p:cSld>
+  <p:clrMapOvr>
+    <a:masterClrMapping/>
+  </p:clrMapOvr>
+</p:sld>
+</file>
+
+<file path=ppt/slides/slide50.xml><?xml version="1.0" encoding="utf-8"?>
 <p:sld xmlns:a="http://schemas.openxmlformats.org/drawingml/2006/main" xmlns:r="http://schemas.openxmlformats.org/officeDocument/2006/relationships" xmlns:p="http://schemas.openxmlformats.org/presentationml/2006/main">
   <p:cSld>
     <p:spTree>
@@ -13287,396 +14069,6 @@
 </p:sld>
 </file>
 
-<file path=ppt/slides/slide49.xml><?xml version="1.0" encoding="utf-8"?>
-<p:sld xmlns:a="http://schemas.openxmlformats.org/drawingml/2006/main" xmlns:r="http://schemas.openxmlformats.org/officeDocument/2006/relationships" xmlns:p="http://schemas.openxmlformats.org/presentationml/2006/main">
-  <p:cSld>
-    <p:spTree>
-      <p:nvGrpSpPr>
-        <p:cNvPr id="1" name=""/>
-        <p:cNvGrpSpPr/>
-        <p:nvPr/>
-      </p:nvGrpSpPr>
-      <p:grpSpPr>
-        <a:xfrm>
-          <a:off x="0" y="0"/>
-          <a:ext cx="0" cy="0"/>
-          <a:chOff x="0" y="0"/>
-          <a:chExt cx="0" cy="0"/>
-        </a:xfrm>
-      </p:grpSpPr>
-      <p:sp>
-        <p:nvSpPr>
-          <p:cNvPr id="2" name="Title 1">
-            <a:extLst>
-              <a:ext uri="{FF2B5EF4-FFF2-40B4-BE49-F238E27FC236}">
-                <a16:creationId xmlns:a16="http://schemas.microsoft.com/office/drawing/2014/main" id="{A26A8A0A-320E-4536-BFF8-C2E9FC542DEC}"/>
-              </a:ext>
-            </a:extLst>
-          </p:cNvPr>
-          <p:cNvSpPr>
-            <a:spLocks noGrp="1"/>
-          </p:cNvSpPr>
-          <p:nvPr>
-            <p:ph type="title"/>
-          </p:nvPr>
-        </p:nvSpPr>
-        <p:spPr/>
-        <p:txBody>
-          <a:bodyPr/>
-          <a:lstStyle/>
-          <a:p>
-            <a:r>
-              <a:rPr lang="en-US" dirty="0"/>
-              <a:t>Identity Access Management</a:t>
-            </a:r>
-          </a:p>
-        </p:txBody>
-      </p:sp>
-      <p:sp>
-        <p:nvSpPr>
-          <p:cNvPr id="3" name="Content Placeholder 2">
-            <a:extLst>
-              <a:ext uri="{FF2B5EF4-FFF2-40B4-BE49-F238E27FC236}">
-                <a16:creationId xmlns:a16="http://schemas.microsoft.com/office/drawing/2014/main" id="{AE3F0B5C-ACCE-4F53-A9D1-641797D8C52C}"/>
-              </a:ext>
-            </a:extLst>
-          </p:cNvPr>
-          <p:cNvSpPr>
-            <a:spLocks noGrp="1"/>
-          </p:cNvSpPr>
-          <p:nvPr>
-            <p:ph idx="1"/>
-          </p:nvPr>
-        </p:nvSpPr>
-        <p:spPr/>
-        <p:txBody>
-          <a:bodyPr/>
-          <a:lstStyle/>
-          <a:p>
-            <a:pPr marL="0" indent="0">
-              <a:buNone/>
-            </a:pPr>
-            <a:r>
-              <a:rPr lang="en-US" dirty="0">
-                <a:hlinkClick r:id="rId3"/>
-              </a:rPr>
-              <a:t>Azure RBAC explained</a:t>
-            </a:r>
-            <a:endParaRPr lang="en-US" i="1" dirty="0"/>
-          </a:p>
-          <a:p>
-            <a:pPr marL="0" indent="0">
-              <a:buNone/>
-            </a:pPr>
-            <a:endParaRPr lang="en-US" dirty="0"/>
-          </a:p>
-        </p:txBody>
-      </p:sp>
-    </p:spTree>
-    <p:extLst>
-      <p:ext uri="{BB962C8B-B14F-4D97-AF65-F5344CB8AC3E}">
-        <p14:creationId xmlns:p14="http://schemas.microsoft.com/office/powerpoint/2010/main" val="3708815563"/>
-      </p:ext>
-    </p:extLst>
-  </p:cSld>
-  <p:clrMapOvr>
-    <a:masterClrMapping/>
-  </p:clrMapOvr>
-</p:sld>
-</file>
-
-<file path=ppt/slides/slide5.xml><?xml version="1.0" encoding="utf-8"?>
-<p:sld xmlns:a="http://schemas.openxmlformats.org/drawingml/2006/main" xmlns:r="http://schemas.openxmlformats.org/officeDocument/2006/relationships" xmlns:p="http://schemas.openxmlformats.org/presentationml/2006/main">
-  <p:cSld>
-    <p:spTree>
-      <p:nvGrpSpPr>
-        <p:cNvPr id="1" name=""/>
-        <p:cNvGrpSpPr/>
-        <p:nvPr/>
-      </p:nvGrpSpPr>
-      <p:grpSpPr>
-        <a:xfrm>
-          <a:off x="0" y="0"/>
-          <a:ext cx="0" cy="0"/>
-          <a:chOff x="0" y="0"/>
-          <a:chExt cx="0" cy="0"/>
-        </a:xfrm>
-      </p:grpSpPr>
-      <p:sp>
-        <p:nvSpPr>
-          <p:cNvPr id="2" name="Title 1">
-            <a:extLst>
-              <a:ext uri="{FF2B5EF4-FFF2-40B4-BE49-F238E27FC236}">
-                <a16:creationId xmlns:a16="http://schemas.microsoft.com/office/drawing/2014/main" id="{A26A8A0A-320E-4536-BFF8-C2E9FC542DEC}"/>
-              </a:ext>
-            </a:extLst>
-          </p:cNvPr>
-          <p:cNvSpPr>
-            <a:spLocks noGrp="1"/>
-          </p:cNvSpPr>
-          <p:nvPr>
-            <p:ph type="title"/>
-          </p:nvPr>
-        </p:nvSpPr>
-        <p:spPr/>
-        <p:txBody>
-          <a:bodyPr/>
-          <a:lstStyle/>
-          <a:p>
-            <a:r>
-              <a:rPr lang="en-US" dirty="0"/>
-              <a:t>Breach scenarios</a:t>
-            </a:r>
-          </a:p>
-        </p:txBody>
-      </p:sp>
-      <p:sp>
-        <p:nvSpPr>
-          <p:cNvPr id="3" name="Content Placeholder 2">
-            <a:extLst>
-              <a:ext uri="{FF2B5EF4-FFF2-40B4-BE49-F238E27FC236}">
-                <a16:creationId xmlns:a16="http://schemas.microsoft.com/office/drawing/2014/main" id="{AE3F0B5C-ACCE-4F53-A9D1-641797D8C52C}"/>
-              </a:ext>
-            </a:extLst>
-          </p:cNvPr>
-          <p:cNvSpPr>
-            <a:spLocks noGrp="1"/>
-          </p:cNvSpPr>
-          <p:nvPr>
-            <p:ph idx="1"/>
-          </p:nvPr>
-        </p:nvSpPr>
-        <p:spPr/>
-        <p:txBody>
-          <a:bodyPr/>
-          <a:lstStyle/>
-          <a:p>
-            <a:pPr marL="0" indent="0">
-              <a:buNone/>
-            </a:pPr>
-            <a:r>
-              <a:rPr lang="en-US" b="1" dirty="0"/>
-              <a:t>Ransomware</a:t>
-            </a:r>
-            <a:r>
-              <a:rPr lang="en-US" dirty="0"/>
-              <a:t>: threat to publish data or blocks access</a:t>
-            </a:r>
-          </a:p>
-        </p:txBody>
-      </p:sp>
-      <p:pic>
-        <p:nvPicPr>
-          <p:cNvPr id="5" name="Picture 4">
-            <a:extLst>
-              <a:ext uri="{FF2B5EF4-FFF2-40B4-BE49-F238E27FC236}">
-                <a16:creationId xmlns:a16="http://schemas.microsoft.com/office/drawing/2014/main" id="{1C00CA82-98E5-4B14-A49B-0E7A736405D5}"/>
-              </a:ext>
-            </a:extLst>
-          </p:cNvPr>
-          <p:cNvPicPr>
-            <a:picLocks noChangeAspect="1"/>
-          </p:cNvPicPr>
-          <p:nvPr/>
-        </p:nvPicPr>
-        <p:blipFill>
-          <a:blip r:embed="rId3"/>
-          <a:stretch>
-            <a:fillRect/>
-          </a:stretch>
-        </p:blipFill>
-        <p:spPr>
-          <a:xfrm>
-            <a:off x="1761520" y="2880853"/>
-            <a:ext cx="8668960" cy="3296110"/>
-          </a:xfrm>
-          <a:prstGeom prst="rect">
-            <a:avLst/>
-          </a:prstGeom>
-        </p:spPr>
-      </p:pic>
-      <p:sp>
-        <p:nvSpPr>
-          <p:cNvPr id="6" name="TextBox 5">
-            <a:extLst>
-              <a:ext uri="{FF2B5EF4-FFF2-40B4-BE49-F238E27FC236}">
-                <a16:creationId xmlns:a16="http://schemas.microsoft.com/office/drawing/2014/main" id="{A00EB3DF-681E-4492-AA52-2EAF5B70531C}"/>
-              </a:ext>
-            </a:extLst>
-          </p:cNvPr>
-          <p:cNvSpPr txBox="1"/>
-          <p:nvPr/>
-        </p:nvSpPr>
-        <p:spPr>
-          <a:xfrm>
-            <a:off x="3429816" y="6311900"/>
-            <a:ext cx="8668960" cy="307777"/>
-          </a:xfrm>
-          <a:prstGeom prst="rect">
-            <a:avLst/>
-          </a:prstGeom>
-          <a:noFill/>
-        </p:spPr>
-        <p:txBody>
-          <a:bodyPr wrap="square">
-            <a:spAutoFit/>
-          </a:bodyPr>
-          <a:lstStyle/>
-          <a:p>
-            <a:pPr marL="0" marR="0" lvl="0" indent="0" algn="l" defTabSz="914400" rtl="0" eaLnBrk="1" fontAlgn="auto" latinLnBrk="0" hangingPunct="1">
-              <a:lnSpc>
-                <a:spcPct val="100000"/>
-              </a:lnSpc>
-              <a:spcBef>
-                <a:spcPts val="0"/>
-              </a:spcBef>
-              <a:spcAft>
-                <a:spcPts val="0"/>
-              </a:spcAft>
-              <a:buClrTx/>
-              <a:buSzTx/>
-              <a:buFontTx/>
-              <a:buNone/>
-              <a:tabLst/>
-              <a:defRPr/>
-            </a:pPr>
-            <a:r>
-              <a:rPr kumimoji="0" lang="en-US" sz="1400" b="0" i="0" u="none" strike="noStrike" kern="1200" cap="none" spc="0" normalizeH="0" baseline="0" noProof="0" dirty="0">
-                <a:ln>
-                  <a:noFill/>
-                </a:ln>
-                <a:solidFill>
-                  <a:prstClr val="black"/>
-                </a:solidFill>
-                <a:effectLst/>
-                <a:uLnTx/>
-                <a:uFillTx/>
-                <a:latin typeface="Calibri" panose="020F0502020204030204"/>
-                <a:ea typeface="+mn-ea"/>
-                <a:cs typeface="+mn-cs"/>
-                <a:hlinkClick r:id="rId4"/>
-              </a:rPr>
-              <a:t>https://www.theverge.com/2020/8/4/21353842/garmin-ransomware-attack-wearables-wastedlocker-evil-corp</a:t>
-            </a:r>
-            <a:endParaRPr kumimoji="0" lang="en-US" sz="1400" b="0" i="0" u="none" strike="noStrike" kern="1200" cap="none" spc="0" normalizeH="0" baseline="0" noProof="0" dirty="0">
-              <a:ln>
-                <a:noFill/>
-              </a:ln>
-              <a:solidFill>
-                <a:prstClr val="black"/>
-              </a:solidFill>
-              <a:effectLst/>
-              <a:uLnTx/>
-              <a:uFillTx/>
-              <a:latin typeface="Calibri" panose="020F0502020204030204"/>
-              <a:ea typeface="+mn-ea"/>
-              <a:cs typeface="+mn-cs"/>
-            </a:endParaRPr>
-          </a:p>
-        </p:txBody>
-      </p:sp>
-    </p:spTree>
-    <p:extLst>
-      <p:ext uri="{BB962C8B-B14F-4D97-AF65-F5344CB8AC3E}">
-        <p14:creationId xmlns:p14="http://schemas.microsoft.com/office/powerpoint/2010/main" val="336106310"/>
-      </p:ext>
-    </p:extLst>
-  </p:cSld>
-  <p:clrMapOvr>
-    <a:masterClrMapping/>
-  </p:clrMapOvr>
-</p:sld>
-</file>
-
-<file path=ppt/slides/slide50.xml><?xml version="1.0" encoding="utf-8"?>
-<p:sld xmlns:a="http://schemas.openxmlformats.org/drawingml/2006/main" xmlns:r="http://schemas.openxmlformats.org/officeDocument/2006/relationships" xmlns:p="http://schemas.openxmlformats.org/presentationml/2006/main">
-  <p:cSld>
-    <p:spTree>
-      <p:nvGrpSpPr>
-        <p:cNvPr id="1" name=""/>
-        <p:cNvGrpSpPr/>
-        <p:nvPr/>
-      </p:nvGrpSpPr>
-      <p:grpSpPr>
-        <a:xfrm>
-          <a:off x="0" y="0"/>
-          <a:ext cx="0" cy="0"/>
-          <a:chOff x="0" y="0"/>
-          <a:chExt cx="0" cy="0"/>
-        </a:xfrm>
-      </p:grpSpPr>
-      <p:sp>
-        <p:nvSpPr>
-          <p:cNvPr id="2" name="Title 1">
-            <a:extLst>
-              <a:ext uri="{FF2B5EF4-FFF2-40B4-BE49-F238E27FC236}">
-                <a16:creationId xmlns:a16="http://schemas.microsoft.com/office/drawing/2014/main" id="{A26A8A0A-320E-4536-BFF8-C2E9FC542DEC}"/>
-              </a:ext>
-            </a:extLst>
-          </p:cNvPr>
-          <p:cNvSpPr>
-            <a:spLocks noGrp="1"/>
-          </p:cNvSpPr>
-          <p:nvPr>
-            <p:ph type="title"/>
-          </p:nvPr>
-        </p:nvSpPr>
-        <p:spPr/>
-        <p:txBody>
-          <a:bodyPr/>
-          <a:lstStyle/>
-          <a:p>
-            <a:r>
-              <a:rPr lang="en-US" dirty="0"/>
-              <a:t>Identity Access Management</a:t>
-            </a:r>
-          </a:p>
-        </p:txBody>
-      </p:sp>
-      <p:sp>
-        <p:nvSpPr>
-          <p:cNvPr id="3" name="Content Placeholder 2">
-            <a:extLst>
-              <a:ext uri="{FF2B5EF4-FFF2-40B4-BE49-F238E27FC236}">
-                <a16:creationId xmlns:a16="http://schemas.microsoft.com/office/drawing/2014/main" id="{AE3F0B5C-ACCE-4F53-A9D1-641797D8C52C}"/>
-              </a:ext>
-            </a:extLst>
-          </p:cNvPr>
-          <p:cNvSpPr>
-            <a:spLocks noGrp="1"/>
-          </p:cNvSpPr>
-          <p:nvPr>
-            <p:ph idx="1"/>
-          </p:nvPr>
-        </p:nvSpPr>
-        <p:spPr/>
-        <p:txBody>
-          <a:bodyPr/>
-          <a:lstStyle/>
-          <a:p>
-            <a:pPr marL="0" indent="0">
-              <a:buNone/>
-            </a:pPr>
-            <a:r>
-              <a:rPr lang="en-US" dirty="0"/>
-              <a:t>Authentication – verification that an identity is who/what they claims</a:t>
-            </a:r>
-          </a:p>
-        </p:txBody>
-      </p:sp>
-    </p:spTree>
-    <p:extLst>
-      <p:ext uri="{BB962C8B-B14F-4D97-AF65-F5344CB8AC3E}">
-        <p14:creationId xmlns:p14="http://schemas.microsoft.com/office/powerpoint/2010/main" val="304570901"/>
-      </p:ext>
-    </p:extLst>
-  </p:cSld>
-  <p:clrMapOvr>
-    <a:masterClrMapping/>
-  </p:clrMapOvr>
-</p:sld>
-</file>
-
 <file path=ppt/slides/slide51.xml><?xml version="1.0" encoding="utf-8"?>
 <p:sld xmlns:a="http://schemas.openxmlformats.org/drawingml/2006/main" xmlns:r="http://schemas.openxmlformats.org/officeDocument/2006/relationships" xmlns:p="http://schemas.openxmlformats.org/presentationml/2006/main">
   <p:cSld>
@@ -13747,48 +14139,25 @@
               <a:buNone/>
             </a:pPr>
             <a:r>
-              <a:rPr lang="en-US" dirty="0"/>
-              <a:t>Authentication could be based on</a:t>
-            </a:r>
-          </a:p>
-          <a:p>
-            <a:r>
-              <a:rPr lang="en-US" dirty="0"/>
-              <a:t>Password</a:t>
-            </a:r>
-          </a:p>
-          <a:p>
-            <a:r>
-              <a:rPr lang="en-US" dirty="0"/>
-              <a:t>Certificate</a:t>
-            </a:r>
-          </a:p>
-          <a:p>
-            <a:r>
-              <a:rPr lang="en-US" dirty="0"/>
-              <a:t>Token</a:t>
-            </a:r>
-          </a:p>
-          <a:p>
-            <a:r>
-              <a:rPr lang="en-US" dirty="0"/>
-              <a:t>Biometrics (fingerprint, face identification, </a:t>
-            </a:r>
-            <a:r>
-              <a:rPr lang="en-US" dirty="0" err="1"/>
-              <a:t>etc</a:t>
-            </a:r>
-            <a:r>
-              <a:rPr lang="en-US" dirty="0"/>
-              <a:t>)</a:t>
-            </a:r>
+              <a:rPr lang="en-US" dirty="0">
+                <a:hlinkClick r:id="rId3"/>
+              </a:rPr>
+              <a:t>Azure RBAC explained</a:t>
+            </a:r>
+            <a:endParaRPr lang="en-US" i="1" dirty="0"/>
+          </a:p>
+          <a:p>
+            <a:pPr marL="0" indent="0">
+              <a:buNone/>
+            </a:pPr>
+            <a:endParaRPr lang="en-US" dirty="0"/>
           </a:p>
         </p:txBody>
       </p:sp>
     </p:spTree>
     <p:extLst>
       <p:ext uri="{BB962C8B-B14F-4D97-AF65-F5344CB8AC3E}">
-        <p14:creationId xmlns:p14="http://schemas.microsoft.com/office/powerpoint/2010/main" val="1792375183"/>
+        <p14:creationId xmlns:p14="http://schemas.microsoft.com/office/powerpoint/2010/main" val="3708815563"/>
       </p:ext>
     </p:extLst>
   </p:cSld>
@@ -13869,20 +14238,15 @@
             </a:pPr>
             <a:r>
               <a:rPr lang="en-US" dirty="0"/>
-              <a:t>Authorization – verify that exact identity is permitted to perform </a:t>
-            </a:r>
-            <a:r>
-              <a:rPr lang="en-US"/>
-              <a:t>an operation</a:t>
-            </a:r>
-            <a:endParaRPr lang="en-US" dirty="0"/>
+              <a:t>Authentication – verification that an identity is who/what they claims</a:t>
+            </a:r>
           </a:p>
         </p:txBody>
       </p:sp>
     </p:spTree>
     <p:extLst>
       <p:ext uri="{BB962C8B-B14F-4D97-AF65-F5344CB8AC3E}">
-        <p14:creationId xmlns:p14="http://schemas.microsoft.com/office/powerpoint/2010/main" val="401564871"/>
+        <p14:creationId xmlns:p14="http://schemas.microsoft.com/office/powerpoint/2010/main" val="304570901"/>
       </p:ext>
     </p:extLst>
   </p:cSld>
@@ -13962,41 +14326,48 @@
               <a:buNone/>
             </a:pPr>
             <a:r>
-              <a:rPr lang="en-US" i="1" dirty="0"/>
-              <a:t>SAML</a:t>
-            </a:r>
-            <a:r>
-              <a:rPr lang="en-US" dirty="0"/>
-              <a:t> </a:t>
-            </a:r>
-          </a:p>
-          <a:p>
-            <a:r>
-              <a:rPr lang="en-US" dirty="0"/>
-              <a:t>Open standard to exchange authentication and authorization data. </a:t>
-            </a:r>
-          </a:p>
-          <a:p>
-            <a:r>
-              <a:rPr lang="en-US" dirty="0"/>
-              <a:t>First published in 2001, SAML 2.0 in 2005</a:t>
-            </a:r>
-          </a:p>
-          <a:p>
-            <a:r>
-              <a:rPr lang="en-US" dirty="0"/>
-              <a:t>XML-based markup + protocol</a:t>
-            </a:r>
-          </a:p>
-          <a:p>
-            <a:endParaRPr lang="en-US" dirty="0"/>
+              <a:rPr lang="en-US" dirty="0"/>
+              <a:t>Authentication could be based on</a:t>
+            </a:r>
+          </a:p>
+          <a:p>
+            <a:r>
+              <a:rPr lang="en-US" dirty="0"/>
+              <a:t>Password</a:t>
+            </a:r>
+          </a:p>
+          <a:p>
+            <a:r>
+              <a:rPr lang="en-US" dirty="0"/>
+              <a:t>Certificate</a:t>
+            </a:r>
+          </a:p>
+          <a:p>
+            <a:r>
+              <a:rPr lang="en-US" dirty="0"/>
+              <a:t>Token</a:t>
+            </a:r>
+          </a:p>
+          <a:p>
+            <a:r>
+              <a:rPr lang="en-US" dirty="0"/>
+              <a:t>Biometrics (fingerprint, face identification, </a:t>
+            </a:r>
+            <a:r>
+              <a:rPr lang="en-US" dirty="0" err="1"/>
+              <a:t>etc</a:t>
+            </a:r>
+            <a:r>
+              <a:rPr lang="en-US" dirty="0"/>
+              <a:t>)</a:t>
+            </a:r>
           </a:p>
         </p:txBody>
       </p:sp>
     </p:spTree>
     <p:extLst>
       <p:ext uri="{BB962C8B-B14F-4D97-AF65-F5344CB8AC3E}">
-        <p14:creationId xmlns:p14="http://schemas.microsoft.com/office/powerpoint/2010/main" val="387050328"/>
+        <p14:creationId xmlns:p14="http://schemas.microsoft.com/office/powerpoint/2010/main" val="1792375183"/>
       </p:ext>
     </p:extLst>
   </p:cSld>
@@ -14076,33 +14447,13 @@
               <a:buNone/>
             </a:pPr>
             <a:r>
-              <a:rPr lang="en-US" i="1" dirty="0"/>
-              <a:t>OAuth</a:t>
-            </a:r>
-            <a:endParaRPr lang="en-US" dirty="0"/>
-          </a:p>
-          <a:p>
-            <a:r>
-              <a:rPr lang="en-US" dirty="0"/>
-              <a:t>Open standard to delegate access [authorization]</a:t>
-            </a:r>
-          </a:p>
-          <a:p>
-            <a:r>
-              <a:rPr lang="en-US" dirty="0"/>
-              <a:t>First published in 2006</a:t>
-            </a:r>
-          </a:p>
-          <a:p>
-            <a:r>
-              <a:rPr lang="en-US" dirty="0"/>
-              <a:t>OAuth 2.0 published in 2012</a:t>
-            </a:r>
-          </a:p>
-          <a:p>
-            <a:pPr marL="0" indent="0">
-              <a:buNone/>
-            </a:pPr>
+              <a:rPr lang="en-US" dirty="0"/>
+              <a:t>Authorization – verify that exact identity is permitted to perform </a:t>
+            </a:r>
+            <a:r>
+              <a:rPr lang="en-US"/>
+              <a:t>an operation</a:t>
+            </a:r>
             <a:endParaRPr lang="en-US" dirty="0"/>
           </a:p>
         </p:txBody>
@@ -14110,7 +14461,7 @@
     </p:spTree>
     <p:extLst>
       <p:ext uri="{BB962C8B-B14F-4D97-AF65-F5344CB8AC3E}">
-        <p14:creationId xmlns:p14="http://schemas.microsoft.com/office/powerpoint/2010/main" val="172644186"/>
+        <p14:creationId xmlns:p14="http://schemas.microsoft.com/office/powerpoint/2010/main" val="401564871"/>
       </p:ext>
     </p:extLst>
   </p:cSld>
@@ -14191,32 +14542,40 @@
             </a:pPr>
             <a:r>
               <a:rPr lang="en-US" i="1" dirty="0"/>
-              <a:t>OpenID</a:t>
-            </a:r>
-            <a:r>
-              <a:rPr lang="en-US" dirty="0"/>
-              <a:t> – authentication protocol first published in 2006.</a:t>
-            </a:r>
-          </a:p>
-          <a:p>
-            <a:pPr marL="0" indent="0">
-              <a:buNone/>
-            </a:pPr>
-            <a:r>
-              <a:rPr lang="en-US" i="1" dirty="0"/>
-              <a:t>OpenID Connect (OIDC)</a:t>
-            </a:r>
-            <a:r>
-              <a:rPr lang="en-US" dirty="0"/>
-              <a:t> – the third version of OpenID protocol, published in 2014</a:t>
-            </a:r>
+              <a:t>SAML</a:t>
+            </a:r>
+            <a:r>
+              <a:rPr lang="en-US" dirty="0"/>
+              <a:t> </a:t>
+            </a:r>
+          </a:p>
+          <a:p>
+            <a:r>
+              <a:rPr lang="en-US" dirty="0"/>
+              <a:t>Open standard to exchange authentication and authorization data. </a:t>
+            </a:r>
+          </a:p>
+          <a:p>
+            <a:r>
+              <a:rPr lang="en-US" dirty="0"/>
+              <a:t>First published in 2001, SAML 2.0 in 2005</a:t>
+            </a:r>
+          </a:p>
+          <a:p>
+            <a:r>
+              <a:rPr lang="en-US" dirty="0"/>
+              <a:t>XML-based markup + protocol</a:t>
+            </a:r>
+          </a:p>
+          <a:p>
+            <a:endParaRPr lang="en-US" dirty="0"/>
           </a:p>
         </p:txBody>
       </p:sp>
     </p:spTree>
     <p:extLst>
       <p:ext uri="{BB962C8B-B14F-4D97-AF65-F5344CB8AC3E}">
-        <p14:creationId xmlns:p14="http://schemas.microsoft.com/office/powerpoint/2010/main" val="4048307857"/>
+        <p14:creationId xmlns:p14="http://schemas.microsoft.com/office/powerpoint/2010/main" val="387050328"/>
       </p:ext>
     </p:extLst>
   </p:cSld>
@@ -14296,8 +14655,27 @@
               <a:buNone/>
             </a:pPr>
             <a:r>
-              <a:rPr lang="en-US" dirty="0"/>
-              <a:t>OAuth 2.0 is only for authorization</a:t>
+              <a:rPr lang="en-US" i="1" dirty="0"/>
+              <a:t>OAuth</a:t>
+            </a:r>
+            <a:endParaRPr lang="en-US" dirty="0"/>
+          </a:p>
+          <a:p>
+            <a:r>
+              <a:rPr lang="en-US" dirty="0"/>
+              <a:t>Open standard to delegate access [authorization]</a:t>
+            </a:r>
+          </a:p>
+          <a:p>
+            <a:r>
+              <a:rPr lang="en-US" dirty="0"/>
+              <a:t>First published in 2006</a:t>
+            </a:r>
+          </a:p>
+          <a:p>
+            <a:r>
+              <a:rPr lang="en-US" dirty="0"/>
+              <a:t>OAuth 2.0 published in 2012</a:t>
             </a:r>
           </a:p>
           <a:p>
@@ -14306,44 +14684,12 @@
             </a:pPr>
             <a:endParaRPr lang="en-US" dirty="0"/>
           </a:p>
-          <a:p>
-            <a:pPr marL="0" indent="0">
-              <a:buNone/>
-            </a:pPr>
-            <a:r>
-              <a:rPr lang="en-US" dirty="0"/>
-              <a:t>OpenID Connect (OIDC) is a layer on top of OAuth 2.0 and </a:t>
-            </a:r>
-            <a:r>
-              <a:rPr lang="en-US" b="1" dirty="0"/>
-              <a:t>adds login and profile information </a:t>
-            </a:r>
-            <a:r>
-              <a:rPr lang="en-US" dirty="0"/>
-              <a:t>about the person who is logged in</a:t>
-            </a:r>
-          </a:p>
-          <a:p>
-            <a:pPr marL="0" indent="0">
-              <a:buNone/>
-            </a:pPr>
-            <a:endParaRPr lang="en-US" dirty="0"/>
-          </a:p>
-          <a:p>
-            <a:pPr marL="0" indent="0">
-              <a:buNone/>
-            </a:pPr>
-            <a:r>
-              <a:rPr lang="en-US" dirty="0"/>
-              <a:t>OIDC enables single-sign-on (SSO) and uses id-token (e.g. JWT)</a:t>
-            </a:r>
-          </a:p>
         </p:txBody>
       </p:sp>
     </p:spTree>
     <p:extLst>
       <p:ext uri="{BB962C8B-B14F-4D97-AF65-F5344CB8AC3E}">
-        <p14:creationId xmlns:p14="http://schemas.microsoft.com/office/powerpoint/2010/main" val="3219792900"/>
+        <p14:creationId xmlns:p14="http://schemas.microsoft.com/office/powerpoint/2010/main" val="172644186"/>
       </p:ext>
     </p:extLst>
   </p:cSld>
@@ -14423,25 +14769,33 @@
               <a:buNone/>
             </a:pPr>
             <a:r>
-              <a:rPr lang="en-US" dirty="0">
-                <a:hlinkClick r:id="rId3"/>
-              </a:rPr>
-              <a:t>An Illustrated Guide to OAuth and OpenID Connect</a:t>
-            </a:r>
-            <a:endParaRPr lang="en-US" dirty="0"/>
+              <a:rPr lang="en-US" i="1" dirty="0"/>
+              <a:t>OpenID</a:t>
+            </a:r>
+            <a:r>
+              <a:rPr lang="en-US" dirty="0"/>
+              <a:t> – authentication protocol first published in 2006.</a:t>
+            </a:r>
           </a:p>
           <a:p>
             <a:pPr marL="0" indent="0">
               <a:buNone/>
             </a:pPr>
-            <a:endParaRPr lang="en-US" dirty="0"/>
+            <a:r>
+              <a:rPr lang="en-US" i="1" dirty="0"/>
+              <a:t>OpenID Connect (OIDC)</a:t>
+            </a:r>
+            <a:r>
+              <a:rPr lang="en-US" dirty="0"/>
+              <a:t> – the third version of OpenID protocol, published in 2014</a:t>
+            </a:r>
           </a:p>
         </p:txBody>
       </p:sp>
     </p:spTree>
     <p:extLst>
       <p:ext uri="{BB962C8B-B14F-4D97-AF65-F5344CB8AC3E}">
-        <p14:creationId xmlns:p14="http://schemas.microsoft.com/office/powerpoint/2010/main" val="789021786"/>
+        <p14:creationId xmlns:p14="http://schemas.microsoft.com/office/powerpoint/2010/main" val="4048307857"/>
       </p:ext>
     </p:extLst>
   </p:cSld>
@@ -14521,48 +14875,54 @@
               <a:buNone/>
             </a:pPr>
             <a:r>
-              <a:rPr lang="en-US" dirty="0">
-                <a:solidFill>
-                  <a:schemeClr val="accent2"/>
-                </a:solidFill>
-              </a:rPr>
-              <a:t>AWS IAM</a:t>
-            </a:r>
-            <a:endParaRPr lang="en-US" dirty="0"/>
+              <a:rPr lang="en-US" dirty="0"/>
+              <a:t>OAuth 2.0 is only for authorization</a:t>
+            </a:r>
           </a:p>
           <a:p>
             <a:pPr marL="0" indent="0">
               <a:buNone/>
             </a:pPr>
-            <a:r>
-              <a:rPr lang="en-US" dirty="0">
-                <a:solidFill>
-                  <a:schemeClr val="accent5"/>
-                </a:solidFill>
-              </a:rPr>
-              <a:t>GCP IAM</a:t>
-            </a:r>
+            <a:endParaRPr lang="en-US" dirty="0"/>
           </a:p>
           <a:p>
             <a:pPr marL="0" indent="0">
               <a:buNone/>
             </a:pPr>
             <a:r>
-              <a:rPr lang="en-US" dirty="0">
-                <a:solidFill>
-                  <a:schemeClr val="accent1"/>
-                </a:solidFill>
-              </a:rPr>
-              <a:t>Azure Active Directory (AAD)</a:t>
-            </a:r>
+              <a:rPr lang="en-US" dirty="0"/>
+              <a:t>OpenID Connect (OIDC) is a layer on top of OAuth 2.0 and </a:t>
+            </a:r>
+            <a:r>
+              <a:rPr lang="en-US" b="1" dirty="0"/>
+              <a:t>adds login and profile information </a:t>
+            </a:r>
+            <a:r>
+              <a:rPr lang="en-US" dirty="0"/>
+              <a:t>about the person who is logged in</a:t>
+            </a:r>
+          </a:p>
+          <a:p>
+            <a:pPr marL="0" indent="0">
+              <a:buNone/>
+            </a:pPr>
             <a:endParaRPr lang="en-US" dirty="0"/>
+          </a:p>
+          <a:p>
+            <a:pPr marL="0" indent="0">
+              <a:buNone/>
+            </a:pPr>
+            <a:r>
+              <a:rPr lang="en-US" dirty="0"/>
+              <a:t>OIDC enables single-sign-on (SSO) and uses id-token (e.g. JWT)</a:t>
+            </a:r>
           </a:p>
         </p:txBody>
       </p:sp>
     </p:spTree>
     <p:extLst>
       <p:ext uri="{BB962C8B-B14F-4D97-AF65-F5344CB8AC3E}">
-        <p14:creationId xmlns:p14="http://schemas.microsoft.com/office/powerpoint/2010/main" val="1476461488"/>
+        <p14:creationId xmlns:p14="http://schemas.microsoft.com/office/powerpoint/2010/main" val="3219792900"/>
       </p:ext>
     </p:extLst>
   </p:cSld>
@@ -14642,88 +15002,25 @@
               <a:buNone/>
             </a:pPr>
             <a:r>
-              <a:rPr lang="en-US" dirty="0"/>
-              <a:t>All of them covers authentication and authorization:</a:t>
-            </a:r>
-          </a:p>
-          <a:p>
-            <a:r>
-              <a:rPr lang="en-US" dirty="0"/>
-              <a:t>Verifies </a:t>
-            </a:r>
-            <a:r>
-              <a:rPr lang="en-US" i="1" dirty="0"/>
-              <a:t>Identities</a:t>
-            </a:r>
-          </a:p>
-          <a:p>
-            <a:r>
-              <a:rPr lang="en-US" dirty="0"/>
-              <a:t>Manage </a:t>
-            </a:r>
-            <a:r>
-              <a:rPr lang="en-US" i="1" dirty="0"/>
-              <a:t>Identities</a:t>
-            </a:r>
-            <a:r>
-              <a:rPr lang="en-US" dirty="0"/>
-              <a:t> access to </a:t>
-            </a:r>
-            <a:r>
-              <a:rPr lang="en-US" i="1" dirty="0"/>
-              <a:t>Resources</a:t>
-            </a:r>
-            <a:r>
-              <a:rPr lang="en-US" dirty="0"/>
-              <a:t> via </a:t>
-            </a:r>
-            <a:r>
-              <a:rPr lang="en-US" i="1" dirty="0"/>
-              <a:t>Permissions</a:t>
-            </a:r>
-          </a:p>
-          <a:p>
-            <a:r>
-              <a:rPr lang="en-US" dirty="0"/>
-              <a:t>Aggregate </a:t>
-            </a:r>
-            <a:r>
-              <a:rPr lang="en-US" i="1" dirty="0"/>
-              <a:t>Identities </a:t>
-            </a:r>
-            <a:r>
-              <a:rPr lang="en-US" dirty="0"/>
-              <a:t>into </a:t>
-            </a:r>
-            <a:r>
-              <a:rPr lang="en-US" i="1" dirty="0"/>
-              <a:t>Groups</a:t>
-            </a:r>
-          </a:p>
-          <a:p>
-            <a:r>
-              <a:rPr lang="en-US" dirty="0"/>
-              <a:t>Aggregate </a:t>
-            </a:r>
-            <a:r>
-              <a:rPr lang="en-US" i="1" dirty="0"/>
-              <a:t>Permissions</a:t>
-            </a:r>
-            <a:r>
-              <a:rPr lang="en-US" dirty="0"/>
-              <a:t> into </a:t>
-            </a:r>
-            <a:r>
-              <a:rPr lang="en-US" i="1" dirty="0"/>
-              <a:t>Roles</a:t>
-            </a:r>
+              <a:rPr lang="en-US" dirty="0">
+                <a:hlinkClick r:id="rId3"/>
+              </a:rPr>
+              <a:t>An Illustrated Guide to OAuth and OpenID Connect</a:t>
+            </a:r>
+            <a:endParaRPr lang="en-US" dirty="0"/>
+          </a:p>
+          <a:p>
+            <a:pPr marL="0" indent="0">
+              <a:buNone/>
+            </a:pPr>
+            <a:endParaRPr lang="en-US" dirty="0"/>
           </a:p>
         </p:txBody>
       </p:sp>
     </p:spTree>
     <p:extLst>
       <p:ext uri="{BB962C8B-B14F-4D97-AF65-F5344CB8AC3E}">
-        <p14:creationId xmlns:p14="http://schemas.microsoft.com/office/powerpoint/2010/main" val="3830809263"/>
+        <p14:creationId xmlns:p14="http://schemas.microsoft.com/office/powerpoint/2010/main" val="789021786"/>
       </p:ext>
     </p:extLst>
   </p:cSld>
@@ -14926,34 +15223,48 @@
               <a:buNone/>
             </a:pPr>
             <a:r>
-              <a:rPr lang="en-US" dirty="0"/>
-              <a:t>Plus</a:t>
-            </a:r>
-          </a:p>
-          <a:p>
-            <a:r>
-              <a:rPr lang="en-US" dirty="0"/>
-              <a:t>Identity management</a:t>
-            </a:r>
-          </a:p>
-          <a:p>
-            <a:r>
-              <a:rPr lang="en-US" dirty="0"/>
-              <a:t>Auditing – logs to answer the question “who did what, where and when?”</a:t>
-            </a:r>
-          </a:p>
-          <a:p>
-            <a:r>
-              <a:rPr lang="en-US" dirty="0"/>
-              <a:t>Policies – enforce rules</a:t>
-            </a:r>
+              <a:rPr lang="en-US" dirty="0">
+                <a:solidFill>
+                  <a:schemeClr val="accent2"/>
+                </a:solidFill>
+              </a:rPr>
+              <a:t>AWS IAM</a:t>
+            </a:r>
+            <a:endParaRPr lang="en-US" dirty="0"/>
+          </a:p>
+          <a:p>
+            <a:pPr marL="0" indent="0">
+              <a:buNone/>
+            </a:pPr>
+            <a:r>
+              <a:rPr lang="en-US" dirty="0">
+                <a:solidFill>
+                  <a:schemeClr val="accent5"/>
+                </a:solidFill>
+              </a:rPr>
+              <a:t>GCP IAM</a:t>
+            </a:r>
+          </a:p>
+          <a:p>
+            <a:pPr marL="0" indent="0">
+              <a:buNone/>
+            </a:pPr>
+            <a:r>
+              <a:rPr lang="en-US" dirty="0">
+                <a:solidFill>
+                  <a:schemeClr val="accent1"/>
+                </a:solidFill>
+              </a:rPr>
+              <a:t>Azure Active Directory (AAD)</a:t>
+            </a:r>
+            <a:endParaRPr lang="en-US" dirty="0"/>
           </a:p>
         </p:txBody>
       </p:sp>
     </p:spTree>
     <p:extLst>
       <p:ext uri="{BB962C8B-B14F-4D97-AF65-F5344CB8AC3E}">
-        <p14:creationId xmlns:p14="http://schemas.microsoft.com/office/powerpoint/2010/main" val="2686022638"/>
+        <p14:creationId xmlns:p14="http://schemas.microsoft.com/office/powerpoint/2010/main" val="1476461488"/>
       </p:ext>
     </p:extLst>
   </p:cSld>
@@ -15034,27 +15345,79 @@
             </a:pPr>
             <a:r>
               <a:rPr lang="en-US" dirty="0"/>
-              <a:t>Demo</a:t>
-            </a:r>
-          </a:p>
-          <a:p>
-            <a:pPr>
-              <a:buFontTx/>
-              <a:buChar char="-"/>
-            </a:pPr>
-            <a:r>
-              <a:rPr lang="en-US" dirty="0"/>
-              <a:t>Kubernetes RBAC</a:t>
-            </a:r>
-          </a:p>
-          <a:p>
-            <a:pPr>
-              <a:buFontTx/>
-              <a:buChar char="-"/>
-            </a:pPr>
-            <a:r>
-              <a:rPr lang="en-US" dirty="0"/>
-              <a:t>Azure Active Directory</a:t>
+              <a:t>All of them covers authentication and authorization:</a:t>
+            </a:r>
+          </a:p>
+          <a:p>
+            <a:r>
+              <a:rPr lang="en-US" dirty="0"/>
+              <a:t>Verifies </a:t>
+            </a:r>
+            <a:r>
+              <a:rPr lang="en-US" i="1" dirty="0"/>
+              <a:t>Identities</a:t>
+            </a:r>
+          </a:p>
+          <a:p>
+            <a:r>
+              <a:rPr lang="en-US" dirty="0"/>
+              <a:t>Manage </a:t>
+            </a:r>
+            <a:r>
+              <a:rPr lang="en-US" i="1" dirty="0"/>
+              <a:t>Identities</a:t>
+            </a:r>
+            <a:r>
+              <a:rPr lang="en-US" dirty="0"/>
+              <a:t> access to </a:t>
+            </a:r>
+            <a:r>
+              <a:rPr lang="en-US" i="1" dirty="0"/>
+              <a:t>Resources</a:t>
+            </a:r>
+            <a:r>
+              <a:rPr lang="en-US" dirty="0"/>
+              <a:t> via </a:t>
+            </a:r>
+            <a:r>
+              <a:rPr lang="en-US" i="1" dirty="0"/>
+              <a:t>Permissions</a:t>
+            </a:r>
+          </a:p>
+          <a:p>
+            <a:r>
+              <a:rPr lang="en-US" dirty="0"/>
+              <a:t>Aggregate </a:t>
+            </a:r>
+            <a:r>
+              <a:rPr lang="en-US" i="1" dirty="0"/>
+              <a:t>Identities </a:t>
+            </a:r>
+            <a:r>
+              <a:rPr lang="en-US" dirty="0"/>
+              <a:t>into </a:t>
+            </a:r>
+            <a:r>
+              <a:rPr lang="en-US" i="1" dirty="0"/>
+              <a:t>Groups</a:t>
+            </a:r>
+          </a:p>
+          <a:p>
+            <a:r>
+              <a:rPr lang="en-US" dirty="0"/>
+              <a:t>Aggregate </a:t>
+            </a:r>
+            <a:r>
+              <a:rPr lang="en-US" i="1" dirty="0"/>
+              <a:t>Permissions</a:t>
+            </a:r>
+            <a:r>
+              <a:rPr lang="en-US" dirty="0"/>
+              <a:t> into </a:t>
+            </a:r>
+            <a:r>
+              <a:rPr lang="en-US" i="1" dirty="0"/>
+              <a:t>Roles</a:t>
             </a:r>
           </a:p>
         </p:txBody>
@@ -15062,7 +15425,7 @@
     </p:spTree>
     <p:extLst>
       <p:ext uri="{BB962C8B-B14F-4D97-AF65-F5344CB8AC3E}">
-        <p14:creationId xmlns:p14="http://schemas.microsoft.com/office/powerpoint/2010/main" val="3705316969"/>
+        <p14:creationId xmlns:p14="http://schemas.microsoft.com/office/powerpoint/2010/main" val="3830809263"/>
       </p:ext>
     </p:extLst>
   </p:cSld>
@@ -15143,6 +15506,222 @@
             </a:pPr>
             <a:r>
               <a:rPr lang="en-US" dirty="0"/>
+              <a:t>Plus</a:t>
+            </a:r>
+          </a:p>
+          <a:p>
+            <a:r>
+              <a:rPr lang="en-US" dirty="0"/>
+              <a:t>Identity management</a:t>
+            </a:r>
+          </a:p>
+          <a:p>
+            <a:r>
+              <a:rPr lang="en-US" dirty="0"/>
+              <a:t>Auditing – logs to answer the question “who did what, where and when?”</a:t>
+            </a:r>
+          </a:p>
+          <a:p>
+            <a:r>
+              <a:rPr lang="en-US" dirty="0"/>
+              <a:t>Policies – enforce rules</a:t>
+            </a:r>
+          </a:p>
+        </p:txBody>
+      </p:sp>
+    </p:spTree>
+    <p:extLst>
+      <p:ext uri="{BB962C8B-B14F-4D97-AF65-F5344CB8AC3E}">
+        <p14:creationId xmlns:p14="http://schemas.microsoft.com/office/powerpoint/2010/main" val="2686022638"/>
+      </p:ext>
+    </p:extLst>
+  </p:cSld>
+  <p:clrMapOvr>
+    <a:masterClrMapping/>
+  </p:clrMapOvr>
+</p:sld>
+</file>
+
+<file path=ppt/slides/slide63.xml><?xml version="1.0" encoding="utf-8"?>
+<p:sld xmlns:a="http://schemas.openxmlformats.org/drawingml/2006/main" xmlns:r="http://schemas.openxmlformats.org/officeDocument/2006/relationships" xmlns:p="http://schemas.openxmlformats.org/presentationml/2006/main">
+  <p:cSld>
+    <p:spTree>
+      <p:nvGrpSpPr>
+        <p:cNvPr id="1" name=""/>
+        <p:cNvGrpSpPr/>
+        <p:nvPr/>
+      </p:nvGrpSpPr>
+      <p:grpSpPr>
+        <a:xfrm>
+          <a:off x="0" y="0"/>
+          <a:ext cx="0" cy="0"/>
+          <a:chOff x="0" y="0"/>
+          <a:chExt cx="0" cy="0"/>
+        </a:xfrm>
+      </p:grpSpPr>
+      <p:sp>
+        <p:nvSpPr>
+          <p:cNvPr id="2" name="Title 1">
+            <a:extLst>
+              <a:ext uri="{FF2B5EF4-FFF2-40B4-BE49-F238E27FC236}">
+                <a16:creationId xmlns:a16="http://schemas.microsoft.com/office/drawing/2014/main" id="{A26A8A0A-320E-4536-BFF8-C2E9FC542DEC}"/>
+              </a:ext>
+            </a:extLst>
+          </p:cNvPr>
+          <p:cNvSpPr>
+            <a:spLocks noGrp="1"/>
+          </p:cNvSpPr>
+          <p:nvPr>
+            <p:ph type="title"/>
+          </p:nvPr>
+        </p:nvSpPr>
+        <p:spPr/>
+        <p:txBody>
+          <a:bodyPr/>
+          <a:lstStyle/>
+          <a:p>
+            <a:r>
+              <a:rPr lang="en-US" dirty="0"/>
+              <a:t>Identity Access Management</a:t>
+            </a:r>
+          </a:p>
+        </p:txBody>
+      </p:sp>
+      <p:sp>
+        <p:nvSpPr>
+          <p:cNvPr id="3" name="Content Placeholder 2">
+            <a:extLst>
+              <a:ext uri="{FF2B5EF4-FFF2-40B4-BE49-F238E27FC236}">
+                <a16:creationId xmlns:a16="http://schemas.microsoft.com/office/drawing/2014/main" id="{AE3F0B5C-ACCE-4F53-A9D1-641797D8C52C}"/>
+              </a:ext>
+            </a:extLst>
+          </p:cNvPr>
+          <p:cNvSpPr>
+            <a:spLocks noGrp="1"/>
+          </p:cNvSpPr>
+          <p:nvPr>
+            <p:ph idx="1"/>
+          </p:nvPr>
+        </p:nvSpPr>
+        <p:spPr/>
+        <p:txBody>
+          <a:bodyPr/>
+          <a:lstStyle/>
+          <a:p>
+            <a:pPr marL="0" indent="0">
+              <a:buNone/>
+            </a:pPr>
+            <a:r>
+              <a:rPr lang="en-US" dirty="0"/>
+              <a:t>Demo</a:t>
+            </a:r>
+          </a:p>
+          <a:p>
+            <a:pPr>
+              <a:buFontTx/>
+              <a:buChar char="-"/>
+            </a:pPr>
+            <a:r>
+              <a:rPr lang="en-US" dirty="0"/>
+              <a:t>Kubernetes RBAC</a:t>
+            </a:r>
+          </a:p>
+          <a:p>
+            <a:pPr>
+              <a:buFontTx/>
+              <a:buChar char="-"/>
+            </a:pPr>
+            <a:r>
+              <a:rPr lang="en-US" dirty="0"/>
+              <a:t>Azure Active Directory</a:t>
+            </a:r>
+          </a:p>
+        </p:txBody>
+      </p:sp>
+    </p:spTree>
+    <p:extLst>
+      <p:ext uri="{BB962C8B-B14F-4D97-AF65-F5344CB8AC3E}">
+        <p14:creationId xmlns:p14="http://schemas.microsoft.com/office/powerpoint/2010/main" val="3705316969"/>
+      </p:ext>
+    </p:extLst>
+  </p:cSld>
+  <p:clrMapOvr>
+    <a:masterClrMapping/>
+  </p:clrMapOvr>
+</p:sld>
+</file>
+
+<file path=ppt/slides/slide64.xml><?xml version="1.0" encoding="utf-8"?>
+<p:sld xmlns:a="http://schemas.openxmlformats.org/drawingml/2006/main" xmlns:r="http://schemas.openxmlformats.org/officeDocument/2006/relationships" xmlns:p="http://schemas.openxmlformats.org/presentationml/2006/main">
+  <p:cSld>
+    <p:spTree>
+      <p:nvGrpSpPr>
+        <p:cNvPr id="1" name=""/>
+        <p:cNvGrpSpPr/>
+        <p:nvPr/>
+      </p:nvGrpSpPr>
+      <p:grpSpPr>
+        <a:xfrm>
+          <a:off x="0" y="0"/>
+          <a:ext cx="0" cy="0"/>
+          <a:chOff x="0" y="0"/>
+          <a:chExt cx="0" cy="0"/>
+        </a:xfrm>
+      </p:grpSpPr>
+      <p:sp>
+        <p:nvSpPr>
+          <p:cNvPr id="2" name="Title 1">
+            <a:extLst>
+              <a:ext uri="{FF2B5EF4-FFF2-40B4-BE49-F238E27FC236}">
+                <a16:creationId xmlns:a16="http://schemas.microsoft.com/office/drawing/2014/main" id="{A26A8A0A-320E-4536-BFF8-C2E9FC542DEC}"/>
+              </a:ext>
+            </a:extLst>
+          </p:cNvPr>
+          <p:cNvSpPr>
+            <a:spLocks noGrp="1"/>
+          </p:cNvSpPr>
+          <p:nvPr>
+            <p:ph type="title"/>
+          </p:nvPr>
+        </p:nvSpPr>
+        <p:spPr/>
+        <p:txBody>
+          <a:bodyPr/>
+          <a:lstStyle/>
+          <a:p>
+            <a:r>
+              <a:rPr lang="en-US" dirty="0"/>
+              <a:t>Identity Access Management</a:t>
+            </a:r>
+          </a:p>
+        </p:txBody>
+      </p:sp>
+      <p:sp>
+        <p:nvSpPr>
+          <p:cNvPr id="3" name="Content Placeholder 2">
+            <a:extLst>
+              <a:ext uri="{FF2B5EF4-FFF2-40B4-BE49-F238E27FC236}">
+                <a16:creationId xmlns:a16="http://schemas.microsoft.com/office/drawing/2014/main" id="{AE3F0B5C-ACCE-4F53-A9D1-641797D8C52C}"/>
+              </a:ext>
+            </a:extLst>
+          </p:cNvPr>
+          <p:cNvSpPr>
+            <a:spLocks noGrp="1"/>
+          </p:cNvSpPr>
+          <p:nvPr>
+            <p:ph idx="1"/>
+          </p:nvPr>
+        </p:nvSpPr>
+        <p:spPr/>
+        <p:txBody>
+          <a:bodyPr/>
+          <a:lstStyle/>
+          <a:p>
+            <a:pPr marL="0" indent="0">
+              <a:buNone/>
+            </a:pPr>
+            <a:r>
+              <a:rPr lang="en-US" dirty="0"/>
               <a:t>Demo</a:t>
             </a:r>
           </a:p>
@@ -15178,7 +15757,7 @@
 </p:sld>
 </file>
 
-<file path=ppt/slides/slide63.xml><?xml version="1.0" encoding="utf-8"?>
+<file path=ppt/slides/slide65.xml><?xml version="1.0" encoding="utf-8"?>
 <p:sld xmlns:a="http://schemas.openxmlformats.org/drawingml/2006/main" xmlns:r="http://schemas.openxmlformats.org/officeDocument/2006/relationships" xmlns:p="http://schemas.openxmlformats.org/presentationml/2006/main">
   <p:cSld>
     <p:spTree>

--- a/presentations/04_Security.pptx
+++ b/presentations/04_Security.pptx
@@ -269,7 +269,7 @@
           <a:p>
             <a:fld id="{5B3CF26E-0687-4C54-85B5-9144DF51ABD2}" type="datetimeFigureOut">
               <a:rPr lang="en-US" smtClean="0"/>
-              <a:t>12-Feb-22</a:t>
+              <a:t>15-Apr-22</a:t>
             </a:fld>
             <a:endParaRPr lang="en-US"/>
           </a:p>
@@ -5977,7 +5977,7 @@
           <a:p>
             <a:fld id="{8BBDE38F-7EFF-44D7-A4FC-86F4469E67EF}" type="datetimeFigureOut">
               <a:rPr lang="en-US" smtClean="0"/>
-              <a:t>12-Feb-22</a:t>
+              <a:t>15-Apr-22</a:t>
             </a:fld>
             <a:endParaRPr lang="en-US"/>
           </a:p>
@@ -6175,7 +6175,7 @@
           <a:p>
             <a:fld id="{8BBDE38F-7EFF-44D7-A4FC-86F4469E67EF}" type="datetimeFigureOut">
               <a:rPr lang="en-US" smtClean="0"/>
-              <a:t>12-Feb-22</a:t>
+              <a:t>15-Apr-22</a:t>
             </a:fld>
             <a:endParaRPr lang="en-US"/>
           </a:p>
@@ -6383,7 +6383,7 @@
           <a:p>
             <a:fld id="{8BBDE38F-7EFF-44D7-A4FC-86F4469E67EF}" type="datetimeFigureOut">
               <a:rPr lang="en-US" smtClean="0"/>
-              <a:t>12-Feb-22</a:t>
+              <a:t>15-Apr-22</a:t>
             </a:fld>
             <a:endParaRPr lang="en-US"/>
           </a:p>
@@ -6581,7 +6581,7 @@
           <a:p>
             <a:fld id="{8BBDE38F-7EFF-44D7-A4FC-86F4469E67EF}" type="datetimeFigureOut">
               <a:rPr lang="en-US" smtClean="0"/>
-              <a:t>12-Feb-22</a:t>
+              <a:t>15-Apr-22</a:t>
             </a:fld>
             <a:endParaRPr lang="en-US"/>
           </a:p>
@@ -6856,7 +6856,7 @@
           <a:p>
             <a:fld id="{8BBDE38F-7EFF-44D7-A4FC-86F4469E67EF}" type="datetimeFigureOut">
               <a:rPr lang="en-US" smtClean="0"/>
-              <a:t>12-Feb-22</a:t>
+              <a:t>15-Apr-22</a:t>
             </a:fld>
             <a:endParaRPr lang="en-US"/>
           </a:p>
@@ -7121,7 +7121,7 @@
           <a:p>
             <a:fld id="{8BBDE38F-7EFF-44D7-A4FC-86F4469E67EF}" type="datetimeFigureOut">
               <a:rPr lang="en-US" smtClean="0"/>
-              <a:t>12-Feb-22</a:t>
+              <a:t>15-Apr-22</a:t>
             </a:fld>
             <a:endParaRPr lang="en-US"/>
           </a:p>
@@ -7533,7 +7533,7 @@
           <a:p>
             <a:fld id="{8BBDE38F-7EFF-44D7-A4FC-86F4469E67EF}" type="datetimeFigureOut">
               <a:rPr lang="en-US" smtClean="0"/>
-              <a:t>12-Feb-22</a:t>
+              <a:t>15-Apr-22</a:t>
             </a:fld>
             <a:endParaRPr lang="en-US"/>
           </a:p>
@@ -7674,7 +7674,7 @@
           <a:p>
             <a:fld id="{8BBDE38F-7EFF-44D7-A4FC-86F4469E67EF}" type="datetimeFigureOut">
               <a:rPr lang="en-US" smtClean="0"/>
-              <a:t>12-Feb-22</a:t>
+              <a:t>15-Apr-22</a:t>
             </a:fld>
             <a:endParaRPr lang="en-US"/>
           </a:p>
@@ -7787,7 +7787,7 @@
           <a:p>
             <a:fld id="{8BBDE38F-7EFF-44D7-A4FC-86F4469E67EF}" type="datetimeFigureOut">
               <a:rPr lang="en-US" smtClean="0"/>
-              <a:t>12-Feb-22</a:t>
+              <a:t>15-Apr-22</a:t>
             </a:fld>
             <a:endParaRPr lang="en-US"/>
           </a:p>
@@ -8098,7 +8098,7 @@
           <a:p>
             <a:fld id="{8BBDE38F-7EFF-44D7-A4FC-86F4469E67EF}" type="datetimeFigureOut">
               <a:rPr lang="en-US" smtClean="0"/>
-              <a:t>12-Feb-22</a:t>
+              <a:t>15-Apr-22</a:t>
             </a:fld>
             <a:endParaRPr lang="en-US"/>
           </a:p>
@@ -8386,7 +8386,7 @@
           <a:p>
             <a:fld id="{8BBDE38F-7EFF-44D7-A4FC-86F4469E67EF}" type="datetimeFigureOut">
               <a:rPr lang="en-US" smtClean="0"/>
-              <a:t>12-Feb-22</a:t>
+              <a:t>15-Apr-22</a:t>
             </a:fld>
             <a:endParaRPr lang="en-US"/>
           </a:p>
@@ -8627,7 +8627,7 @@
           <a:p>
             <a:fld id="{8BBDE38F-7EFF-44D7-A4FC-86F4469E67EF}" type="datetimeFigureOut">
               <a:rPr lang="en-US" smtClean="0"/>
-              <a:t>12-Feb-22</a:t>
+              <a:t>15-Apr-22</a:t>
             </a:fld>
             <a:endParaRPr lang="en-US"/>
           </a:p>
@@ -10462,7 +10462,7 @@
             </a:pPr>
             <a:r>
               <a:rPr lang="en-US" dirty="0"/>
-              <a:t>Learning session 3</a:t>
+              <a:t>Learning session 4</a:t>
             </a:r>
           </a:p>
           <a:p>
@@ -12855,7 +12855,7 @@
             </a:pPr>
             <a:r>
               <a:rPr lang="en-US" dirty="0"/>
-              <a:t>Learning session 3</a:t>
+              <a:t>Learning session 4</a:t>
             </a:r>
           </a:p>
           <a:p>

--- a/presentations/04_Security.pptx
+++ b/presentations/04_Security.pptx
@@ -269,7 +269,7 @@
           <a:p>
             <a:fld id="{5B3CF26E-0687-4C54-85B5-9144DF51ABD2}" type="datetimeFigureOut">
               <a:rPr lang="en-US" smtClean="0"/>
-              <a:t>15-Apr-22</a:t>
+              <a:t>25-May-22</a:t>
             </a:fld>
             <a:endParaRPr lang="en-US"/>
           </a:p>
@@ -2221,7 +2221,7 @@
             </a:pPr>
             <a:r>
               <a:rPr lang="en-US" dirty="0"/>
-              <a:t>As it was internal app maintained on best-efforts manner, there were no documents how to deal with it, thus …</a:t>
+              <a:t>As it was an internal app maintained in a best-efforts manner, there were no documents on how to deal with it, thus …</a:t>
             </a:r>
           </a:p>
           <a:p>
@@ -2231,7 +2231,7 @@
             </a:pPr>
             <a:r>
               <a:rPr lang="en-US" dirty="0"/>
-              <a:t>On-call engineer restarted the app without knowing that hard restart requires hardware security module (HSM) smart-card.</a:t>
+              <a:t>On-call engineer restarted the app without knowing that hard restart requires a hardware security module (HSM) smart-card.</a:t>
             </a:r>
           </a:p>
           <a:p>
@@ -2241,7 +2241,15 @@
             </a:pPr>
             <a:r>
               <a:rPr lang="en-US" dirty="0"/>
-              <a:t>These smart cards are stored in several offices in physical safes but not in the office where on-call engineer was (New York)</a:t>
+              <a:t>These smart cards are stored in several offices in physical safes but not in the office </a:t>
+            </a:r>
+            <a:r>
+              <a:rPr lang="en-US"/>
+              <a:t>where the on-call </a:t>
+            </a:r>
+            <a:r>
+              <a:rPr lang="en-US" dirty="0"/>
+              <a:t>engineer was (New York)</a:t>
             </a:r>
           </a:p>
           <a:p>
@@ -2261,7 +2269,7 @@
             </a:pPr>
             <a:r>
               <a:rPr lang="en-US" dirty="0"/>
-              <a:t>The secret combination is stored in password manager…</a:t>
+              <a:t>The secret combination is stored in the password manager…</a:t>
             </a:r>
           </a:p>
           <a:p>
@@ -2271,7 +2279,7 @@
             </a:pPr>
             <a:r>
               <a:rPr lang="en-US" dirty="0"/>
-              <a:t>They called other offices and finally found a person who remembers the combination by-heart and can open the safe</a:t>
+              <a:t>They called other offices and finally found a person who remembers the combination by heart and can open the safe</a:t>
             </a:r>
           </a:p>
           <a:p>
@@ -2281,7 +2289,7 @@
             </a:pPr>
             <a:r>
               <a:rPr lang="en-US" dirty="0"/>
-              <a:t>But when they inserted the smart-card it returned cryptic error…</a:t>
+              <a:t>But when they inserted the smart-card it returned a cryptic error…</a:t>
             </a:r>
           </a:p>
           <a:p>
@@ -2291,7 +2299,7 @@
             </a:pPr>
             <a:r>
               <a:rPr lang="en-US" dirty="0"/>
-              <a:t>Meanwhile, Australian office decided to use power drill to open their safe, but their card gave the same error.</a:t>
+              <a:t>Meanwhile, the Australian office decided to use a power drill to open their safe, but their card gave the same error.</a:t>
             </a:r>
           </a:p>
           <a:p>
@@ -2301,7 +2309,7 @@
             </a:pPr>
             <a:r>
               <a:rPr lang="en-US" dirty="0"/>
-              <a:t>After an additional hour, someone understood that green light on the smart card indicates nothing and it should be flipped.</a:t>
+              <a:t>After an additional hour, someone understood that the green light on the smart card indicates nothing and it should be flipped.</a:t>
             </a:r>
           </a:p>
           <a:p>
@@ -5977,7 +5985,7 @@
           <a:p>
             <a:fld id="{8BBDE38F-7EFF-44D7-A4FC-86F4469E67EF}" type="datetimeFigureOut">
               <a:rPr lang="en-US" smtClean="0"/>
-              <a:t>15-Apr-22</a:t>
+              <a:t>25-May-22</a:t>
             </a:fld>
             <a:endParaRPr lang="en-US"/>
           </a:p>
@@ -6175,7 +6183,7 @@
           <a:p>
             <a:fld id="{8BBDE38F-7EFF-44D7-A4FC-86F4469E67EF}" type="datetimeFigureOut">
               <a:rPr lang="en-US" smtClean="0"/>
-              <a:t>15-Apr-22</a:t>
+              <a:t>25-May-22</a:t>
             </a:fld>
             <a:endParaRPr lang="en-US"/>
           </a:p>
@@ -6383,7 +6391,7 @@
           <a:p>
             <a:fld id="{8BBDE38F-7EFF-44D7-A4FC-86F4469E67EF}" type="datetimeFigureOut">
               <a:rPr lang="en-US" smtClean="0"/>
-              <a:t>15-Apr-22</a:t>
+              <a:t>25-May-22</a:t>
             </a:fld>
             <a:endParaRPr lang="en-US"/>
           </a:p>
@@ -6581,7 +6589,7 @@
           <a:p>
             <a:fld id="{8BBDE38F-7EFF-44D7-A4FC-86F4469E67EF}" type="datetimeFigureOut">
               <a:rPr lang="en-US" smtClean="0"/>
-              <a:t>15-Apr-22</a:t>
+              <a:t>25-May-22</a:t>
             </a:fld>
             <a:endParaRPr lang="en-US"/>
           </a:p>
@@ -6856,7 +6864,7 @@
           <a:p>
             <a:fld id="{8BBDE38F-7EFF-44D7-A4FC-86F4469E67EF}" type="datetimeFigureOut">
               <a:rPr lang="en-US" smtClean="0"/>
-              <a:t>15-Apr-22</a:t>
+              <a:t>25-May-22</a:t>
             </a:fld>
             <a:endParaRPr lang="en-US"/>
           </a:p>
@@ -7121,7 +7129,7 @@
           <a:p>
             <a:fld id="{8BBDE38F-7EFF-44D7-A4FC-86F4469E67EF}" type="datetimeFigureOut">
               <a:rPr lang="en-US" smtClean="0"/>
-              <a:t>15-Apr-22</a:t>
+              <a:t>25-May-22</a:t>
             </a:fld>
             <a:endParaRPr lang="en-US"/>
           </a:p>
@@ -7533,7 +7541,7 @@
           <a:p>
             <a:fld id="{8BBDE38F-7EFF-44D7-A4FC-86F4469E67EF}" type="datetimeFigureOut">
               <a:rPr lang="en-US" smtClean="0"/>
-              <a:t>15-Apr-22</a:t>
+              <a:t>25-May-22</a:t>
             </a:fld>
             <a:endParaRPr lang="en-US"/>
           </a:p>
@@ -7674,7 +7682,7 @@
           <a:p>
             <a:fld id="{8BBDE38F-7EFF-44D7-A4FC-86F4469E67EF}" type="datetimeFigureOut">
               <a:rPr lang="en-US" smtClean="0"/>
-              <a:t>15-Apr-22</a:t>
+              <a:t>25-May-22</a:t>
             </a:fld>
             <a:endParaRPr lang="en-US"/>
           </a:p>
@@ -7787,7 +7795,7 @@
           <a:p>
             <a:fld id="{8BBDE38F-7EFF-44D7-A4FC-86F4469E67EF}" type="datetimeFigureOut">
               <a:rPr lang="en-US" smtClean="0"/>
-              <a:t>15-Apr-22</a:t>
+              <a:t>25-May-22</a:t>
             </a:fld>
             <a:endParaRPr lang="en-US"/>
           </a:p>
@@ -8098,7 +8106,7 @@
           <a:p>
             <a:fld id="{8BBDE38F-7EFF-44D7-A4FC-86F4469E67EF}" type="datetimeFigureOut">
               <a:rPr lang="en-US" smtClean="0"/>
-              <a:t>15-Apr-22</a:t>
+              <a:t>25-May-22</a:t>
             </a:fld>
             <a:endParaRPr lang="en-US"/>
           </a:p>
@@ -8386,7 +8394,7 @@
           <a:p>
             <a:fld id="{8BBDE38F-7EFF-44D7-A4FC-86F4469E67EF}" type="datetimeFigureOut">
               <a:rPr lang="en-US" smtClean="0"/>
-              <a:t>15-Apr-22</a:t>
+              <a:t>25-May-22</a:t>
             </a:fld>
             <a:endParaRPr lang="en-US"/>
           </a:p>
@@ -8627,7 +8635,7 @@
           <a:p>
             <a:fld id="{8BBDE38F-7EFF-44D7-A4FC-86F4469E67EF}" type="datetimeFigureOut">
               <a:rPr lang="en-US" smtClean="0"/>
-              <a:t>15-Apr-22</a:t>
+              <a:t>25-May-22</a:t>
             </a:fld>
             <a:endParaRPr lang="en-US"/>
           </a:p>

--- a/presentations/04_Security.pptx
+++ b/presentations/04_Security.pptx
@@ -56,22 +56,22 @@
     <p:sldId id="317" r:id="rId47"/>
     <p:sldId id="319" r:id="rId48"/>
     <p:sldId id="318" r:id="rId49"/>
-    <p:sldId id="323" r:id="rId50"/>
-    <p:sldId id="324" r:id="rId51"/>
-    <p:sldId id="314" r:id="rId52"/>
-    <p:sldId id="294" r:id="rId53"/>
-    <p:sldId id="296" r:id="rId54"/>
-    <p:sldId id="297" r:id="rId55"/>
-    <p:sldId id="298" r:id="rId56"/>
-    <p:sldId id="300" r:id="rId57"/>
-    <p:sldId id="299" r:id="rId58"/>
-    <p:sldId id="328" r:id="rId59"/>
-    <p:sldId id="301" r:id="rId60"/>
-    <p:sldId id="302" r:id="rId61"/>
-    <p:sldId id="303" r:id="rId62"/>
-    <p:sldId id="304" r:id="rId63"/>
-    <p:sldId id="306" r:id="rId64"/>
-    <p:sldId id="307" r:id="rId65"/>
+    <p:sldId id="314" r:id="rId50"/>
+    <p:sldId id="323" r:id="rId51"/>
+    <p:sldId id="324" r:id="rId52"/>
+    <p:sldId id="331" r:id="rId53"/>
+    <p:sldId id="294" r:id="rId54"/>
+    <p:sldId id="296" r:id="rId55"/>
+    <p:sldId id="297" r:id="rId56"/>
+    <p:sldId id="298" r:id="rId57"/>
+    <p:sldId id="300" r:id="rId58"/>
+    <p:sldId id="299" r:id="rId59"/>
+    <p:sldId id="328" r:id="rId60"/>
+    <p:sldId id="301" r:id="rId61"/>
+    <p:sldId id="302" r:id="rId62"/>
+    <p:sldId id="303" r:id="rId63"/>
+    <p:sldId id="304" r:id="rId64"/>
+    <p:sldId id="306" r:id="rId65"/>
     <p:sldId id="310" r:id="rId66"/>
   </p:sldIdLst>
   <p:sldSz cx="12192000" cy="6858000"/>
@@ -269,7 +269,7 @@
           <a:p>
             <a:fld id="{5B3CF26E-0687-4C54-85B5-9144DF51ABD2}" type="datetimeFigureOut">
               <a:rPr lang="en-US" smtClean="0"/>
-              <a:t>25-May-22</a:t>
+              <a:t>08-Jun-22</a:t>
             </a:fld>
             <a:endParaRPr lang="en-US"/>
           </a:p>
@@ -2481,7 +2481,10 @@
           <a:bodyPr/>
           <a:lstStyle/>
           <a:p>
-            <a:endParaRPr lang="en-US" dirty="0"/>
+            <a:r>
+              <a:rPr lang="en-US" dirty="0"/>
+              <a:t>Fail-safe vs fail open</a:t>
+            </a:r>
           </a:p>
         </p:txBody>
       </p:sp>
@@ -3663,7 +3666,7 @@
     </p:spTree>
     <p:extLst>
       <p:ext uri="{BB962C8B-B14F-4D97-AF65-F5344CB8AC3E}">
-        <p14:creationId xmlns:p14="http://schemas.microsoft.com/office/powerpoint/2010/main" val="333483114"/>
+        <p14:creationId xmlns:p14="http://schemas.microsoft.com/office/powerpoint/2010/main" val="2183025364"/>
       </p:ext>
     </p:extLst>
   </p:cSld>
@@ -3747,7 +3750,7 @@
     </p:spTree>
     <p:extLst>
       <p:ext uri="{BB962C8B-B14F-4D97-AF65-F5344CB8AC3E}">
-        <p14:creationId xmlns:p14="http://schemas.microsoft.com/office/powerpoint/2010/main" val="236537418"/>
+        <p14:creationId xmlns:p14="http://schemas.microsoft.com/office/powerpoint/2010/main" val="333483114"/>
       </p:ext>
     </p:extLst>
   </p:cSld>
@@ -3831,7 +3834,7 @@
     </p:spTree>
     <p:extLst>
       <p:ext uri="{BB962C8B-B14F-4D97-AF65-F5344CB8AC3E}">
-        <p14:creationId xmlns:p14="http://schemas.microsoft.com/office/powerpoint/2010/main" val="2183025364"/>
+        <p14:creationId xmlns:p14="http://schemas.microsoft.com/office/powerpoint/2010/main" val="236537418"/>
       </p:ext>
     </p:extLst>
   </p:cSld>
@@ -3915,7 +3918,7 @@
     </p:spTree>
     <p:extLst>
       <p:ext uri="{BB962C8B-B14F-4D97-AF65-F5344CB8AC3E}">
-        <p14:creationId xmlns:p14="http://schemas.microsoft.com/office/powerpoint/2010/main" val="3379131748"/>
+        <p14:creationId xmlns:p14="http://schemas.microsoft.com/office/powerpoint/2010/main" val="797949390"/>
       </p:ext>
     </p:extLst>
   </p:cSld>
@@ -4143,7 +4146,7 @@
     </p:spTree>
     <p:extLst>
       <p:ext uri="{BB962C8B-B14F-4D97-AF65-F5344CB8AC3E}">
-        <p14:creationId xmlns:p14="http://schemas.microsoft.com/office/powerpoint/2010/main" val="1541529435"/>
+        <p14:creationId xmlns:p14="http://schemas.microsoft.com/office/powerpoint/2010/main" val="3379131748"/>
       </p:ext>
     </p:extLst>
   </p:cSld>
@@ -4227,7 +4230,7 @@
     </p:spTree>
     <p:extLst>
       <p:ext uri="{BB962C8B-B14F-4D97-AF65-F5344CB8AC3E}">
-        <p14:creationId xmlns:p14="http://schemas.microsoft.com/office/powerpoint/2010/main" val="2012134742"/>
+        <p14:creationId xmlns:p14="http://schemas.microsoft.com/office/powerpoint/2010/main" val="1541529435"/>
       </p:ext>
     </p:extLst>
   </p:cSld>
@@ -4311,7 +4314,7 @@
     </p:spTree>
     <p:extLst>
       <p:ext uri="{BB962C8B-B14F-4D97-AF65-F5344CB8AC3E}">
-        <p14:creationId xmlns:p14="http://schemas.microsoft.com/office/powerpoint/2010/main" val="2543381281"/>
+        <p14:creationId xmlns:p14="http://schemas.microsoft.com/office/powerpoint/2010/main" val="2012134742"/>
       </p:ext>
     </p:extLst>
   </p:cSld>
@@ -4395,7 +4398,7 @@
     </p:spTree>
     <p:extLst>
       <p:ext uri="{BB962C8B-B14F-4D97-AF65-F5344CB8AC3E}">
-        <p14:creationId xmlns:p14="http://schemas.microsoft.com/office/powerpoint/2010/main" val="3919504541"/>
+        <p14:creationId xmlns:p14="http://schemas.microsoft.com/office/powerpoint/2010/main" val="2543381281"/>
       </p:ext>
     </p:extLst>
   </p:cSld>
@@ -4479,7 +4482,7 @@
     </p:spTree>
     <p:extLst>
       <p:ext uri="{BB962C8B-B14F-4D97-AF65-F5344CB8AC3E}">
-        <p14:creationId xmlns:p14="http://schemas.microsoft.com/office/powerpoint/2010/main" val="4110965509"/>
+        <p14:creationId xmlns:p14="http://schemas.microsoft.com/office/powerpoint/2010/main" val="3919504541"/>
       </p:ext>
     </p:extLst>
   </p:cSld>
@@ -4563,7 +4566,7 @@
     </p:spTree>
     <p:extLst>
       <p:ext uri="{BB962C8B-B14F-4D97-AF65-F5344CB8AC3E}">
-        <p14:creationId xmlns:p14="http://schemas.microsoft.com/office/powerpoint/2010/main" val="3121645829"/>
+        <p14:creationId xmlns:p14="http://schemas.microsoft.com/office/powerpoint/2010/main" val="4110965509"/>
       </p:ext>
     </p:extLst>
   </p:cSld>
@@ -4647,7 +4650,7 @@
     </p:spTree>
     <p:extLst>
       <p:ext uri="{BB962C8B-B14F-4D97-AF65-F5344CB8AC3E}">
-        <p14:creationId xmlns:p14="http://schemas.microsoft.com/office/powerpoint/2010/main" val="3025665009"/>
+        <p14:creationId xmlns:p14="http://schemas.microsoft.com/office/powerpoint/2010/main" val="3121645829"/>
       </p:ext>
     </p:extLst>
   </p:cSld>
@@ -4731,7 +4734,7 @@
     </p:spTree>
     <p:extLst>
       <p:ext uri="{BB962C8B-B14F-4D97-AF65-F5344CB8AC3E}">
-        <p14:creationId xmlns:p14="http://schemas.microsoft.com/office/powerpoint/2010/main" val="92700227"/>
+        <p14:creationId xmlns:p14="http://schemas.microsoft.com/office/powerpoint/2010/main" val="3025665009"/>
       </p:ext>
     </p:extLst>
   </p:cSld>
@@ -4815,7 +4818,7 @@
     </p:spTree>
     <p:extLst>
       <p:ext uri="{BB962C8B-B14F-4D97-AF65-F5344CB8AC3E}">
-        <p14:creationId xmlns:p14="http://schemas.microsoft.com/office/powerpoint/2010/main" val="912864036"/>
+        <p14:creationId xmlns:p14="http://schemas.microsoft.com/office/powerpoint/2010/main" val="92700227"/>
       </p:ext>
     </p:extLst>
   </p:cSld>
@@ -4899,7 +4902,7 @@
     </p:spTree>
     <p:extLst>
       <p:ext uri="{BB962C8B-B14F-4D97-AF65-F5344CB8AC3E}">
-        <p14:creationId xmlns:p14="http://schemas.microsoft.com/office/powerpoint/2010/main" val="11239400"/>
+        <p14:creationId xmlns:p14="http://schemas.microsoft.com/office/powerpoint/2010/main" val="912864036"/>
       </p:ext>
     </p:extLst>
   </p:cSld>
@@ -5127,7 +5130,7 @@
     </p:spTree>
     <p:extLst>
       <p:ext uri="{BB962C8B-B14F-4D97-AF65-F5344CB8AC3E}">
-        <p14:creationId xmlns:p14="http://schemas.microsoft.com/office/powerpoint/2010/main" val="3188299865"/>
+        <p14:creationId xmlns:p14="http://schemas.microsoft.com/office/powerpoint/2010/main" val="11239400"/>
       </p:ext>
     </p:extLst>
   </p:cSld>
@@ -5211,7 +5214,7 @@
     </p:spTree>
     <p:extLst>
       <p:ext uri="{BB962C8B-B14F-4D97-AF65-F5344CB8AC3E}">
-        <p14:creationId xmlns:p14="http://schemas.microsoft.com/office/powerpoint/2010/main" val="2649767047"/>
+        <p14:creationId xmlns:p14="http://schemas.microsoft.com/office/powerpoint/2010/main" val="3188299865"/>
       </p:ext>
     </p:extLst>
   </p:cSld>
@@ -5985,7 +5988,7 @@
           <a:p>
             <a:fld id="{8BBDE38F-7EFF-44D7-A4FC-86F4469E67EF}" type="datetimeFigureOut">
               <a:rPr lang="en-US" smtClean="0"/>
-              <a:t>25-May-22</a:t>
+              <a:t>08-Jun-22</a:t>
             </a:fld>
             <a:endParaRPr lang="en-US"/>
           </a:p>
@@ -6183,7 +6186,7 @@
           <a:p>
             <a:fld id="{8BBDE38F-7EFF-44D7-A4FC-86F4469E67EF}" type="datetimeFigureOut">
               <a:rPr lang="en-US" smtClean="0"/>
-              <a:t>25-May-22</a:t>
+              <a:t>08-Jun-22</a:t>
             </a:fld>
             <a:endParaRPr lang="en-US"/>
           </a:p>
@@ -6391,7 +6394,7 @@
           <a:p>
             <a:fld id="{8BBDE38F-7EFF-44D7-A4FC-86F4469E67EF}" type="datetimeFigureOut">
               <a:rPr lang="en-US" smtClean="0"/>
-              <a:t>25-May-22</a:t>
+              <a:t>08-Jun-22</a:t>
             </a:fld>
             <a:endParaRPr lang="en-US"/>
           </a:p>
@@ -6589,7 +6592,7 @@
           <a:p>
             <a:fld id="{8BBDE38F-7EFF-44D7-A4FC-86F4469E67EF}" type="datetimeFigureOut">
               <a:rPr lang="en-US" smtClean="0"/>
-              <a:t>25-May-22</a:t>
+              <a:t>08-Jun-22</a:t>
             </a:fld>
             <a:endParaRPr lang="en-US"/>
           </a:p>
@@ -6864,7 +6867,7 @@
           <a:p>
             <a:fld id="{8BBDE38F-7EFF-44D7-A4FC-86F4469E67EF}" type="datetimeFigureOut">
               <a:rPr lang="en-US" smtClean="0"/>
-              <a:t>25-May-22</a:t>
+              <a:t>08-Jun-22</a:t>
             </a:fld>
             <a:endParaRPr lang="en-US"/>
           </a:p>
@@ -7129,7 +7132,7 @@
           <a:p>
             <a:fld id="{8BBDE38F-7EFF-44D7-A4FC-86F4469E67EF}" type="datetimeFigureOut">
               <a:rPr lang="en-US" smtClean="0"/>
-              <a:t>25-May-22</a:t>
+              <a:t>08-Jun-22</a:t>
             </a:fld>
             <a:endParaRPr lang="en-US"/>
           </a:p>
@@ -7541,7 +7544,7 @@
           <a:p>
             <a:fld id="{8BBDE38F-7EFF-44D7-A4FC-86F4469E67EF}" type="datetimeFigureOut">
               <a:rPr lang="en-US" smtClean="0"/>
-              <a:t>25-May-22</a:t>
+              <a:t>08-Jun-22</a:t>
             </a:fld>
             <a:endParaRPr lang="en-US"/>
           </a:p>
@@ -7682,7 +7685,7 @@
           <a:p>
             <a:fld id="{8BBDE38F-7EFF-44D7-A4FC-86F4469E67EF}" type="datetimeFigureOut">
               <a:rPr lang="en-US" smtClean="0"/>
-              <a:t>25-May-22</a:t>
+              <a:t>08-Jun-22</a:t>
             </a:fld>
             <a:endParaRPr lang="en-US"/>
           </a:p>
@@ -7795,7 +7798,7 @@
           <a:p>
             <a:fld id="{8BBDE38F-7EFF-44D7-A4FC-86F4469E67EF}" type="datetimeFigureOut">
               <a:rPr lang="en-US" smtClean="0"/>
-              <a:t>25-May-22</a:t>
+              <a:t>08-Jun-22</a:t>
             </a:fld>
             <a:endParaRPr lang="en-US"/>
           </a:p>
@@ -8106,7 +8109,7 @@
           <a:p>
             <a:fld id="{8BBDE38F-7EFF-44D7-A4FC-86F4469E67EF}" type="datetimeFigureOut">
               <a:rPr lang="en-US" smtClean="0"/>
-              <a:t>25-May-22</a:t>
+              <a:t>08-Jun-22</a:t>
             </a:fld>
             <a:endParaRPr lang="en-US"/>
           </a:p>
@@ -8394,7 +8397,7 @@
           <a:p>
             <a:fld id="{8BBDE38F-7EFF-44D7-A4FC-86F4469E67EF}" type="datetimeFigureOut">
               <a:rPr lang="en-US" smtClean="0"/>
-              <a:t>25-May-22</a:t>
+              <a:t>08-Jun-22</a:t>
             </a:fld>
             <a:endParaRPr lang="en-US"/>
           </a:p>
@@ -8635,7 +8638,7 @@
           <a:p>
             <a:fld id="{8BBDE38F-7EFF-44D7-A4FC-86F4469E67EF}" type="datetimeFigureOut">
               <a:rPr lang="en-US" smtClean="0"/>
-              <a:t>25-May-22</a:t>
+              <a:t>08-Jun-22</a:t>
             </a:fld>
             <a:endParaRPr lang="en-US"/>
           </a:p>
@@ -13771,6 +13774,307 @@
           <a:chExt cx="0" cy="0"/>
         </a:xfrm>
       </p:grpSpPr>
+      <p:sp>
+        <p:nvSpPr>
+          <p:cNvPr id="2" name="Title 1">
+            <a:extLst>
+              <a:ext uri="{FF2B5EF4-FFF2-40B4-BE49-F238E27FC236}">
+                <a16:creationId xmlns:a16="http://schemas.microsoft.com/office/drawing/2014/main" id="{A26A8A0A-320E-4536-BFF8-C2E9FC542DEC}"/>
+              </a:ext>
+            </a:extLst>
+          </p:cNvPr>
+          <p:cNvSpPr>
+            <a:spLocks noGrp="1"/>
+          </p:cNvSpPr>
+          <p:nvPr>
+            <p:ph type="title"/>
+          </p:nvPr>
+        </p:nvSpPr>
+        <p:spPr/>
+        <p:txBody>
+          <a:bodyPr/>
+          <a:lstStyle/>
+          <a:p>
+            <a:r>
+              <a:rPr lang="en-US" dirty="0"/>
+              <a:t>Identity Access Management</a:t>
+            </a:r>
+          </a:p>
+        </p:txBody>
+      </p:sp>
+      <p:sp>
+        <p:nvSpPr>
+          <p:cNvPr id="3" name="Content Placeholder 2">
+            <a:extLst>
+              <a:ext uri="{FF2B5EF4-FFF2-40B4-BE49-F238E27FC236}">
+                <a16:creationId xmlns:a16="http://schemas.microsoft.com/office/drawing/2014/main" id="{AE3F0B5C-ACCE-4F53-A9D1-641797D8C52C}"/>
+              </a:ext>
+            </a:extLst>
+          </p:cNvPr>
+          <p:cNvSpPr>
+            <a:spLocks noGrp="1"/>
+          </p:cNvSpPr>
+          <p:nvPr>
+            <p:ph idx="1"/>
+          </p:nvPr>
+        </p:nvSpPr>
+        <p:spPr/>
+        <p:txBody>
+          <a:bodyPr/>
+          <a:lstStyle/>
+          <a:p>
+            <a:pPr marL="0" indent="0">
+              <a:buNone/>
+            </a:pPr>
+            <a:r>
+              <a:rPr lang="en-US" dirty="0">
+                <a:hlinkClick r:id="rId3"/>
+              </a:rPr>
+              <a:t>Azure RBAC explained</a:t>
+            </a:r>
+            <a:endParaRPr lang="en-US" i="1" dirty="0"/>
+          </a:p>
+          <a:p>
+            <a:pPr marL="0" indent="0">
+              <a:buNone/>
+            </a:pPr>
+            <a:endParaRPr lang="en-US" dirty="0"/>
+          </a:p>
+        </p:txBody>
+      </p:sp>
+    </p:spTree>
+    <p:extLst>
+      <p:ext uri="{BB962C8B-B14F-4D97-AF65-F5344CB8AC3E}">
+        <p14:creationId xmlns:p14="http://schemas.microsoft.com/office/powerpoint/2010/main" val="3708815563"/>
+      </p:ext>
+    </p:extLst>
+  </p:cSld>
+  <p:clrMapOvr>
+    <a:masterClrMapping/>
+  </p:clrMapOvr>
+</p:sld>
+</file>
+
+<file path=ppt/slides/slide5.xml><?xml version="1.0" encoding="utf-8"?>
+<p:sld xmlns:a="http://schemas.openxmlformats.org/drawingml/2006/main" xmlns:r="http://schemas.openxmlformats.org/officeDocument/2006/relationships" xmlns:p="http://schemas.openxmlformats.org/presentationml/2006/main">
+  <p:cSld>
+    <p:spTree>
+      <p:nvGrpSpPr>
+        <p:cNvPr id="1" name=""/>
+        <p:cNvGrpSpPr/>
+        <p:nvPr/>
+      </p:nvGrpSpPr>
+      <p:grpSpPr>
+        <a:xfrm>
+          <a:off x="0" y="0"/>
+          <a:ext cx="0" cy="0"/>
+          <a:chOff x="0" y="0"/>
+          <a:chExt cx="0" cy="0"/>
+        </a:xfrm>
+      </p:grpSpPr>
+      <p:sp>
+        <p:nvSpPr>
+          <p:cNvPr id="2" name="Title 1">
+            <a:extLst>
+              <a:ext uri="{FF2B5EF4-FFF2-40B4-BE49-F238E27FC236}">
+                <a16:creationId xmlns:a16="http://schemas.microsoft.com/office/drawing/2014/main" id="{A26A8A0A-320E-4536-BFF8-C2E9FC542DEC}"/>
+              </a:ext>
+            </a:extLst>
+          </p:cNvPr>
+          <p:cNvSpPr>
+            <a:spLocks noGrp="1"/>
+          </p:cNvSpPr>
+          <p:nvPr>
+            <p:ph type="title"/>
+          </p:nvPr>
+        </p:nvSpPr>
+        <p:spPr/>
+        <p:txBody>
+          <a:bodyPr/>
+          <a:lstStyle/>
+          <a:p>
+            <a:r>
+              <a:rPr lang="en-US" dirty="0"/>
+              <a:t>Breach scenarios</a:t>
+            </a:r>
+          </a:p>
+        </p:txBody>
+      </p:sp>
+      <p:sp>
+        <p:nvSpPr>
+          <p:cNvPr id="3" name="Content Placeholder 2">
+            <a:extLst>
+              <a:ext uri="{FF2B5EF4-FFF2-40B4-BE49-F238E27FC236}">
+                <a16:creationId xmlns:a16="http://schemas.microsoft.com/office/drawing/2014/main" id="{AE3F0B5C-ACCE-4F53-A9D1-641797D8C52C}"/>
+              </a:ext>
+            </a:extLst>
+          </p:cNvPr>
+          <p:cNvSpPr>
+            <a:spLocks noGrp="1"/>
+          </p:cNvSpPr>
+          <p:nvPr>
+            <p:ph idx="1"/>
+          </p:nvPr>
+        </p:nvSpPr>
+        <p:spPr/>
+        <p:txBody>
+          <a:bodyPr/>
+          <a:lstStyle/>
+          <a:p>
+            <a:pPr marL="0" indent="0">
+              <a:buNone/>
+            </a:pPr>
+            <a:r>
+              <a:rPr lang="en-US" b="1" dirty="0"/>
+              <a:t>Ransomware</a:t>
+            </a:r>
+            <a:r>
+              <a:rPr lang="en-US" dirty="0"/>
+              <a:t>: threat to publish data or blocks access</a:t>
+            </a:r>
+          </a:p>
+        </p:txBody>
+      </p:sp>
+      <p:pic>
+        <p:nvPicPr>
+          <p:cNvPr id="5" name="Picture 4">
+            <a:extLst>
+              <a:ext uri="{FF2B5EF4-FFF2-40B4-BE49-F238E27FC236}">
+                <a16:creationId xmlns:a16="http://schemas.microsoft.com/office/drawing/2014/main" id="{1C00CA82-98E5-4B14-A49B-0E7A736405D5}"/>
+              </a:ext>
+            </a:extLst>
+          </p:cNvPr>
+          <p:cNvPicPr>
+            <a:picLocks noChangeAspect="1"/>
+          </p:cNvPicPr>
+          <p:nvPr/>
+        </p:nvPicPr>
+        <p:blipFill>
+          <a:blip r:embed="rId3"/>
+          <a:stretch>
+            <a:fillRect/>
+          </a:stretch>
+        </p:blipFill>
+        <p:spPr>
+          <a:xfrm>
+            <a:off x="1761520" y="2880853"/>
+            <a:ext cx="8668960" cy="3296110"/>
+          </a:xfrm>
+          <a:prstGeom prst="rect">
+            <a:avLst/>
+          </a:prstGeom>
+        </p:spPr>
+      </p:pic>
+      <p:sp>
+        <p:nvSpPr>
+          <p:cNvPr id="6" name="TextBox 5">
+            <a:extLst>
+              <a:ext uri="{FF2B5EF4-FFF2-40B4-BE49-F238E27FC236}">
+                <a16:creationId xmlns:a16="http://schemas.microsoft.com/office/drawing/2014/main" id="{A00EB3DF-681E-4492-AA52-2EAF5B70531C}"/>
+              </a:ext>
+            </a:extLst>
+          </p:cNvPr>
+          <p:cNvSpPr txBox="1"/>
+          <p:nvPr/>
+        </p:nvSpPr>
+        <p:spPr>
+          <a:xfrm>
+            <a:off x="3429816" y="6311900"/>
+            <a:ext cx="8668960" cy="307777"/>
+          </a:xfrm>
+          <a:prstGeom prst="rect">
+            <a:avLst/>
+          </a:prstGeom>
+          <a:noFill/>
+        </p:spPr>
+        <p:txBody>
+          <a:bodyPr wrap="square">
+            <a:spAutoFit/>
+          </a:bodyPr>
+          <a:lstStyle/>
+          <a:p>
+            <a:pPr marL="0" marR="0" lvl="0" indent="0" algn="l" defTabSz="914400" rtl="0" eaLnBrk="1" fontAlgn="auto" latinLnBrk="0" hangingPunct="1">
+              <a:lnSpc>
+                <a:spcPct val="100000"/>
+              </a:lnSpc>
+              <a:spcBef>
+                <a:spcPts val="0"/>
+              </a:spcBef>
+              <a:spcAft>
+                <a:spcPts val="0"/>
+              </a:spcAft>
+              <a:buClrTx/>
+              <a:buSzTx/>
+              <a:buFontTx/>
+              <a:buNone/>
+              <a:tabLst/>
+              <a:defRPr/>
+            </a:pPr>
+            <a:r>
+              <a:rPr kumimoji="0" lang="en-US" sz="1400" b="0" i="0" u="none" strike="noStrike" kern="1200" cap="none" spc="0" normalizeH="0" baseline="0" noProof="0" dirty="0">
+                <a:ln>
+                  <a:noFill/>
+                </a:ln>
+                <a:solidFill>
+                  <a:prstClr val="black"/>
+                </a:solidFill>
+                <a:effectLst/>
+                <a:uLnTx/>
+                <a:uFillTx/>
+                <a:latin typeface="Calibri" panose="020F0502020204030204"/>
+                <a:ea typeface="+mn-ea"/>
+                <a:cs typeface="+mn-cs"/>
+                <a:hlinkClick r:id="rId4"/>
+              </a:rPr>
+              <a:t>https://www.theverge.com/2020/8/4/21353842/garmin-ransomware-attack-wearables-wastedlocker-evil-corp</a:t>
+            </a:r>
+            <a:endParaRPr kumimoji="0" lang="en-US" sz="1400" b="0" i="0" u="none" strike="noStrike" kern="1200" cap="none" spc="0" normalizeH="0" baseline="0" noProof="0" dirty="0">
+              <a:ln>
+                <a:noFill/>
+              </a:ln>
+              <a:solidFill>
+                <a:prstClr val="black"/>
+              </a:solidFill>
+              <a:effectLst/>
+              <a:uLnTx/>
+              <a:uFillTx/>
+              <a:latin typeface="Calibri" panose="020F0502020204030204"/>
+              <a:ea typeface="+mn-ea"/>
+              <a:cs typeface="+mn-cs"/>
+            </a:endParaRPr>
+          </a:p>
+        </p:txBody>
+      </p:sp>
+    </p:spTree>
+    <p:extLst>
+      <p:ext uri="{BB962C8B-B14F-4D97-AF65-F5344CB8AC3E}">
+        <p14:creationId xmlns:p14="http://schemas.microsoft.com/office/powerpoint/2010/main" val="336106310"/>
+      </p:ext>
+    </p:extLst>
+  </p:cSld>
+  <p:clrMapOvr>
+    <a:masterClrMapping/>
+  </p:clrMapOvr>
+</p:sld>
+</file>
+
+<file path=ppt/slides/slide50.xml><?xml version="1.0" encoding="utf-8"?>
+<p:sld xmlns:a="http://schemas.openxmlformats.org/drawingml/2006/main" xmlns:r="http://schemas.openxmlformats.org/officeDocument/2006/relationships" xmlns:p="http://schemas.openxmlformats.org/presentationml/2006/main">
+  <p:cSld>
+    <p:spTree>
+      <p:nvGrpSpPr>
+        <p:cNvPr id="1" name=""/>
+        <p:cNvGrpSpPr/>
+        <p:nvPr/>
+      </p:nvGrpSpPr>
+      <p:grpSpPr>
+        <a:xfrm>
+          <a:off x="0" y="0"/>
+          <a:ext cx="0" cy="0"/>
+          <a:chOff x="0" y="0"/>
+          <a:chExt cx="0" cy="0"/>
+        </a:xfrm>
+      </p:grpSpPr>
       <p:pic>
         <p:nvPicPr>
           <p:cNvPr id="5" name="Picture 4">
@@ -13814,210 +14118,7 @@
 </p:sld>
 </file>
 
-<file path=ppt/slides/slide5.xml><?xml version="1.0" encoding="utf-8"?>
-<p:sld xmlns:a="http://schemas.openxmlformats.org/drawingml/2006/main" xmlns:r="http://schemas.openxmlformats.org/officeDocument/2006/relationships" xmlns:p="http://schemas.openxmlformats.org/presentationml/2006/main">
-  <p:cSld>
-    <p:spTree>
-      <p:nvGrpSpPr>
-        <p:cNvPr id="1" name=""/>
-        <p:cNvGrpSpPr/>
-        <p:nvPr/>
-      </p:nvGrpSpPr>
-      <p:grpSpPr>
-        <a:xfrm>
-          <a:off x="0" y="0"/>
-          <a:ext cx="0" cy="0"/>
-          <a:chOff x="0" y="0"/>
-          <a:chExt cx="0" cy="0"/>
-        </a:xfrm>
-      </p:grpSpPr>
-      <p:sp>
-        <p:nvSpPr>
-          <p:cNvPr id="2" name="Title 1">
-            <a:extLst>
-              <a:ext uri="{FF2B5EF4-FFF2-40B4-BE49-F238E27FC236}">
-                <a16:creationId xmlns:a16="http://schemas.microsoft.com/office/drawing/2014/main" id="{A26A8A0A-320E-4536-BFF8-C2E9FC542DEC}"/>
-              </a:ext>
-            </a:extLst>
-          </p:cNvPr>
-          <p:cNvSpPr>
-            <a:spLocks noGrp="1"/>
-          </p:cNvSpPr>
-          <p:nvPr>
-            <p:ph type="title"/>
-          </p:nvPr>
-        </p:nvSpPr>
-        <p:spPr/>
-        <p:txBody>
-          <a:bodyPr/>
-          <a:lstStyle/>
-          <a:p>
-            <a:r>
-              <a:rPr lang="en-US" dirty="0"/>
-              <a:t>Breach scenarios</a:t>
-            </a:r>
-          </a:p>
-        </p:txBody>
-      </p:sp>
-      <p:sp>
-        <p:nvSpPr>
-          <p:cNvPr id="3" name="Content Placeholder 2">
-            <a:extLst>
-              <a:ext uri="{FF2B5EF4-FFF2-40B4-BE49-F238E27FC236}">
-                <a16:creationId xmlns:a16="http://schemas.microsoft.com/office/drawing/2014/main" id="{AE3F0B5C-ACCE-4F53-A9D1-641797D8C52C}"/>
-              </a:ext>
-            </a:extLst>
-          </p:cNvPr>
-          <p:cNvSpPr>
-            <a:spLocks noGrp="1"/>
-          </p:cNvSpPr>
-          <p:nvPr>
-            <p:ph idx="1"/>
-          </p:nvPr>
-        </p:nvSpPr>
-        <p:spPr/>
-        <p:txBody>
-          <a:bodyPr/>
-          <a:lstStyle/>
-          <a:p>
-            <a:pPr marL="0" indent="0">
-              <a:buNone/>
-            </a:pPr>
-            <a:r>
-              <a:rPr lang="en-US" b="1" dirty="0"/>
-              <a:t>Ransomware</a:t>
-            </a:r>
-            <a:r>
-              <a:rPr lang="en-US" dirty="0"/>
-              <a:t>: threat to publish data or blocks access</a:t>
-            </a:r>
-          </a:p>
-        </p:txBody>
-      </p:sp>
-      <p:pic>
-        <p:nvPicPr>
-          <p:cNvPr id="5" name="Picture 4">
-            <a:extLst>
-              <a:ext uri="{FF2B5EF4-FFF2-40B4-BE49-F238E27FC236}">
-                <a16:creationId xmlns:a16="http://schemas.microsoft.com/office/drawing/2014/main" id="{1C00CA82-98E5-4B14-A49B-0E7A736405D5}"/>
-              </a:ext>
-            </a:extLst>
-          </p:cNvPr>
-          <p:cNvPicPr>
-            <a:picLocks noChangeAspect="1"/>
-          </p:cNvPicPr>
-          <p:nvPr/>
-        </p:nvPicPr>
-        <p:blipFill>
-          <a:blip r:embed="rId3"/>
-          <a:stretch>
-            <a:fillRect/>
-          </a:stretch>
-        </p:blipFill>
-        <p:spPr>
-          <a:xfrm>
-            <a:off x="1761520" y="2880853"/>
-            <a:ext cx="8668960" cy="3296110"/>
-          </a:xfrm>
-          <a:prstGeom prst="rect">
-            <a:avLst/>
-          </a:prstGeom>
-        </p:spPr>
-      </p:pic>
-      <p:sp>
-        <p:nvSpPr>
-          <p:cNvPr id="6" name="TextBox 5">
-            <a:extLst>
-              <a:ext uri="{FF2B5EF4-FFF2-40B4-BE49-F238E27FC236}">
-                <a16:creationId xmlns:a16="http://schemas.microsoft.com/office/drawing/2014/main" id="{A00EB3DF-681E-4492-AA52-2EAF5B70531C}"/>
-              </a:ext>
-            </a:extLst>
-          </p:cNvPr>
-          <p:cNvSpPr txBox="1"/>
-          <p:nvPr/>
-        </p:nvSpPr>
-        <p:spPr>
-          <a:xfrm>
-            <a:off x="3429816" y="6311900"/>
-            <a:ext cx="8668960" cy="307777"/>
-          </a:xfrm>
-          <a:prstGeom prst="rect">
-            <a:avLst/>
-          </a:prstGeom>
-          <a:noFill/>
-        </p:spPr>
-        <p:txBody>
-          <a:bodyPr wrap="square">
-            <a:spAutoFit/>
-          </a:bodyPr>
-          <a:lstStyle/>
-          <a:p>
-            <a:pPr marL="0" marR="0" lvl="0" indent="0" algn="l" defTabSz="914400" rtl="0" eaLnBrk="1" fontAlgn="auto" latinLnBrk="0" hangingPunct="1">
-              <a:lnSpc>
-                <a:spcPct val="100000"/>
-              </a:lnSpc>
-              <a:spcBef>
-                <a:spcPts val="0"/>
-              </a:spcBef>
-              <a:spcAft>
-                <a:spcPts val="0"/>
-              </a:spcAft>
-              <a:buClrTx/>
-              <a:buSzTx/>
-              <a:buFontTx/>
-              <a:buNone/>
-              <a:tabLst/>
-              <a:defRPr/>
-            </a:pPr>
-            <a:r>
-              <a:rPr kumimoji="0" lang="en-US" sz="1400" b="0" i="0" u="none" strike="noStrike" kern="1200" cap="none" spc="0" normalizeH="0" baseline="0" noProof="0" dirty="0">
-                <a:ln>
-                  <a:noFill/>
-                </a:ln>
-                <a:solidFill>
-                  <a:prstClr val="black"/>
-                </a:solidFill>
-                <a:effectLst/>
-                <a:uLnTx/>
-                <a:uFillTx/>
-                <a:latin typeface="Calibri" panose="020F0502020204030204"/>
-                <a:ea typeface="+mn-ea"/>
-                <a:cs typeface="+mn-cs"/>
-                <a:hlinkClick r:id="rId4"/>
-              </a:rPr>
-              <a:t>https://www.theverge.com/2020/8/4/21353842/garmin-ransomware-attack-wearables-wastedlocker-evil-corp</a:t>
-            </a:r>
-            <a:endParaRPr kumimoji="0" lang="en-US" sz="1400" b="0" i="0" u="none" strike="noStrike" kern="1200" cap="none" spc="0" normalizeH="0" baseline="0" noProof="0" dirty="0">
-              <a:ln>
-                <a:noFill/>
-              </a:ln>
-              <a:solidFill>
-                <a:prstClr val="black"/>
-              </a:solidFill>
-              <a:effectLst/>
-              <a:uLnTx/>
-              <a:uFillTx/>
-              <a:latin typeface="Calibri" panose="020F0502020204030204"/>
-              <a:ea typeface="+mn-ea"/>
-              <a:cs typeface="+mn-cs"/>
-            </a:endParaRPr>
-          </a:p>
-        </p:txBody>
-      </p:sp>
-    </p:spTree>
-    <p:extLst>
-      <p:ext uri="{BB962C8B-B14F-4D97-AF65-F5344CB8AC3E}">
-        <p14:creationId xmlns:p14="http://schemas.microsoft.com/office/powerpoint/2010/main" val="336106310"/>
-      </p:ext>
-    </p:extLst>
-  </p:cSld>
-  <p:clrMapOvr>
-    <a:masterClrMapping/>
-  </p:clrMapOvr>
-</p:sld>
-</file>
-
-<file path=ppt/slides/slide50.xml><?xml version="1.0" encoding="utf-8"?>
+<file path=ppt/slides/slide51.xml><?xml version="1.0" encoding="utf-8"?>
 <p:sld xmlns:a="http://schemas.openxmlformats.org/drawingml/2006/main" xmlns:r="http://schemas.openxmlformats.org/officeDocument/2006/relationships" xmlns:p="http://schemas.openxmlformats.org/presentationml/2006/main">
   <p:cSld>
     <p:spTree>
@@ -14077,104 +14178,6 @@
 </p:sld>
 </file>
 
-<file path=ppt/slides/slide51.xml><?xml version="1.0" encoding="utf-8"?>
-<p:sld xmlns:a="http://schemas.openxmlformats.org/drawingml/2006/main" xmlns:r="http://schemas.openxmlformats.org/officeDocument/2006/relationships" xmlns:p="http://schemas.openxmlformats.org/presentationml/2006/main">
-  <p:cSld>
-    <p:spTree>
-      <p:nvGrpSpPr>
-        <p:cNvPr id="1" name=""/>
-        <p:cNvGrpSpPr/>
-        <p:nvPr/>
-      </p:nvGrpSpPr>
-      <p:grpSpPr>
-        <a:xfrm>
-          <a:off x="0" y="0"/>
-          <a:ext cx="0" cy="0"/>
-          <a:chOff x="0" y="0"/>
-          <a:chExt cx="0" cy="0"/>
-        </a:xfrm>
-      </p:grpSpPr>
-      <p:sp>
-        <p:nvSpPr>
-          <p:cNvPr id="2" name="Title 1">
-            <a:extLst>
-              <a:ext uri="{FF2B5EF4-FFF2-40B4-BE49-F238E27FC236}">
-                <a16:creationId xmlns:a16="http://schemas.microsoft.com/office/drawing/2014/main" id="{A26A8A0A-320E-4536-BFF8-C2E9FC542DEC}"/>
-              </a:ext>
-            </a:extLst>
-          </p:cNvPr>
-          <p:cNvSpPr>
-            <a:spLocks noGrp="1"/>
-          </p:cNvSpPr>
-          <p:nvPr>
-            <p:ph type="title"/>
-          </p:nvPr>
-        </p:nvSpPr>
-        <p:spPr/>
-        <p:txBody>
-          <a:bodyPr/>
-          <a:lstStyle/>
-          <a:p>
-            <a:r>
-              <a:rPr lang="en-US" dirty="0"/>
-              <a:t>Identity Access Management</a:t>
-            </a:r>
-          </a:p>
-        </p:txBody>
-      </p:sp>
-      <p:sp>
-        <p:nvSpPr>
-          <p:cNvPr id="3" name="Content Placeholder 2">
-            <a:extLst>
-              <a:ext uri="{FF2B5EF4-FFF2-40B4-BE49-F238E27FC236}">
-                <a16:creationId xmlns:a16="http://schemas.microsoft.com/office/drawing/2014/main" id="{AE3F0B5C-ACCE-4F53-A9D1-641797D8C52C}"/>
-              </a:ext>
-            </a:extLst>
-          </p:cNvPr>
-          <p:cNvSpPr>
-            <a:spLocks noGrp="1"/>
-          </p:cNvSpPr>
-          <p:nvPr>
-            <p:ph idx="1"/>
-          </p:nvPr>
-        </p:nvSpPr>
-        <p:spPr/>
-        <p:txBody>
-          <a:bodyPr/>
-          <a:lstStyle/>
-          <a:p>
-            <a:pPr marL="0" indent="0">
-              <a:buNone/>
-            </a:pPr>
-            <a:r>
-              <a:rPr lang="en-US" dirty="0">
-                <a:hlinkClick r:id="rId3"/>
-              </a:rPr>
-              <a:t>Azure RBAC explained</a:t>
-            </a:r>
-            <a:endParaRPr lang="en-US" i="1" dirty="0"/>
-          </a:p>
-          <a:p>
-            <a:pPr marL="0" indent="0">
-              <a:buNone/>
-            </a:pPr>
-            <a:endParaRPr lang="en-US" dirty="0"/>
-          </a:p>
-        </p:txBody>
-      </p:sp>
-    </p:spTree>
-    <p:extLst>
-      <p:ext uri="{BB962C8B-B14F-4D97-AF65-F5344CB8AC3E}">
-        <p14:creationId xmlns:p14="http://schemas.microsoft.com/office/powerpoint/2010/main" val="3708815563"/>
-      </p:ext>
-    </p:extLst>
-  </p:cSld>
-  <p:clrMapOvr>
-    <a:masterClrMapping/>
-  </p:clrMapOvr>
-</p:sld>
-</file>
-
 <file path=ppt/slides/slide52.xml><?xml version="1.0" encoding="utf-8"?>
 <p:sld xmlns:a="http://schemas.openxmlformats.org/drawingml/2006/main" xmlns:r="http://schemas.openxmlformats.org/officeDocument/2006/relationships" xmlns:p="http://schemas.openxmlformats.org/presentationml/2006/main">
   <p:cSld>
@@ -14245,16 +14248,31 @@
               <a:buNone/>
             </a:pPr>
             <a:r>
-              <a:rPr lang="en-US" dirty="0"/>
-              <a:t>Authentication – verification that an identity is who/what they claims</a:t>
-            </a:r>
+              <a:rPr lang="it-IT" dirty="0" err="1">
+                <a:hlinkClick r:id="rId3"/>
+              </a:rPr>
+              <a:t>ACLs</a:t>
+            </a:r>
+            <a:r>
+              <a:rPr lang="it-IT" dirty="0">
+                <a:hlinkClick r:id="rId3"/>
+              </a:rPr>
+              <a:t> in Azure Data Lake</a:t>
+            </a:r>
+            <a:endParaRPr lang="en-US" i="1" dirty="0"/>
+          </a:p>
+          <a:p>
+            <a:pPr marL="0" indent="0">
+              <a:buNone/>
+            </a:pPr>
+            <a:endParaRPr lang="en-US" dirty="0"/>
           </a:p>
         </p:txBody>
       </p:sp>
     </p:spTree>
     <p:extLst>
       <p:ext uri="{BB962C8B-B14F-4D97-AF65-F5344CB8AC3E}">
-        <p14:creationId xmlns:p14="http://schemas.microsoft.com/office/powerpoint/2010/main" val="304570901"/>
+        <p14:creationId xmlns:p14="http://schemas.microsoft.com/office/powerpoint/2010/main" val="3096526342"/>
       </p:ext>
     </p:extLst>
   </p:cSld>
@@ -14335,39 +14353,7 @@
             </a:pPr>
             <a:r>
               <a:rPr lang="en-US" dirty="0"/>
-              <a:t>Authentication could be based on</a:t>
-            </a:r>
-          </a:p>
-          <a:p>
-            <a:r>
-              <a:rPr lang="en-US" dirty="0"/>
-              <a:t>Password</a:t>
-            </a:r>
-          </a:p>
-          <a:p>
-            <a:r>
-              <a:rPr lang="en-US" dirty="0"/>
-              <a:t>Certificate</a:t>
-            </a:r>
-          </a:p>
-          <a:p>
-            <a:r>
-              <a:rPr lang="en-US" dirty="0"/>
-              <a:t>Token</a:t>
-            </a:r>
-          </a:p>
-          <a:p>
-            <a:r>
-              <a:rPr lang="en-US" dirty="0"/>
-              <a:t>Biometrics (fingerprint, face identification, </a:t>
-            </a:r>
-            <a:r>
-              <a:rPr lang="en-US" dirty="0" err="1"/>
-              <a:t>etc</a:t>
-            </a:r>
-            <a:r>
-              <a:rPr lang="en-US" dirty="0"/>
-              <a:t>)</a:t>
+              <a:t>Authentication – verification that an identity is who/what they claims</a:t>
             </a:r>
           </a:p>
         </p:txBody>
@@ -14375,7 +14361,7 @@
     </p:spTree>
     <p:extLst>
       <p:ext uri="{BB962C8B-B14F-4D97-AF65-F5344CB8AC3E}">
-        <p14:creationId xmlns:p14="http://schemas.microsoft.com/office/powerpoint/2010/main" val="1792375183"/>
+        <p14:creationId xmlns:p14="http://schemas.microsoft.com/office/powerpoint/2010/main" val="304570901"/>
       </p:ext>
     </p:extLst>
   </p:cSld>
@@ -14456,20 +14442,47 @@
             </a:pPr>
             <a:r>
               <a:rPr lang="en-US" dirty="0"/>
-              <a:t>Authorization – verify that exact identity is permitted to perform </a:t>
-            </a:r>
-            <a:r>
-              <a:rPr lang="en-US"/>
-              <a:t>an operation</a:t>
-            </a:r>
-            <a:endParaRPr lang="en-US" dirty="0"/>
+              <a:t>Authentication could be based on</a:t>
+            </a:r>
+          </a:p>
+          <a:p>
+            <a:r>
+              <a:rPr lang="en-US" dirty="0"/>
+              <a:t>Password</a:t>
+            </a:r>
+          </a:p>
+          <a:p>
+            <a:r>
+              <a:rPr lang="en-US" dirty="0"/>
+              <a:t>Certificate</a:t>
+            </a:r>
+          </a:p>
+          <a:p>
+            <a:r>
+              <a:rPr lang="en-US" dirty="0"/>
+              <a:t>Token</a:t>
+            </a:r>
+          </a:p>
+          <a:p>
+            <a:r>
+              <a:rPr lang="en-US" dirty="0"/>
+              <a:t>Biometrics (fingerprint, face identification, </a:t>
+            </a:r>
+            <a:r>
+              <a:rPr lang="en-US" dirty="0" err="1"/>
+              <a:t>etc</a:t>
+            </a:r>
+            <a:r>
+              <a:rPr lang="en-US" dirty="0"/>
+              <a:t>)</a:t>
+            </a:r>
           </a:p>
         </p:txBody>
       </p:sp>
     </p:spTree>
     <p:extLst>
       <p:ext uri="{BB962C8B-B14F-4D97-AF65-F5344CB8AC3E}">
-        <p14:creationId xmlns:p14="http://schemas.microsoft.com/office/powerpoint/2010/main" val="401564871"/>
+        <p14:creationId xmlns:p14="http://schemas.microsoft.com/office/powerpoint/2010/main" val="1792375183"/>
       </p:ext>
     </p:extLst>
   </p:cSld>
@@ -14549,33 +14562,13 @@
               <a:buNone/>
             </a:pPr>
             <a:r>
-              <a:rPr lang="en-US" i="1" dirty="0"/>
-              <a:t>SAML</a:t>
-            </a:r>
-            <a:r>
-              <a:rPr lang="en-US" dirty="0"/>
-              <a:t> </a:t>
-            </a:r>
-          </a:p>
-          <a:p>
-            <a:r>
-              <a:rPr lang="en-US" dirty="0"/>
-              <a:t>Open standard to exchange authentication and authorization data. </a:t>
-            </a:r>
-          </a:p>
-          <a:p>
-            <a:r>
-              <a:rPr lang="en-US" dirty="0"/>
-              <a:t>First published in 2001, SAML 2.0 in 2005</a:t>
-            </a:r>
-          </a:p>
-          <a:p>
-            <a:r>
-              <a:rPr lang="en-US" dirty="0"/>
-              <a:t>XML-based markup + protocol</a:t>
-            </a:r>
-          </a:p>
-          <a:p>
+              <a:rPr lang="en-US" dirty="0"/>
+              <a:t>Authorization – verify that exact identity is permitted to perform </a:t>
+            </a:r>
+            <a:r>
+              <a:rPr lang="en-US"/>
+              <a:t>an operation</a:t>
+            </a:r>
             <a:endParaRPr lang="en-US" dirty="0"/>
           </a:p>
         </p:txBody>
@@ -14583,7 +14576,7 @@
     </p:spTree>
     <p:extLst>
       <p:ext uri="{BB962C8B-B14F-4D97-AF65-F5344CB8AC3E}">
-        <p14:creationId xmlns:p14="http://schemas.microsoft.com/office/powerpoint/2010/main" val="387050328"/>
+        <p14:creationId xmlns:p14="http://schemas.microsoft.com/office/powerpoint/2010/main" val="401564871"/>
       </p:ext>
     </p:extLst>
   </p:cSld>
@@ -14664,32 +14657,32 @@
             </a:pPr>
             <a:r>
               <a:rPr lang="en-US" i="1" dirty="0"/>
-              <a:t>OAuth</a:t>
-            </a:r>
-            <a:endParaRPr lang="en-US" dirty="0"/>
-          </a:p>
-          <a:p>
-            <a:r>
-              <a:rPr lang="en-US" dirty="0"/>
-              <a:t>Open standard to delegate access [authorization]</a:t>
-            </a:r>
-          </a:p>
-          <a:p>
-            <a:r>
-              <a:rPr lang="en-US" dirty="0"/>
-              <a:t>First published in 2006</a:t>
-            </a:r>
-          </a:p>
-          <a:p>
-            <a:r>
-              <a:rPr lang="en-US" dirty="0"/>
-              <a:t>OAuth 2.0 published in 2012</a:t>
-            </a:r>
-          </a:p>
-          <a:p>
-            <a:pPr marL="0" indent="0">
-              <a:buNone/>
-            </a:pPr>
+              <a:t>SAML</a:t>
+            </a:r>
+            <a:r>
+              <a:rPr lang="en-US" dirty="0"/>
+              <a:t> </a:t>
+            </a:r>
+          </a:p>
+          <a:p>
+            <a:r>
+              <a:rPr lang="en-US" dirty="0"/>
+              <a:t>Open standard to exchange authentication and authorization data. </a:t>
+            </a:r>
+          </a:p>
+          <a:p>
+            <a:r>
+              <a:rPr lang="en-US" dirty="0"/>
+              <a:t>First published in 2001, SAML 2.0 in 2005</a:t>
+            </a:r>
+          </a:p>
+          <a:p>
+            <a:r>
+              <a:rPr lang="en-US" dirty="0"/>
+              <a:t>XML-based markup + protocol</a:t>
+            </a:r>
+          </a:p>
+          <a:p>
             <a:endParaRPr lang="en-US" dirty="0"/>
           </a:p>
         </p:txBody>
@@ -14697,7 +14690,7 @@
     </p:spTree>
     <p:extLst>
       <p:ext uri="{BB962C8B-B14F-4D97-AF65-F5344CB8AC3E}">
-        <p14:creationId xmlns:p14="http://schemas.microsoft.com/office/powerpoint/2010/main" val="172644186"/>
+        <p14:creationId xmlns:p14="http://schemas.microsoft.com/office/powerpoint/2010/main" val="387050328"/>
       </p:ext>
     </p:extLst>
   </p:cSld>
@@ -14778,32 +14771,40 @@
             </a:pPr>
             <a:r>
               <a:rPr lang="en-US" i="1" dirty="0"/>
-              <a:t>OpenID</a:t>
-            </a:r>
-            <a:r>
-              <a:rPr lang="en-US" dirty="0"/>
-              <a:t> – authentication protocol first published in 2006.</a:t>
+              <a:t>OAuth</a:t>
+            </a:r>
+            <a:endParaRPr lang="en-US" dirty="0"/>
+          </a:p>
+          <a:p>
+            <a:r>
+              <a:rPr lang="en-US" dirty="0"/>
+              <a:t>Open standard to delegate access [authorization]</a:t>
+            </a:r>
+          </a:p>
+          <a:p>
+            <a:r>
+              <a:rPr lang="en-US" dirty="0"/>
+              <a:t>First published in 2006</a:t>
+            </a:r>
+          </a:p>
+          <a:p>
+            <a:r>
+              <a:rPr lang="en-US" dirty="0"/>
+              <a:t>OAuth 2.0 published in 2012</a:t>
             </a:r>
           </a:p>
           <a:p>
             <a:pPr marL="0" indent="0">
               <a:buNone/>
             </a:pPr>
-            <a:r>
-              <a:rPr lang="en-US" i="1" dirty="0"/>
-              <a:t>OpenID Connect (OIDC)</a:t>
-            </a:r>
-            <a:r>
-              <a:rPr lang="en-US" dirty="0"/>
-              <a:t> – the third version of OpenID protocol, published in 2014</a:t>
-            </a:r>
+            <a:endParaRPr lang="en-US" dirty="0"/>
           </a:p>
         </p:txBody>
       </p:sp>
     </p:spTree>
     <p:extLst>
       <p:ext uri="{BB962C8B-B14F-4D97-AF65-F5344CB8AC3E}">
-        <p14:creationId xmlns:p14="http://schemas.microsoft.com/office/powerpoint/2010/main" val="4048307857"/>
+        <p14:creationId xmlns:p14="http://schemas.microsoft.com/office/powerpoint/2010/main" val="172644186"/>
       </p:ext>
     </p:extLst>
   </p:cSld>
@@ -14883,46 +14884,25 @@
               <a:buNone/>
             </a:pPr>
             <a:r>
-              <a:rPr lang="en-US" dirty="0"/>
-              <a:t>OAuth 2.0 is only for authorization</a:t>
+              <a:rPr lang="en-US" i="1" dirty="0"/>
+              <a:t>OpenID</a:t>
+            </a:r>
+            <a:r>
+              <a:rPr lang="en-US" dirty="0"/>
+              <a:t> – authentication protocol first published in 2006.</a:t>
             </a:r>
           </a:p>
           <a:p>
             <a:pPr marL="0" indent="0">
               <a:buNone/>
             </a:pPr>
-            <a:endParaRPr lang="en-US" dirty="0"/>
-          </a:p>
-          <a:p>
-            <a:pPr marL="0" indent="0">
-              <a:buNone/>
-            </a:pPr>
-            <a:r>
-              <a:rPr lang="en-US" dirty="0"/>
-              <a:t>OpenID Connect (OIDC) is a layer on top of OAuth 2.0 and </a:t>
-            </a:r>
-            <a:r>
-              <a:rPr lang="en-US" b="1" dirty="0"/>
-              <a:t>adds login and profile information </a:t>
-            </a:r>
-            <a:r>
-              <a:rPr lang="en-US" dirty="0"/>
-              <a:t>about the person who is logged in</a:t>
-            </a:r>
-          </a:p>
-          <a:p>
-            <a:pPr marL="0" indent="0">
-              <a:buNone/>
-            </a:pPr>
-            <a:endParaRPr lang="en-US" dirty="0"/>
-          </a:p>
-          <a:p>
-            <a:pPr marL="0" indent="0">
-              <a:buNone/>
-            </a:pPr>
-            <a:r>
-              <a:rPr lang="en-US" dirty="0"/>
-              <a:t>OIDC enables single-sign-on (SSO) and uses id-token (e.g. JWT)</a:t>
+            <a:r>
+              <a:rPr lang="en-US" i="1" dirty="0"/>
+              <a:t>OpenID Connect (OIDC)</a:t>
+            </a:r>
+            <a:r>
+              <a:rPr lang="en-US" dirty="0"/>
+              <a:t> – the third version of OpenID protocol, published in 2014</a:t>
             </a:r>
           </a:p>
         </p:txBody>
@@ -14930,7 +14910,7 @@
     </p:spTree>
     <p:extLst>
       <p:ext uri="{BB962C8B-B14F-4D97-AF65-F5344CB8AC3E}">
-        <p14:creationId xmlns:p14="http://schemas.microsoft.com/office/powerpoint/2010/main" val="3219792900"/>
+        <p14:creationId xmlns:p14="http://schemas.microsoft.com/office/powerpoint/2010/main" val="4048307857"/>
       </p:ext>
     </p:extLst>
   </p:cSld>
@@ -15010,12 +14990,9 @@
               <a:buNone/>
             </a:pPr>
             <a:r>
-              <a:rPr lang="en-US" dirty="0">
-                <a:hlinkClick r:id="rId3"/>
-              </a:rPr>
-              <a:t>An Illustrated Guide to OAuth and OpenID Connect</a:t>
-            </a:r>
-            <a:endParaRPr lang="en-US" dirty="0"/>
+              <a:rPr lang="en-US" dirty="0"/>
+              <a:t>OAuth 2.0 is only for authorization</a:t>
+            </a:r>
           </a:p>
           <a:p>
             <a:pPr marL="0" indent="0">
@@ -15023,12 +15000,44 @@
             </a:pPr>
             <a:endParaRPr lang="en-US" dirty="0"/>
           </a:p>
+          <a:p>
+            <a:pPr marL="0" indent="0">
+              <a:buNone/>
+            </a:pPr>
+            <a:r>
+              <a:rPr lang="en-US" dirty="0"/>
+              <a:t>OpenID Connect (OIDC) is a layer on top of OAuth 2.0 and </a:t>
+            </a:r>
+            <a:r>
+              <a:rPr lang="en-US" b="1" dirty="0"/>
+              <a:t>adds login and profile information </a:t>
+            </a:r>
+            <a:r>
+              <a:rPr lang="en-US" dirty="0"/>
+              <a:t>about the person who is logged in</a:t>
+            </a:r>
+          </a:p>
+          <a:p>
+            <a:pPr marL="0" indent="0">
+              <a:buNone/>
+            </a:pPr>
+            <a:endParaRPr lang="en-US" dirty="0"/>
+          </a:p>
+          <a:p>
+            <a:pPr marL="0" indent="0">
+              <a:buNone/>
+            </a:pPr>
+            <a:r>
+              <a:rPr lang="en-US" dirty="0"/>
+              <a:t>OIDC enables single-sign-on (SSO) and uses id-token (e.g. JWT)</a:t>
+            </a:r>
+          </a:p>
         </p:txBody>
       </p:sp>
     </p:spTree>
     <p:extLst>
       <p:ext uri="{BB962C8B-B14F-4D97-AF65-F5344CB8AC3E}">
-        <p14:creationId xmlns:p14="http://schemas.microsoft.com/office/powerpoint/2010/main" val="789021786"/>
+        <p14:creationId xmlns:p14="http://schemas.microsoft.com/office/powerpoint/2010/main" val="3219792900"/>
       </p:ext>
     </p:extLst>
   </p:cSld>
@@ -15232,11 +15241,9 @@
             </a:pPr>
             <a:r>
               <a:rPr lang="en-US" dirty="0">
-                <a:solidFill>
-                  <a:schemeClr val="accent2"/>
-                </a:solidFill>
+                <a:hlinkClick r:id="rId3"/>
               </a:rPr>
-              <a:t>AWS IAM</a:t>
+              <a:t>An Illustrated Guide to OAuth and OpenID Connect</a:t>
             </a:r>
             <a:endParaRPr lang="en-US" dirty="0"/>
           </a:p>
@@ -15244,27 +15251,6 @@
             <a:pPr marL="0" indent="0">
               <a:buNone/>
             </a:pPr>
-            <a:r>
-              <a:rPr lang="en-US" dirty="0">
-                <a:solidFill>
-                  <a:schemeClr val="accent5"/>
-                </a:solidFill>
-              </a:rPr>
-              <a:t>GCP IAM</a:t>
-            </a:r>
-          </a:p>
-          <a:p>
-            <a:pPr marL="0" indent="0">
-              <a:buNone/>
-            </a:pPr>
-            <a:r>
-              <a:rPr lang="en-US" dirty="0">
-                <a:solidFill>
-                  <a:schemeClr val="accent1"/>
-                </a:solidFill>
-              </a:rPr>
-              <a:t>Azure Active Directory (AAD)</a:t>
-            </a:r>
             <a:endParaRPr lang="en-US" dirty="0"/>
           </a:p>
         </p:txBody>
@@ -15272,7 +15258,7 @@
     </p:spTree>
     <p:extLst>
       <p:ext uri="{BB962C8B-B14F-4D97-AF65-F5344CB8AC3E}">
-        <p14:creationId xmlns:p14="http://schemas.microsoft.com/office/powerpoint/2010/main" val="1476461488"/>
+        <p14:creationId xmlns:p14="http://schemas.microsoft.com/office/powerpoint/2010/main" val="789021786"/>
       </p:ext>
     </p:extLst>
   </p:cSld>
@@ -15352,88 +15338,48 @@
               <a:buNone/>
             </a:pPr>
             <a:r>
-              <a:rPr lang="en-US" dirty="0"/>
-              <a:t>All of them covers authentication and authorization:</a:t>
-            </a:r>
-          </a:p>
-          <a:p>
-            <a:r>
-              <a:rPr lang="en-US" dirty="0"/>
-              <a:t>Verifies </a:t>
-            </a:r>
-            <a:r>
-              <a:rPr lang="en-US" i="1" dirty="0"/>
-              <a:t>Identities</a:t>
-            </a:r>
-          </a:p>
-          <a:p>
-            <a:r>
-              <a:rPr lang="en-US" dirty="0"/>
-              <a:t>Manage </a:t>
-            </a:r>
-            <a:r>
-              <a:rPr lang="en-US" i="1" dirty="0"/>
-              <a:t>Identities</a:t>
-            </a:r>
-            <a:r>
-              <a:rPr lang="en-US" dirty="0"/>
-              <a:t> access to </a:t>
-            </a:r>
-            <a:r>
-              <a:rPr lang="en-US" i="1" dirty="0"/>
-              <a:t>Resources</a:t>
-            </a:r>
-            <a:r>
-              <a:rPr lang="en-US" dirty="0"/>
-              <a:t> via </a:t>
-            </a:r>
-            <a:r>
-              <a:rPr lang="en-US" i="1" dirty="0"/>
-              <a:t>Permissions</a:t>
-            </a:r>
-          </a:p>
-          <a:p>
-            <a:r>
-              <a:rPr lang="en-US" dirty="0"/>
-              <a:t>Aggregate </a:t>
-            </a:r>
-            <a:r>
-              <a:rPr lang="en-US" i="1" dirty="0"/>
-              <a:t>Identities </a:t>
-            </a:r>
-            <a:r>
-              <a:rPr lang="en-US" dirty="0"/>
-              <a:t>into </a:t>
-            </a:r>
-            <a:r>
-              <a:rPr lang="en-US" i="1" dirty="0"/>
-              <a:t>Groups</a:t>
-            </a:r>
-          </a:p>
-          <a:p>
-            <a:r>
-              <a:rPr lang="en-US" dirty="0"/>
-              <a:t>Aggregate </a:t>
-            </a:r>
-            <a:r>
-              <a:rPr lang="en-US" i="1" dirty="0"/>
-              <a:t>Permissions</a:t>
-            </a:r>
-            <a:r>
-              <a:rPr lang="en-US" dirty="0"/>
-              <a:t> into </a:t>
-            </a:r>
-            <a:r>
-              <a:rPr lang="en-US" i="1" dirty="0"/>
-              <a:t>Roles</a:t>
-            </a:r>
+              <a:rPr lang="en-US" dirty="0">
+                <a:solidFill>
+                  <a:schemeClr val="accent2"/>
+                </a:solidFill>
+              </a:rPr>
+              <a:t>AWS IAM</a:t>
+            </a:r>
+            <a:endParaRPr lang="en-US" dirty="0"/>
+          </a:p>
+          <a:p>
+            <a:pPr marL="0" indent="0">
+              <a:buNone/>
+            </a:pPr>
+            <a:r>
+              <a:rPr lang="en-US" dirty="0">
+                <a:solidFill>
+                  <a:schemeClr val="accent5"/>
+                </a:solidFill>
+              </a:rPr>
+              <a:t>GCP IAM</a:t>
+            </a:r>
+          </a:p>
+          <a:p>
+            <a:pPr marL="0" indent="0">
+              <a:buNone/>
+            </a:pPr>
+            <a:r>
+              <a:rPr lang="en-US" dirty="0">
+                <a:solidFill>
+                  <a:schemeClr val="accent1"/>
+                </a:solidFill>
+              </a:rPr>
+              <a:t>Azure Active Directory (AAD)</a:t>
+            </a:r>
+            <a:endParaRPr lang="en-US" dirty="0"/>
           </a:p>
         </p:txBody>
       </p:sp>
     </p:spTree>
     <p:extLst>
       <p:ext uri="{BB962C8B-B14F-4D97-AF65-F5344CB8AC3E}">
-        <p14:creationId xmlns:p14="http://schemas.microsoft.com/office/powerpoint/2010/main" val="3830809263"/>
+        <p14:creationId xmlns:p14="http://schemas.microsoft.com/office/powerpoint/2010/main" val="1476461488"/>
       </p:ext>
     </p:extLst>
   </p:cSld>
@@ -15514,25 +15460,79 @@
             </a:pPr>
             <a:r>
               <a:rPr lang="en-US" dirty="0"/>
-              <a:t>Plus</a:t>
-            </a:r>
-          </a:p>
-          <a:p>
-            <a:r>
-              <a:rPr lang="en-US" dirty="0"/>
-              <a:t>Identity management</a:t>
-            </a:r>
-          </a:p>
-          <a:p>
-            <a:r>
-              <a:rPr lang="en-US" dirty="0"/>
-              <a:t>Auditing – logs to answer the question “who did what, where and when?”</a:t>
-            </a:r>
-          </a:p>
-          <a:p>
-            <a:r>
-              <a:rPr lang="en-US" dirty="0"/>
-              <a:t>Policies – enforce rules</a:t>
+              <a:t>All of them covers authentication and authorization:</a:t>
+            </a:r>
+          </a:p>
+          <a:p>
+            <a:r>
+              <a:rPr lang="en-US" dirty="0"/>
+              <a:t>Verifies </a:t>
+            </a:r>
+            <a:r>
+              <a:rPr lang="en-US" i="1" dirty="0"/>
+              <a:t>Identities</a:t>
+            </a:r>
+          </a:p>
+          <a:p>
+            <a:r>
+              <a:rPr lang="en-US" dirty="0"/>
+              <a:t>Manage </a:t>
+            </a:r>
+            <a:r>
+              <a:rPr lang="en-US" i="1" dirty="0"/>
+              <a:t>Identities</a:t>
+            </a:r>
+            <a:r>
+              <a:rPr lang="en-US" dirty="0"/>
+              <a:t> access to </a:t>
+            </a:r>
+            <a:r>
+              <a:rPr lang="en-US" i="1" dirty="0"/>
+              <a:t>Resources</a:t>
+            </a:r>
+            <a:r>
+              <a:rPr lang="en-US" dirty="0"/>
+              <a:t> via </a:t>
+            </a:r>
+            <a:r>
+              <a:rPr lang="en-US" i="1" dirty="0"/>
+              <a:t>Permissions</a:t>
+            </a:r>
+          </a:p>
+          <a:p>
+            <a:r>
+              <a:rPr lang="en-US" dirty="0"/>
+              <a:t>Aggregate </a:t>
+            </a:r>
+            <a:r>
+              <a:rPr lang="en-US" i="1" dirty="0"/>
+              <a:t>Identities </a:t>
+            </a:r>
+            <a:r>
+              <a:rPr lang="en-US" dirty="0"/>
+              <a:t>into </a:t>
+            </a:r>
+            <a:r>
+              <a:rPr lang="en-US" i="1" dirty="0"/>
+              <a:t>Groups</a:t>
+            </a:r>
+          </a:p>
+          <a:p>
+            <a:r>
+              <a:rPr lang="en-US" dirty="0"/>
+              <a:t>Aggregate </a:t>
+            </a:r>
+            <a:r>
+              <a:rPr lang="en-US" i="1" dirty="0"/>
+              <a:t>Permissions</a:t>
+            </a:r>
+            <a:r>
+              <a:rPr lang="en-US" dirty="0"/>
+              <a:t> into </a:t>
+            </a:r>
+            <a:r>
+              <a:rPr lang="en-US" i="1" dirty="0"/>
+              <a:t>Roles</a:t>
             </a:r>
           </a:p>
         </p:txBody>
@@ -15540,7 +15540,7 @@
     </p:spTree>
     <p:extLst>
       <p:ext uri="{BB962C8B-B14F-4D97-AF65-F5344CB8AC3E}">
-        <p14:creationId xmlns:p14="http://schemas.microsoft.com/office/powerpoint/2010/main" val="2686022638"/>
+        <p14:creationId xmlns:p14="http://schemas.microsoft.com/office/powerpoint/2010/main" val="3830809263"/>
       </p:ext>
     </p:extLst>
   </p:cSld>
@@ -15621,27 +15621,25 @@
             </a:pPr>
             <a:r>
               <a:rPr lang="en-US" dirty="0"/>
-              <a:t>Demo</a:t>
-            </a:r>
-          </a:p>
-          <a:p>
-            <a:pPr>
-              <a:buFontTx/>
-              <a:buChar char="-"/>
-            </a:pPr>
-            <a:r>
-              <a:rPr lang="en-US" dirty="0"/>
-              <a:t>Kubernetes RBAC</a:t>
-            </a:r>
-          </a:p>
-          <a:p>
-            <a:pPr>
-              <a:buFontTx/>
-              <a:buChar char="-"/>
-            </a:pPr>
-            <a:r>
-              <a:rPr lang="en-US" dirty="0"/>
-              <a:t>Azure Active Directory</a:t>
+              <a:t>Plus</a:t>
+            </a:r>
+          </a:p>
+          <a:p>
+            <a:r>
+              <a:rPr lang="en-US" dirty="0"/>
+              <a:t>Identity management</a:t>
+            </a:r>
+          </a:p>
+          <a:p>
+            <a:r>
+              <a:rPr lang="en-US" dirty="0"/>
+              <a:t>Auditing – logs to answer the question “who did what, where and when?”</a:t>
+            </a:r>
+          </a:p>
+          <a:p>
+            <a:r>
+              <a:rPr lang="en-US" dirty="0"/>
+              <a:t>Policies – enforce rules</a:t>
             </a:r>
           </a:p>
         </p:txBody>
@@ -15649,7 +15647,7 @@
     </p:spTree>
     <p:extLst>
       <p:ext uri="{BB962C8B-B14F-4D97-AF65-F5344CB8AC3E}">
-        <p14:creationId xmlns:p14="http://schemas.microsoft.com/office/powerpoint/2010/main" val="3705316969"/>
+        <p14:creationId xmlns:p14="http://schemas.microsoft.com/office/powerpoint/2010/main" val="2686022638"/>
       </p:ext>
     </p:extLst>
   </p:cSld>
@@ -15734,20 +15732,23 @@
             </a:r>
           </a:p>
           <a:p>
-            <a:pPr marL="0" indent="0">
-              <a:buNone/>
+            <a:pPr>
+              <a:buFontTx/>
+              <a:buChar char="-"/>
             </a:pPr>
             <a:r>
               <a:rPr lang="en-US" dirty="0"/>
-              <a:t>Review “security” aspect of </a:t>
-            </a:r>
-            <a:r>
-              <a:rPr lang="en-US" dirty="0" err="1"/>
-              <a:t>FaaS</a:t>
-            </a:r>
-            <a:r>
-              <a:rPr lang="en-US" dirty="0"/>
-              <a:t> template</a:t>
+              <a:t>Kubernetes RBAC</a:t>
+            </a:r>
+          </a:p>
+          <a:p>
+            <a:pPr>
+              <a:buFontTx/>
+              <a:buChar char="-"/>
+            </a:pPr>
+            <a:r>
+              <a:rPr lang="en-US" dirty="0"/>
+              <a:t>Azure Active Directory</a:t>
             </a:r>
           </a:p>
         </p:txBody>
@@ -15755,7 +15756,7 @@
     </p:spTree>
     <p:extLst>
       <p:ext uri="{BB962C8B-B14F-4D97-AF65-F5344CB8AC3E}">
-        <p14:creationId xmlns:p14="http://schemas.microsoft.com/office/powerpoint/2010/main" val="3461088921"/>
+        <p14:creationId xmlns:p14="http://schemas.microsoft.com/office/powerpoint/2010/main" val="3705316969"/>
       </p:ext>
     </p:extLst>
   </p:cSld>
